--- a/week14/auth.pptx
+++ b/week14/auth.pptx
@@ -25,8 +25,8 @@
     <p:sldId id="342" r:id="rId16"/>
     <p:sldId id="310" r:id="rId17"/>
     <p:sldId id="347" r:id="rId18"/>
-    <p:sldId id="348" r:id="rId19"/>
-    <p:sldId id="350" r:id="rId20"/>
+    <p:sldId id="350" r:id="rId19"/>
+    <p:sldId id="348" r:id="rId20"/>
     <p:sldId id="349" r:id="rId21"/>
     <p:sldId id="346" r:id="rId22"/>
     <p:sldId id="352" r:id="rId23"/>
@@ -243,7 +243,7 @@
           <a:p>
             <a:fld id="{312E7B4A-039C-48A2-9B2C-AF16AA3873D8}" type="datetimeFigureOut">
               <a:rPr lang="en-US" smtClean="0"/>
-              <a:t>11/20/2016</a:t>
+              <a:t>4/25/2022</a:t>
             </a:fld>
             <a:endParaRPr lang="en-US"/>
           </a:p>
@@ -408,7 +408,7 @@
           <a:p>
             <a:fld id="{DA005A0C-54D9-45AA-87D4-C551D08DFCE1}" type="datetimeFigureOut">
               <a:rPr lang="en-US" smtClean="0"/>
-              <a:t>11/20/2016</a:t>
+              <a:t>4/25/2022</a:t>
             </a:fld>
             <a:endParaRPr lang="en-US"/>
           </a:p>
@@ -472,38 +472,37 @@
           <a:p>
             <a:pPr lvl="0"/>
             <a:r>
-              <a:rPr lang="en-US" smtClean="0"/>
+              <a:rPr lang="en-US"/>
               <a:t>Click to edit Master text styles</a:t>
             </a:r>
           </a:p>
           <a:p>
             <a:pPr lvl="1"/>
             <a:r>
-              <a:rPr lang="en-US" smtClean="0"/>
+              <a:rPr lang="en-US"/>
               <a:t>Second level</a:t>
             </a:r>
           </a:p>
           <a:p>
             <a:pPr lvl="2"/>
             <a:r>
-              <a:rPr lang="en-US" smtClean="0"/>
+              <a:rPr lang="en-US"/>
               <a:t>Third level</a:t>
             </a:r>
           </a:p>
           <a:p>
             <a:pPr lvl="3"/>
             <a:r>
-              <a:rPr lang="en-US" smtClean="0"/>
+              <a:rPr lang="en-US"/>
               <a:t>Fourth level</a:t>
             </a:r>
           </a:p>
           <a:p>
             <a:pPr lvl="4"/>
             <a:r>
-              <a:rPr lang="en-US" smtClean="0"/>
+              <a:rPr lang="en-US"/>
               <a:t>Fifth level</a:t>
             </a:r>
-            <a:endParaRPr lang="en-US"/>
           </a:p>
         </p:txBody>
       </p:sp>
@@ -999,10 +998,9 @@
           </a:lstStyle>
           <a:p>
             <a:r>
-              <a:rPr lang="en-US" dirty="0" smtClean="0"/>
+              <a:rPr lang="en-US" dirty="0"/>
               <a:t>Click to edit Master subtitle style</a:t>
             </a:r>
-            <a:endParaRPr lang="en-US" dirty="0"/>
           </a:p>
         </p:txBody>
       </p:sp>
@@ -1057,10 +1055,9 @@
           <a:p>
             <a:pPr lvl="0"/>
             <a:r>
-              <a:rPr lang="en-US" dirty="0" smtClean="0"/>
+              <a:rPr lang="en-US" dirty="0"/>
               <a:t>Course title style</a:t>
             </a:r>
-            <a:endParaRPr lang="en-US" dirty="0"/>
           </a:p>
         </p:txBody>
       </p:sp>
@@ -1190,7 +1187,7 @@
           <a:p>
             <a:pPr algn="l"/>
             <a:r>
-              <a:rPr lang="en-US" sz="1600" dirty="0" smtClean="0">
+              <a:rPr lang="en-US" sz="1600" dirty="0">
                 <a:solidFill>
                   <a:schemeClr val="tx1">
                     <a:lumMod val="75000"/>
@@ -1204,7 +1201,7 @@
               <a:t>Microsoft</a:t>
             </a:r>
             <a:r>
-              <a:rPr lang="en-US" sz="1600" baseline="0" dirty="0" smtClean="0">
+              <a:rPr lang="en-US" sz="1600" baseline="0" dirty="0">
                 <a:solidFill>
                   <a:schemeClr val="tx1">
                     <a:lumMod val="75000"/>
@@ -1217,7 +1214,7 @@
               </a:rPr>
               <a:t> Virtual Academy</a:t>
             </a:r>
-            <a:endParaRPr lang="en-US" sz="1600" dirty="0" smtClean="0">
+            <a:endParaRPr lang="en-US" sz="1600" dirty="0">
               <a:solidFill>
                 <a:schemeClr val="tx1">
                   <a:lumMod val="75000"/>
@@ -1241,13 +1238,6 @@
   <p:clrMapOvr>
     <a:masterClrMapping/>
   </p:clrMapOvr>
-  <p:timing>
-    <p:tnLst>
-      <p:par>
-        <p:cTn id="1" dur="indefinite" restart="never" nodeType="tmRoot"/>
-      </p:par>
-    </p:tnLst>
-  </p:timing>
   <p:extLst mod="1">
     <p:ext uri="{DCECCB84-F9BA-43D5-87BE-67443E8EF086}">
       <p15:sldGuideLst xmlns:p15="http://schemas.microsoft.com/office/powerpoint/2012/main">
@@ -1483,10 +1473,9 @@
           </a:lstStyle>
           <a:p>
             <a:r>
-              <a:rPr lang="en-US" smtClean="0"/>
+              <a:rPr lang="en-US"/>
               <a:t>Click to edit Master subtitle style</a:t>
             </a:r>
-            <a:endParaRPr lang="en-US"/>
           </a:p>
         </p:txBody>
       </p:sp>
@@ -1590,7 +1579,7 @@
           <a:p>
             <a:pPr lvl="0"/>
             <a:r>
-              <a:rPr lang="en-US" dirty="0" smtClean="0"/>
+              <a:rPr lang="en-US" dirty="0"/>
               <a:t>Module or Section transition style</a:t>
             </a:r>
           </a:p>
@@ -1722,10 +1711,9 @@
           </a:lstStyle>
           <a:p>
             <a:r>
-              <a:rPr lang="en-US" dirty="0" smtClean="0"/>
+              <a:rPr lang="en-US" dirty="0"/>
               <a:t>Click to edit Master subtitle style</a:t>
             </a:r>
-            <a:endParaRPr lang="en-US" dirty="0"/>
           </a:p>
         </p:txBody>
       </p:sp>
@@ -1739,13 +1727,6 @@
   <p:clrMapOvr>
     <a:masterClrMapping/>
   </p:clrMapOvr>
-  <p:timing>
-    <p:tnLst>
-      <p:par>
-        <p:cTn id="1" dur="indefinite" restart="never" nodeType="tmRoot"/>
-      </p:par>
-    </p:tnLst>
-  </p:timing>
   <p:extLst mod="1">
     <p:ext uri="{DCECCB84-F9BA-43D5-87BE-67443E8EF086}">
       <p15:sldGuideLst xmlns:p15="http://schemas.microsoft.com/office/powerpoint/2012/main">
@@ -1812,10 +1793,9 @@
           </a:lstStyle>
           <a:p>
             <a:r>
-              <a:rPr lang="en-US" dirty="0" smtClean="0"/>
+              <a:rPr lang="en-US" dirty="0"/>
               <a:t>Click to edit Master title style</a:t>
             </a:r>
-            <a:endParaRPr lang="en-US" dirty="0"/>
           </a:p>
         </p:txBody>
       </p:sp>
@@ -1843,7 +1823,7 @@
           <a:p>
             <a:pPr defTabSz="914088"/>
             <a:r>
-              <a:rPr lang="ru-RU" sz="6600" dirty="0" smtClean="0">
+              <a:rPr lang="ru-RU" sz="6600" dirty="0">
                 <a:solidFill>
                   <a:prstClr val="black"/>
                 </a:solidFill>
@@ -1916,13 +1896,6 @@
   <p:clrMapOvr>
     <a:masterClrMapping/>
   </p:clrMapOvr>
-  <p:timing>
-    <p:tnLst>
-      <p:par>
-        <p:cTn id="1" dur="indefinite" restart="never" nodeType="tmRoot"/>
-      </p:par>
-    </p:tnLst>
-  </p:timing>
 </p:sldLayout>
 </file>
 
@@ -1959,10 +1932,9 @@
           <a:lstStyle/>
           <a:p>
             <a:r>
-              <a:rPr lang="en-US" dirty="0" smtClean="0"/>
+              <a:rPr lang="en-US" dirty="0"/>
               <a:t>Click to edit Master title style</a:t>
             </a:r>
-            <a:endParaRPr lang="en-US" dirty="0"/>
           </a:p>
         </p:txBody>
       </p:sp>
@@ -2030,38 +2002,37 @@
           <a:p>
             <a:pPr lvl="0"/>
             <a:r>
-              <a:rPr lang="en-US" dirty="0" smtClean="0"/>
+              <a:rPr lang="en-US" dirty="0"/>
               <a:t>Click to edit Master text styles</a:t>
             </a:r>
           </a:p>
           <a:p>
             <a:pPr lvl="1"/>
             <a:r>
-              <a:rPr lang="en-US" dirty="0" smtClean="0"/>
+              <a:rPr lang="en-US" dirty="0"/>
               <a:t>Second level</a:t>
             </a:r>
           </a:p>
           <a:p>
             <a:pPr lvl="2"/>
             <a:r>
-              <a:rPr lang="en-US" dirty="0" smtClean="0"/>
+              <a:rPr lang="en-US" dirty="0"/>
               <a:t>Third level</a:t>
             </a:r>
           </a:p>
           <a:p>
             <a:pPr lvl="3"/>
             <a:r>
-              <a:rPr lang="en-US" dirty="0" smtClean="0"/>
+              <a:rPr lang="en-US" dirty="0"/>
               <a:t>Fourth level</a:t>
             </a:r>
           </a:p>
           <a:p>
             <a:pPr lvl="4"/>
             <a:r>
-              <a:rPr lang="en-US" dirty="0" smtClean="0"/>
+              <a:rPr lang="en-US" dirty="0"/>
               <a:t>Fifth level</a:t>
             </a:r>
-            <a:endParaRPr lang="en-US" dirty="0"/>
           </a:p>
         </p:txBody>
       </p:sp>
@@ -2075,13 +2046,6 @@
   <p:clrMapOvr>
     <a:masterClrMapping/>
   </p:clrMapOvr>
-  <p:timing>
-    <p:tnLst>
-      <p:par>
-        <p:cTn id="1" dur="indefinite" restart="never" nodeType="tmRoot"/>
-      </p:par>
-    </p:tnLst>
-  </p:timing>
 </p:sldLayout>
 </file>
 
@@ -2157,38 +2121,37 @@
           <a:p>
             <a:pPr lvl="0"/>
             <a:r>
-              <a:rPr lang="en-US" dirty="0" smtClean="0"/>
+              <a:rPr lang="en-US" dirty="0"/>
               <a:t>Click to edit Master text styles</a:t>
             </a:r>
           </a:p>
           <a:p>
             <a:pPr lvl="1"/>
             <a:r>
-              <a:rPr lang="en-US" dirty="0" smtClean="0"/>
+              <a:rPr lang="en-US" dirty="0"/>
               <a:t>Second level</a:t>
             </a:r>
           </a:p>
           <a:p>
             <a:pPr lvl="2"/>
             <a:r>
-              <a:rPr lang="en-US" dirty="0" smtClean="0"/>
+              <a:rPr lang="en-US" dirty="0"/>
               <a:t>Third level</a:t>
             </a:r>
           </a:p>
           <a:p>
             <a:pPr lvl="3"/>
             <a:r>
-              <a:rPr lang="en-US" dirty="0" smtClean="0"/>
+              <a:rPr lang="en-US" dirty="0"/>
               <a:t>Fourth level</a:t>
             </a:r>
           </a:p>
           <a:p>
             <a:pPr lvl="4"/>
             <a:r>
-              <a:rPr lang="en-US" dirty="0" smtClean="0"/>
+              <a:rPr lang="en-US" dirty="0"/>
               <a:t>Fifth level</a:t>
             </a:r>
-            <a:endParaRPr lang="en-US" dirty="0"/>
           </a:p>
         </p:txBody>
       </p:sp>
@@ -2247,38 +2210,37 @@
           <a:p>
             <a:pPr lvl="0"/>
             <a:r>
-              <a:rPr lang="en-US" dirty="0" smtClean="0"/>
+              <a:rPr lang="en-US" dirty="0"/>
               <a:t>Click to edit Master text styles</a:t>
             </a:r>
           </a:p>
           <a:p>
             <a:pPr lvl="1"/>
             <a:r>
-              <a:rPr lang="en-US" dirty="0" smtClean="0"/>
+              <a:rPr lang="en-US" dirty="0"/>
               <a:t>Second level</a:t>
             </a:r>
           </a:p>
           <a:p>
             <a:pPr lvl="2"/>
             <a:r>
-              <a:rPr lang="en-US" dirty="0" smtClean="0"/>
+              <a:rPr lang="en-US" dirty="0"/>
               <a:t>Third level</a:t>
             </a:r>
           </a:p>
           <a:p>
             <a:pPr lvl="3"/>
             <a:r>
-              <a:rPr lang="en-US" dirty="0" smtClean="0"/>
+              <a:rPr lang="en-US" dirty="0"/>
               <a:t>Fourth level</a:t>
             </a:r>
           </a:p>
           <a:p>
             <a:pPr lvl="4"/>
             <a:r>
-              <a:rPr lang="en-US" dirty="0" smtClean="0"/>
+              <a:rPr lang="en-US" dirty="0"/>
               <a:t>Fifth level</a:t>
             </a:r>
-            <a:endParaRPr lang="en-US" dirty="0"/>
           </a:p>
         </p:txBody>
       </p:sp>
@@ -2298,10 +2260,9 @@
           <a:lstStyle/>
           <a:p>
             <a:r>
-              <a:rPr lang="en-US" smtClean="0"/>
+              <a:rPr lang="en-US"/>
               <a:t>Click to edit Master title style</a:t>
             </a:r>
-            <a:endParaRPr lang="en-US"/>
           </a:p>
         </p:txBody>
       </p:sp>
@@ -2315,13 +2276,6 @@
   <p:clrMapOvr>
     <a:masterClrMapping/>
   </p:clrMapOvr>
-  <p:timing>
-    <p:tnLst>
-      <p:par>
-        <p:cTn id="1" dur="indefinite" restart="never" nodeType="tmRoot"/>
-      </p:par>
-    </p:tnLst>
-  </p:timing>
 </p:sldLayout>
 </file>
 
@@ -2414,7 +2368,7 @@
           <a:p>
             <a:pPr lvl="0"/>
             <a:r>
-              <a:rPr lang="en-US" dirty="0" smtClean="0"/>
+              <a:rPr lang="en-US" dirty="0"/>
               <a:t>Click to edit Master text styles</a:t>
             </a:r>
           </a:p>
@@ -2473,38 +2427,37 @@
           <a:p>
             <a:pPr lvl="0"/>
             <a:r>
-              <a:rPr lang="en-US" dirty="0" smtClean="0"/>
+              <a:rPr lang="en-US" dirty="0"/>
               <a:t>Click to edit Master text styles</a:t>
             </a:r>
           </a:p>
           <a:p>
             <a:pPr lvl="1"/>
             <a:r>
-              <a:rPr lang="en-US" dirty="0" smtClean="0"/>
+              <a:rPr lang="en-US" dirty="0"/>
               <a:t>Second level</a:t>
             </a:r>
           </a:p>
           <a:p>
             <a:pPr lvl="2"/>
             <a:r>
-              <a:rPr lang="en-US" dirty="0" smtClean="0"/>
+              <a:rPr lang="en-US" dirty="0"/>
               <a:t>Third level</a:t>
             </a:r>
           </a:p>
           <a:p>
             <a:pPr lvl="3"/>
             <a:r>
-              <a:rPr lang="en-US" dirty="0" smtClean="0"/>
+              <a:rPr lang="en-US" dirty="0"/>
               <a:t>Fourth level</a:t>
             </a:r>
           </a:p>
           <a:p>
             <a:pPr lvl="4"/>
             <a:r>
-              <a:rPr lang="en-US" dirty="0" smtClean="0"/>
+              <a:rPr lang="en-US" dirty="0"/>
               <a:t>Fifth level</a:t>
             </a:r>
-            <a:endParaRPr lang="en-US" dirty="0"/>
           </a:p>
         </p:txBody>
       </p:sp>
@@ -2580,7 +2533,7 @@
           <a:p>
             <a:pPr lvl="0"/>
             <a:r>
-              <a:rPr lang="en-US" dirty="0" smtClean="0"/>
+              <a:rPr lang="en-US" dirty="0"/>
               <a:t>Click to edit Master text styles</a:t>
             </a:r>
           </a:p>
@@ -2639,38 +2592,37 @@
           <a:p>
             <a:pPr lvl="0"/>
             <a:r>
-              <a:rPr lang="en-US" dirty="0" smtClean="0"/>
+              <a:rPr lang="en-US" dirty="0"/>
               <a:t>Click to edit Master text styles</a:t>
             </a:r>
           </a:p>
           <a:p>
             <a:pPr lvl="1"/>
             <a:r>
-              <a:rPr lang="en-US" dirty="0" smtClean="0"/>
+              <a:rPr lang="en-US" dirty="0"/>
               <a:t>Second level</a:t>
             </a:r>
           </a:p>
           <a:p>
             <a:pPr lvl="2"/>
             <a:r>
-              <a:rPr lang="en-US" dirty="0" smtClean="0"/>
+              <a:rPr lang="en-US" dirty="0"/>
               <a:t>Third level</a:t>
             </a:r>
           </a:p>
           <a:p>
             <a:pPr lvl="3"/>
             <a:r>
-              <a:rPr lang="en-US" dirty="0" smtClean="0"/>
+              <a:rPr lang="en-US" dirty="0"/>
               <a:t>Fourth level</a:t>
             </a:r>
           </a:p>
           <a:p>
             <a:pPr lvl="4"/>
             <a:r>
-              <a:rPr lang="en-US" dirty="0" smtClean="0"/>
+              <a:rPr lang="en-US" dirty="0"/>
               <a:t>Fifth level</a:t>
             </a:r>
-            <a:endParaRPr lang="en-US" dirty="0"/>
           </a:p>
         </p:txBody>
       </p:sp>
@@ -2690,10 +2642,9 @@
           <a:lstStyle/>
           <a:p>
             <a:r>
-              <a:rPr lang="en-US" smtClean="0"/>
+              <a:rPr lang="en-US"/>
               <a:t>Click to edit Master title style</a:t>
             </a:r>
-            <a:endParaRPr lang="en-US"/>
           </a:p>
         </p:txBody>
       </p:sp>
@@ -2707,13 +2658,6 @@
   <p:clrMapOvr>
     <a:masterClrMapping/>
   </p:clrMapOvr>
-  <p:timing>
-    <p:tnLst>
-      <p:par>
-        <p:cTn id="1" dur="indefinite" restart="never" nodeType="tmRoot"/>
-      </p:par>
-    </p:tnLst>
-  </p:timing>
 </p:sldLayout>
 </file>
 
@@ -2750,10 +2694,9 @@
           <a:lstStyle/>
           <a:p>
             <a:r>
-              <a:rPr lang="en-US" smtClean="0"/>
+              <a:rPr lang="en-US"/>
               <a:t>Click to edit Master title style</a:t>
             </a:r>
-            <a:endParaRPr lang="en-US"/>
           </a:p>
         </p:txBody>
       </p:sp>
@@ -2767,13 +2710,6 @@
   <p:clrMapOvr>
     <a:masterClrMapping/>
   </p:clrMapOvr>
-  <p:timing>
-    <p:tnLst>
-      <p:par>
-        <p:cTn id="1" dur="indefinite" restart="never" nodeType="tmRoot"/>
-      </p:par>
-    </p:tnLst>
-  </p:timing>
 </p:sldLayout>
 </file>
 
@@ -2804,13 +2740,6 @@
   <p:clrMapOvr>
     <a:masterClrMapping/>
   </p:clrMapOvr>
-  <p:timing>
-    <p:tnLst>
-      <p:par>
-        <p:cTn id="1" dur="indefinite" restart="never" nodeType="tmRoot"/>
-      </p:par>
-    </p:tnLst>
-  </p:timing>
 </p:sldLayout>
 </file>
 
@@ -2912,21 +2841,6 @@
   <p:clrMapOvr>
     <a:masterClrMapping/>
   </p:clrMapOvr>
-  <mc:AlternateContent xmlns:mc="http://schemas.openxmlformats.org/markup-compatibility/2006" xmlns:p14="http://schemas.microsoft.com/office/powerpoint/2010/main">
-    <mc:Choice Requires="p14">
-      <p:transition spd="slow" p14:dur="2000"/>
-    </mc:Choice>
-    <mc:Fallback xmlns="">
-      <p:transition spd="slow"/>
-    </mc:Fallback>
-  </mc:AlternateContent>
-  <p:timing>
-    <p:tnLst>
-      <p:par>
-        <p:cTn id="1" dur="indefinite" restart="never" nodeType="tmRoot"/>
-      </p:par>
-    </p:tnLst>
-  </p:timing>
 </p:sldLayout>
 </file>
 
@@ -2978,10 +2892,9 @@
           <a:lstStyle/>
           <a:p>
             <a:r>
-              <a:rPr lang="en-US" dirty="0" smtClean="0"/>
+              <a:rPr lang="en-US" dirty="0"/>
               <a:t>Click to edit Master title style</a:t>
             </a:r>
-            <a:endParaRPr lang="en-US" dirty="0"/>
           </a:p>
         </p:txBody>
       </p:sp>
@@ -3004,13 +2917,6 @@
     <p:sldLayoutId id="2147483668" r:id="rId8"/>
     <p:sldLayoutId id="2147483669" r:id="rId9"/>
   </p:sldLayoutIdLst>
-  <p:timing>
-    <p:tnLst>
-      <p:par>
-        <p:cTn id="1" dur="indefinite" restart="never" nodeType="tmRoot"/>
-      </p:par>
-    </p:tnLst>
-  </p:timing>
   <p:txStyles>
     <p:titleStyle>
       <a:lvl1pPr algn="l" defTabSz="914088" rtl="0" eaLnBrk="1" latinLnBrk="0" hangingPunct="1">
@@ -3308,32 +3214,16 @@
         </p:spPr>
         <p:txBody>
           <a:bodyPr>
-            <a:normAutofit fontScale="77500" lnSpcReduction="20000"/>
+            <a:normAutofit/>
           </a:bodyPr>
           <a:lstStyle/>
           <a:p>
             <a:pPr algn="ctr"/>
             <a:r>
               <a:rPr lang="ru-RU" sz="6000" b="1" dirty="0"/>
-              <a:t>Аутентификация </a:t>
-            </a:r>
-            <a:r>
-              <a:rPr lang="ru-RU" sz="6000" b="1" dirty="0" smtClean="0"/>
-              <a:t>пользователей</a:t>
-            </a:r>
-            <a:endParaRPr lang="en-US" sz="6000" b="1" dirty="0" smtClean="0"/>
-          </a:p>
-          <a:p>
-            <a:pPr algn="ctr"/>
-            <a:r>
-              <a:rPr lang="ru-RU" sz="6000" b="1" dirty="0"/>
-              <a:t>Загрузка </a:t>
-            </a:r>
-            <a:r>
-              <a:rPr lang="ru-RU" sz="6000" b="1" dirty="0" smtClean="0"/>
-              <a:t>файлов</a:t>
-            </a:r>
-            <a:endParaRPr lang="ru-RU" sz="6000" b="1" dirty="0"/>
+              <a:t>Аутентификация пользователей</a:t>
+            </a:r>
+            <a:endParaRPr lang="en-US" sz="6000" b="1" dirty="0"/>
           </a:p>
         </p:txBody>
       </p:sp>
@@ -3366,13 +3256,6 @@
   <p:clrMapOvr>
     <a:masterClrMapping/>
   </p:clrMapOvr>
-  <p:timing>
-    <p:tnLst>
-      <p:par>
-        <p:cTn id="1" dur="indefinite" restart="never" nodeType="tmRoot"/>
-      </p:par>
-    </p:tnLst>
-  </p:timing>
 </p:sld>
 </file>
 
@@ -3409,11 +3292,11 @@
           <a:lstStyle/>
           <a:p>
             <a:r>
-              <a:rPr lang="ru-RU" dirty="0" smtClean="0"/>
+              <a:rPr lang="ru-RU" dirty="0"/>
               <a:t>Насторйки в </a:t>
             </a:r>
             <a:r>
-              <a:rPr lang="en-US" dirty="0" smtClean="0"/>
+              <a:rPr lang="en-US" dirty="0"/>
               <a:t>settings.py</a:t>
             </a:r>
             <a:endParaRPr lang="ru-RU" dirty="0"/>
@@ -3448,33 +3331,17 @@
           <a:p>
             <a:pPr lvl="1"/>
             <a:r>
-              <a:rPr lang="ru-RU" sz="2400" dirty="0" smtClean="0"/>
+              <a:rPr lang="ru-RU" sz="2400" dirty="0"/>
               <a:t>По умолчанию: '/accounts/profile/'</a:t>
             </a:r>
           </a:p>
           <a:p>
             <a:pPr lvl="1"/>
             <a:r>
-              <a:rPr lang="ru-RU" sz="2400" dirty="0" smtClean="0"/>
-              <a:t>URL </a:t>
-            </a:r>
-            <a:r>
               <a:rPr lang="ru-RU" sz="2400" dirty="0"/>
-              <a:t>куда перенаправляется пользователь поле авторизации пользователя в представлении contrib.auth.login, если не передан </a:t>
-            </a:r>
-            <a:r>
-              <a:rPr lang="ru-RU" sz="2400" dirty="0" smtClean="0"/>
-              <a:t>параметр </a:t>
-            </a:r>
-            <a:r>
-              <a:rPr lang="ru-RU" sz="2400" dirty="0"/>
-              <a:t>next</a:t>
-            </a:r>
-            <a:r>
-              <a:rPr lang="ru-RU" sz="2400" dirty="0" smtClean="0"/>
-              <a:t>.</a:t>
-            </a:r>
-            <a:endParaRPr lang="en-US" sz="2400" dirty="0" smtClean="0"/>
+              <a:t>URL куда перенаправляется пользователь поле авторизации пользователя в представлении contrib.auth.login, если не передан параметр next.</a:t>
+            </a:r>
+            <a:endParaRPr lang="en-US" sz="2400" dirty="0"/>
           </a:p>
           <a:p>
             <a:r>
@@ -3485,36 +3352,35 @@
           <a:p>
             <a:pPr lvl="1"/>
             <a:r>
-              <a:rPr lang="ru-RU" sz="2400" dirty="0" smtClean="0"/>
-              <a:t>По </a:t>
-            </a:r>
-            <a:r>
               <a:rPr lang="ru-RU" sz="2400" dirty="0"/>
-              <a:t>умолчанию: '/accounts/login/'</a:t>
+              <a:t>По умолчанию: '/accounts/login/'</a:t>
             </a:r>
           </a:p>
           <a:p>
             <a:pPr lvl="1"/>
             <a:r>
-              <a:rPr lang="ru-RU" sz="2400" dirty="0" smtClean="0"/>
-              <a:t>URL</a:t>
-            </a:r>
-            <a:r>
               <a:rPr lang="ru-RU" sz="2400" dirty="0"/>
-              <a:t>, на который перенаправляются пользователи для авторизации, особенно при использовании декоратора login_required</a:t>
-            </a:r>
-            <a:r>
-              <a:rPr lang="ru-RU" sz="2400" dirty="0" smtClean="0"/>
+              <a:t>URL, на который перенаправляются пользователи для авторизации, особенно при использовании декоратора </a:t>
+            </a:r>
+            <a:r>
+              <a:rPr lang="en-US" sz="2400" b="1" dirty="0"/>
+              <a:t>@</a:t>
+            </a:r>
+            <a:r>
+              <a:rPr lang="ru-RU" sz="2400" b="1" dirty="0" err="1"/>
+              <a:t>login_required</a:t>
+            </a:r>
+            <a:r>
+              <a:rPr lang="ru-RU" sz="2400" dirty="0"/>
               <a:t>().</a:t>
             </a:r>
-            <a:endParaRPr lang="en-US" sz="2400" dirty="0" smtClean="0"/>
-          </a:p>
-          <a:p>
-            <a:r>
-              <a:rPr lang="en-US" dirty="0" smtClean="0"/>
+            <a:endParaRPr lang="en-US" sz="2400" dirty="0"/>
+          </a:p>
+          <a:p>
+            <a:r>
+              <a:rPr lang="en-US" dirty="0"/>
               <a:t>LOGOUT_URL</a:t>
             </a:r>
-            <a:endParaRPr lang="en-US" dirty="0"/>
           </a:p>
           <a:p>
             <a:pPr lvl="1"/>
@@ -3524,13 +3390,8 @@
             </a:r>
             <a:r>
               <a:rPr lang="en-US" sz="2400" dirty="0"/>
-              <a:t>accounts/logout</a:t>
-            </a:r>
-            <a:r>
-              <a:rPr lang="en-US" sz="2400" dirty="0" smtClean="0"/>
-              <a:t>/'</a:t>
-            </a:r>
-            <a:endParaRPr lang="en-US" sz="2400" dirty="0"/>
+              <a:t>accounts/logout/'</a:t>
+            </a:r>
           </a:p>
           <a:p>
             <a:pPr lvl="1"/>
@@ -3556,13 +3417,6 @@
   <p:clrMapOvr>
     <a:masterClrMapping/>
   </p:clrMapOvr>
-  <p:timing>
-    <p:tnLst>
-      <p:par>
-        <p:cTn id="1" dur="indefinite" restart="never" nodeType="tmRoot"/>
-      </p:par>
-    </p:tnLst>
-  </p:timing>
 </p:sld>
 </file>
 
@@ -3599,10 +3453,9 @@
           <a:lstStyle/>
           <a:p>
             <a:r>
-              <a:rPr lang="ru-RU" dirty="0" smtClean="0"/>
+              <a:rPr lang="ru-RU" dirty="0"/>
               <a:t>Форма аутентификации</a:t>
             </a:r>
-            <a:endParaRPr lang="ru-RU" dirty="0"/>
           </a:p>
         </p:txBody>
       </p:sp>
@@ -3677,7 +3530,7 @@
               <a:tabLst/>
             </a:pPr>
             <a:r>
-              <a:rPr kumimoji="0" lang="ru-RU" altLang="ru-RU" sz="2400" b="0" i="0" u="none" strike="noStrike" cap="none" normalizeH="0" baseline="0" dirty="0" smtClean="0">
+              <a:rPr kumimoji="0" lang="ru-RU" altLang="ru-RU" sz="2400" b="0" i="0" u="none" strike="noStrike" cap="none" normalizeH="0" baseline="0" dirty="0">
                 <a:ln>
                   <a:noFill/>
                 </a:ln>
@@ -3691,7 +3544,7 @@
               <a:t>{% </a:t>
             </a:r>
             <a:r>
-              <a:rPr kumimoji="0" lang="ru-RU" altLang="ru-RU" sz="2400" b="1" i="0" u="none" strike="noStrike" cap="none" normalizeH="0" baseline="0" dirty="0" smtClean="0">
+              <a:rPr kumimoji="0" lang="ru-RU" altLang="ru-RU" sz="2400" b="1" i="0" u="none" strike="noStrike" cap="none" normalizeH="0" baseline="0" dirty="0">
                 <a:ln>
                   <a:noFill/>
                 </a:ln>
@@ -3705,7 +3558,7 @@
               <a:t>extends </a:t>
             </a:r>
             <a:r>
-              <a:rPr kumimoji="0" lang="ru-RU" altLang="ru-RU" sz="2400" b="1" i="0" u="none" strike="noStrike" cap="none" normalizeH="0" baseline="0" dirty="0" smtClean="0">
+              <a:rPr kumimoji="0" lang="ru-RU" altLang="ru-RU" sz="2400" b="1" i="0" u="none" strike="noStrike" cap="none" normalizeH="0" baseline="0" dirty="0">
                 <a:ln>
                   <a:noFill/>
                 </a:ln>
@@ -3719,7 +3572,7 @@
               <a:t>"base.html" </a:t>
             </a:r>
             <a:r>
-              <a:rPr kumimoji="0" lang="ru-RU" altLang="ru-RU" sz="2400" b="0" i="0" u="none" strike="noStrike" cap="none" normalizeH="0" baseline="0" dirty="0" smtClean="0">
+              <a:rPr kumimoji="0" lang="ru-RU" altLang="ru-RU" sz="2400" b="0" i="0" u="none" strike="noStrike" cap="none" normalizeH="0" baseline="0" dirty="0">
                 <a:ln>
                   <a:noFill/>
                 </a:ln>
@@ -3733,7 +3586,7 @@
               <a:t>%}</a:t>
             </a:r>
             <a:br>
-              <a:rPr kumimoji="0" lang="ru-RU" altLang="ru-RU" sz="2400" b="0" i="0" u="none" strike="noStrike" cap="none" normalizeH="0" baseline="0" dirty="0" smtClean="0">
+              <a:rPr kumimoji="0" lang="ru-RU" altLang="ru-RU" sz="2400" b="0" i="0" u="none" strike="noStrike" cap="none" normalizeH="0" baseline="0" dirty="0">
                 <a:ln>
                   <a:noFill/>
                 </a:ln>
@@ -3746,7 +3599,7 @@
               </a:rPr>
             </a:br>
             <a:r>
-              <a:rPr kumimoji="0" lang="ru-RU" altLang="ru-RU" sz="2400" b="0" i="0" u="none" strike="noStrike" cap="none" normalizeH="0" baseline="0" dirty="0" smtClean="0">
+              <a:rPr kumimoji="0" lang="ru-RU" altLang="ru-RU" sz="2400" b="0" i="0" u="none" strike="noStrike" cap="none" normalizeH="0" baseline="0" dirty="0">
                 <a:ln>
                   <a:noFill/>
                 </a:ln>
@@ -3760,7 +3613,7 @@
               <a:t>{% </a:t>
             </a:r>
             <a:r>
-              <a:rPr kumimoji="0" lang="ru-RU" altLang="ru-RU" sz="2400" b="1" i="0" u="none" strike="noStrike" cap="none" normalizeH="0" baseline="0" dirty="0" smtClean="0">
+              <a:rPr kumimoji="0" lang="ru-RU" altLang="ru-RU" sz="2400" b="1" i="0" u="none" strike="noStrike" cap="none" normalizeH="0" baseline="0" dirty="0">
                 <a:ln>
                   <a:noFill/>
                 </a:ln>
@@ -3774,7 +3627,7 @@
               <a:t>load </a:t>
             </a:r>
             <a:r>
-              <a:rPr kumimoji="0" lang="ru-RU" altLang="ru-RU" sz="2400" b="1" i="0" u="none" strike="noStrike" cap="none" normalizeH="0" baseline="0" dirty="0" smtClean="0">
+              <a:rPr kumimoji="0" lang="ru-RU" altLang="ru-RU" sz="2400" b="1" i="0" u="none" strike="noStrike" cap="none" normalizeH="0" baseline="0" dirty="0">
                 <a:ln>
                   <a:noFill/>
                 </a:ln>
@@ -3788,7 +3641,7 @@
               <a:t>crispy_forms_tags </a:t>
             </a:r>
             <a:r>
-              <a:rPr kumimoji="0" lang="ru-RU" altLang="ru-RU" sz="2400" b="0" i="0" u="none" strike="noStrike" cap="none" normalizeH="0" baseline="0" dirty="0" smtClean="0">
+              <a:rPr kumimoji="0" lang="ru-RU" altLang="ru-RU" sz="2400" b="0" i="0" u="none" strike="noStrike" cap="none" normalizeH="0" baseline="0" dirty="0">
                 <a:ln>
                   <a:noFill/>
                 </a:ln>
@@ -3802,7 +3655,7 @@
               <a:t>%}</a:t>
             </a:r>
             <a:br>
-              <a:rPr kumimoji="0" lang="ru-RU" altLang="ru-RU" sz="2400" b="0" i="0" u="none" strike="noStrike" cap="none" normalizeH="0" baseline="0" dirty="0" smtClean="0">
+              <a:rPr kumimoji="0" lang="ru-RU" altLang="ru-RU" sz="2400" b="0" i="0" u="none" strike="noStrike" cap="none" normalizeH="0" baseline="0" dirty="0">
                 <a:ln>
                   <a:noFill/>
                 </a:ln>
@@ -3815,7 +3668,7 @@
               </a:rPr>
             </a:br>
             <a:r>
-              <a:rPr kumimoji="0" lang="ru-RU" altLang="ru-RU" sz="2400" b="0" i="0" u="none" strike="noStrike" cap="none" normalizeH="0" baseline="0" dirty="0" smtClean="0">
+              <a:rPr kumimoji="0" lang="ru-RU" altLang="ru-RU" sz="2400" b="0" i="0" u="none" strike="noStrike" cap="none" normalizeH="0" baseline="0" dirty="0">
                 <a:ln>
                   <a:noFill/>
                 </a:ln>
@@ -3829,7 +3682,7 @@
               <a:t>{% </a:t>
             </a:r>
             <a:r>
-              <a:rPr kumimoji="0" lang="ru-RU" altLang="ru-RU" sz="2400" b="1" i="0" u="none" strike="noStrike" cap="none" normalizeH="0" baseline="0" dirty="0" smtClean="0">
+              <a:rPr kumimoji="0" lang="ru-RU" altLang="ru-RU" sz="2400" b="1" i="0" u="none" strike="noStrike" cap="none" normalizeH="0" baseline="0" dirty="0">
                 <a:ln>
                   <a:noFill/>
                 </a:ln>
@@ -3843,7 +3696,7 @@
               <a:t>block </a:t>
             </a:r>
             <a:r>
-              <a:rPr kumimoji="0" lang="ru-RU" altLang="ru-RU" sz="2400" b="1" i="0" u="none" strike="noStrike" cap="none" normalizeH="0" baseline="0" dirty="0" smtClean="0">
+              <a:rPr kumimoji="0" lang="ru-RU" altLang="ru-RU" sz="2400" b="1" i="0" u="none" strike="noStrike" cap="none" normalizeH="0" baseline="0" dirty="0">
                 <a:ln>
                   <a:noFill/>
                 </a:ln>
@@ -3857,7 +3710,7 @@
               <a:t>main </a:t>
             </a:r>
             <a:r>
-              <a:rPr kumimoji="0" lang="ru-RU" altLang="ru-RU" sz="2400" b="0" i="0" u="none" strike="noStrike" cap="none" normalizeH="0" baseline="0" dirty="0" smtClean="0">
+              <a:rPr kumimoji="0" lang="ru-RU" altLang="ru-RU" sz="2400" b="0" i="0" u="none" strike="noStrike" cap="none" normalizeH="0" baseline="0" dirty="0">
                 <a:ln>
                   <a:noFill/>
                 </a:ln>
@@ -3871,7 +3724,7 @@
               <a:t>%}</a:t>
             </a:r>
             <a:br>
-              <a:rPr kumimoji="0" lang="ru-RU" altLang="ru-RU" sz="2400" b="0" i="0" u="none" strike="noStrike" cap="none" normalizeH="0" baseline="0" dirty="0" smtClean="0">
+              <a:rPr kumimoji="0" lang="ru-RU" altLang="ru-RU" sz="2400" b="0" i="0" u="none" strike="noStrike" cap="none" normalizeH="0" baseline="0" dirty="0">
                 <a:ln>
                   <a:noFill/>
                 </a:ln>
@@ -3883,22 +3736,8 @@
                 <a:cs typeface="Courier New" panose="02070309020205020404" pitchFamily="49" charset="0"/>
               </a:rPr>
             </a:br>
-            <a:r>
-              <a:rPr kumimoji="0" lang="ru-RU" altLang="ru-RU" sz="2400" b="0" i="0" u="none" strike="noStrike" cap="none" normalizeH="0" baseline="0" dirty="0" smtClean="0">
-                <a:ln>
-                  <a:noFill/>
-                </a:ln>
-                <a:solidFill>
-                  <a:srgbClr val="000000"/>
-                </a:solidFill>
-                <a:effectLst/>
-                <a:latin typeface="Courier New" panose="02070309020205020404" pitchFamily="49" charset="0"/>
-                <a:cs typeface="Courier New" panose="02070309020205020404" pitchFamily="49" charset="0"/>
-              </a:rPr>
-              <a:t/>
-            </a:r>
             <a:br>
-              <a:rPr kumimoji="0" lang="ru-RU" altLang="ru-RU" sz="2400" b="0" i="0" u="none" strike="noStrike" cap="none" normalizeH="0" baseline="0" dirty="0" smtClean="0">
+              <a:rPr kumimoji="0" lang="ru-RU" altLang="ru-RU" sz="2400" b="0" i="0" u="none" strike="noStrike" cap="none" normalizeH="0" baseline="0" dirty="0">
                 <a:ln>
                   <a:noFill/>
                 </a:ln>
@@ -3911,7 +3750,7 @@
               </a:rPr>
             </a:br>
             <a:r>
-              <a:rPr kumimoji="0" lang="ru-RU" altLang="ru-RU" sz="2400" b="0" i="0" u="none" strike="noStrike" cap="none" normalizeH="0" baseline="0" dirty="0" smtClean="0">
+              <a:rPr kumimoji="0" lang="ru-RU" altLang="ru-RU" sz="2400" b="0" i="0" u="none" strike="noStrike" cap="none" normalizeH="0" baseline="0" dirty="0">
                 <a:ln>
                   <a:noFill/>
                 </a:ln>
@@ -3925,7 +3764,7 @@
               <a:t>    &lt;</a:t>
             </a:r>
             <a:r>
-              <a:rPr kumimoji="0" lang="ru-RU" altLang="ru-RU" sz="2400" b="1" i="0" u="none" strike="noStrike" cap="none" normalizeH="0" baseline="0" dirty="0" smtClean="0">
+              <a:rPr kumimoji="0" lang="ru-RU" altLang="ru-RU" sz="2400" b="1" i="0" u="none" strike="noStrike" cap="none" normalizeH="0" baseline="0" dirty="0">
                 <a:ln>
                   <a:noFill/>
                 </a:ln>
@@ -3939,7 +3778,7 @@
               <a:t>form </a:t>
             </a:r>
             <a:r>
-              <a:rPr kumimoji="0" lang="ru-RU" altLang="ru-RU" sz="2400" b="1" i="0" u="none" strike="noStrike" cap="none" normalizeH="0" baseline="0" dirty="0" smtClean="0">
+              <a:rPr kumimoji="0" lang="ru-RU" altLang="ru-RU" sz="2400" b="1" i="0" u="none" strike="noStrike" cap="none" normalizeH="0" baseline="0" dirty="0">
                 <a:ln>
                   <a:noFill/>
                 </a:ln>
@@ -3953,7 +3792,7 @@
               <a:t>action=</a:t>
             </a:r>
             <a:r>
-              <a:rPr kumimoji="0" lang="ru-RU" altLang="ru-RU" sz="2400" b="1" i="0" u="none" strike="noStrike" cap="none" normalizeH="0" baseline="0" dirty="0" smtClean="0">
+              <a:rPr kumimoji="0" lang="ru-RU" altLang="ru-RU" sz="2400" b="1" i="0" u="none" strike="noStrike" cap="none" normalizeH="0" baseline="0" dirty="0">
                 <a:ln>
                   <a:noFill/>
                 </a:ln>
@@ -3967,7 +3806,7 @@
               <a:t>"</a:t>
             </a:r>
             <a:r>
-              <a:rPr kumimoji="0" lang="ru-RU" altLang="ru-RU" sz="2400" b="0" i="0" u="none" strike="noStrike" cap="none" normalizeH="0" baseline="0" dirty="0" smtClean="0">
+              <a:rPr kumimoji="0" lang="ru-RU" altLang="ru-RU" sz="2400" b="0" i="0" u="none" strike="noStrike" cap="none" normalizeH="0" baseline="0" dirty="0">
                 <a:ln>
                   <a:noFill/>
                 </a:ln>
@@ -3981,7 +3820,7 @@
               <a:t>{% </a:t>
             </a:r>
             <a:r>
-              <a:rPr kumimoji="0" lang="ru-RU" altLang="ru-RU" sz="2400" b="1" i="0" u="none" strike="noStrike" cap="none" normalizeH="0" baseline="0" dirty="0" smtClean="0">
+              <a:rPr kumimoji="0" lang="ru-RU" altLang="ru-RU" sz="2400" b="1" i="0" u="none" strike="noStrike" cap="none" normalizeH="0" baseline="0" dirty="0">
                 <a:ln>
                   <a:noFill/>
                 </a:ln>
@@ -3995,7 +3834,7 @@
               <a:t>url </a:t>
             </a:r>
             <a:r>
-              <a:rPr kumimoji="0" lang="ru-RU" altLang="ru-RU" sz="2400" b="1" i="0" u="none" strike="noStrike" cap="none" normalizeH="0" baseline="0" dirty="0" smtClean="0">
+              <a:rPr kumimoji="0" lang="ru-RU" altLang="ru-RU" sz="2400" b="1" i="0" u="none" strike="noStrike" cap="none" normalizeH="0" baseline="0" dirty="0">
                 <a:ln>
                   <a:noFill/>
                 </a:ln>
@@ -4009,7 +3848,7 @@
               <a:t>'blog_login' </a:t>
             </a:r>
             <a:r>
-              <a:rPr kumimoji="0" lang="ru-RU" altLang="ru-RU" sz="2400" b="0" i="0" u="none" strike="noStrike" cap="none" normalizeH="0" baseline="0" dirty="0" smtClean="0">
+              <a:rPr kumimoji="0" lang="ru-RU" altLang="ru-RU" sz="2400" b="0" i="0" u="none" strike="noStrike" cap="none" normalizeH="0" baseline="0" dirty="0">
                 <a:ln>
                   <a:noFill/>
                 </a:ln>
@@ -4023,7 +3862,7 @@
               <a:t>%}</a:t>
             </a:r>
             <a:r>
-              <a:rPr kumimoji="0" lang="ru-RU" altLang="ru-RU" sz="2400" b="1" i="0" u="none" strike="noStrike" cap="none" normalizeH="0" baseline="0" dirty="0" smtClean="0">
+              <a:rPr kumimoji="0" lang="ru-RU" altLang="ru-RU" sz="2400" b="1" i="0" u="none" strike="noStrike" cap="none" normalizeH="0" baseline="0" dirty="0">
                 <a:ln>
                   <a:noFill/>
                 </a:ln>
@@ -4037,7 +3876,7 @@
               <a:t>" </a:t>
             </a:r>
             <a:r>
-              <a:rPr kumimoji="0" lang="ru-RU" altLang="ru-RU" sz="2400" b="1" i="0" u="none" strike="noStrike" cap="none" normalizeH="0" baseline="0" dirty="0" smtClean="0">
+              <a:rPr kumimoji="0" lang="ru-RU" altLang="ru-RU" sz="2400" b="1" i="0" u="none" strike="noStrike" cap="none" normalizeH="0" baseline="0" dirty="0">
                 <a:ln>
                   <a:noFill/>
                 </a:ln>
@@ -4051,7 +3890,7 @@
               <a:t>method=</a:t>
             </a:r>
             <a:r>
-              <a:rPr kumimoji="0" lang="ru-RU" altLang="ru-RU" sz="2400" b="1" i="0" u="none" strike="noStrike" cap="none" normalizeH="0" baseline="0" dirty="0" smtClean="0">
+              <a:rPr kumimoji="0" lang="ru-RU" altLang="ru-RU" sz="2400" b="1" i="0" u="none" strike="noStrike" cap="none" normalizeH="0" baseline="0" dirty="0">
                 <a:ln>
                   <a:noFill/>
                 </a:ln>
@@ -4065,7 +3904,7 @@
               <a:t>"post"</a:t>
             </a:r>
             <a:r>
-              <a:rPr kumimoji="0" lang="ru-RU" altLang="ru-RU" sz="2400" b="0" i="0" u="none" strike="noStrike" cap="none" normalizeH="0" baseline="0" dirty="0" smtClean="0">
+              <a:rPr kumimoji="0" lang="ru-RU" altLang="ru-RU" sz="2400" b="0" i="0" u="none" strike="noStrike" cap="none" normalizeH="0" baseline="0" dirty="0">
                 <a:ln>
                   <a:noFill/>
                 </a:ln>
@@ -4079,7 +3918,7 @@
               <a:t>&gt;</a:t>
             </a:r>
             <a:br>
-              <a:rPr kumimoji="0" lang="ru-RU" altLang="ru-RU" sz="2400" b="0" i="0" u="none" strike="noStrike" cap="none" normalizeH="0" baseline="0" dirty="0" smtClean="0">
+              <a:rPr kumimoji="0" lang="ru-RU" altLang="ru-RU" sz="2400" b="0" i="0" u="none" strike="noStrike" cap="none" normalizeH="0" baseline="0" dirty="0">
                 <a:ln>
                   <a:noFill/>
                 </a:ln>
@@ -4092,7 +3931,7 @@
               </a:rPr>
             </a:br>
             <a:r>
-              <a:rPr kumimoji="0" lang="ru-RU" altLang="ru-RU" sz="2400" b="0" i="0" u="none" strike="noStrike" cap="none" normalizeH="0" baseline="0" dirty="0" smtClean="0">
+              <a:rPr kumimoji="0" lang="ru-RU" altLang="ru-RU" sz="2400" b="0" i="0" u="none" strike="noStrike" cap="none" normalizeH="0" baseline="0" dirty="0">
                 <a:ln>
                   <a:noFill/>
                 </a:ln>
@@ -4106,7 +3945,7 @@
               <a:t>        {% </a:t>
             </a:r>
             <a:r>
-              <a:rPr kumimoji="0" lang="ru-RU" altLang="ru-RU" sz="2400" b="1" i="0" u="none" strike="noStrike" cap="none" normalizeH="0" baseline="0" dirty="0" smtClean="0">
+              <a:rPr kumimoji="0" lang="ru-RU" altLang="ru-RU" sz="2400" b="1" i="0" u="none" strike="noStrike" cap="none" normalizeH="0" baseline="0" dirty="0">
                 <a:ln>
                   <a:noFill/>
                 </a:ln>
@@ -4120,7 +3959,7 @@
               <a:t>csrf_token </a:t>
             </a:r>
             <a:r>
-              <a:rPr kumimoji="0" lang="ru-RU" altLang="ru-RU" sz="2400" b="0" i="0" u="none" strike="noStrike" cap="none" normalizeH="0" baseline="0" dirty="0" smtClean="0">
+              <a:rPr kumimoji="0" lang="ru-RU" altLang="ru-RU" sz="2400" b="0" i="0" u="none" strike="noStrike" cap="none" normalizeH="0" baseline="0" dirty="0">
                 <a:ln>
                   <a:noFill/>
                 </a:ln>
@@ -4134,7 +3973,7 @@
               <a:t>%}</a:t>
             </a:r>
             <a:br>
-              <a:rPr kumimoji="0" lang="ru-RU" altLang="ru-RU" sz="2400" b="0" i="0" u="none" strike="noStrike" cap="none" normalizeH="0" baseline="0" dirty="0" smtClean="0">
+              <a:rPr kumimoji="0" lang="ru-RU" altLang="ru-RU" sz="2400" b="0" i="0" u="none" strike="noStrike" cap="none" normalizeH="0" baseline="0" dirty="0">
                 <a:ln>
                   <a:noFill/>
                 </a:ln>
@@ -4147,7 +3986,7 @@
               </a:rPr>
             </a:br>
             <a:r>
-              <a:rPr kumimoji="0" lang="ru-RU" altLang="ru-RU" sz="2400" b="0" i="0" u="none" strike="noStrike" cap="none" normalizeH="0" baseline="0" dirty="0" smtClean="0">
+              <a:rPr kumimoji="0" lang="ru-RU" altLang="ru-RU" sz="2400" b="0" i="0" u="none" strike="noStrike" cap="none" normalizeH="0" baseline="0" dirty="0">
                 <a:ln>
                   <a:noFill/>
                 </a:ln>
@@ -4161,7 +4000,7 @@
               <a:t>        {{ </a:t>
             </a:r>
             <a:r>
-              <a:rPr kumimoji="0" lang="ru-RU" altLang="ru-RU" sz="2400" b="1" i="0" u="none" strike="noStrike" cap="none" normalizeH="0" baseline="0" dirty="0" smtClean="0">
+              <a:rPr kumimoji="0" lang="ru-RU" altLang="ru-RU" sz="2400" b="1" i="0" u="none" strike="noStrike" cap="none" normalizeH="0" baseline="0" dirty="0">
                 <a:ln>
                   <a:noFill/>
                 </a:ln>
@@ -4175,7 +4014,7 @@
               <a:t>form</a:t>
             </a:r>
             <a:r>
-              <a:rPr kumimoji="0" lang="ru-RU" altLang="ru-RU" sz="2400" b="0" i="0" u="none" strike="noStrike" cap="none" normalizeH="0" baseline="0" dirty="0" smtClean="0">
+              <a:rPr kumimoji="0" lang="ru-RU" altLang="ru-RU" sz="2400" b="0" i="0" u="none" strike="noStrike" cap="none" normalizeH="0" baseline="0" dirty="0">
                 <a:ln>
                   <a:noFill/>
                 </a:ln>
@@ -4189,7 +4028,7 @@
               <a:t>|</a:t>
             </a:r>
             <a:r>
-              <a:rPr kumimoji="0" lang="ru-RU" altLang="ru-RU" sz="2400" b="1" i="0" u="none" strike="noStrike" cap="none" normalizeH="0" baseline="0" dirty="0" smtClean="0">
+              <a:rPr kumimoji="0" lang="ru-RU" altLang="ru-RU" sz="2400" b="1" i="0" u="none" strike="noStrike" cap="none" normalizeH="0" baseline="0" dirty="0">
                 <a:ln>
                   <a:noFill/>
                 </a:ln>
@@ -4203,7 +4042,7 @@
               <a:t>crispy </a:t>
             </a:r>
             <a:r>
-              <a:rPr kumimoji="0" lang="ru-RU" altLang="ru-RU" sz="2400" b="0" i="0" u="none" strike="noStrike" cap="none" normalizeH="0" baseline="0" dirty="0" smtClean="0">
+              <a:rPr kumimoji="0" lang="ru-RU" altLang="ru-RU" sz="2400" b="0" i="0" u="none" strike="noStrike" cap="none" normalizeH="0" baseline="0" dirty="0">
                 <a:ln>
                   <a:noFill/>
                 </a:ln>
@@ -4217,7 +4056,7 @@
               <a:t>}}</a:t>
             </a:r>
             <a:br>
-              <a:rPr kumimoji="0" lang="ru-RU" altLang="ru-RU" sz="2400" b="0" i="0" u="none" strike="noStrike" cap="none" normalizeH="0" baseline="0" dirty="0" smtClean="0">
+              <a:rPr kumimoji="0" lang="ru-RU" altLang="ru-RU" sz="2400" b="0" i="0" u="none" strike="noStrike" cap="none" normalizeH="0" baseline="0" dirty="0">
                 <a:ln>
                   <a:noFill/>
                 </a:ln>
@@ -4230,7 +4069,7 @@
               </a:rPr>
             </a:br>
             <a:r>
-              <a:rPr kumimoji="0" lang="ru-RU" altLang="ru-RU" sz="2400" b="0" i="0" u="none" strike="noStrike" cap="none" normalizeH="0" baseline="0" dirty="0" smtClean="0">
+              <a:rPr kumimoji="0" lang="ru-RU" altLang="ru-RU" sz="2400" b="0" i="0" u="none" strike="noStrike" cap="none" normalizeH="0" baseline="0" dirty="0">
                 <a:ln>
                   <a:noFill/>
                 </a:ln>
@@ -4244,7 +4083,7 @@
               <a:t>        &lt;</a:t>
             </a:r>
             <a:r>
-              <a:rPr kumimoji="0" lang="ru-RU" altLang="ru-RU" sz="2400" b="1" i="0" u="none" strike="noStrike" cap="none" normalizeH="0" baseline="0" dirty="0" smtClean="0">
+              <a:rPr kumimoji="0" lang="ru-RU" altLang="ru-RU" sz="2400" b="1" i="0" u="none" strike="noStrike" cap="none" normalizeH="0" baseline="0" dirty="0">
                 <a:ln>
                   <a:noFill/>
                 </a:ln>
@@ -4258,7 +4097,7 @@
               <a:t>input </a:t>
             </a:r>
             <a:r>
-              <a:rPr kumimoji="0" lang="ru-RU" altLang="ru-RU" sz="2400" b="1" i="0" u="none" strike="noStrike" cap="none" normalizeH="0" baseline="0" dirty="0" smtClean="0">
+              <a:rPr kumimoji="0" lang="ru-RU" altLang="ru-RU" sz="2400" b="1" i="0" u="none" strike="noStrike" cap="none" normalizeH="0" baseline="0" dirty="0">
                 <a:ln>
                   <a:noFill/>
                 </a:ln>
@@ -4272,7 +4111,7 @@
               <a:t>hidden name=</a:t>
             </a:r>
             <a:r>
-              <a:rPr kumimoji="0" lang="ru-RU" altLang="ru-RU" sz="2400" b="1" i="0" u="none" strike="noStrike" cap="none" normalizeH="0" baseline="0" dirty="0" smtClean="0">
+              <a:rPr kumimoji="0" lang="ru-RU" altLang="ru-RU" sz="2400" b="1" i="0" u="none" strike="noStrike" cap="none" normalizeH="0" baseline="0" dirty="0">
                 <a:ln>
                   <a:noFill/>
                 </a:ln>
@@ -4286,7 +4125,7 @@
               <a:t>"next" </a:t>
             </a:r>
             <a:r>
-              <a:rPr kumimoji="0" lang="ru-RU" altLang="ru-RU" sz="2400" b="1" i="0" u="none" strike="noStrike" cap="none" normalizeH="0" baseline="0" dirty="0" smtClean="0">
+              <a:rPr kumimoji="0" lang="ru-RU" altLang="ru-RU" sz="2400" b="1" i="0" u="none" strike="noStrike" cap="none" normalizeH="0" baseline="0" dirty="0">
                 <a:ln>
                   <a:noFill/>
                 </a:ln>
@@ -4300,7 +4139,7 @@
               <a:t>value=</a:t>
             </a:r>
             <a:r>
-              <a:rPr kumimoji="0" lang="ru-RU" altLang="ru-RU" sz="2400" b="1" i="0" u="none" strike="noStrike" cap="none" normalizeH="0" baseline="0" dirty="0" smtClean="0">
+              <a:rPr kumimoji="0" lang="ru-RU" altLang="ru-RU" sz="2400" b="1" i="0" u="none" strike="noStrike" cap="none" normalizeH="0" baseline="0" dirty="0">
                 <a:ln>
                   <a:noFill/>
                 </a:ln>
@@ -4314,7 +4153,7 @@
               <a:t>"</a:t>
             </a:r>
             <a:r>
-              <a:rPr kumimoji="0" lang="ru-RU" altLang="ru-RU" sz="2400" b="0" i="0" u="none" strike="noStrike" cap="none" normalizeH="0" baseline="0" dirty="0" smtClean="0">
+              <a:rPr kumimoji="0" lang="ru-RU" altLang="ru-RU" sz="2400" b="0" i="0" u="none" strike="noStrike" cap="none" normalizeH="0" baseline="0" dirty="0">
                 <a:ln>
                   <a:noFill/>
                 </a:ln>
@@ -4328,7 +4167,7 @@
               <a:t>{{ </a:t>
             </a:r>
             <a:r>
-              <a:rPr kumimoji="0" lang="ru-RU" altLang="ru-RU" sz="2400" b="1" i="0" u="none" strike="noStrike" cap="none" normalizeH="0" baseline="0" dirty="0" smtClean="0">
+              <a:rPr kumimoji="0" lang="ru-RU" altLang="ru-RU" sz="2400" b="1" i="0" u="none" strike="noStrike" cap="none" normalizeH="0" baseline="0" dirty="0">
                 <a:ln>
                   <a:noFill/>
                 </a:ln>
@@ -4342,7 +4181,7 @@
               <a:t>next </a:t>
             </a:r>
             <a:r>
-              <a:rPr kumimoji="0" lang="ru-RU" altLang="ru-RU" sz="2400" b="0" i="0" u="none" strike="noStrike" cap="none" normalizeH="0" baseline="0" dirty="0" smtClean="0">
+              <a:rPr kumimoji="0" lang="ru-RU" altLang="ru-RU" sz="2400" b="0" i="0" u="none" strike="noStrike" cap="none" normalizeH="0" baseline="0" dirty="0">
                 <a:ln>
                   <a:noFill/>
                 </a:ln>
@@ -4356,7 +4195,7 @@
               <a:t>}}</a:t>
             </a:r>
             <a:r>
-              <a:rPr kumimoji="0" lang="ru-RU" altLang="ru-RU" sz="2400" b="1" i="0" u="none" strike="noStrike" cap="none" normalizeH="0" baseline="0" dirty="0" smtClean="0">
+              <a:rPr kumimoji="0" lang="ru-RU" altLang="ru-RU" sz="2400" b="1" i="0" u="none" strike="noStrike" cap="none" normalizeH="0" baseline="0" dirty="0">
                 <a:ln>
                   <a:noFill/>
                 </a:ln>
@@ -4370,7 +4209,7 @@
               <a:t>" </a:t>
             </a:r>
             <a:r>
-              <a:rPr kumimoji="0" lang="ru-RU" altLang="ru-RU" sz="2400" b="0" i="0" u="none" strike="noStrike" cap="none" normalizeH="0" baseline="0" dirty="0" smtClean="0">
+              <a:rPr kumimoji="0" lang="ru-RU" altLang="ru-RU" sz="2400" b="0" i="0" u="none" strike="noStrike" cap="none" normalizeH="0" baseline="0" dirty="0">
                 <a:ln>
                   <a:noFill/>
                 </a:ln>
@@ -4384,7 +4223,7 @@
               <a:t>/&gt;</a:t>
             </a:r>
             <a:br>
-              <a:rPr kumimoji="0" lang="ru-RU" altLang="ru-RU" sz="2400" b="0" i="0" u="none" strike="noStrike" cap="none" normalizeH="0" baseline="0" dirty="0" smtClean="0">
+              <a:rPr kumimoji="0" lang="ru-RU" altLang="ru-RU" sz="2400" b="0" i="0" u="none" strike="noStrike" cap="none" normalizeH="0" baseline="0" dirty="0">
                 <a:ln>
                   <a:noFill/>
                 </a:ln>
@@ -4397,7 +4236,7 @@
               </a:rPr>
             </a:br>
             <a:r>
-              <a:rPr kumimoji="0" lang="ru-RU" altLang="ru-RU" sz="2400" b="0" i="0" u="none" strike="noStrike" cap="none" normalizeH="0" baseline="0" dirty="0" smtClean="0">
+              <a:rPr kumimoji="0" lang="ru-RU" altLang="ru-RU" sz="2400" b="0" i="0" u="none" strike="noStrike" cap="none" normalizeH="0" baseline="0" dirty="0">
                 <a:ln>
                   <a:noFill/>
                 </a:ln>
@@ -4411,7 +4250,7 @@
               <a:t>        &lt;</a:t>
             </a:r>
             <a:r>
-              <a:rPr kumimoji="0" lang="ru-RU" altLang="ru-RU" sz="2400" b="1" i="0" u="none" strike="noStrike" cap="none" normalizeH="0" baseline="0" dirty="0" smtClean="0">
+              <a:rPr kumimoji="0" lang="ru-RU" altLang="ru-RU" sz="2400" b="1" i="0" u="none" strike="noStrike" cap="none" normalizeH="0" baseline="0" dirty="0">
                 <a:ln>
                   <a:noFill/>
                 </a:ln>
@@ -4425,7 +4264,7 @@
               <a:t>input </a:t>
             </a:r>
             <a:r>
-              <a:rPr kumimoji="0" lang="ru-RU" altLang="ru-RU" sz="2400" b="1" i="0" u="none" strike="noStrike" cap="none" normalizeH="0" baseline="0" dirty="0" smtClean="0">
+              <a:rPr kumimoji="0" lang="ru-RU" altLang="ru-RU" sz="2400" b="1" i="0" u="none" strike="noStrike" cap="none" normalizeH="0" baseline="0" dirty="0">
                 <a:ln>
                   <a:noFill/>
                 </a:ln>
@@ -4439,7 +4278,7 @@
               <a:t>type=</a:t>
             </a:r>
             <a:r>
-              <a:rPr kumimoji="0" lang="ru-RU" altLang="ru-RU" sz="2400" b="1" i="0" u="none" strike="noStrike" cap="none" normalizeH="0" baseline="0" dirty="0" smtClean="0">
+              <a:rPr kumimoji="0" lang="ru-RU" altLang="ru-RU" sz="2400" b="1" i="0" u="none" strike="noStrike" cap="none" normalizeH="0" baseline="0" dirty="0">
                 <a:ln>
                   <a:noFill/>
                 </a:ln>
@@ -4453,7 +4292,7 @@
               <a:t>"submit" </a:t>
             </a:r>
             <a:r>
-              <a:rPr kumimoji="0" lang="ru-RU" altLang="ru-RU" sz="2400" b="1" i="0" u="none" strike="noStrike" cap="none" normalizeH="0" baseline="0" dirty="0" smtClean="0">
+              <a:rPr kumimoji="0" lang="ru-RU" altLang="ru-RU" sz="2400" b="1" i="0" u="none" strike="noStrike" cap="none" normalizeH="0" baseline="0" dirty="0">
                 <a:ln>
                   <a:noFill/>
                 </a:ln>
@@ -4467,7 +4306,7 @@
               <a:t>class=</a:t>
             </a:r>
             <a:r>
-              <a:rPr kumimoji="0" lang="ru-RU" altLang="ru-RU" sz="2400" b="1" i="0" u="none" strike="noStrike" cap="none" normalizeH="0" baseline="0" dirty="0" smtClean="0">
+              <a:rPr kumimoji="0" lang="ru-RU" altLang="ru-RU" sz="2400" b="1" i="0" u="none" strike="noStrike" cap="none" normalizeH="0" baseline="0" dirty="0">
                 <a:ln>
                   <a:noFill/>
                 </a:ln>
@@ -4481,7 +4320,7 @@
               <a:t>"btn btn-default"</a:t>
             </a:r>
             <a:r>
-              <a:rPr kumimoji="0" lang="ru-RU" altLang="ru-RU" sz="2400" b="0" i="0" u="none" strike="noStrike" cap="none" normalizeH="0" baseline="0" dirty="0" smtClean="0">
+              <a:rPr kumimoji="0" lang="ru-RU" altLang="ru-RU" sz="2400" b="0" i="0" u="none" strike="noStrike" cap="none" normalizeH="0" baseline="0" dirty="0">
                 <a:ln>
                   <a:noFill/>
                 </a:ln>
@@ -4495,7 +4334,7 @@
               <a:t>/&gt;</a:t>
             </a:r>
             <a:br>
-              <a:rPr kumimoji="0" lang="ru-RU" altLang="ru-RU" sz="2400" b="0" i="0" u="none" strike="noStrike" cap="none" normalizeH="0" baseline="0" dirty="0" smtClean="0">
+              <a:rPr kumimoji="0" lang="ru-RU" altLang="ru-RU" sz="2400" b="0" i="0" u="none" strike="noStrike" cap="none" normalizeH="0" baseline="0" dirty="0">
                 <a:ln>
                   <a:noFill/>
                 </a:ln>
@@ -4508,7 +4347,7 @@
               </a:rPr>
             </a:br>
             <a:r>
-              <a:rPr kumimoji="0" lang="ru-RU" altLang="ru-RU" sz="2400" b="0" i="0" u="none" strike="noStrike" cap="none" normalizeH="0" baseline="0" dirty="0" smtClean="0">
+              <a:rPr kumimoji="0" lang="ru-RU" altLang="ru-RU" sz="2400" b="0" i="0" u="none" strike="noStrike" cap="none" normalizeH="0" baseline="0" dirty="0">
                 <a:ln>
                   <a:noFill/>
                 </a:ln>
@@ -4522,7 +4361,7 @@
               <a:t>    &lt;/</a:t>
             </a:r>
             <a:r>
-              <a:rPr kumimoji="0" lang="ru-RU" altLang="ru-RU" sz="2400" b="1" i="0" u="none" strike="noStrike" cap="none" normalizeH="0" baseline="0" dirty="0" smtClean="0">
+              <a:rPr kumimoji="0" lang="ru-RU" altLang="ru-RU" sz="2400" b="1" i="0" u="none" strike="noStrike" cap="none" normalizeH="0" baseline="0" dirty="0">
                 <a:ln>
                   <a:noFill/>
                 </a:ln>
@@ -4536,7 +4375,7 @@
               <a:t>form</a:t>
             </a:r>
             <a:r>
-              <a:rPr kumimoji="0" lang="ru-RU" altLang="ru-RU" sz="2400" b="0" i="0" u="none" strike="noStrike" cap="none" normalizeH="0" baseline="0" dirty="0" smtClean="0">
+              <a:rPr kumimoji="0" lang="ru-RU" altLang="ru-RU" sz="2400" b="0" i="0" u="none" strike="noStrike" cap="none" normalizeH="0" baseline="0" dirty="0">
                 <a:ln>
                   <a:noFill/>
                 </a:ln>
@@ -4550,7 +4389,7 @@
               <a:t>&gt;</a:t>
             </a:r>
             <a:br>
-              <a:rPr kumimoji="0" lang="ru-RU" altLang="ru-RU" sz="2400" b="0" i="0" u="none" strike="noStrike" cap="none" normalizeH="0" baseline="0" dirty="0" smtClean="0">
+              <a:rPr kumimoji="0" lang="ru-RU" altLang="ru-RU" sz="2400" b="0" i="0" u="none" strike="noStrike" cap="none" normalizeH="0" baseline="0" dirty="0">
                 <a:ln>
                   <a:noFill/>
                 </a:ln>
@@ -4562,22 +4401,8 @@
                 <a:cs typeface="Courier New" panose="02070309020205020404" pitchFamily="49" charset="0"/>
               </a:rPr>
             </a:br>
-            <a:r>
-              <a:rPr kumimoji="0" lang="ru-RU" altLang="ru-RU" sz="2400" b="0" i="0" u="none" strike="noStrike" cap="none" normalizeH="0" baseline="0" dirty="0" smtClean="0">
-                <a:ln>
-                  <a:noFill/>
-                </a:ln>
-                <a:solidFill>
-                  <a:srgbClr val="000000"/>
-                </a:solidFill>
-                <a:effectLst/>
-                <a:latin typeface="Courier New" panose="02070309020205020404" pitchFamily="49" charset="0"/>
-                <a:cs typeface="Courier New" panose="02070309020205020404" pitchFamily="49" charset="0"/>
-              </a:rPr>
-              <a:t/>
-            </a:r>
             <a:br>
-              <a:rPr kumimoji="0" lang="ru-RU" altLang="ru-RU" sz="2400" b="0" i="0" u="none" strike="noStrike" cap="none" normalizeH="0" baseline="0" dirty="0" smtClean="0">
+              <a:rPr kumimoji="0" lang="ru-RU" altLang="ru-RU" sz="2400" b="0" i="0" u="none" strike="noStrike" cap="none" normalizeH="0" baseline="0" dirty="0">
                 <a:ln>
                   <a:noFill/>
                 </a:ln>
@@ -4590,7 +4415,7 @@
               </a:rPr>
             </a:br>
             <a:r>
-              <a:rPr kumimoji="0" lang="ru-RU" altLang="ru-RU" sz="2400" b="0" i="0" u="none" strike="noStrike" cap="none" normalizeH="0" baseline="0" dirty="0" smtClean="0">
+              <a:rPr kumimoji="0" lang="ru-RU" altLang="ru-RU" sz="2400" b="0" i="0" u="none" strike="noStrike" cap="none" normalizeH="0" baseline="0" dirty="0">
                 <a:ln>
                   <a:noFill/>
                 </a:ln>
@@ -4604,7 +4429,7 @@
               <a:t>{% </a:t>
             </a:r>
             <a:r>
-              <a:rPr kumimoji="0" lang="ru-RU" altLang="ru-RU" sz="2400" b="1" i="0" u="none" strike="noStrike" cap="none" normalizeH="0" baseline="0" dirty="0" smtClean="0">
+              <a:rPr kumimoji="0" lang="ru-RU" altLang="ru-RU" sz="2400" b="1" i="0" u="none" strike="noStrike" cap="none" normalizeH="0" baseline="0" dirty="0">
                 <a:ln>
                   <a:noFill/>
                 </a:ln>
@@ -4618,7 +4443,7 @@
               <a:t>endblock </a:t>
             </a:r>
             <a:r>
-              <a:rPr kumimoji="0" lang="ru-RU" altLang="ru-RU" sz="2400" b="0" i="0" u="none" strike="noStrike" cap="none" normalizeH="0" baseline="0" dirty="0" smtClean="0">
+              <a:rPr kumimoji="0" lang="ru-RU" altLang="ru-RU" sz="2400" b="0" i="0" u="none" strike="noStrike" cap="none" normalizeH="0" baseline="0" dirty="0">
                 <a:ln>
                   <a:noFill/>
                 </a:ln>
@@ -4631,7 +4456,7 @@
               </a:rPr>
               <a:t>%}</a:t>
             </a:r>
-            <a:endParaRPr kumimoji="0" lang="ru-RU" altLang="ru-RU" sz="4800" b="0" i="0" u="none" strike="noStrike" cap="none" normalizeH="0" baseline="0" dirty="0" smtClean="0">
+            <a:endParaRPr kumimoji="0" lang="ru-RU" altLang="ru-RU" sz="4800" b="0" i="0" u="none" strike="noStrike" cap="none" normalizeH="0" baseline="0" dirty="0">
               <a:ln>
                 <a:noFill/>
               </a:ln>
@@ -4998,7 +4823,7 @@
           <a:lstStyle/>
           <a:p>
             <a:r>
-              <a:rPr lang="en-US" dirty="0" smtClean="0"/>
+              <a:rPr lang="en-US" dirty="0"/>
               <a:t>Logout</a:t>
             </a:r>
             <a:endParaRPr lang="ru-RU" dirty="0"/>
@@ -5076,7 +4901,7 @@
               <a:tabLst/>
             </a:pPr>
             <a:r>
-              <a:rPr kumimoji="0" lang="ru-RU" altLang="ru-RU" sz="2000" b="0" i="0" u="none" strike="noStrike" cap="none" normalizeH="0" baseline="0" dirty="0" smtClean="0">
+              <a:rPr kumimoji="0" lang="ru-RU" altLang="ru-RU" sz="2000" b="0" i="0" u="none" strike="noStrike" cap="none" normalizeH="0" baseline="0" dirty="0">
                 <a:ln>
                   <a:noFill/>
                 </a:ln>
@@ -5090,7 +4915,7 @@
               <a:t>&lt;</a:t>
             </a:r>
             <a:r>
-              <a:rPr kumimoji="0" lang="ru-RU" altLang="ru-RU" sz="2000" b="1" i="0" u="none" strike="noStrike" cap="none" normalizeH="0" baseline="0" dirty="0" smtClean="0">
+              <a:rPr kumimoji="0" lang="ru-RU" altLang="ru-RU" sz="2000" b="1" i="0" u="none" strike="noStrike" cap="none" normalizeH="0" baseline="0" dirty="0">
                 <a:ln>
                   <a:noFill/>
                 </a:ln>
@@ -5104,7 +4929,7 @@
               <a:t>a </a:t>
             </a:r>
             <a:r>
-              <a:rPr kumimoji="0" lang="ru-RU" altLang="ru-RU" sz="2000" b="1" i="0" u="none" strike="noStrike" cap="none" normalizeH="0" baseline="0" dirty="0" smtClean="0">
+              <a:rPr kumimoji="0" lang="ru-RU" altLang="ru-RU" sz="2000" b="1" i="0" u="none" strike="noStrike" cap="none" normalizeH="0" baseline="0" dirty="0">
                 <a:ln>
                   <a:noFill/>
                 </a:ln>
@@ -5118,7 +4943,7 @@
               <a:t>href=</a:t>
             </a:r>
             <a:r>
-              <a:rPr kumimoji="0" lang="ru-RU" altLang="ru-RU" sz="2000" b="1" i="0" u="none" strike="noStrike" cap="none" normalizeH="0" baseline="0" dirty="0" smtClean="0">
+              <a:rPr kumimoji="0" lang="ru-RU" altLang="ru-RU" sz="2000" b="1" i="0" u="none" strike="noStrike" cap="none" normalizeH="0" baseline="0" dirty="0">
                 <a:ln>
                   <a:noFill/>
                 </a:ln>
@@ -5132,7 +4957,7 @@
               <a:t>"</a:t>
             </a:r>
             <a:r>
-              <a:rPr kumimoji="0" lang="ru-RU" altLang="ru-RU" sz="2000" b="0" i="0" u="none" strike="noStrike" cap="none" normalizeH="0" baseline="0" dirty="0" smtClean="0">
+              <a:rPr kumimoji="0" lang="ru-RU" altLang="ru-RU" sz="2000" b="0" i="0" u="none" strike="noStrike" cap="none" normalizeH="0" baseline="0" dirty="0">
                 <a:ln>
                   <a:noFill/>
                 </a:ln>
@@ -5146,7 +4971,7 @@
               <a:t>{% </a:t>
             </a:r>
             <a:r>
-              <a:rPr kumimoji="0" lang="ru-RU" altLang="ru-RU" sz="2000" b="1" i="0" u="none" strike="noStrike" cap="none" normalizeH="0" baseline="0" dirty="0" smtClean="0">
+              <a:rPr kumimoji="0" lang="ru-RU" altLang="ru-RU" sz="2000" b="1" i="0" u="none" strike="noStrike" cap="none" normalizeH="0" baseline="0" dirty="0">
                 <a:ln>
                   <a:noFill/>
                 </a:ln>
@@ -5160,7 +4985,7 @@
               <a:t>url </a:t>
             </a:r>
             <a:r>
-              <a:rPr kumimoji="0" lang="ru-RU" altLang="ru-RU" sz="2000" b="1" i="0" u="none" strike="noStrike" cap="none" normalizeH="0" baseline="0" dirty="0" smtClean="0">
+              <a:rPr kumimoji="0" lang="ru-RU" altLang="ru-RU" sz="2000" b="1" i="0" u="none" strike="noStrike" cap="none" normalizeH="0" baseline="0" dirty="0">
                 <a:ln>
                   <a:noFill/>
                 </a:ln>
@@ -5174,7 +4999,7 @@
               <a:t>"blog_logout" </a:t>
             </a:r>
             <a:r>
-              <a:rPr kumimoji="0" lang="ru-RU" altLang="ru-RU" sz="2000" b="0" i="0" u="none" strike="noStrike" cap="none" normalizeH="0" baseline="0" dirty="0" smtClean="0">
+              <a:rPr kumimoji="0" lang="ru-RU" altLang="ru-RU" sz="2000" b="0" i="0" u="none" strike="noStrike" cap="none" normalizeH="0" baseline="0" dirty="0">
                 <a:ln>
                   <a:noFill/>
                 </a:ln>
@@ -5188,7 +5013,7 @@
               <a:t>%}</a:t>
             </a:r>
             <a:r>
-              <a:rPr kumimoji="0" lang="ru-RU" altLang="ru-RU" sz="2000" b="1" i="0" u="none" strike="noStrike" cap="none" normalizeH="0" baseline="0" dirty="0" smtClean="0">
+              <a:rPr kumimoji="0" lang="ru-RU" altLang="ru-RU" sz="2000" b="1" i="0" u="none" strike="noStrike" cap="none" normalizeH="0" baseline="0" dirty="0">
                 <a:ln>
                   <a:noFill/>
                 </a:ln>
@@ -5202,7 +5027,7 @@
               <a:t>" </a:t>
             </a:r>
             <a:r>
-              <a:rPr kumimoji="0" lang="ru-RU" altLang="ru-RU" sz="2000" b="1" i="0" u="none" strike="noStrike" cap="none" normalizeH="0" baseline="0" dirty="0" smtClean="0">
+              <a:rPr kumimoji="0" lang="ru-RU" altLang="ru-RU" sz="2000" b="1" i="0" u="none" strike="noStrike" cap="none" normalizeH="0" baseline="0" dirty="0">
                 <a:ln>
                   <a:noFill/>
                 </a:ln>
@@ -5216,7 +5041,7 @@
               <a:t>class=</a:t>
             </a:r>
             <a:r>
-              <a:rPr kumimoji="0" lang="ru-RU" altLang="ru-RU" sz="2000" b="1" i="0" u="none" strike="noStrike" cap="none" normalizeH="0" baseline="0" dirty="0" smtClean="0">
+              <a:rPr kumimoji="0" lang="ru-RU" altLang="ru-RU" sz="2000" b="1" i="0" u="none" strike="noStrike" cap="none" normalizeH="0" baseline="0" dirty="0">
                 <a:ln>
                   <a:noFill/>
                 </a:ln>
@@ -5230,7 +5055,7 @@
               <a:t>"btn btn-danger"</a:t>
             </a:r>
             <a:r>
-              <a:rPr kumimoji="0" lang="ru-RU" altLang="ru-RU" sz="2000" b="0" i="0" u="none" strike="noStrike" cap="none" normalizeH="0" baseline="0" dirty="0" smtClean="0">
+              <a:rPr kumimoji="0" lang="ru-RU" altLang="ru-RU" sz="2000" b="0" i="0" u="none" strike="noStrike" cap="none" normalizeH="0" baseline="0" dirty="0">
                 <a:ln>
                   <a:noFill/>
                 </a:ln>
@@ -5244,7 +5069,7 @@
               <a:t>&gt;Logout&lt;/</a:t>
             </a:r>
             <a:r>
-              <a:rPr kumimoji="0" lang="ru-RU" altLang="ru-RU" sz="2000" b="1" i="0" u="none" strike="noStrike" cap="none" normalizeH="0" baseline="0" dirty="0" smtClean="0">
+              <a:rPr kumimoji="0" lang="ru-RU" altLang="ru-RU" sz="2000" b="1" i="0" u="none" strike="noStrike" cap="none" normalizeH="0" baseline="0" dirty="0">
                 <a:ln>
                   <a:noFill/>
                 </a:ln>
@@ -5258,7 +5083,7 @@
               <a:t>a</a:t>
             </a:r>
             <a:r>
-              <a:rPr kumimoji="0" lang="ru-RU" altLang="ru-RU" sz="2000" b="0" i="0" u="none" strike="noStrike" cap="none" normalizeH="0" baseline="0" dirty="0" smtClean="0">
+              <a:rPr kumimoji="0" lang="ru-RU" altLang="ru-RU" sz="2000" b="0" i="0" u="none" strike="noStrike" cap="none" normalizeH="0" baseline="0" dirty="0">
                 <a:ln>
                   <a:noFill/>
                 </a:ln>
@@ -5271,7 +5096,7 @@
               </a:rPr>
               <a:t>&gt;</a:t>
             </a:r>
-            <a:endParaRPr kumimoji="0" lang="ru-RU" altLang="ru-RU" sz="4400" b="0" i="0" u="none" strike="noStrike" cap="none" normalizeH="0" baseline="0" dirty="0" smtClean="0">
+            <a:endParaRPr kumimoji="0" lang="ru-RU" altLang="ru-RU" sz="4400" b="0" i="0" u="none" strike="noStrike" cap="none" normalizeH="0" baseline="0" dirty="0">
               <a:ln>
                 <a:noFill/>
               </a:ln>
@@ -5454,7 +5279,7 @@
           <a:lstStyle/>
           <a:p>
             <a:r>
-              <a:rPr lang="ru-RU" dirty="0" smtClean="0"/>
+              <a:rPr lang="ru-RU" dirty="0"/>
               <a:t>Аутентификация польлзователя</a:t>
             </a:r>
             <a:endParaRPr lang="en-US" dirty="0"/>
@@ -5471,13 +5296,6 @@
   <p:clrMapOvr>
     <a:masterClrMapping/>
   </p:clrMapOvr>
-  <p:timing>
-    <p:tnLst>
-      <p:par>
-        <p:cTn id="1" dur="indefinite" restart="never" nodeType="tmRoot"/>
-      </p:par>
-    </p:tnLst>
-  </p:timing>
 </p:sld>
 </file>
 
@@ -5516,10 +5334,9 @@
           <a:lstStyle/>
           <a:p>
             <a:r>
-              <a:rPr lang="ru-RU" dirty="0" smtClean="0"/>
+              <a:rPr lang="ru-RU" dirty="0"/>
               <a:t>Как понять, что пользователь аутентифицирован?</a:t>
             </a:r>
-            <a:endParaRPr lang="ru-RU" dirty="0"/>
           </a:p>
         </p:txBody>
       </p:sp>
@@ -5556,25 +5373,13 @@
             </a:r>
             <a:r>
               <a:rPr lang="ru-RU" dirty="0"/>
-              <a:t>для каждого </a:t>
-            </a:r>
-            <a:r>
-              <a:rPr lang="ru-RU" dirty="0" smtClean="0"/>
-              <a:t>запроса содержит </a:t>
-            </a:r>
+              <a:t>для каждого запроса содержит экземпляр AnonymousUser, иначе экземпляр User.</a:t>
+            </a:r>
+          </a:p>
+          <a:p>
             <a:r>
               <a:rPr lang="ru-RU" dirty="0"/>
-              <a:t>экземпляр AnonymousUser, иначе экземпляр User.</a:t>
-            </a:r>
-          </a:p>
-          <a:p>
-            <a:r>
-              <a:rPr lang="ru-RU" dirty="0" smtClean="0"/>
-              <a:t>Различить </a:t>
-            </a:r>
-            <a:r>
-              <a:rPr lang="ru-RU" dirty="0"/>
-              <a:t>их можно с помощью метода is_authenticated():</a:t>
+              <a:t>Различить их можно с помощью метода is_authenticated():</a:t>
             </a:r>
           </a:p>
         </p:txBody>
@@ -5650,7 +5455,7 @@
               <a:tabLst/>
             </a:pPr>
             <a:r>
-              <a:rPr kumimoji="0" lang="ru-RU" altLang="ru-RU" sz="2400" b="1" i="0" u="none" strike="noStrike" cap="none" normalizeH="0" baseline="0" smtClean="0">
+              <a:rPr kumimoji="0" lang="ru-RU" altLang="ru-RU" sz="2400" b="1" i="0" u="none" strike="noStrike" cap="none" normalizeH="0" baseline="0">
                 <a:ln>
                   <a:noFill/>
                 </a:ln>
@@ -5664,7 +5469,7 @@
               <a:t>if </a:t>
             </a:r>
             <a:r>
-              <a:rPr kumimoji="0" lang="ru-RU" altLang="ru-RU" sz="2400" b="0" i="0" u="none" strike="noStrike" cap="none" normalizeH="0" baseline="0" smtClean="0">
+              <a:rPr kumimoji="0" lang="ru-RU" altLang="ru-RU" sz="2400" b="0" i="0" u="none" strike="noStrike" cap="none" normalizeH="0" baseline="0">
                 <a:ln>
                   <a:noFill/>
                 </a:ln>
@@ -5678,7 +5483,7 @@
               <a:t>request.user.is_authenticated():</a:t>
             </a:r>
             <a:br>
-              <a:rPr kumimoji="0" lang="ru-RU" altLang="ru-RU" sz="2400" b="0" i="0" u="none" strike="noStrike" cap="none" normalizeH="0" baseline="0" smtClean="0">
+              <a:rPr kumimoji="0" lang="ru-RU" altLang="ru-RU" sz="2400" b="0" i="0" u="none" strike="noStrike" cap="none" normalizeH="0" baseline="0">
                 <a:ln>
                   <a:noFill/>
                 </a:ln>
@@ -5691,7 +5496,7 @@
               </a:rPr>
             </a:br>
             <a:r>
-              <a:rPr kumimoji="0" lang="ru-RU" altLang="ru-RU" sz="2400" b="0" i="0" u="none" strike="noStrike" cap="none" normalizeH="0" baseline="0" smtClean="0">
+              <a:rPr kumimoji="0" lang="ru-RU" altLang="ru-RU" sz="2400" b="0" i="0" u="none" strike="noStrike" cap="none" normalizeH="0" baseline="0">
                 <a:ln>
                   <a:noFill/>
                 </a:ln>
@@ -5705,7 +5510,7 @@
               <a:t>    </a:t>
             </a:r>
             <a:r>
-              <a:rPr kumimoji="0" lang="ru-RU" altLang="ru-RU" sz="2400" b="0" i="1" u="none" strike="noStrike" cap="none" normalizeH="0" baseline="0" smtClean="0">
+              <a:rPr kumimoji="0" lang="ru-RU" altLang="ru-RU" sz="2400" b="0" i="1" u="none" strike="noStrike" cap="none" normalizeH="0" baseline="0">
                 <a:ln>
                   <a:noFill/>
                 </a:ln>
@@ -5719,7 +5524,7 @@
               <a:t># Пользователь аутентифицирован</a:t>
             </a:r>
             <a:br>
-              <a:rPr kumimoji="0" lang="ru-RU" altLang="ru-RU" sz="2400" b="0" i="1" u="none" strike="noStrike" cap="none" normalizeH="0" baseline="0" smtClean="0">
+              <a:rPr kumimoji="0" lang="ru-RU" altLang="ru-RU" sz="2400" b="0" i="1" u="none" strike="noStrike" cap="none" normalizeH="0" baseline="0">
                 <a:ln>
                   <a:noFill/>
                 </a:ln>
@@ -5732,7 +5537,7 @@
               </a:rPr>
             </a:br>
             <a:r>
-              <a:rPr kumimoji="0" lang="ru-RU" altLang="ru-RU" sz="2400" b="0" i="1" u="none" strike="noStrike" cap="none" normalizeH="0" baseline="0" smtClean="0">
+              <a:rPr kumimoji="0" lang="ru-RU" altLang="ru-RU" sz="2400" b="0" i="1" u="none" strike="noStrike" cap="none" normalizeH="0" baseline="0">
                 <a:ln>
                   <a:noFill/>
                 </a:ln>
@@ -5746,7 +5551,7 @@
               <a:t>    </a:t>
             </a:r>
             <a:r>
-              <a:rPr kumimoji="0" lang="ru-RU" altLang="ru-RU" sz="2400" b="1" i="0" u="none" strike="noStrike" cap="none" normalizeH="0" baseline="0" smtClean="0">
+              <a:rPr kumimoji="0" lang="ru-RU" altLang="ru-RU" sz="2400" b="1" i="0" u="none" strike="noStrike" cap="none" normalizeH="0" baseline="0">
                 <a:ln>
                   <a:noFill/>
                 </a:ln>
@@ -5760,7 +5565,7 @@
               <a:t>pass</a:t>
             </a:r>
             <a:br>
-              <a:rPr kumimoji="0" lang="ru-RU" altLang="ru-RU" sz="2400" b="1" i="0" u="none" strike="noStrike" cap="none" normalizeH="0" baseline="0" smtClean="0">
+              <a:rPr kumimoji="0" lang="ru-RU" altLang="ru-RU" sz="2400" b="1" i="0" u="none" strike="noStrike" cap="none" normalizeH="0" baseline="0">
                 <a:ln>
                   <a:noFill/>
                 </a:ln>
@@ -5773,7 +5578,7 @@
               </a:rPr>
             </a:br>
             <a:r>
-              <a:rPr kumimoji="0" lang="ru-RU" altLang="ru-RU" sz="2400" b="1" i="0" u="none" strike="noStrike" cap="none" normalizeH="0" baseline="0" smtClean="0">
+              <a:rPr kumimoji="0" lang="ru-RU" altLang="ru-RU" sz="2400" b="1" i="0" u="none" strike="noStrike" cap="none" normalizeH="0" baseline="0">
                 <a:ln>
                   <a:noFill/>
                 </a:ln>
@@ -5787,7 +5592,7 @@
               <a:t>else</a:t>
             </a:r>
             <a:r>
-              <a:rPr kumimoji="0" lang="ru-RU" altLang="ru-RU" sz="2400" b="0" i="0" u="none" strike="noStrike" cap="none" normalizeH="0" baseline="0" smtClean="0">
+              <a:rPr kumimoji="0" lang="ru-RU" altLang="ru-RU" sz="2400" b="0" i="0" u="none" strike="noStrike" cap="none" normalizeH="0" baseline="0">
                 <a:ln>
                   <a:noFill/>
                 </a:ln>
@@ -5801,7 +5606,7 @@
               <a:t>:</a:t>
             </a:r>
             <a:br>
-              <a:rPr kumimoji="0" lang="ru-RU" altLang="ru-RU" sz="2400" b="0" i="0" u="none" strike="noStrike" cap="none" normalizeH="0" baseline="0" smtClean="0">
+              <a:rPr kumimoji="0" lang="ru-RU" altLang="ru-RU" sz="2400" b="0" i="0" u="none" strike="noStrike" cap="none" normalizeH="0" baseline="0">
                 <a:ln>
                   <a:noFill/>
                 </a:ln>
@@ -5814,7 +5619,7 @@
               </a:rPr>
             </a:br>
             <a:r>
-              <a:rPr kumimoji="0" lang="ru-RU" altLang="ru-RU" sz="2400" b="0" i="0" u="none" strike="noStrike" cap="none" normalizeH="0" baseline="0" smtClean="0">
+              <a:rPr kumimoji="0" lang="ru-RU" altLang="ru-RU" sz="2400" b="0" i="0" u="none" strike="noStrike" cap="none" normalizeH="0" baseline="0">
                 <a:ln>
                   <a:noFill/>
                 </a:ln>
@@ -5828,7 +5633,7 @@
               <a:t>    </a:t>
             </a:r>
             <a:r>
-              <a:rPr kumimoji="0" lang="ru-RU" altLang="ru-RU" sz="2400" b="0" i="1" u="none" strike="noStrike" cap="none" normalizeH="0" baseline="0" smtClean="0">
+              <a:rPr kumimoji="0" lang="ru-RU" altLang="ru-RU" sz="2400" b="0" i="1" u="none" strike="noStrike" cap="none" normalizeH="0" baseline="0">
                 <a:ln>
                   <a:noFill/>
                 </a:ln>
@@ -5842,7 +5647,7 @@
               <a:t># Это анонимный пользователь</a:t>
             </a:r>
             <a:br>
-              <a:rPr kumimoji="0" lang="ru-RU" altLang="ru-RU" sz="2400" b="0" i="1" u="none" strike="noStrike" cap="none" normalizeH="0" baseline="0" smtClean="0">
+              <a:rPr kumimoji="0" lang="ru-RU" altLang="ru-RU" sz="2400" b="0" i="1" u="none" strike="noStrike" cap="none" normalizeH="0" baseline="0">
                 <a:ln>
                   <a:noFill/>
                 </a:ln>
@@ -5855,7 +5660,7 @@
               </a:rPr>
             </a:br>
             <a:r>
-              <a:rPr kumimoji="0" lang="ru-RU" altLang="ru-RU" sz="2400" b="0" i="1" u="none" strike="noStrike" cap="none" normalizeH="0" baseline="0" smtClean="0">
+              <a:rPr kumimoji="0" lang="ru-RU" altLang="ru-RU" sz="2400" b="0" i="1" u="none" strike="noStrike" cap="none" normalizeH="0" baseline="0">
                 <a:ln>
                   <a:noFill/>
                 </a:ln>
@@ -5869,7 +5674,7 @@
               <a:t>    </a:t>
             </a:r>
             <a:r>
-              <a:rPr kumimoji="0" lang="ru-RU" altLang="ru-RU" sz="2400" b="1" i="0" u="none" strike="noStrike" cap="none" normalizeH="0" baseline="0" smtClean="0">
+              <a:rPr kumimoji="0" lang="ru-RU" altLang="ru-RU" sz="2400" b="1" i="0" u="none" strike="noStrike" cap="none" normalizeH="0" baseline="0">
                 <a:ln>
                   <a:noFill/>
                 </a:ln>
@@ -5882,7 +5687,7 @@
               </a:rPr>
               <a:t>pass</a:t>
             </a:r>
-            <a:endParaRPr kumimoji="0" lang="ru-RU" altLang="ru-RU" sz="4800" b="0" i="0" u="none" strike="noStrike" cap="none" normalizeH="0" baseline="0" smtClean="0">
+            <a:endParaRPr kumimoji="0" lang="ru-RU" altLang="ru-RU" sz="4800" b="0" i="0" u="none" strike="noStrike" cap="none" normalizeH="0" baseline="0">
               <a:ln>
                 <a:noFill/>
               </a:ln>
@@ -5905,13 +5710,6 @@
   <p:clrMapOvr>
     <a:masterClrMapping/>
   </p:clrMapOvr>
-  <p:timing>
-    <p:tnLst>
-      <p:par>
-        <p:cTn id="1" dur="indefinite" restart="never" nodeType="tmRoot"/>
-      </p:par>
-    </p:tnLst>
-  </p:timing>
 </p:sld>
 </file>
 
@@ -5949,8 +5747,13 @@
           <a:p>
             <a:r>
               <a:rPr lang="ru-RU" dirty="0"/>
-              <a:t>Как авторизовать пользователя</a:t>
-            </a:r>
+              <a:t>Декоратор </a:t>
+            </a:r>
+            <a:r>
+              <a:rPr lang="en-US" dirty="0" err="1"/>
+              <a:t>login_required</a:t>
+            </a:r>
+            <a:endParaRPr lang="ru-RU" dirty="0"/>
           </a:p>
         </p:txBody>
       </p:sp>
@@ -5964,31 +5767,14 @@
             <p:ph sz="quarter" idx="10"/>
           </p:nvPr>
         </p:nvSpPr>
-        <p:spPr>
-          <a:xfrm>
-            <a:off x="379514" y="911976"/>
-            <a:ext cx="11525250" cy="5290388"/>
-          </a:xfrm>
-        </p:spPr>
+        <p:spPr/>
         <p:txBody>
           <a:bodyPr/>
           <a:lstStyle/>
           <a:p>
             <a:r>
-              <a:rPr lang="ru-RU" dirty="0" smtClean="0"/>
-              <a:t>Перед авторизацией необходимо выполнить аутентификацию пользователя </a:t>
-            </a:r>
-            <a:r>
               <a:rPr lang="ru-RU" dirty="0"/>
-              <a:t>с помощью функции authenticate</a:t>
-            </a:r>
-            <a:r>
-              <a:rPr lang="ru-RU" dirty="0" smtClean="0"/>
-              <a:t>(), а затем вызвать </a:t>
-            </a:r>
-            <a:r>
-              <a:rPr lang="ru-RU" dirty="0"/>
-              <a:t>функции login()</a:t>
+              <a:t>Для краткости кода вы можете использовать декоратор login_required():</a:t>
             </a:r>
           </a:p>
         </p:txBody>
@@ -6003,8 +5789,8 @@
         </p:nvSpPr>
         <p:spPr bwMode="auto">
           <a:xfrm>
-            <a:off x="1393517" y="2442746"/>
-            <a:ext cx="9941233" cy="4524315"/>
+            <a:off x="2803217" y="3250081"/>
+            <a:ext cx="7400925" cy="1938992"/>
           </a:xfrm>
           <a:prstGeom prst="rect">
             <a:avLst/>
@@ -6064,7 +5850,7 @@
               <a:tabLst/>
             </a:pPr>
             <a:r>
-              <a:rPr kumimoji="0" lang="ru-RU" altLang="ru-RU" b="1" i="0" u="none" strike="noStrike" cap="none" normalizeH="0" baseline="0" dirty="0" smtClean="0">
+              <a:rPr kumimoji="0" lang="ru-RU" altLang="ru-RU" sz="2000" b="1" i="0" u="none" strike="noStrike" cap="none" normalizeH="0" baseline="0">
                 <a:ln>
                   <a:noFill/>
                 </a:ln>
@@ -6078,21 +5864,21 @@
               <a:t>from </a:t>
             </a:r>
             <a:r>
-              <a:rPr kumimoji="0" lang="ru-RU" altLang="ru-RU" b="0" i="0" u="none" strike="noStrike" cap="none" normalizeH="0" baseline="0" dirty="0" smtClean="0">
-                <a:ln>
-                  <a:noFill/>
-                </a:ln>
-                <a:solidFill>
-                  <a:srgbClr val="000000"/>
-                </a:solidFill>
-                <a:effectLst/>
-                <a:latin typeface="Courier New" panose="02070309020205020404" pitchFamily="49" charset="0"/>
-                <a:cs typeface="Courier New" panose="02070309020205020404" pitchFamily="49" charset="0"/>
-              </a:rPr>
-              <a:t>django.contrib.auth </a:t>
-            </a:r>
-            <a:r>
-              <a:rPr kumimoji="0" lang="ru-RU" altLang="ru-RU" b="1" i="0" u="none" strike="noStrike" cap="none" normalizeH="0" baseline="0" dirty="0" smtClean="0">
+              <a:rPr kumimoji="0" lang="ru-RU" altLang="ru-RU" sz="2000" b="0" i="0" u="none" strike="noStrike" cap="none" normalizeH="0" baseline="0">
+                <a:ln>
+                  <a:noFill/>
+                </a:ln>
+                <a:solidFill>
+                  <a:srgbClr val="000000"/>
+                </a:solidFill>
+                <a:effectLst/>
+                <a:latin typeface="Courier New" panose="02070309020205020404" pitchFamily="49" charset="0"/>
+                <a:cs typeface="Courier New" panose="02070309020205020404" pitchFamily="49" charset="0"/>
+              </a:rPr>
+              <a:t>django.contrib.auth.decorators </a:t>
+            </a:r>
+            <a:r>
+              <a:rPr kumimoji="0" lang="ru-RU" altLang="ru-RU" sz="2000" b="1" i="0" u="none" strike="noStrike" cap="none" normalizeH="0" baseline="0">
                 <a:ln>
                   <a:noFill/>
                 </a:ln>
@@ -6106,21 +5892,21 @@
               <a:t>import </a:t>
             </a:r>
             <a:r>
-              <a:rPr kumimoji="0" lang="ru-RU" altLang="ru-RU" b="0" i="0" u="none" strike="noStrike" cap="none" normalizeH="0" baseline="0" dirty="0" smtClean="0">
-                <a:ln>
-                  <a:noFill/>
-                </a:ln>
-                <a:solidFill>
-                  <a:srgbClr val="000000"/>
-                </a:solidFill>
-                <a:effectLst/>
-                <a:latin typeface="Courier New" panose="02070309020205020404" pitchFamily="49" charset="0"/>
-                <a:cs typeface="Courier New" panose="02070309020205020404" pitchFamily="49" charset="0"/>
-              </a:rPr>
-              <a:t>authenticate, login</a:t>
+              <a:rPr kumimoji="0" lang="ru-RU" altLang="ru-RU" sz="2000" b="0" i="0" u="none" strike="noStrike" cap="none" normalizeH="0" baseline="0">
+                <a:ln>
+                  <a:noFill/>
+                </a:ln>
+                <a:solidFill>
+                  <a:srgbClr val="000000"/>
+                </a:solidFill>
+                <a:effectLst/>
+                <a:latin typeface="Courier New" panose="02070309020205020404" pitchFamily="49" charset="0"/>
+                <a:cs typeface="Courier New" panose="02070309020205020404" pitchFamily="49" charset="0"/>
+              </a:rPr>
+              <a:t>login_required</a:t>
             </a:r>
             <a:br>
-              <a:rPr kumimoji="0" lang="ru-RU" altLang="ru-RU" b="0" i="0" u="none" strike="noStrike" cap="none" normalizeH="0" baseline="0" dirty="0" smtClean="0">
+              <a:rPr kumimoji="0" lang="ru-RU" altLang="ru-RU" sz="2000" b="0" i="0" u="none" strike="noStrike" cap="none" normalizeH="0" baseline="0">
                 <a:ln>
                   <a:noFill/>
                 </a:ln>
@@ -6132,22 +5918,8 @@
                 <a:cs typeface="Courier New" panose="02070309020205020404" pitchFamily="49" charset="0"/>
               </a:rPr>
             </a:br>
-            <a:r>
-              <a:rPr kumimoji="0" lang="ru-RU" altLang="ru-RU" b="0" i="0" u="none" strike="noStrike" cap="none" normalizeH="0" baseline="0" dirty="0" smtClean="0">
-                <a:ln>
-                  <a:noFill/>
-                </a:ln>
-                <a:solidFill>
-                  <a:srgbClr val="000000"/>
-                </a:solidFill>
-                <a:effectLst/>
-                <a:latin typeface="Courier New" panose="02070309020205020404" pitchFamily="49" charset="0"/>
-                <a:cs typeface="Courier New" panose="02070309020205020404" pitchFamily="49" charset="0"/>
-              </a:rPr>
-              <a:t/>
-            </a:r>
             <a:br>
-              <a:rPr kumimoji="0" lang="ru-RU" altLang="ru-RU" b="0" i="0" u="none" strike="noStrike" cap="none" normalizeH="0" baseline="0" dirty="0" smtClean="0">
+              <a:rPr kumimoji="0" lang="ru-RU" altLang="ru-RU" sz="2000" b="0" i="0" u="none" strike="noStrike" cap="none" normalizeH="0" baseline="0">
                 <a:ln>
                   <a:noFill/>
                 </a:ln>
@@ -6160,7 +5932,48 @@
               </a:rPr>
             </a:br>
             <a:r>
-              <a:rPr kumimoji="0" lang="ru-RU" altLang="ru-RU" b="1" i="0" u="none" strike="noStrike" cap="none" normalizeH="0" baseline="0" dirty="0" smtClean="0">
+              <a:rPr kumimoji="0" lang="ru-RU" altLang="ru-RU" sz="2000" b="0" i="0" u="none" strike="noStrike" cap="none" normalizeH="0" baseline="0">
+                <a:ln>
+                  <a:noFill/>
+                </a:ln>
+                <a:solidFill>
+                  <a:srgbClr val="000000"/>
+                </a:solidFill>
+                <a:effectLst/>
+                <a:latin typeface="Courier New" panose="02070309020205020404" pitchFamily="49" charset="0"/>
+                <a:cs typeface="Courier New" panose="02070309020205020404" pitchFamily="49" charset="0"/>
+              </a:rPr>
+              <a:t>@</a:t>
+            </a:r>
+            <a:r>
+              <a:rPr kumimoji="0" lang="ru-RU" altLang="ru-RU" sz="2000" b="0" i="0" u="none" strike="noStrike" cap="none" normalizeH="0" baseline="0">
+                <a:ln>
+                  <a:noFill/>
+                </a:ln>
+                <a:solidFill>
+                  <a:srgbClr val="0000B2"/>
+                </a:solidFill>
+                <a:effectLst/>
+                <a:latin typeface="Courier New" panose="02070309020205020404" pitchFamily="49" charset="0"/>
+                <a:cs typeface="Courier New" panose="02070309020205020404" pitchFamily="49" charset="0"/>
+              </a:rPr>
+              <a:t>login_required</a:t>
+            </a:r>
+            <a:br>
+              <a:rPr kumimoji="0" lang="ru-RU" altLang="ru-RU" sz="2000" b="0" i="0" u="none" strike="noStrike" cap="none" normalizeH="0" baseline="0">
+                <a:ln>
+                  <a:noFill/>
+                </a:ln>
+                <a:solidFill>
+                  <a:srgbClr val="0000B2"/>
+                </a:solidFill>
+                <a:effectLst/>
+                <a:latin typeface="Courier New" panose="02070309020205020404" pitchFamily="49" charset="0"/>
+                <a:cs typeface="Courier New" panose="02070309020205020404" pitchFamily="49" charset="0"/>
+              </a:rPr>
+            </a:br>
+            <a:r>
+              <a:rPr kumimoji="0" lang="ru-RU" altLang="ru-RU" sz="2000" b="1" i="0" u="none" strike="noStrike" cap="none" normalizeH="0" baseline="0">
                 <a:ln>
                   <a:noFill/>
                 </a:ln>
@@ -6174,7 +5987,7 @@
               <a:t>def </a:t>
             </a:r>
             <a:r>
-              <a:rPr kumimoji="0" lang="ru-RU" altLang="ru-RU" b="0" i="0" u="none" strike="noStrike" cap="none" normalizeH="0" baseline="0" dirty="0" smtClean="0">
+              <a:rPr kumimoji="0" lang="ru-RU" altLang="ru-RU" sz="2000" b="0" i="0" u="none" strike="noStrike" cap="none" normalizeH="0" baseline="0">
                 <a:ln>
                   <a:noFill/>
                 </a:ln>
@@ -6188,7 +6001,7 @@
               <a:t>my_view(request):</a:t>
             </a:r>
             <a:br>
-              <a:rPr kumimoji="0" lang="ru-RU" altLang="ru-RU" b="0" i="0" u="none" strike="noStrike" cap="none" normalizeH="0" baseline="0" dirty="0" smtClean="0">
+              <a:rPr kumimoji="0" lang="ru-RU" altLang="ru-RU" sz="2000" b="0" i="0" u="none" strike="noStrike" cap="none" normalizeH="0" baseline="0">
                 <a:ln>
                   <a:noFill/>
                 </a:ln>
@@ -6201,666 +6014,20 @@
               </a:rPr>
             </a:br>
             <a:r>
-              <a:rPr kumimoji="0" lang="ru-RU" altLang="ru-RU" b="0" i="0" u="none" strike="noStrike" cap="none" normalizeH="0" baseline="0" dirty="0" smtClean="0">
-                <a:ln>
-                  <a:noFill/>
-                </a:ln>
-                <a:solidFill>
-                  <a:srgbClr val="000000"/>
-                </a:solidFill>
-                <a:effectLst/>
-                <a:latin typeface="Courier New" panose="02070309020205020404" pitchFamily="49" charset="0"/>
-                <a:cs typeface="Courier New" panose="02070309020205020404" pitchFamily="49" charset="0"/>
-              </a:rPr>
-              <a:t>    username = request.POST[</a:t>
-            </a:r>
-            <a:r>
-              <a:rPr kumimoji="0" lang="ru-RU" altLang="ru-RU" b="1" i="0" u="none" strike="noStrike" cap="none" normalizeH="0" baseline="0" dirty="0" smtClean="0">
-                <a:ln>
-                  <a:noFill/>
-                </a:ln>
-                <a:solidFill>
-                  <a:srgbClr val="008080"/>
-                </a:solidFill>
-                <a:effectLst/>
-                <a:latin typeface="Courier New" panose="02070309020205020404" pitchFamily="49" charset="0"/>
-                <a:cs typeface="Courier New" panose="02070309020205020404" pitchFamily="49" charset="0"/>
-              </a:rPr>
-              <a:t>'username'</a:t>
-            </a:r>
-            <a:r>
-              <a:rPr kumimoji="0" lang="ru-RU" altLang="ru-RU" b="0" i="0" u="none" strike="noStrike" cap="none" normalizeH="0" baseline="0" dirty="0" smtClean="0">
-                <a:ln>
-                  <a:noFill/>
-                </a:ln>
-                <a:solidFill>
-                  <a:srgbClr val="000000"/>
-                </a:solidFill>
-                <a:effectLst/>
-                <a:latin typeface="Courier New" panose="02070309020205020404" pitchFamily="49" charset="0"/>
-                <a:cs typeface="Courier New" panose="02070309020205020404" pitchFamily="49" charset="0"/>
-              </a:rPr>
-              <a:t>]</a:t>
-            </a:r>
-            <a:br>
-              <a:rPr kumimoji="0" lang="ru-RU" altLang="ru-RU" b="0" i="0" u="none" strike="noStrike" cap="none" normalizeH="0" baseline="0" dirty="0" smtClean="0">
-                <a:ln>
-                  <a:noFill/>
-                </a:ln>
-                <a:solidFill>
-                  <a:srgbClr val="000000"/>
-                </a:solidFill>
-                <a:effectLst/>
-                <a:latin typeface="Courier New" panose="02070309020205020404" pitchFamily="49" charset="0"/>
-                <a:cs typeface="Courier New" panose="02070309020205020404" pitchFamily="49" charset="0"/>
-              </a:rPr>
-            </a:br>
-            <a:r>
-              <a:rPr kumimoji="0" lang="ru-RU" altLang="ru-RU" b="0" i="0" u="none" strike="noStrike" cap="none" normalizeH="0" baseline="0" dirty="0" smtClean="0">
-                <a:ln>
-                  <a:noFill/>
-                </a:ln>
-                <a:solidFill>
-                  <a:srgbClr val="000000"/>
-                </a:solidFill>
-                <a:effectLst/>
-                <a:latin typeface="Courier New" panose="02070309020205020404" pitchFamily="49" charset="0"/>
-                <a:cs typeface="Courier New" panose="02070309020205020404" pitchFamily="49" charset="0"/>
-              </a:rPr>
-              <a:t>    password = request.POST[</a:t>
-            </a:r>
-            <a:r>
-              <a:rPr kumimoji="0" lang="ru-RU" altLang="ru-RU" b="1" i="0" u="none" strike="noStrike" cap="none" normalizeH="0" baseline="0" dirty="0" smtClean="0">
-                <a:ln>
-                  <a:noFill/>
-                </a:ln>
-                <a:solidFill>
-                  <a:srgbClr val="008080"/>
-                </a:solidFill>
-                <a:effectLst/>
-                <a:latin typeface="Courier New" panose="02070309020205020404" pitchFamily="49" charset="0"/>
-                <a:cs typeface="Courier New" panose="02070309020205020404" pitchFamily="49" charset="0"/>
-              </a:rPr>
-              <a:t>'password'</a:t>
-            </a:r>
-            <a:r>
-              <a:rPr kumimoji="0" lang="ru-RU" altLang="ru-RU" b="0" i="0" u="none" strike="noStrike" cap="none" normalizeH="0" baseline="0" dirty="0" smtClean="0">
-                <a:ln>
-                  <a:noFill/>
-                </a:ln>
-                <a:solidFill>
-                  <a:srgbClr val="000000"/>
-                </a:solidFill>
-                <a:effectLst/>
-                <a:latin typeface="Courier New" panose="02070309020205020404" pitchFamily="49" charset="0"/>
-                <a:cs typeface="Courier New" panose="02070309020205020404" pitchFamily="49" charset="0"/>
-              </a:rPr>
-              <a:t>]</a:t>
-            </a:r>
-            <a:br>
-              <a:rPr kumimoji="0" lang="ru-RU" altLang="ru-RU" b="0" i="0" u="none" strike="noStrike" cap="none" normalizeH="0" baseline="0" dirty="0" smtClean="0">
-                <a:ln>
-                  <a:noFill/>
-                </a:ln>
-                <a:solidFill>
-                  <a:srgbClr val="000000"/>
-                </a:solidFill>
-                <a:effectLst/>
-                <a:latin typeface="Courier New" panose="02070309020205020404" pitchFamily="49" charset="0"/>
-                <a:cs typeface="Courier New" panose="02070309020205020404" pitchFamily="49" charset="0"/>
-              </a:rPr>
-            </a:br>
-            <a:r>
-              <a:rPr kumimoji="0" lang="ru-RU" altLang="ru-RU" b="0" i="0" u="none" strike="noStrike" cap="none" normalizeH="0" baseline="0" dirty="0" smtClean="0">
-                <a:ln>
-                  <a:noFill/>
-                </a:ln>
-                <a:solidFill>
-                  <a:srgbClr val="000000"/>
-                </a:solidFill>
-                <a:effectLst/>
-                <a:latin typeface="Courier New" panose="02070309020205020404" pitchFamily="49" charset="0"/>
-                <a:cs typeface="Courier New" panose="02070309020205020404" pitchFamily="49" charset="0"/>
-              </a:rPr>
-              <a:t>    user = authenticate(</a:t>
-            </a:r>
-            <a:r>
-              <a:rPr kumimoji="0" lang="ru-RU" altLang="ru-RU" b="0" i="0" u="none" strike="noStrike" cap="none" normalizeH="0" baseline="0" dirty="0" smtClean="0">
-                <a:ln>
-                  <a:noFill/>
-                </a:ln>
-                <a:solidFill>
-                  <a:srgbClr val="660099"/>
-                </a:solidFill>
-                <a:effectLst/>
-                <a:latin typeface="Courier New" panose="02070309020205020404" pitchFamily="49" charset="0"/>
-                <a:cs typeface="Courier New" panose="02070309020205020404" pitchFamily="49" charset="0"/>
-              </a:rPr>
-              <a:t>username</a:t>
-            </a:r>
-            <a:r>
-              <a:rPr kumimoji="0" lang="ru-RU" altLang="ru-RU" b="0" i="0" u="none" strike="noStrike" cap="none" normalizeH="0" baseline="0" dirty="0" smtClean="0">
-                <a:ln>
-                  <a:noFill/>
-                </a:ln>
-                <a:solidFill>
-                  <a:srgbClr val="000000"/>
-                </a:solidFill>
-                <a:effectLst/>
-                <a:latin typeface="Courier New" panose="02070309020205020404" pitchFamily="49" charset="0"/>
-                <a:cs typeface="Courier New" panose="02070309020205020404" pitchFamily="49" charset="0"/>
-              </a:rPr>
-              <a:t>=username, </a:t>
-            </a:r>
-            <a:r>
-              <a:rPr kumimoji="0" lang="ru-RU" altLang="ru-RU" b="0" i="0" u="none" strike="noStrike" cap="none" normalizeH="0" baseline="0" dirty="0" smtClean="0">
-                <a:ln>
-                  <a:noFill/>
-                </a:ln>
-                <a:solidFill>
-                  <a:srgbClr val="660099"/>
-                </a:solidFill>
-                <a:effectLst/>
-                <a:latin typeface="Courier New" panose="02070309020205020404" pitchFamily="49" charset="0"/>
-                <a:cs typeface="Courier New" panose="02070309020205020404" pitchFamily="49" charset="0"/>
-              </a:rPr>
-              <a:t>password</a:t>
-            </a:r>
-            <a:r>
-              <a:rPr kumimoji="0" lang="ru-RU" altLang="ru-RU" b="0" i="0" u="none" strike="noStrike" cap="none" normalizeH="0" baseline="0" dirty="0" smtClean="0">
-                <a:ln>
-                  <a:noFill/>
-                </a:ln>
-                <a:solidFill>
-                  <a:srgbClr val="000000"/>
-                </a:solidFill>
-                <a:effectLst/>
-                <a:latin typeface="Courier New" panose="02070309020205020404" pitchFamily="49" charset="0"/>
-                <a:cs typeface="Courier New" panose="02070309020205020404" pitchFamily="49" charset="0"/>
-              </a:rPr>
-              <a:t>=password)</a:t>
-            </a:r>
-            <a:br>
-              <a:rPr kumimoji="0" lang="ru-RU" altLang="ru-RU" b="0" i="0" u="none" strike="noStrike" cap="none" normalizeH="0" baseline="0" dirty="0" smtClean="0">
-                <a:ln>
-                  <a:noFill/>
-                </a:ln>
-                <a:solidFill>
-                  <a:srgbClr val="000000"/>
-                </a:solidFill>
-                <a:effectLst/>
-                <a:latin typeface="Courier New" panose="02070309020205020404" pitchFamily="49" charset="0"/>
-                <a:cs typeface="Courier New" panose="02070309020205020404" pitchFamily="49" charset="0"/>
-              </a:rPr>
-            </a:br>
-            <a:r>
-              <a:rPr kumimoji="0" lang="ru-RU" altLang="ru-RU" b="0" i="0" u="none" strike="noStrike" cap="none" normalizeH="0" baseline="0" dirty="0" smtClean="0">
-                <a:ln>
-                  <a:noFill/>
-                </a:ln>
-                <a:solidFill>
-                  <a:srgbClr val="000000"/>
-                </a:solidFill>
-                <a:effectLst/>
-                <a:latin typeface="Courier New" panose="02070309020205020404" pitchFamily="49" charset="0"/>
-                <a:cs typeface="Courier New" panose="02070309020205020404" pitchFamily="49" charset="0"/>
-              </a:rPr>
-              <a:t>    </a:t>
-            </a:r>
-            <a:r>
-              <a:rPr kumimoji="0" lang="ru-RU" altLang="ru-RU" b="1" i="0" u="none" strike="noStrike" cap="none" normalizeH="0" baseline="0" dirty="0" smtClean="0">
-                <a:ln>
-                  <a:noFill/>
-                </a:ln>
-                <a:solidFill>
-                  <a:srgbClr val="000080"/>
-                </a:solidFill>
-                <a:effectLst/>
-                <a:latin typeface="Courier New" panose="02070309020205020404" pitchFamily="49" charset="0"/>
-                <a:cs typeface="Courier New" panose="02070309020205020404" pitchFamily="49" charset="0"/>
-              </a:rPr>
-              <a:t>if </a:t>
-            </a:r>
-            <a:r>
-              <a:rPr kumimoji="0" lang="ru-RU" altLang="ru-RU" b="0" i="0" u="none" strike="noStrike" cap="none" normalizeH="0" baseline="0" dirty="0" smtClean="0">
-                <a:ln>
-                  <a:noFill/>
-                </a:ln>
-                <a:solidFill>
-                  <a:srgbClr val="000000"/>
-                </a:solidFill>
-                <a:effectLst/>
-                <a:latin typeface="Courier New" panose="02070309020205020404" pitchFamily="49" charset="0"/>
-                <a:cs typeface="Courier New" panose="02070309020205020404" pitchFamily="49" charset="0"/>
-              </a:rPr>
-              <a:t>user </a:t>
-            </a:r>
-            <a:r>
-              <a:rPr kumimoji="0" lang="ru-RU" altLang="ru-RU" b="1" i="0" u="none" strike="noStrike" cap="none" normalizeH="0" baseline="0" dirty="0" smtClean="0">
-                <a:ln>
-                  <a:noFill/>
-                </a:ln>
-                <a:solidFill>
-                  <a:srgbClr val="000080"/>
-                </a:solidFill>
-                <a:effectLst/>
-                <a:latin typeface="Courier New" panose="02070309020205020404" pitchFamily="49" charset="0"/>
-                <a:cs typeface="Courier New" panose="02070309020205020404" pitchFamily="49" charset="0"/>
-              </a:rPr>
-              <a:t>is not None</a:t>
-            </a:r>
-            <a:r>
-              <a:rPr kumimoji="0" lang="ru-RU" altLang="ru-RU" b="0" i="0" u="none" strike="noStrike" cap="none" normalizeH="0" baseline="0" dirty="0" smtClean="0">
-                <a:ln>
-                  <a:noFill/>
-                </a:ln>
-                <a:solidFill>
-                  <a:srgbClr val="000000"/>
-                </a:solidFill>
-                <a:effectLst/>
-                <a:latin typeface="Courier New" panose="02070309020205020404" pitchFamily="49" charset="0"/>
-                <a:cs typeface="Courier New" panose="02070309020205020404" pitchFamily="49" charset="0"/>
-              </a:rPr>
-              <a:t>:</a:t>
-            </a:r>
-            <a:br>
-              <a:rPr kumimoji="0" lang="ru-RU" altLang="ru-RU" b="0" i="0" u="none" strike="noStrike" cap="none" normalizeH="0" baseline="0" dirty="0" smtClean="0">
-                <a:ln>
-                  <a:noFill/>
-                </a:ln>
-                <a:solidFill>
-                  <a:srgbClr val="000000"/>
-                </a:solidFill>
-                <a:effectLst/>
-                <a:latin typeface="Courier New" panose="02070309020205020404" pitchFamily="49" charset="0"/>
-                <a:cs typeface="Courier New" panose="02070309020205020404" pitchFamily="49" charset="0"/>
-              </a:rPr>
-            </a:br>
-            <a:r>
-              <a:rPr kumimoji="0" lang="ru-RU" altLang="ru-RU" b="0" i="0" u="none" strike="noStrike" cap="none" normalizeH="0" baseline="0" dirty="0" smtClean="0">
-                <a:ln>
-                  <a:noFill/>
-                </a:ln>
-                <a:solidFill>
-                  <a:srgbClr val="000000"/>
-                </a:solidFill>
-                <a:effectLst/>
-                <a:latin typeface="Courier New" panose="02070309020205020404" pitchFamily="49" charset="0"/>
-                <a:cs typeface="Courier New" panose="02070309020205020404" pitchFamily="49" charset="0"/>
-              </a:rPr>
-              <a:t>        </a:t>
-            </a:r>
-            <a:r>
-              <a:rPr kumimoji="0" lang="ru-RU" altLang="ru-RU" b="1" i="0" u="none" strike="noStrike" cap="none" normalizeH="0" baseline="0" dirty="0" smtClean="0">
-                <a:ln>
-                  <a:noFill/>
-                </a:ln>
-                <a:solidFill>
-                  <a:srgbClr val="000080"/>
-                </a:solidFill>
-                <a:effectLst/>
-                <a:latin typeface="Courier New" panose="02070309020205020404" pitchFamily="49" charset="0"/>
-                <a:cs typeface="Courier New" panose="02070309020205020404" pitchFamily="49" charset="0"/>
-              </a:rPr>
-              <a:t>if </a:t>
-            </a:r>
-            <a:r>
-              <a:rPr kumimoji="0" lang="ru-RU" altLang="ru-RU" b="0" i="0" u="none" strike="noStrike" cap="none" normalizeH="0" baseline="0" dirty="0" smtClean="0">
-                <a:ln>
-                  <a:noFill/>
-                </a:ln>
-                <a:solidFill>
-                  <a:srgbClr val="000000"/>
-                </a:solidFill>
-                <a:effectLst/>
-                <a:latin typeface="Courier New" panose="02070309020205020404" pitchFamily="49" charset="0"/>
-                <a:cs typeface="Courier New" panose="02070309020205020404" pitchFamily="49" charset="0"/>
-              </a:rPr>
-              <a:t>user.is_active:</a:t>
-            </a:r>
-            <a:br>
-              <a:rPr kumimoji="0" lang="ru-RU" altLang="ru-RU" b="0" i="0" u="none" strike="noStrike" cap="none" normalizeH="0" baseline="0" dirty="0" smtClean="0">
-                <a:ln>
-                  <a:noFill/>
-                </a:ln>
-                <a:solidFill>
-                  <a:srgbClr val="000000"/>
-                </a:solidFill>
-                <a:effectLst/>
-                <a:latin typeface="Courier New" panose="02070309020205020404" pitchFamily="49" charset="0"/>
-                <a:cs typeface="Courier New" panose="02070309020205020404" pitchFamily="49" charset="0"/>
-              </a:rPr>
-            </a:br>
-            <a:r>
-              <a:rPr kumimoji="0" lang="ru-RU" altLang="ru-RU" b="0" i="0" u="none" strike="noStrike" cap="none" normalizeH="0" baseline="0" dirty="0" smtClean="0">
-                <a:ln>
-                  <a:noFill/>
-                </a:ln>
-                <a:solidFill>
-                  <a:srgbClr val="000000"/>
-                </a:solidFill>
-                <a:effectLst/>
-                <a:latin typeface="Courier New" panose="02070309020205020404" pitchFamily="49" charset="0"/>
-                <a:cs typeface="Courier New" panose="02070309020205020404" pitchFamily="49" charset="0"/>
-              </a:rPr>
-              <a:t>            login(request, user)</a:t>
-            </a:r>
-            <a:br>
-              <a:rPr kumimoji="0" lang="ru-RU" altLang="ru-RU" b="0" i="0" u="none" strike="noStrike" cap="none" normalizeH="0" baseline="0" dirty="0" smtClean="0">
-                <a:ln>
-                  <a:noFill/>
-                </a:ln>
-                <a:solidFill>
-                  <a:srgbClr val="000000"/>
-                </a:solidFill>
-                <a:effectLst/>
-                <a:latin typeface="Courier New" panose="02070309020205020404" pitchFamily="49" charset="0"/>
-                <a:cs typeface="Courier New" panose="02070309020205020404" pitchFamily="49" charset="0"/>
-              </a:rPr>
-            </a:br>
-            <a:r>
-              <a:rPr kumimoji="0" lang="ru-RU" altLang="ru-RU" b="0" i="0" u="none" strike="noStrike" cap="none" normalizeH="0" baseline="0" dirty="0" smtClean="0">
-                <a:ln>
-                  <a:noFill/>
-                </a:ln>
-                <a:solidFill>
-                  <a:srgbClr val="000000"/>
-                </a:solidFill>
-                <a:effectLst/>
-                <a:latin typeface="Courier New" panose="02070309020205020404" pitchFamily="49" charset="0"/>
-                <a:cs typeface="Courier New" panose="02070309020205020404" pitchFamily="49" charset="0"/>
-              </a:rPr>
-              <a:t>            </a:t>
-            </a:r>
-            <a:r>
-              <a:rPr kumimoji="0" lang="ru-RU" altLang="ru-RU" b="0" i="1" u="none" strike="noStrike" cap="none" normalizeH="0" baseline="0" dirty="0" smtClean="0">
-                <a:ln>
-                  <a:noFill/>
-                </a:ln>
-                <a:solidFill>
-                  <a:srgbClr val="808080"/>
-                </a:solidFill>
-                <a:effectLst/>
-                <a:latin typeface="Courier New" panose="02070309020205020404" pitchFamily="49" charset="0"/>
-                <a:cs typeface="Courier New" panose="02070309020205020404" pitchFamily="49" charset="0"/>
-              </a:rPr>
-              <a:t># Перенаправление на целевую страницу.</a:t>
-            </a:r>
-            <a:br>
-              <a:rPr kumimoji="0" lang="ru-RU" altLang="ru-RU" b="0" i="1" u="none" strike="noStrike" cap="none" normalizeH="0" baseline="0" dirty="0" smtClean="0">
-                <a:ln>
-                  <a:noFill/>
-                </a:ln>
-                <a:solidFill>
-                  <a:srgbClr val="808080"/>
-                </a:solidFill>
-                <a:effectLst/>
-                <a:latin typeface="Courier New" panose="02070309020205020404" pitchFamily="49" charset="0"/>
-                <a:cs typeface="Courier New" panose="02070309020205020404" pitchFamily="49" charset="0"/>
-              </a:rPr>
-            </a:br>
-            <a:r>
-              <a:rPr kumimoji="0" lang="ru-RU" altLang="ru-RU" b="0" i="1" u="none" strike="noStrike" cap="none" normalizeH="0" baseline="0" dirty="0" smtClean="0">
-                <a:ln>
-                  <a:noFill/>
-                </a:ln>
-                <a:solidFill>
-                  <a:srgbClr val="808080"/>
-                </a:solidFill>
-                <a:effectLst/>
-                <a:latin typeface="Courier New" panose="02070309020205020404" pitchFamily="49" charset="0"/>
-                <a:cs typeface="Courier New" panose="02070309020205020404" pitchFamily="49" charset="0"/>
-              </a:rPr>
-              <a:t>        </a:t>
-            </a:r>
-            <a:r>
-              <a:rPr kumimoji="0" lang="ru-RU" altLang="ru-RU" b="1" i="0" u="none" strike="noStrike" cap="none" normalizeH="0" baseline="0" dirty="0" smtClean="0">
-                <a:ln>
-                  <a:noFill/>
-                </a:ln>
-                <a:solidFill>
-                  <a:srgbClr val="000080"/>
-                </a:solidFill>
-                <a:effectLst/>
-                <a:latin typeface="Courier New" panose="02070309020205020404" pitchFamily="49" charset="0"/>
-                <a:cs typeface="Courier New" panose="02070309020205020404" pitchFamily="49" charset="0"/>
-              </a:rPr>
-              <a:t>else</a:t>
-            </a:r>
-            <a:r>
-              <a:rPr kumimoji="0" lang="ru-RU" altLang="ru-RU" b="0" i="0" u="none" strike="noStrike" cap="none" normalizeH="0" baseline="0" dirty="0" smtClean="0">
-                <a:ln>
-                  <a:noFill/>
-                </a:ln>
-                <a:solidFill>
-                  <a:srgbClr val="000000"/>
-                </a:solidFill>
-                <a:effectLst/>
-                <a:latin typeface="Courier New" panose="02070309020205020404" pitchFamily="49" charset="0"/>
-                <a:cs typeface="Courier New" panose="02070309020205020404" pitchFamily="49" charset="0"/>
-              </a:rPr>
-              <a:t>:</a:t>
-            </a:r>
-            <a:br>
-              <a:rPr kumimoji="0" lang="ru-RU" altLang="ru-RU" b="0" i="0" u="none" strike="noStrike" cap="none" normalizeH="0" baseline="0" dirty="0" smtClean="0">
-                <a:ln>
-                  <a:noFill/>
-                </a:ln>
-                <a:solidFill>
-                  <a:srgbClr val="000000"/>
-                </a:solidFill>
-                <a:effectLst/>
-                <a:latin typeface="Courier New" panose="02070309020205020404" pitchFamily="49" charset="0"/>
-                <a:cs typeface="Courier New" panose="02070309020205020404" pitchFamily="49" charset="0"/>
-              </a:rPr>
-            </a:br>
-            <a:r>
-              <a:rPr kumimoji="0" lang="ru-RU" altLang="ru-RU" b="0" i="0" u="none" strike="noStrike" cap="none" normalizeH="0" baseline="0" dirty="0" smtClean="0">
-                <a:ln>
-                  <a:noFill/>
-                </a:ln>
-                <a:solidFill>
-                  <a:srgbClr val="000000"/>
-                </a:solidFill>
-                <a:effectLst/>
-                <a:latin typeface="Courier New" panose="02070309020205020404" pitchFamily="49" charset="0"/>
-                <a:cs typeface="Courier New" panose="02070309020205020404" pitchFamily="49" charset="0"/>
-              </a:rPr>
-              <a:t>            </a:t>
-            </a:r>
-            <a:r>
-              <a:rPr kumimoji="0" lang="ru-RU" altLang="ru-RU" b="0" i="1" u="none" strike="noStrike" cap="none" normalizeH="0" baseline="0" dirty="0" smtClean="0">
-                <a:ln>
-                  <a:noFill/>
-                </a:ln>
-                <a:solidFill>
-                  <a:srgbClr val="808080"/>
-                </a:solidFill>
-                <a:effectLst/>
-                <a:latin typeface="Courier New" panose="02070309020205020404" pitchFamily="49" charset="0"/>
-                <a:cs typeface="Courier New" panose="02070309020205020404" pitchFamily="49" charset="0"/>
-              </a:rPr>
-              <a:t># Вернуть сообщение о ошбике: 'Неактивный аккаунт'</a:t>
-            </a:r>
-            <a:br>
-              <a:rPr kumimoji="0" lang="ru-RU" altLang="ru-RU" b="0" i="1" u="none" strike="noStrike" cap="none" normalizeH="0" baseline="0" dirty="0" smtClean="0">
-                <a:ln>
-                  <a:noFill/>
-                </a:ln>
-                <a:solidFill>
-                  <a:srgbClr val="808080"/>
-                </a:solidFill>
-                <a:effectLst/>
-                <a:latin typeface="Courier New" panose="02070309020205020404" pitchFamily="49" charset="0"/>
-                <a:cs typeface="Courier New" panose="02070309020205020404" pitchFamily="49" charset="0"/>
-              </a:rPr>
-            </a:br>
-            <a:r>
-              <a:rPr kumimoji="0" lang="ru-RU" altLang="ru-RU" b="0" i="1" u="none" strike="noStrike" cap="none" normalizeH="0" baseline="0" dirty="0" smtClean="0">
-                <a:ln>
-                  <a:noFill/>
-                </a:ln>
-                <a:solidFill>
-                  <a:srgbClr val="808080"/>
-                </a:solidFill>
-                <a:effectLst/>
-                <a:latin typeface="Courier New" panose="02070309020205020404" pitchFamily="49" charset="0"/>
-                <a:cs typeface="Courier New" panose="02070309020205020404" pitchFamily="49" charset="0"/>
-              </a:rPr>
-              <a:t>            </a:t>
-            </a:r>
-            <a:r>
-              <a:rPr kumimoji="0" lang="ru-RU" altLang="ru-RU" b="0" i="0" u="none" strike="noStrike" cap="none" normalizeH="0" baseline="0" dirty="0" smtClean="0">
-                <a:ln>
-                  <a:noFill/>
-                </a:ln>
-                <a:solidFill>
-                  <a:srgbClr val="000000"/>
-                </a:solidFill>
-                <a:effectLst/>
-                <a:latin typeface="Courier New" panose="02070309020205020404" pitchFamily="49" charset="0"/>
-                <a:cs typeface="Courier New" panose="02070309020205020404" pitchFamily="49" charset="0"/>
-              </a:rPr>
-              <a:t>...</a:t>
-            </a:r>
-            <a:br>
-              <a:rPr kumimoji="0" lang="ru-RU" altLang="ru-RU" b="0" i="0" u="none" strike="noStrike" cap="none" normalizeH="0" baseline="0" dirty="0" smtClean="0">
-                <a:ln>
-                  <a:noFill/>
-                </a:ln>
-                <a:solidFill>
-                  <a:srgbClr val="000000"/>
-                </a:solidFill>
-                <a:effectLst/>
-                <a:latin typeface="Courier New" panose="02070309020205020404" pitchFamily="49" charset="0"/>
-                <a:cs typeface="Courier New" panose="02070309020205020404" pitchFamily="49" charset="0"/>
-              </a:rPr>
-            </a:br>
-            <a:r>
-              <a:rPr kumimoji="0" lang="ru-RU" altLang="ru-RU" b="0" i="0" u="none" strike="noStrike" cap="none" normalizeH="0" baseline="0" dirty="0" smtClean="0">
-                <a:ln>
-                  <a:noFill/>
-                </a:ln>
-                <a:solidFill>
-                  <a:srgbClr val="000000"/>
-                </a:solidFill>
-                <a:effectLst/>
-                <a:latin typeface="Courier New" panose="02070309020205020404" pitchFamily="49" charset="0"/>
-                <a:cs typeface="Courier New" panose="02070309020205020404" pitchFamily="49" charset="0"/>
-              </a:rPr>
-              <a:t>    </a:t>
-            </a:r>
-            <a:r>
-              <a:rPr kumimoji="0" lang="ru-RU" altLang="ru-RU" b="1" i="0" u="none" strike="noStrike" cap="none" normalizeH="0" baseline="0" dirty="0" smtClean="0">
-                <a:ln>
-                  <a:noFill/>
-                </a:ln>
-                <a:solidFill>
-                  <a:srgbClr val="000080"/>
-                </a:solidFill>
-                <a:effectLst/>
-                <a:latin typeface="Courier New" panose="02070309020205020404" pitchFamily="49" charset="0"/>
-                <a:cs typeface="Courier New" panose="02070309020205020404" pitchFamily="49" charset="0"/>
-              </a:rPr>
-              <a:t>else</a:t>
-            </a:r>
-            <a:r>
-              <a:rPr kumimoji="0" lang="ru-RU" altLang="ru-RU" b="0" i="0" u="none" strike="noStrike" cap="none" normalizeH="0" baseline="0" dirty="0" smtClean="0">
-                <a:ln>
-                  <a:noFill/>
-                </a:ln>
-                <a:solidFill>
-                  <a:srgbClr val="000000"/>
-                </a:solidFill>
-                <a:effectLst/>
-                <a:latin typeface="Courier New" panose="02070309020205020404" pitchFamily="49" charset="0"/>
-                <a:cs typeface="Courier New" panose="02070309020205020404" pitchFamily="49" charset="0"/>
-              </a:rPr>
-              <a:t>:</a:t>
-            </a:r>
-            <a:br>
-              <a:rPr kumimoji="0" lang="ru-RU" altLang="ru-RU" b="0" i="0" u="none" strike="noStrike" cap="none" normalizeH="0" baseline="0" dirty="0" smtClean="0">
-                <a:ln>
-                  <a:noFill/>
-                </a:ln>
-                <a:solidFill>
-                  <a:srgbClr val="000000"/>
-                </a:solidFill>
-                <a:effectLst/>
-                <a:latin typeface="Courier New" panose="02070309020205020404" pitchFamily="49" charset="0"/>
-                <a:cs typeface="Courier New" panose="02070309020205020404" pitchFamily="49" charset="0"/>
-              </a:rPr>
-            </a:br>
-            <a:r>
-              <a:rPr kumimoji="0" lang="ru-RU" altLang="ru-RU" b="0" i="0" u="none" strike="noStrike" cap="none" normalizeH="0" baseline="0" dirty="0" smtClean="0">
-                <a:ln>
-                  <a:noFill/>
-                </a:ln>
-                <a:solidFill>
-                  <a:srgbClr val="000000"/>
-                </a:solidFill>
-                <a:effectLst/>
-                <a:latin typeface="Courier New" panose="02070309020205020404" pitchFamily="49" charset="0"/>
-                <a:cs typeface="Courier New" panose="02070309020205020404" pitchFamily="49" charset="0"/>
-              </a:rPr>
-              <a:t>        </a:t>
-            </a:r>
-            <a:r>
-              <a:rPr kumimoji="0" lang="ru-RU" altLang="ru-RU" b="0" i="1" u="none" strike="noStrike" cap="none" normalizeH="0" baseline="0" dirty="0" smtClean="0">
-                <a:ln>
-                  <a:noFill/>
-                </a:ln>
-                <a:solidFill>
-                  <a:srgbClr val="808080"/>
-                </a:solidFill>
-                <a:effectLst/>
-                <a:latin typeface="Courier New" panose="02070309020205020404" pitchFamily="49" charset="0"/>
-                <a:cs typeface="Courier New" panose="02070309020205020404" pitchFamily="49" charset="0"/>
-              </a:rPr>
-              <a:t># Вернуть сообщение о ошибке 'Неверный логин'.</a:t>
-            </a:r>
-            <a:br>
-              <a:rPr kumimoji="0" lang="ru-RU" altLang="ru-RU" b="0" i="1" u="none" strike="noStrike" cap="none" normalizeH="0" baseline="0" dirty="0" smtClean="0">
-                <a:ln>
-                  <a:noFill/>
-                </a:ln>
-                <a:solidFill>
-                  <a:srgbClr val="808080"/>
-                </a:solidFill>
-                <a:effectLst/>
-                <a:latin typeface="Courier New" panose="02070309020205020404" pitchFamily="49" charset="0"/>
-                <a:cs typeface="Courier New" panose="02070309020205020404" pitchFamily="49" charset="0"/>
-              </a:rPr>
-            </a:br>
-            <a:r>
-              <a:rPr kumimoji="0" lang="ru-RU" altLang="ru-RU" b="0" i="1" u="none" strike="noStrike" cap="none" normalizeH="0" baseline="0" dirty="0" smtClean="0">
-                <a:ln>
-                  <a:noFill/>
-                </a:ln>
-                <a:solidFill>
-                  <a:srgbClr val="808080"/>
-                </a:solidFill>
-                <a:effectLst/>
-                <a:latin typeface="Courier New" panose="02070309020205020404" pitchFamily="49" charset="0"/>
-                <a:cs typeface="Courier New" panose="02070309020205020404" pitchFamily="49" charset="0"/>
-              </a:rPr>
-              <a:t>        </a:t>
-            </a:r>
-            <a:r>
-              <a:rPr kumimoji="0" lang="ru-RU" altLang="ru-RU" b="0" i="0" u="none" strike="noStrike" cap="none" normalizeH="0" baseline="0" dirty="0" smtClean="0">
-                <a:ln>
-                  <a:noFill/>
-                </a:ln>
-                <a:solidFill>
-                  <a:srgbClr val="000000"/>
-                </a:solidFill>
-                <a:effectLst/>
-                <a:latin typeface="Courier New" panose="02070309020205020404" pitchFamily="49" charset="0"/>
-                <a:cs typeface="Courier New" panose="02070309020205020404" pitchFamily="49" charset="0"/>
-              </a:rPr>
-              <a:t>...</a:t>
-            </a:r>
-            <a:endParaRPr kumimoji="0" lang="ru-RU" altLang="ru-RU" sz="4000" b="0" i="0" u="none" strike="noStrike" cap="none" normalizeH="0" baseline="0" dirty="0" smtClean="0">
+              <a:rPr kumimoji="0" lang="ru-RU" altLang="ru-RU" sz="2000" b="0" i="0" u="none" strike="noStrike" cap="none" normalizeH="0" baseline="0">
+                <a:ln>
+                  <a:noFill/>
+                </a:ln>
+                <a:solidFill>
+                  <a:srgbClr val="000000"/>
+                </a:solidFill>
+                <a:effectLst/>
+                <a:latin typeface="Courier New" panose="02070309020205020404" pitchFamily="49" charset="0"/>
+                <a:cs typeface="Courier New" panose="02070309020205020404" pitchFamily="49" charset="0"/>
+              </a:rPr>
+              <a:t>    ...</a:t>
+            </a:r>
+            <a:endParaRPr kumimoji="0" lang="ru-RU" altLang="ru-RU" sz="4400" b="0" i="0" u="none" strike="noStrike" cap="none" normalizeH="0" baseline="0">
               <a:ln>
                 <a:noFill/>
               </a:ln>
@@ -6876,20 +6043,13 @@
     </p:spTree>
     <p:extLst>
       <p:ext uri="{BB962C8B-B14F-4D97-AF65-F5344CB8AC3E}">
-        <p14:creationId xmlns:p14="http://schemas.microsoft.com/office/powerpoint/2010/main" val="3666418659"/>
+        <p14:creationId xmlns:p14="http://schemas.microsoft.com/office/powerpoint/2010/main" val="2003883663"/>
       </p:ext>
     </p:extLst>
   </p:cSld>
   <p:clrMapOvr>
     <a:masterClrMapping/>
   </p:clrMapOvr>
-  <p:timing>
-    <p:tnLst>
-      <p:par>
-        <p:cTn id="1" dur="indefinite" restart="never" nodeType="tmRoot"/>
-      </p:par>
-    </p:tnLst>
-  </p:timing>
 </p:sld>
 </file>
 
@@ -6927,13 +6087,8 @@
           <a:p>
             <a:r>
               <a:rPr lang="ru-RU" dirty="0"/>
-              <a:t>Декоратор </a:t>
-            </a:r>
-            <a:r>
-              <a:rPr lang="en-US" dirty="0" err="1"/>
-              <a:t>login_required</a:t>
-            </a:r>
-            <a:endParaRPr lang="ru-RU" dirty="0"/>
+              <a:t>Как авторизовать пользователя</a:t>
+            </a:r>
           </a:p>
         </p:txBody>
       </p:sp>
@@ -6947,14 +6102,19 @@
             <p:ph sz="quarter" idx="10"/>
           </p:nvPr>
         </p:nvSpPr>
-        <p:spPr/>
+        <p:spPr>
+          <a:xfrm>
+            <a:off x="379514" y="911976"/>
+            <a:ext cx="11525250" cy="5290388"/>
+          </a:xfrm>
+        </p:spPr>
         <p:txBody>
           <a:bodyPr/>
           <a:lstStyle/>
           <a:p>
             <a:r>
               <a:rPr lang="ru-RU" dirty="0"/>
-              <a:t>Для краткости кода вы можете использовать декоратор login_required():</a:t>
+              <a:t>Перед авторизацией необходимо выполнить аутентификацию пользователя с помощью функции authenticate(), а затем вызвать функции login()</a:t>
             </a:r>
           </a:p>
         </p:txBody>
@@ -6969,8 +6129,8 @@
         </p:nvSpPr>
         <p:spPr bwMode="auto">
           <a:xfrm>
-            <a:off x="2803217" y="3250081"/>
-            <a:ext cx="7400925" cy="1938992"/>
+            <a:off x="1393517" y="2442746"/>
+            <a:ext cx="9941233" cy="4524315"/>
           </a:xfrm>
           <a:prstGeom prst="rect">
             <a:avLst/>
@@ -7030,7 +6190,7 @@
               <a:tabLst/>
             </a:pPr>
             <a:r>
-              <a:rPr kumimoji="0" lang="ru-RU" altLang="ru-RU" sz="2000" b="1" i="0" u="none" strike="noStrike" cap="none" normalizeH="0" baseline="0" smtClean="0">
+              <a:rPr kumimoji="0" lang="ru-RU" altLang="ru-RU" b="1" i="0" u="none" strike="noStrike" cap="none" normalizeH="0" baseline="0" dirty="0">
                 <a:ln>
                   <a:noFill/>
                 </a:ln>
@@ -7044,21 +6204,21 @@
               <a:t>from </a:t>
             </a:r>
             <a:r>
-              <a:rPr kumimoji="0" lang="ru-RU" altLang="ru-RU" sz="2000" b="0" i="0" u="none" strike="noStrike" cap="none" normalizeH="0" baseline="0" smtClean="0">
-                <a:ln>
-                  <a:noFill/>
-                </a:ln>
-                <a:solidFill>
-                  <a:srgbClr val="000000"/>
-                </a:solidFill>
-                <a:effectLst/>
-                <a:latin typeface="Courier New" panose="02070309020205020404" pitchFamily="49" charset="0"/>
-                <a:cs typeface="Courier New" panose="02070309020205020404" pitchFamily="49" charset="0"/>
-              </a:rPr>
-              <a:t>django.contrib.auth.decorators </a:t>
-            </a:r>
-            <a:r>
-              <a:rPr kumimoji="0" lang="ru-RU" altLang="ru-RU" sz="2000" b="1" i="0" u="none" strike="noStrike" cap="none" normalizeH="0" baseline="0" smtClean="0">
+              <a:rPr kumimoji="0" lang="ru-RU" altLang="ru-RU" b="0" i="0" u="none" strike="noStrike" cap="none" normalizeH="0" baseline="0" dirty="0">
+                <a:ln>
+                  <a:noFill/>
+                </a:ln>
+                <a:solidFill>
+                  <a:srgbClr val="000000"/>
+                </a:solidFill>
+                <a:effectLst/>
+                <a:latin typeface="Courier New" panose="02070309020205020404" pitchFamily="49" charset="0"/>
+                <a:cs typeface="Courier New" panose="02070309020205020404" pitchFamily="49" charset="0"/>
+              </a:rPr>
+              <a:t>django.contrib.auth </a:t>
+            </a:r>
+            <a:r>
+              <a:rPr kumimoji="0" lang="ru-RU" altLang="ru-RU" b="1" i="0" u="none" strike="noStrike" cap="none" normalizeH="0" baseline="0" dirty="0">
                 <a:ln>
                   <a:noFill/>
                 </a:ln>
@@ -7072,21 +6232,21 @@
               <a:t>import </a:t>
             </a:r>
             <a:r>
-              <a:rPr kumimoji="0" lang="ru-RU" altLang="ru-RU" sz="2000" b="0" i="0" u="none" strike="noStrike" cap="none" normalizeH="0" baseline="0" smtClean="0">
-                <a:ln>
-                  <a:noFill/>
-                </a:ln>
-                <a:solidFill>
-                  <a:srgbClr val="000000"/>
-                </a:solidFill>
-                <a:effectLst/>
-                <a:latin typeface="Courier New" panose="02070309020205020404" pitchFamily="49" charset="0"/>
-                <a:cs typeface="Courier New" panose="02070309020205020404" pitchFamily="49" charset="0"/>
-              </a:rPr>
-              <a:t>login_required</a:t>
+              <a:rPr kumimoji="0" lang="ru-RU" altLang="ru-RU" b="0" i="0" u="none" strike="noStrike" cap="none" normalizeH="0" baseline="0" dirty="0">
+                <a:ln>
+                  <a:noFill/>
+                </a:ln>
+                <a:solidFill>
+                  <a:srgbClr val="000000"/>
+                </a:solidFill>
+                <a:effectLst/>
+                <a:latin typeface="Courier New" panose="02070309020205020404" pitchFamily="49" charset="0"/>
+                <a:cs typeface="Courier New" panose="02070309020205020404" pitchFamily="49" charset="0"/>
+              </a:rPr>
+              <a:t>authenticate, login</a:t>
             </a:r>
             <a:br>
-              <a:rPr kumimoji="0" lang="ru-RU" altLang="ru-RU" sz="2000" b="0" i="0" u="none" strike="noStrike" cap="none" normalizeH="0" baseline="0" smtClean="0">
+              <a:rPr kumimoji="0" lang="ru-RU" altLang="ru-RU" b="0" i="0" u="none" strike="noStrike" cap="none" normalizeH="0" baseline="0" dirty="0">
                 <a:ln>
                   <a:noFill/>
                 </a:ln>
@@ -7098,22 +6258,8 @@
                 <a:cs typeface="Courier New" panose="02070309020205020404" pitchFamily="49" charset="0"/>
               </a:rPr>
             </a:br>
-            <a:r>
-              <a:rPr kumimoji="0" lang="ru-RU" altLang="ru-RU" sz="2000" b="0" i="0" u="none" strike="noStrike" cap="none" normalizeH="0" baseline="0" smtClean="0">
-                <a:ln>
-                  <a:noFill/>
-                </a:ln>
-                <a:solidFill>
-                  <a:srgbClr val="000000"/>
-                </a:solidFill>
-                <a:effectLst/>
-                <a:latin typeface="Courier New" panose="02070309020205020404" pitchFamily="49" charset="0"/>
-                <a:cs typeface="Courier New" panose="02070309020205020404" pitchFamily="49" charset="0"/>
-              </a:rPr>
-              <a:t/>
-            </a:r>
             <a:br>
-              <a:rPr kumimoji="0" lang="ru-RU" altLang="ru-RU" sz="2000" b="0" i="0" u="none" strike="noStrike" cap="none" normalizeH="0" baseline="0" smtClean="0">
+              <a:rPr kumimoji="0" lang="ru-RU" altLang="ru-RU" b="0" i="0" u="none" strike="noStrike" cap="none" normalizeH="0" baseline="0" dirty="0">
                 <a:ln>
                   <a:noFill/>
                 </a:ln>
@@ -7126,40 +6272,40 @@
               </a:rPr>
             </a:br>
             <a:r>
-              <a:rPr kumimoji="0" lang="ru-RU" altLang="ru-RU" sz="2000" b="0" i="0" u="none" strike="noStrike" cap="none" normalizeH="0" baseline="0" smtClean="0">
-                <a:ln>
-                  <a:noFill/>
-                </a:ln>
-                <a:solidFill>
-                  <a:srgbClr val="000000"/>
-                </a:solidFill>
-                <a:effectLst/>
-                <a:latin typeface="Courier New" panose="02070309020205020404" pitchFamily="49" charset="0"/>
-                <a:cs typeface="Courier New" panose="02070309020205020404" pitchFamily="49" charset="0"/>
-              </a:rPr>
-              <a:t>@</a:t>
-            </a:r>
-            <a:r>
-              <a:rPr kumimoji="0" lang="ru-RU" altLang="ru-RU" sz="2000" b="0" i="0" u="none" strike="noStrike" cap="none" normalizeH="0" baseline="0" smtClean="0">
-                <a:ln>
-                  <a:noFill/>
-                </a:ln>
-                <a:solidFill>
-                  <a:srgbClr val="0000B2"/>
-                </a:solidFill>
-                <a:effectLst/>
-                <a:latin typeface="Courier New" panose="02070309020205020404" pitchFamily="49" charset="0"/>
-                <a:cs typeface="Courier New" panose="02070309020205020404" pitchFamily="49" charset="0"/>
-              </a:rPr>
-              <a:t>login_required</a:t>
+              <a:rPr kumimoji="0" lang="ru-RU" altLang="ru-RU" b="1" i="0" u="none" strike="noStrike" cap="none" normalizeH="0" baseline="0" dirty="0">
+                <a:ln>
+                  <a:noFill/>
+                </a:ln>
+                <a:solidFill>
+                  <a:srgbClr val="000080"/>
+                </a:solidFill>
+                <a:effectLst/>
+                <a:latin typeface="Courier New" panose="02070309020205020404" pitchFamily="49" charset="0"/>
+                <a:cs typeface="Courier New" panose="02070309020205020404" pitchFamily="49" charset="0"/>
+              </a:rPr>
+              <a:t>def </a:t>
+            </a:r>
+            <a:r>
+              <a:rPr kumimoji="0" lang="ru-RU" altLang="ru-RU" b="0" i="0" u="none" strike="noStrike" cap="none" normalizeH="0" baseline="0" dirty="0">
+                <a:ln>
+                  <a:noFill/>
+                </a:ln>
+                <a:solidFill>
+                  <a:srgbClr val="000000"/>
+                </a:solidFill>
+                <a:effectLst/>
+                <a:latin typeface="Courier New" panose="02070309020205020404" pitchFamily="49" charset="0"/>
+                <a:cs typeface="Courier New" panose="02070309020205020404" pitchFamily="49" charset="0"/>
+              </a:rPr>
+              <a:t>my_view(request):</a:t>
             </a:r>
             <a:br>
-              <a:rPr kumimoji="0" lang="ru-RU" altLang="ru-RU" sz="2000" b="0" i="0" u="none" strike="noStrike" cap="none" normalizeH="0" baseline="0" smtClean="0">
-                <a:ln>
-                  <a:noFill/>
-                </a:ln>
-                <a:solidFill>
-                  <a:srgbClr val="0000B2"/>
+              <a:rPr kumimoji="0" lang="ru-RU" altLang="ru-RU" b="0" i="0" u="none" strike="noStrike" cap="none" normalizeH="0" baseline="0" dirty="0">
+                <a:ln>
+                  <a:noFill/>
+                </a:ln>
+                <a:solidFill>
+                  <a:srgbClr val="000000"/>
                 </a:solidFill>
                 <a:effectLst/>
                 <a:latin typeface="Courier New" panose="02070309020205020404" pitchFamily="49" charset="0"/>
@@ -7167,7 +6313,214 @@
               </a:rPr>
             </a:br>
             <a:r>
-              <a:rPr kumimoji="0" lang="ru-RU" altLang="ru-RU" sz="2000" b="1" i="0" u="none" strike="noStrike" cap="none" normalizeH="0" baseline="0" smtClean="0">
+              <a:rPr kumimoji="0" lang="ru-RU" altLang="ru-RU" b="0" i="0" u="none" strike="noStrike" cap="none" normalizeH="0" baseline="0" dirty="0">
+                <a:ln>
+                  <a:noFill/>
+                </a:ln>
+                <a:solidFill>
+                  <a:srgbClr val="000000"/>
+                </a:solidFill>
+                <a:effectLst/>
+                <a:latin typeface="Courier New" panose="02070309020205020404" pitchFamily="49" charset="0"/>
+                <a:cs typeface="Courier New" panose="02070309020205020404" pitchFamily="49" charset="0"/>
+              </a:rPr>
+              <a:t>    username = request.POST[</a:t>
+            </a:r>
+            <a:r>
+              <a:rPr kumimoji="0" lang="ru-RU" altLang="ru-RU" b="1" i="0" u="none" strike="noStrike" cap="none" normalizeH="0" baseline="0" dirty="0">
+                <a:ln>
+                  <a:noFill/>
+                </a:ln>
+                <a:solidFill>
+                  <a:srgbClr val="008080"/>
+                </a:solidFill>
+                <a:effectLst/>
+                <a:latin typeface="Courier New" panose="02070309020205020404" pitchFamily="49" charset="0"/>
+                <a:cs typeface="Courier New" panose="02070309020205020404" pitchFamily="49" charset="0"/>
+              </a:rPr>
+              <a:t>'username'</a:t>
+            </a:r>
+            <a:r>
+              <a:rPr kumimoji="0" lang="ru-RU" altLang="ru-RU" b="0" i="0" u="none" strike="noStrike" cap="none" normalizeH="0" baseline="0" dirty="0">
+                <a:ln>
+                  <a:noFill/>
+                </a:ln>
+                <a:solidFill>
+                  <a:srgbClr val="000000"/>
+                </a:solidFill>
+                <a:effectLst/>
+                <a:latin typeface="Courier New" panose="02070309020205020404" pitchFamily="49" charset="0"/>
+                <a:cs typeface="Courier New" panose="02070309020205020404" pitchFamily="49" charset="0"/>
+              </a:rPr>
+              <a:t>]</a:t>
+            </a:r>
+            <a:br>
+              <a:rPr kumimoji="0" lang="ru-RU" altLang="ru-RU" b="0" i="0" u="none" strike="noStrike" cap="none" normalizeH="0" baseline="0" dirty="0">
+                <a:ln>
+                  <a:noFill/>
+                </a:ln>
+                <a:solidFill>
+                  <a:srgbClr val="000000"/>
+                </a:solidFill>
+                <a:effectLst/>
+                <a:latin typeface="Courier New" panose="02070309020205020404" pitchFamily="49" charset="0"/>
+                <a:cs typeface="Courier New" panose="02070309020205020404" pitchFamily="49" charset="0"/>
+              </a:rPr>
+            </a:br>
+            <a:r>
+              <a:rPr kumimoji="0" lang="ru-RU" altLang="ru-RU" b="0" i="0" u="none" strike="noStrike" cap="none" normalizeH="0" baseline="0" dirty="0">
+                <a:ln>
+                  <a:noFill/>
+                </a:ln>
+                <a:solidFill>
+                  <a:srgbClr val="000000"/>
+                </a:solidFill>
+                <a:effectLst/>
+                <a:latin typeface="Courier New" panose="02070309020205020404" pitchFamily="49" charset="0"/>
+                <a:cs typeface="Courier New" panose="02070309020205020404" pitchFamily="49" charset="0"/>
+              </a:rPr>
+              <a:t>    password = request.POST[</a:t>
+            </a:r>
+            <a:r>
+              <a:rPr kumimoji="0" lang="ru-RU" altLang="ru-RU" b="1" i="0" u="none" strike="noStrike" cap="none" normalizeH="0" baseline="0" dirty="0">
+                <a:ln>
+                  <a:noFill/>
+                </a:ln>
+                <a:solidFill>
+                  <a:srgbClr val="008080"/>
+                </a:solidFill>
+                <a:effectLst/>
+                <a:latin typeface="Courier New" panose="02070309020205020404" pitchFamily="49" charset="0"/>
+                <a:cs typeface="Courier New" panose="02070309020205020404" pitchFamily="49" charset="0"/>
+              </a:rPr>
+              <a:t>'password'</a:t>
+            </a:r>
+            <a:r>
+              <a:rPr kumimoji="0" lang="ru-RU" altLang="ru-RU" b="0" i="0" u="none" strike="noStrike" cap="none" normalizeH="0" baseline="0" dirty="0">
+                <a:ln>
+                  <a:noFill/>
+                </a:ln>
+                <a:solidFill>
+                  <a:srgbClr val="000000"/>
+                </a:solidFill>
+                <a:effectLst/>
+                <a:latin typeface="Courier New" panose="02070309020205020404" pitchFamily="49" charset="0"/>
+                <a:cs typeface="Courier New" panose="02070309020205020404" pitchFamily="49" charset="0"/>
+              </a:rPr>
+              <a:t>]</a:t>
+            </a:r>
+            <a:br>
+              <a:rPr kumimoji="0" lang="ru-RU" altLang="ru-RU" b="0" i="0" u="none" strike="noStrike" cap="none" normalizeH="0" baseline="0" dirty="0">
+                <a:ln>
+                  <a:noFill/>
+                </a:ln>
+                <a:solidFill>
+                  <a:srgbClr val="000000"/>
+                </a:solidFill>
+                <a:effectLst/>
+                <a:latin typeface="Courier New" panose="02070309020205020404" pitchFamily="49" charset="0"/>
+                <a:cs typeface="Courier New" panose="02070309020205020404" pitchFamily="49" charset="0"/>
+              </a:rPr>
+            </a:br>
+            <a:r>
+              <a:rPr kumimoji="0" lang="ru-RU" altLang="ru-RU" b="0" i="0" u="none" strike="noStrike" cap="none" normalizeH="0" baseline="0" dirty="0">
+                <a:ln>
+                  <a:noFill/>
+                </a:ln>
+                <a:solidFill>
+                  <a:srgbClr val="000000"/>
+                </a:solidFill>
+                <a:effectLst/>
+                <a:latin typeface="Courier New" panose="02070309020205020404" pitchFamily="49" charset="0"/>
+                <a:cs typeface="Courier New" panose="02070309020205020404" pitchFamily="49" charset="0"/>
+              </a:rPr>
+              <a:t>    user = authenticate(</a:t>
+            </a:r>
+            <a:r>
+              <a:rPr kumimoji="0" lang="ru-RU" altLang="ru-RU" b="0" i="0" u="none" strike="noStrike" cap="none" normalizeH="0" baseline="0" dirty="0">
+                <a:ln>
+                  <a:noFill/>
+                </a:ln>
+                <a:solidFill>
+                  <a:srgbClr val="660099"/>
+                </a:solidFill>
+                <a:effectLst/>
+                <a:latin typeface="Courier New" panose="02070309020205020404" pitchFamily="49" charset="0"/>
+                <a:cs typeface="Courier New" panose="02070309020205020404" pitchFamily="49" charset="0"/>
+              </a:rPr>
+              <a:t>username</a:t>
+            </a:r>
+            <a:r>
+              <a:rPr kumimoji="0" lang="ru-RU" altLang="ru-RU" b="0" i="0" u="none" strike="noStrike" cap="none" normalizeH="0" baseline="0" dirty="0">
+                <a:ln>
+                  <a:noFill/>
+                </a:ln>
+                <a:solidFill>
+                  <a:srgbClr val="000000"/>
+                </a:solidFill>
+                <a:effectLst/>
+                <a:latin typeface="Courier New" panose="02070309020205020404" pitchFamily="49" charset="0"/>
+                <a:cs typeface="Courier New" panose="02070309020205020404" pitchFamily="49" charset="0"/>
+              </a:rPr>
+              <a:t>=username, </a:t>
+            </a:r>
+            <a:r>
+              <a:rPr kumimoji="0" lang="ru-RU" altLang="ru-RU" b="0" i="0" u="none" strike="noStrike" cap="none" normalizeH="0" baseline="0" dirty="0">
+                <a:ln>
+                  <a:noFill/>
+                </a:ln>
+                <a:solidFill>
+                  <a:srgbClr val="660099"/>
+                </a:solidFill>
+                <a:effectLst/>
+                <a:latin typeface="Courier New" panose="02070309020205020404" pitchFamily="49" charset="0"/>
+                <a:cs typeface="Courier New" panose="02070309020205020404" pitchFamily="49" charset="0"/>
+              </a:rPr>
+              <a:t>password</a:t>
+            </a:r>
+            <a:r>
+              <a:rPr kumimoji="0" lang="ru-RU" altLang="ru-RU" b="0" i="0" u="none" strike="noStrike" cap="none" normalizeH="0" baseline="0" dirty="0">
+                <a:ln>
+                  <a:noFill/>
+                </a:ln>
+                <a:solidFill>
+                  <a:srgbClr val="000000"/>
+                </a:solidFill>
+                <a:effectLst/>
+                <a:latin typeface="Courier New" panose="02070309020205020404" pitchFamily="49" charset="0"/>
+                <a:cs typeface="Courier New" panose="02070309020205020404" pitchFamily="49" charset="0"/>
+              </a:rPr>
+              <a:t>=password)</a:t>
+            </a:r>
+            <a:br>
+              <a:rPr kumimoji="0" lang="ru-RU" altLang="ru-RU" b="0" i="0" u="none" strike="noStrike" cap="none" normalizeH="0" baseline="0" dirty="0">
+                <a:ln>
+                  <a:noFill/>
+                </a:ln>
+                <a:solidFill>
+                  <a:srgbClr val="000000"/>
+                </a:solidFill>
+                <a:effectLst/>
+                <a:latin typeface="Courier New" panose="02070309020205020404" pitchFamily="49" charset="0"/>
+                <a:cs typeface="Courier New" panose="02070309020205020404" pitchFamily="49" charset="0"/>
+              </a:rPr>
+            </a:br>
+            <a:r>
+              <a:rPr kumimoji="0" lang="ru-RU" altLang="ru-RU" b="0" i="0" u="none" strike="noStrike" cap="none" normalizeH="0" baseline="0" dirty="0">
+                <a:ln>
+                  <a:noFill/>
+                </a:ln>
+                <a:solidFill>
+                  <a:srgbClr val="000000"/>
+                </a:solidFill>
+                <a:effectLst/>
+                <a:latin typeface="Courier New" panose="02070309020205020404" pitchFamily="49" charset="0"/>
+                <a:cs typeface="Courier New" panose="02070309020205020404" pitchFamily="49" charset="0"/>
+              </a:rPr>
+              <a:t>    </a:t>
+            </a:r>
+            <a:r>
+              <a:rPr kumimoji="0" lang="ru-RU" altLang="ru-RU" b="1" i="0" u="none" strike="noStrike" cap="none" normalizeH="0" baseline="0" dirty="0">
                 <a:ln>
                   <a:noFill/>
                 </a:ln>
@@ -7178,24 +6531,52 @@
                 <a:latin typeface="Courier New" panose="02070309020205020404" pitchFamily="49" charset="0"/>
                 <a:cs typeface="Courier New" panose="02070309020205020404" pitchFamily="49" charset="0"/>
               </a:rPr>
-              <a:t>def </a:t>
-            </a:r>
-            <a:r>
-              <a:rPr kumimoji="0" lang="ru-RU" altLang="ru-RU" sz="2000" b="0" i="0" u="none" strike="noStrike" cap="none" normalizeH="0" baseline="0" smtClean="0">
-                <a:ln>
-                  <a:noFill/>
-                </a:ln>
-                <a:solidFill>
-                  <a:srgbClr val="000000"/>
-                </a:solidFill>
-                <a:effectLst/>
-                <a:latin typeface="Courier New" panose="02070309020205020404" pitchFamily="49" charset="0"/>
-                <a:cs typeface="Courier New" panose="02070309020205020404" pitchFamily="49" charset="0"/>
-              </a:rPr>
-              <a:t>my_view(request):</a:t>
+              <a:t>if </a:t>
+            </a:r>
+            <a:r>
+              <a:rPr kumimoji="0" lang="ru-RU" altLang="ru-RU" b="0" i="0" u="none" strike="noStrike" cap="none" normalizeH="0" baseline="0" dirty="0">
+                <a:ln>
+                  <a:noFill/>
+                </a:ln>
+                <a:solidFill>
+                  <a:srgbClr val="000000"/>
+                </a:solidFill>
+                <a:effectLst/>
+                <a:latin typeface="Courier New" panose="02070309020205020404" pitchFamily="49" charset="0"/>
+                <a:cs typeface="Courier New" panose="02070309020205020404" pitchFamily="49" charset="0"/>
+              </a:rPr>
+              <a:t>user </a:t>
+            </a:r>
+            <a:r>
+              <a:rPr kumimoji="0" lang="ru-RU" altLang="ru-RU" b="1" i="0" u="none" strike="noStrike" cap="none" normalizeH="0" baseline="0" dirty="0">
+                <a:ln>
+                  <a:noFill/>
+                </a:ln>
+                <a:solidFill>
+                  <a:srgbClr val="000080"/>
+                </a:solidFill>
+                <a:effectLst/>
+                <a:latin typeface="Courier New" panose="02070309020205020404" pitchFamily="49" charset="0"/>
+                <a:cs typeface="Courier New" panose="02070309020205020404" pitchFamily="49" charset="0"/>
+              </a:rPr>
+              <a:t>is not None</a:t>
+            </a:r>
+            <a:r>
+              <a:rPr kumimoji="0" lang="ru-RU" altLang="ru-RU" b="0" i="0" u="none" strike="noStrike" cap="none" normalizeH="0" baseline="0" dirty="0">
+                <a:ln>
+                  <a:noFill/>
+                </a:ln>
+                <a:solidFill>
+                  <a:srgbClr val="000000"/>
+                </a:solidFill>
+                <a:effectLst/>
+                <a:latin typeface="Courier New" panose="02070309020205020404" pitchFamily="49" charset="0"/>
+                <a:cs typeface="Courier New" panose="02070309020205020404" pitchFamily="49" charset="0"/>
+              </a:rPr>
+              <a:t>:</a:t>
             </a:r>
             <a:br>
-              <a:rPr kumimoji="0" lang="ru-RU" altLang="ru-RU" sz="2000" b="0" i="0" u="none" strike="noStrike" cap="none" normalizeH="0" baseline="0" smtClean="0">
+              <a:rPr kumimoji="0" lang="ru-RU" altLang="ru-RU" b="0" i="0" u="none" strike="noStrike" cap="none" normalizeH="0" baseline="0" dirty="0">
                 <a:ln>
                   <a:noFill/>
                 </a:ln>
@@ -7208,20 +6589,390 @@
               </a:rPr>
             </a:br>
             <a:r>
-              <a:rPr kumimoji="0" lang="ru-RU" altLang="ru-RU" sz="2000" b="0" i="0" u="none" strike="noStrike" cap="none" normalizeH="0" baseline="0" smtClean="0">
-                <a:ln>
-                  <a:noFill/>
-                </a:ln>
-                <a:solidFill>
-                  <a:srgbClr val="000000"/>
-                </a:solidFill>
-                <a:effectLst/>
-                <a:latin typeface="Courier New" panose="02070309020205020404" pitchFamily="49" charset="0"/>
-                <a:cs typeface="Courier New" panose="02070309020205020404" pitchFamily="49" charset="0"/>
-              </a:rPr>
-              <a:t>    ...</a:t>
-            </a:r>
-            <a:endParaRPr kumimoji="0" lang="ru-RU" altLang="ru-RU" sz="4400" b="0" i="0" u="none" strike="noStrike" cap="none" normalizeH="0" baseline="0" smtClean="0">
+              <a:rPr kumimoji="0" lang="ru-RU" altLang="ru-RU" b="0" i="0" u="none" strike="noStrike" cap="none" normalizeH="0" baseline="0" dirty="0">
+                <a:ln>
+                  <a:noFill/>
+                </a:ln>
+                <a:solidFill>
+                  <a:srgbClr val="000000"/>
+                </a:solidFill>
+                <a:effectLst/>
+                <a:latin typeface="Courier New" panose="02070309020205020404" pitchFamily="49" charset="0"/>
+                <a:cs typeface="Courier New" panose="02070309020205020404" pitchFamily="49" charset="0"/>
+              </a:rPr>
+              <a:t>        </a:t>
+            </a:r>
+            <a:r>
+              <a:rPr kumimoji="0" lang="ru-RU" altLang="ru-RU" b="1" i="0" u="none" strike="noStrike" cap="none" normalizeH="0" baseline="0" dirty="0">
+                <a:ln>
+                  <a:noFill/>
+                </a:ln>
+                <a:solidFill>
+                  <a:srgbClr val="000080"/>
+                </a:solidFill>
+                <a:effectLst/>
+                <a:latin typeface="Courier New" panose="02070309020205020404" pitchFamily="49" charset="0"/>
+                <a:cs typeface="Courier New" panose="02070309020205020404" pitchFamily="49" charset="0"/>
+              </a:rPr>
+              <a:t>if </a:t>
+            </a:r>
+            <a:r>
+              <a:rPr kumimoji="0" lang="ru-RU" altLang="ru-RU" b="0" i="0" u="none" strike="noStrike" cap="none" normalizeH="0" baseline="0" dirty="0">
+                <a:ln>
+                  <a:noFill/>
+                </a:ln>
+                <a:solidFill>
+                  <a:srgbClr val="000000"/>
+                </a:solidFill>
+                <a:effectLst/>
+                <a:latin typeface="Courier New" panose="02070309020205020404" pitchFamily="49" charset="0"/>
+                <a:cs typeface="Courier New" panose="02070309020205020404" pitchFamily="49" charset="0"/>
+              </a:rPr>
+              <a:t>user.is_active:</a:t>
+            </a:r>
+            <a:br>
+              <a:rPr kumimoji="0" lang="ru-RU" altLang="ru-RU" b="0" i="0" u="none" strike="noStrike" cap="none" normalizeH="0" baseline="0" dirty="0">
+                <a:ln>
+                  <a:noFill/>
+                </a:ln>
+                <a:solidFill>
+                  <a:srgbClr val="000000"/>
+                </a:solidFill>
+                <a:effectLst/>
+                <a:latin typeface="Courier New" panose="02070309020205020404" pitchFamily="49" charset="0"/>
+                <a:cs typeface="Courier New" panose="02070309020205020404" pitchFamily="49" charset="0"/>
+              </a:rPr>
+            </a:br>
+            <a:r>
+              <a:rPr kumimoji="0" lang="ru-RU" altLang="ru-RU" b="0" i="0" u="none" strike="noStrike" cap="none" normalizeH="0" baseline="0" dirty="0">
+                <a:ln>
+                  <a:noFill/>
+                </a:ln>
+                <a:solidFill>
+                  <a:srgbClr val="000000"/>
+                </a:solidFill>
+                <a:effectLst/>
+                <a:latin typeface="Courier New" panose="02070309020205020404" pitchFamily="49" charset="0"/>
+                <a:cs typeface="Courier New" panose="02070309020205020404" pitchFamily="49" charset="0"/>
+              </a:rPr>
+              <a:t>            login(request, user)</a:t>
+            </a:r>
+            <a:br>
+              <a:rPr kumimoji="0" lang="ru-RU" altLang="ru-RU" b="0" i="0" u="none" strike="noStrike" cap="none" normalizeH="0" baseline="0" dirty="0">
+                <a:ln>
+                  <a:noFill/>
+                </a:ln>
+                <a:solidFill>
+                  <a:srgbClr val="000000"/>
+                </a:solidFill>
+                <a:effectLst/>
+                <a:latin typeface="Courier New" panose="02070309020205020404" pitchFamily="49" charset="0"/>
+                <a:cs typeface="Courier New" panose="02070309020205020404" pitchFamily="49" charset="0"/>
+              </a:rPr>
+            </a:br>
+            <a:r>
+              <a:rPr kumimoji="0" lang="ru-RU" altLang="ru-RU" b="0" i="0" u="none" strike="noStrike" cap="none" normalizeH="0" baseline="0" dirty="0">
+                <a:ln>
+                  <a:noFill/>
+                </a:ln>
+                <a:solidFill>
+                  <a:srgbClr val="000000"/>
+                </a:solidFill>
+                <a:effectLst/>
+                <a:latin typeface="Courier New" panose="02070309020205020404" pitchFamily="49" charset="0"/>
+                <a:cs typeface="Courier New" panose="02070309020205020404" pitchFamily="49" charset="0"/>
+              </a:rPr>
+              <a:t>            </a:t>
+            </a:r>
+            <a:r>
+              <a:rPr kumimoji="0" lang="ru-RU" altLang="ru-RU" b="0" i="1" u="none" strike="noStrike" cap="none" normalizeH="0" baseline="0" dirty="0">
+                <a:ln>
+                  <a:noFill/>
+                </a:ln>
+                <a:solidFill>
+                  <a:srgbClr val="808080"/>
+                </a:solidFill>
+                <a:effectLst/>
+                <a:latin typeface="Courier New" panose="02070309020205020404" pitchFamily="49" charset="0"/>
+                <a:cs typeface="Courier New" panose="02070309020205020404" pitchFamily="49" charset="0"/>
+              </a:rPr>
+              <a:t># Перенаправление на целевую страницу.</a:t>
+            </a:r>
+            <a:br>
+              <a:rPr kumimoji="0" lang="ru-RU" altLang="ru-RU" b="0" i="1" u="none" strike="noStrike" cap="none" normalizeH="0" baseline="0" dirty="0">
+                <a:ln>
+                  <a:noFill/>
+                </a:ln>
+                <a:solidFill>
+                  <a:srgbClr val="808080"/>
+                </a:solidFill>
+                <a:effectLst/>
+                <a:latin typeface="Courier New" panose="02070309020205020404" pitchFamily="49" charset="0"/>
+                <a:cs typeface="Courier New" panose="02070309020205020404" pitchFamily="49" charset="0"/>
+              </a:rPr>
+            </a:br>
+            <a:r>
+              <a:rPr kumimoji="0" lang="ru-RU" altLang="ru-RU" b="0" i="1" u="none" strike="noStrike" cap="none" normalizeH="0" baseline="0" dirty="0">
+                <a:ln>
+                  <a:noFill/>
+                </a:ln>
+                <a:solidFill>
+                  <a:srgbClr val="808080"/>
+                </a:solidFill>
+                <a:effectLst/>
+                <a:latin typeface="Courier New" panose="02070309020205020404" pitchFamily="49" charset="0"/>
+                <a:cs typeface="Courier New" panose="02070309020205020404" pitchFamily="49" charset="0"/>
+              </a:rPr>
+              <a:t>        </a:t>
+            </a:r>
+            <a:r>
+              <a:rPr kumimoji="0" lang="ru-RU" altLang="ru-RU" b="1" i="0" u="none" strike="noStrike" cap="none" normalizeH="0" baseline="0" dirty="0">
+                <a:ln>
+                  <a:noFill/>
+                </a:ln>
+                <a:solidFill>
+                  <a:srgbClr val="000080"/>
+                </a:solidFill>
+                <a:effectLst/>
+                <a:latin typeface="Courier New" panose="02070309020205020404" pitchFamily="49" charset="0"/>
+                <a:cs typeface="Courier New" panose="02070309020205020404" pitchFamily="49" charset="0"/>
+              </a:rPr>
+              <a:t>else</a:t>
+            </a:r>
+            <a:r>
+              <a:rPr kumimoji="0" lang="ru-RU" altLang="ru-RU" b="0" i="0" u="none" strike="noStrike" cap="none" normalizeH="0" baseline="0" dirty="0">
+                <a:ln>
+                  <a:noFill/>
+                </a:ln>
+                <a:solidFill>
+                  <a:srgbClr val="000000"/>
+                </a:solidFill>
+                <a:effectLst/>
+                <a:latin typeface="Courier New" panose="02070309020205020404" pitchFamily="49" charset="0"/>
+                <a:cs typeface="Courier New" panose="02070309020205020404" pitchFamily="49" charset="0"/>
+              </a:rPr>
+              <a:t>:</a:t>
+            </a:r>
+            <a:br>
+              <a:rPr kumimoji="0" lang="ru-RU" altLang="ru-RU" b="0" i="0" u="none" strike="noStrike" cap="none" normalizeH="0" baseline="0" dirty="0">
+                <a:ln>
+                  <a:noFill/>
+                </a:ln>
+                <a:solidFill>
+                  <a:srgbClr val="000000"/>
+                </a:solidFill>
+                <a:effectLst/>
+                <a:latin typeface="Courier New" panose="02070309020205020404" pitchFamily="49" charset="0"/>
+                <a:cs typeface="Courier New" panose="02070309020205020404" pitchFamily="49" charset="0"/>
+              </a:rPr>
+            </a:br>
+            <a:r>
+              <a:rPr kumimoji="0" lang="ru-RU" altLang="ru-RU" b="0" i="0" u="none" strike="noStrike" cap="none" normalizeH="0" baseline="0" dirty="0">
+                <a:ln>
+                  <a:noFill/>
+                </a:ln>
+                <a:solidFill>
+                  <a:srgbClr val="000000"/>
+                </a:solidFill>
+                <a:effectLst/>
+                <a:latin typeface="Courier New" panose="02070309020205020404" pitchFamily="49" charset="0"/>
+                <a:cs typeface="Courier New" panose="02070309020205020404" pitchFamily="49" charset="0"/>
+              </a:rPr>
+              <a:t>            </a:t>
+            </a:r>
+            <a:r>
+              <a:rPr kumimoji="0" lang="ru-RU" altLang="ru-RU" b="0" i="1" u="none" strike="noStrike" cap="none" normalizeH="0" baseline="0" dirty="0">
+                <a:ln>
+                  <a:noFill/>
+                </a:ln>
+                <a:solidFill>
+                  <a:srgbClr val="808080"/>
+                </a:solidFill>
+                <a:effectLst/>
+                <a:latin typeface="Courier New" panose="02070309020205020404" pitchFamily="49" charset="0"/>
+                <a:cs typeface="Courier New" panose="02070309020205020404" pitchFamily="49" charset="0"/>
+              </a:rPr>
+              <a:t># Вернуть сообщение о ошбике: 'Неактивный аккаунт'</a:t>
+            </a:r>
+            <a:br>
+              <a:rPr kumimoji="0" lang="ru-RU" altLang="ru-RU" b="0" i="1" u="none" strike="noStrike" cap="none" normalizeH="0" baseline="0" dirty="0">
+                <a:ln>
+                  <a:noFill/>
+                </a:ln>
+                <a:solidFill>
+                  <a:srgbClr val="808080"/>
+                </a:solidFill>
+                <a:effectLst/>
+                <a:latin typeface="Courier New" panose="02070309020205020404" pitchFamily="49" charset="0"/>
+                <a:cs typeface="Courier New" panose="02070309020205020404" pitchFamily="49" charset="0"/>
+              </a:rPr>
+            </a:br>
+            <a:r>
+              <a:rPr kumimoji="0" lang="ru-RU" altLang="ru-RU" b="0" i="1" u="none" strike="noStrike" cap="none" normalizeH="0" baseline="0" dirty="0">
+                <a:ln>
+                  <a:noFill/>
+                </a:ln>
+                <a:solidFill>
+                  <a:srgbClr val="808080"/>
+                </a:solidFill>
+                <a:effectLst/>
+                <a:latin typeface="Courier New" panose="02070309020205020404" pitchFamily="49" charset="0"/>
+                <a:cs typeface="Courier New" panose="02070309020205020404" pitchFamily="49" charset="0"/>
+              </a:rPr>
+              <a:t>            </a:t>
+            </a:r>
+            <a:r>
+              <a:rPr kumimoji="0" lang="ru-RU" altLang="ru-RU" b="0" i="0" u="none" strike="noStrike" cap="none" normalizeH="0" baseline="0" dirty="0">
+                <a:ln>
+                  <a:noFill/>
+                </a:ln>
+                <a:solidFill>
+                  <a:srgbClr val="000000"/>
+                </a:solidFill>
+                <a:effectLst/>
+                <a:latin typeface="Courier New" panose="02070309020205020404" pitchFamily="49" charset="0"/>
+                <a:cs typeface="Courier New" panose="02070309020205020404" pitchFamily="49" charset="0"/>
+              </a:rPr>
+              <a:t>...</a:t>
+            </a:r>
+            <a:br>
+              <a:rPr kumimoji="0" lang="ru-RU" altLang="ru-RU" b="0" i="0" u="none" strike="noStrike" cap="none" normalizeH="0" baseline="0" dirty="0">
+                <a:ln>
+                  <a:noFill/>
+                </a:ln>
+                <a:solidFill>
+                  <a:srgbClr val="000000"/>
+                </a:solidFill>
+                <a:effectLst/>
+                <a:latin typeface="Courier New" panose="02070309020205020404" pitchFamily="49" charset="0"/>
+                <a:cs typeface="Courier New" panose="02070309020205020404" pitchFamily="49" charset="0"/>
+              </a:rPr>
+            </a:br>
+            <a:r>
+              <a:rPr kumimoji="0" lang="ru-RU" altLang="ru-RU" b="0" i="0" u="none" strike="noStrike" cap="none" normalizeH="0" baseline="0" dirty="0">
+                <a:ln>
+                  <a:noFill/>
+                </a:ln>
+                <a:solidFill>
+                  <a:srgbClr val="000000"/>
+                </a:solidFill>
+                <a:effectLst/>
+                <a:latin typeface="Courier New" panose="02070309020205020404" pitchFamily="49" charset="0"/>
+                <a:cs typeface="Courier New" panose="02070309020205020404" pitchFamily="49" charset="0"/>
+              </a:rPr>
+              <a:t>    </a:t>
+            </a:r>
+            <a:r>
+              <a:rPr kumimoji="0" lang="ru-RU" altLang="ru-RU" b="1" i="0" u="none" strike="noStrike" cap="none" normalizeH="0" baseline="0" dirty="0">
+                <a:ln>
+                  <a:noFill/>
+                </a:ln>
+                <a:solidFill>
+                  <a:srgbClr val="000080"/>
+                </a:solidFill>
+                <a:effectLst/>
+                <a:latin typeface="Courier New" panose="02070309020205020404" pitchFamily="49" charset="0"/>
+                <a:cs typeface="Courier New" panose="02070309020205020404" pitchFamily="49" charset="0"/>
+              </a:rPr>
+              <a:t>else</a:t>
+            </a:r>
+            <a:r>
+              <a:rPr kumimoji="0" lang="ru-RU" altLang="ru-RU" b="0" i="0" u="none" strike="noStrike" cap="none" normalizeH="0" baseline="0" dirty="0">
+                <a:ln>
+                  <a:noFill/>
+                </a:ln>
+                <a:solidFill>
+                  <a:srgbClr val="000000"/>
+                </a:solidFill>
+                <a:effectLst/>
+                <a:latin typeface="Courier New" panose="02070309020205020404" pitchFamily="49" charset="0"/>
+                <a:cs typeface="Courier New" panose="02070309020205020404" pitchFamily="49" charset="0"/>
+              </a:rPr>
+              <a:t>:</a:t>
+            </a:r>
+            <a:br>
+              <a:rPr kumimoji="0" lang="ru-RU" altLang="ru-RU" b="0" i="0" u="none" strike="noStrike" cap="none" normalizeH="0" baseline="0" dirty="0">
+                <a:ln>
+                  <a:noFill/>
+                </a:ln>
+                <a:solidFill>
+                  <a:srgbClr val="000000"/>
+                </a:solidFill>
+                <a:effectLst/>
+                <a:latin typeface="Courier New" panose="02070309020205020404" pitchFamily="49" charset="0"/>
+                <a:cs typeface="Courier New" panose="02070309020205020404" pitchFamily="49" charset="0"/>
+              </a:rPr>
+            </a:br>
+            <a:r>
+              <a:rPr kumimoji="0" lang="ru-RU" altLang="ru-RU" b="0" i="0" u="none" strike="noStrike" cap="none" normalizeH="0" baseline="0" dirty="0">
+                <a:ln>
+                  <a:noFill/>
+                </a:ln>
+                <a:solidFill>
+                  <a:srgbClr val="000000"/>
+                </a:solidFill>
+                <a:effectLst/>
+                <a:latin typeface="Courier New" panose="02070309020205020404" pitchFamily="49" charset="0"/>
+                <a:cs typeface="Courier New" panose="02070309020205020404" pitchFamily="49" charset="0"/>
+              </a:rPr>
+              <a:t>        </a:t>
+            </a:r>
+            <a:r>
+              <a:rPr kumimoji="0" lang="ru-RU" altLang="ru-RU" b="0" i="1" u="none" strike="noStrike" cap="none" normalizeH="0" baseline="0" dirty="0">
+                <a:ln>
+                  <a:noFill/>
+                </a:ln>
+                <a:solidFill>
+                  <a:srgbClr val="808080"/>
+                </a:solidFill>
+                <a:effectLst/>
+                <a:latin typeface="Courier New" panose="02070309020205020404" pitchFamily="49" charset="0"/>
+                <a:cs typeface="Courier New" panose="02070309020205020404" pitchFamily="49" charset="0"/>
+              </a:rPr>
+              <a:t># Вернуть сообщение о ошибке 'Неверный логин'.</a:t>
+            </a:r>
+            <a:br>
+              <a:rPr kumimoji="0" lang="ru-RU" altLang="ru-RU" b="0" i="1" u="none" strike="noStrike" cap="none" normalizeH="0" baseline="0" dirty="0">
+                <a:ln>
+                  <a:noFill/>
+                </a:ln>
+                <a:solidFill>
+                  <a:srgbClr val="808080"/>
+                </a:solidFill>
+                <a:effectLst/>
+                <a:latin typeface="Courier New" panose="02070309020205020404" pitchFamily="49" charset="0"/>
+                <a:cs typeface="Courier New" panose="02070309020205020404" pitchFamily="49" charset="0"/>
+              </a:rPr>
+            </a:br>
+            <a:r>
+              <a:rPr kumimoji="0" lang="ru-RU" altLang="ru-RU" b="0" i="1" u="none" strike="noStrike" cap="none" normalizeH="0" baseline="0" dirty="0">
+                <a:ln>
+                  <a:noFill/>
+                </a:ln>
+                <a:solidFill>
+                  <a:srgbClr val="808080"/>
+                </a:solidFill>
+                <a:effectLst/>
+                <a:latin typeface="Courier New" panose="02070309020205020404" pitchFamily="49" charset="0"/>
+                <a:cs typeface="Courier New" panose="02070309020205020404" pitchFamily="49" charset="0"/>
+              </a:rPr>
+              <a:t>        </a:t>
+            </a:r>
+            <a:r>
+              <a:rPr kumimoji="0" lang="ru-RU" altLang="ru-RU" b="0" i="0" u="none" strike="noStrike" cap="none" normalizeH="0" baseline="0" dirty="0">
+                <a:ln>
+                  <a:noFill/>
+                </a:ln>
+                <a:solidFill>
+                  <a:srgbClr val="000000"/>
+                </a:solidFill>
+                <a:effectLst/>
+                <a:latin typeface="Courier New" panose="02070309020205020404" pitchFamily="49" charset="0"/>
+                <a:cs typeface="Courier New" panose="02070309020205020404" pitchFamily="49" charset="0"/>
+              </a:rPr>
+              <a:t>...</a:t>
+            </a:r>
+            <a:endParaRPr kumimoji="0" lang="ru-RU" altLang="ru-RU" sz="4000" b="0" i="0" u="none" strike="noStrike" cap="none" normalizeH="0" baseline="0" dirty="0">
               <a:ln>
                 <a:noFill/>
               </a:ln>
@@ -7237,20 +6988,13 @@
     </p:spTree>
     <p:extLst>
       <p:ext uri="{BB962C8B-B14F-4D97-AF65-F5344CB8AC3E}">
-        <p14:creationId xmlns:p14="http://schemas.microsoft.com/office/powerpoint/2010/main" val="2003883663"/>
+        <p14:creationId xmlns:p14="http://schemas.microsoft.com/office/powerpoint/2010/main" val="3666418659"/>
       </p:ext>
     </p:extLst>
   </p:cSld>
   <p:clrMapOvr>
     <a:masterClrMapping/>
   </p:clrMapOvr>
-  <p:timing>
-    <p:tnLst>
-      <p:par>
-        <p:cTn id="1" dur="indefinite" restart="never" nodeType="tmRoot"/>
-      </p:par>
-    </p:tnLst>
-  </p:timing>
 </p:sld>
 </file>
 
@@ -7310,34 +7054,13 @@
           <a:p>
             <a:r>
               <a:rPr lang="ru-RU" dirty="0"/>
-              <a:t>Для отмены авторизации пользователя, который был авторизован с помощью функции </a:t>
-            </a:r>
-            <a:r>
-              <a:rPr lang="ru-RU" dirty="0" smtClean="0"/>
-              <a:t>login</a:t>
-            </a:r>
+              <a:t>Для отмены авторизации пользователя, который был авторизован с помощью функции login(), следует использовать функцию logout() в коде вашего представления. </a:t>
+            </a:r>
+          </a:p>
+          <a:p>
             <a:r>
               <a:rPr lang="ru-RU" dirty="0"/>
-              <a:t>(), следует использовать </a:t>
-            </a:r>
-            <a:r>
-              <a:rPr lang="ru-RU" dirty="0" smtClean="0"/>
-              <a:t>функцию logout</a:t>
-            </a:r>
-            <a:r>
-              <a:rPr lang="ru-RU" dirty="0"/>
-              <a:t>() в коде вашего представления. </a:t>
-            </a:r>
-            <a:endParaRPr lang="ru-RU" dirty="0" smtClean="0"/>
-          </a:p>
-          <a:p>
-            <a:r>
-              <a:rPr lang="ru-RU" dirty="0" smtClean="0"/>
-              <a:t>Функция </a:t>
-            </a:r>
-            <a:r>
-              <a:rPr lang="ru-RU" dirty="0"/>
-              <a:t>принимает объект HttpRequest и не возвращает никаких значений.</a:t>
+              <a:t>Функция принимает объект HttpRequest и не возвращает никаких значений.</a:t>
             </a:r>
           </a:p>
         </p:txBody>
@@ -7413,7 +7136,7 @@
               <a:tabLst/>
             </a:pPr>
             <a:r>
-              <a:rPr kumimoji="0" lang="ru-RU" altLang="ru-RU" sz="2000" b="1" i="0" u="none" strike="noStrike" cap="none" normalizeH="0" baseline="0" dirty="0" smtClean="0">
+              <a:rPr kumimoji="0" lang="ru-RU" altLang="ru-RU" sz="2000" b="1" i="0" u="none" strike="noStrike" cap="none" normalizeH="0" baseline="0" dirty="0">
                 <a:ln>
                   <a:noFill/>
                 </a:ln>
@@ -7427,7 +7150,7 @@
               <a:t>from </a:t>
             </a:r>
             <a:r>
-              <a:rPr kumimoji="0" lang="ru-RU" altLang="ru-RU" sz="2000" b="0" i="0" u="none" strike="noStrike" cap="none" normalizeH="0" baseline="0" dirty="0" smtClean="0">
+              <a:rPr kumimoji="0" lang="ru-RU" altLang="ru-RU" sz="2000" b="0" i="0" u="none" strike="noStrike" cap="none" normalizeH="0" baseline="0" dirty="0">
                 <a:ln>
                   <a:noFill/>
                 </a:ln>
@@ -7441,7 +7164,7 @@
               <a:t>django.contrib.auth </a:t>
             </a:r>
             <a:r>
-              <a:rPr kumimoji="0" lang="ru-RU" altLang="ru-RU" sz="2000" b="1" i="0" u="none" strike="noStrike" cap="none" normalizeH="0" baseline="0" dirty="0" smtClean="0">
+              <a:rPr kumimoji="0" lang="ru-RU" altLang="ru-RU" sz="2000" b="1" i="0" u="none" strike="noStrike" cap="none" normalizeH="0" baseline="0" dirty="0">
                 <a:ln>
                   <a:noFill/>
                 </a:ln>
@@ -7455,7 +7178,7 @@
               <a:t>import </a:t>
             </a:r>
             <a:r>
-              <a:rPr kumimoji="0" lang="ru-RU" altLang="ru-RU" sz="2000" b="0" i="0" u="none" strike="noStrike" cap="none" normalizeH="0" baseline="0" dirty="0" smtClean="0">
+              <a:rPr kumimoji="0" lang="ru-RU" altLang="ru-RU" sz="2000" b="0" i="0" u="none" strike="noStrike" cap="none" normalizeH="0" baseline="0" dirty="0">
                 <a:ln>
                   <a:noFill/>
                 </a:ln>
@@ -7469,7 +7192,7 @@
               <a:t>logout</a:t>
             </a:r>
             <a:br>
-              <a:rPr kumimoji="0" lang="ru-RU" altLang="ru-RU" sz="2000" b="0" i="0" u="none" strike="noStrike" cap="none" normalizeH="0" baseline="0" dirty="0" smtClean="0">
+              <a:rPr kumimoji="0" lang="ru-RU" altLang="ru-RU" sz="2000" b="0" i="0" u="none" strike="noStrike" cap="none" normalizeH="0" baseline="0" dirty="0">
                 <a:ln>
                   <a:noFill/>
                 </a:ln>
@@ -7481,22 +7204,8 @@
                 <a:cs typeface="Courier New" panose="02070309020205020404" pitchFamily="49" charset="0"/>
               </a:rPr>
             </a:br>
-            <a:r>
-              <a:rPr kumimoji="0" lang="ru-RU" altLang="ru-RU" sz="2000" b="0" i="0" u="none" strike="noStrike" cap="none" normalizeH="0" baseline="0" dirty="0" smtClean="0">
-                <a:ln>
-                  <a:noFill/>
-                </a:ln>
-                <a:solidFill>
-                  <a:srgbClr val="000000"/>
-                </a:solidFill>
-                <a:effectLst/>
-                <a:latin typeface="Courier New" panose="02070309020205020404" pitchFamily="49" charset="0"/>
-                <a:cs typeface="Courier New" panose="02070309020205020404" pitchFamily="49" charset="0"/>
-              </a:rPr>
-              <a:t/>
-            </a:r>
             <a:br>
-              <a:rPr kumimoji="0" lang="ru-RU" altLang="ru-RU" sz="2000" b="0" i="0" u="none" strike="noStrike" cap="none" normalizeH="0" baseline="0" dirty="0" smtClean="0">
+              <a:rPr kumimoji="0" lang="ru-RU" altLang="ru-RU" sz="2000" b="0" i="0" u="none" strike="noStrike" cap="none" normalizeH="0" baseline="0" dirty="0">
                 <a:ln>
                   <a:noFill/>
                 </a:ln>
@@ -7509,7 +7218,7 @@
               </a:rPr>
             </a:br>
             <a:r>
-              <a:rPr kumimoji="0" lang="ru-RU" altLang="ru-RU" sz="2000" b="1" i="0" u="none" strike="noStrike" cap="none" normalizeH="0" baseline="0" dirty="0" smtClean="0">
+              <a:rPr kumimoji="0" lang="ru-RU" altLang="ru-RU" sz="2000" b="1" i="0" u="none" strike="noStrike" cap="none" normalizeH="0" baseline="0" dirty="0">
                 <a:ln>
                   <a:noFill/>
                 </a:ln>
@@ -7523,7 +7232,7 @@
               <a:t>def </a:t>
             </a:r>
             <a:r>
-              <a:rPr kumimoji="0" lang="ru-RU" altLang="ru-RU" sz="2000" b="0" i="0" u="none" strike="noStrike" cap="none" normalizeH="0" baseline="0" dirty="0" smtClean="0">
+              <a:rPr kumimoji="0" lang="ru-RU" altLang="ru-RU" sz="2000" b="0" i="0" u="none" strike="noStrike" cap="none" normalizeH="0" baseline="0" dirty="0">
                 <a:ln>
                   <a:noFill/>
                 </a:ln>
@@ -7537,7 +7246,7 @@
               <a:t>logout_view(request):</a:t>
             </a:r>
             <a:br>
-              <a:rPr kumimoji="0" lang="ru-RU" altLang="ru-RU" sz="2000" b="0" i="0" u="none" strike="noStrike" cap="none" normalizeH="0" baseline="0" dirty="0" smtClean="0">
+              <a:rPr kumimoji="0" lang="ru-RU" altLang="ru-RU" sz="2000" b="0" i="0" u="none" strike="noStrike" cap="none" normalizeH="0" baseline="0" dirty="0">
                 <a:ln>
                   <a:noFill/>
                 </a:ln>
@@ -7550,7 +7259,7 @@
               </a:rPr>
             </a:br>
             <a:r>
-              <a:rPr kumimoji="0" lang="ru-RU" altLang="ru-RU" sz="2000" b="0" i="0" u="none" strike="noStrike" cap="none" normalizeH="0" baseline="0" dirty="0" smtClean="0">
+              <a:rPr kumimoji="0" lang="ru-RU" altLang="ru-RU" sz="2000" b="0" i="0" u="none" strike="noStrike" cap="none" normalizeH="0" baseline="0" dirty="0">
                 <a:ln>
                   <a:noFill/>
                 </a:ln>
@@ -7564,7 +7273,7 @@
               <a:t>    logout(request)</a:t>
             </a:r>
             <a:br>
-              <a:rPr kumimoji="0" lang="ru-RU" altLang="ru-RU" sz="2000" b="0" i="0" u="none" strike="noStrike" cap="none" normalizeH="0" baseline="0" dirty="0" smtClean="0">
+              <a:rPr kumimoji="0" lang="ru-RU" altLang="ru-RU" sz="2000" b="0" i="0" u="none" strike="noStrike" cap="none" normalizeH="0" baseline="0" dirty="0">
                 <a:ln>
                   <a:noFill/>
                 </a:ln>
@@ -7577,7 +7286,7 @@
               </a:rPr>
             </a:br>
             <a:r>
-              <a:rPr kumimoji="0" lang="ru-RU" altLang="ru-RU" sz="2000" b="0" i="0" u="none" strike="noStrike" cap="none" normalizeH="0" baseline="0" dirty="0" smtClean="0">
+              <a:rPr kumimoji="0" lang="ru-RU" altLang="ru-RU" sz="2000" b="0" i="0" u="none" strike="noStrike" cap="none" normalizeH="0" baseline="0" dirty="0">
                 <a:ln>
                   <a:noFill/>
                 </a:ln>
@@ -7591,7 +7300,7 @@
               <a:t>    </a:t>
             </a:r>
             <a:r>
-              <a:rPr kumimoji="0" lang="ru-RU" altLang="ru-RU" sz="2000" b="0" i="1" u="none" strike="noStrike" cap="none" normalizeH="0" baseline="0" dirty="0" smtClean="0">
+              <a:rPr kumimoji="0" lang="ru-RU" altLang="ru-RU" sz="2000" b="0" i="1" u="none" strike="noStrike" cap="none" normalizeH="0" baseline="0" dirty="0">
                 <a:ln>
                   <a:noFill/>
                 </a:ln>
@@ -7604,7 +7313,7 @@
               </a:rPr>
               <a:t># Перенаправление на страницу</a:t>
             </a:r>
-            <a:endParaRPr kumimoji="0" lang="ru-RU" altLang="ru-RU" sz="4400" b="0" i="0" u="none" strike="noStrike" cap="none" normalizeH="0" baseline="0" dirty="0" smtClean="0">
+            <a:endParaRPr kumimoji="0" lang="ru-RU" altLang="ru-RU" sz="4400" b="0" i="0" u="none" strike="noStrike" cap="none" normalizeH="0" baseline="0" dirty="0">
               <a:ln>
                 <a:noFill/>
               </a:ln>
@@ -7627,13 +7336,6 @@
   <p:clrMapOvr>
     <a:masterClrMapping/>
   </p:clrMapOvr>
-  <p:timing>
-    <p:tnLst>
-      <p:par>
-        <p:cTn id="1" dur="indefinite" restart="never" nodeType="tmRoot"/>
-      </p:par>
-    </p:tnLst>
-  </p:timing>
 </p:sld>
 </file>
 
@@ -7670,10 +7372,9 @@
           <a:lstStyle/>
           <a:p>
             <a:r>
-              <a:rPr lang="ru-RU" dirty="0" smtClean="0"/>
+              <a:rPr lang="ru-RU" dirty="0"/>
               <a:t>Ограничение прав доступа к страницам сайта</a:t>
             </a:r>
-            <a:endParaRPr lang="ru-RU" dirty="0"/>
           </a:p>
         </p:txBody>
       </p:sp>
@@ -7687,13 +7388,6 @@
   <p:clrMapOvr>
     <a:masterClrMapping/>
   </p:clrMapOvr>
-  <p:timing>
-    <p:tnLst>
-      <p:par>
-        <p:cTn id="1" dur="indefinite" restart="never" nodeType="tmRoot"/>
-      </p:par>
-    </p:tnLst>
-  </p:timing>
 </p:sld>
 </file>
 
@@ -7738,14 +7432,9 @@
           <a:p>
             <a:pPr algn="ctr"/>
             <a:r>
-              <a:rPr lang="ru-RU" sz="6000" b="1" dirty="0" smtClean="0"/>
-              <a:t>Загрузка </a:t>
-            </a:r>
-            <a:r>
-              <a:rPr lang="ru-RU" sz="6000" b="1" dirty="0" smtClean="0"/>
-              <a:t>файлов</a:t>
-            </a:r>
-            <a:endParaRPr lang="ru-RU" sz="6000" b="1" dirty="0"/>
+              <a:rPr lang="ru-RU" sz="6000" b="1" dirty="0"/>
+              <a:t>Загрузка файлов</a:t>
+            </a:r>
           </a:p>
         </p:txBody>
       </p:sp>
@@ -7778,13 +7467,6 @@
   <p:clrMapOvr>
     <a:masterClrMapping/>
   </p:clrMapOvr>
-  <p:timing>
-    <p:tnLst>
-      <p:par>
-        <p:cTn id="1" dur="indefinite" restart="never" nodeType="tmRoot"/>
-      </p:par>
-    </p:tnLst>
-  </p:timing>
 </p:sld>
 </file>
 
@@ -7821,11 +7503,11 @@
           <a:lstStyle/>
           <a:p>
             <a:r>
-              <a:rPr lang="ru-RU" dirty="0" smtClean="0"/>
+              <a:rPr lang="ru-RU" dirty="0"/>
               <a:t>Система аутентификации </a:t>
             </a:r>
             <a:r>
-              <a:rPr lang="en-US" dirty="0" smtClean="0"/>
+              <a:rPr lang="en-US" dirty="0"/>
               <a:t>Django</a:t>
             </a:r>
             <a:endParaRPr lang="ru-RU" dirty="0"/>
@@ -7851,30 +7533,14 @@
               <a:rPr lang="ru-RU" dirty="0"/>
               <a:t>Django поставляется с системой аутентификации пользователей. </a:t>
             </a:r>
-            <a:endParaRPr lang="en-US" dirty="0" smtClean="0"/>
-          </a:p>
-          <a:p>
-            <a:r>
-              <a:rPr lang="ru-RU" dirty="0" smtClean="0"/>
-              <a:t>Она </a:t>
-            </a:r>
+            <a:endParaRPr lang="en-US" dirty="0"/>
+          </a:p>
+          <a:p>
             <a:r>
               <a:rPr lang="ru-RU" dirty="0"/>
-              <a:t>обеспечивает пользовательские аккаунты, группы, </a:t>
-            </a:r>
-            <a:r>
-              <a:rPr lang="ru-RU" dirty="0" smtClean="0"/>
-              <a:t>права </a:t>
-            </a:r>
-            <a:r>
-              <a:rPr lang="ru-RU" dirty="0"/>
-              <a:t>и сессии на основе куки</a:t>
-            </a:r>
-            <a:r>
-              <a:rPr lang="ru-RU" dirty="0" smtClean="0"/>
-              <a:t>.</a:t>
-            </a:r>
-            <a:endParaRPr lang="en-US" dirty="0" smtClean="0"/>
+              <a:t>Она обеспечивает пользовательские аккаунты, группы, права и сессии на основе куки.</a:t>
+            </a:r>
+            <a:endParaRPr lang="en-US" dirty="0"/>
           </a:p>
         </p:txBody>
       </p:sp>
@@ -8091,23 +7757,15 @@
             </a:r>
             <a:r>
               <a:rPr lang="ru-RU" dirty="0"/>
-              <a:t>де будут храниться </a:t>
-            </a:r>
-            <a:r>
-              <a:rPr lang="ru-RU" dirty="0" smtClean="0"/>
-              <a:t>выгруженные</a:t>
-            </a:r>
-            <a:r>
-              <a:rPr lang="en-US" dirty="0" smtClean="0"/>
+              <a:t>де будут храниться выгруженные</a:t>
+            </a:r>
+            <a:r>
+              <a:rPr lang="en-US" dirty="0"/>
               <a:t> </a:t>
             </a:r>
             <a:r>
-              <a:rPr lang="ru-RU" dirty="0" smtClean="0"/>
-              <a:t>на </a:t>
-            </a:r>
-            <a:r>
               <a:rPr lang="ru-RU" dirty="0"/>
-              <a:t>сайт файлы, в виде строки:</a:t>
+              <a:t>на сайт файлы, в виде строки:</a:t>
             </a:r>
           </a:p>
           <a:p>
@@ -8115,12 +7773,8 @@
               <a:buNone/>
             </a:pPr>
             <a:r>
-              <a:rPr lang="en-US" dirty="0" smtClean="0"/>
-              <a:t>MEDIA_ROOT </a:t>
-            </a:r>
-            <a:r>
               <a:rPr lang="en-US" dirty="0"/>
-              <a:t>= </a:t>
+              <a:t>MEDIA_ROOT = </a:t>
             </a:r>
             <a:r>
               <a:rPr lang="en-US" dirty="0" err="1"/>
@@ -8128,11 +7782,7 @@
             </a:r>
             <a:r>
               <a:rPr lang="en-US" dirty="0"/>
-              <a:t>(BASE_DIR, 'uploads</a:t>
-            </a:r>
-            <a:r>
-              <a:rPr lang="en-US" dirty="0" smtClean="0"/>
-              <a:t>')</a:t>
+              <a:t>(BASE_DIR, 'uploads')</a:t>
             </a:r>
           </a:p>
           <a:p>
@@ -8140,28 +7790,20 @@
               <a:rPr lang="ru-RU" dirty="0"/>
               <a:t>И не забудем создать эту папку, поскольку Django за нас этого не сделает</a:t>
             </a:r>
-            <a:endParaRPr lang="en-US" dirty="0" smtClean="0"/>
+            <a:endParaRPr lang="en-US" dirty="0"/>
           </a:p>
           <a:p>
             <a:r>
               <a:rPr lang="ru-RU" dirty="0"/>
-              <a:t>Переменная МEDIA URL задает префикс для формирования интернет-адреса всех </a:t>
-            </a:r>
-            <a:r>
-              <a:rPr lang="ru-RU" dirty="0" smtClean="0"/>
-              <a:t>выгруженных</a:t>
-            </a:r>
-            <a:r>
-              <a:rPr lang="en-US" dirty="0" smtClean="0"/>
+              <a:t>Переменная МEDIA URL задает префикс для формирования интернет-адреса всех выгруженных</a:t>
+            </a:r>
+            <a:r>
+              <a:rPr lang="en-US" dirty="0"/>
               <a:t> </a:t>
             </a:r>
             <a:r>
-              <a:rPr lang="ru-RU" dirty="0" smtClean="0"/>
-              <a:t>файлов</a:t>
-            </a:r>
-            <a:r>
               <a:rPr lang="ru-RU" dirty="0"/>
-              <a:t>, также в виде строки:</a:t>
+              <a:t>файлов, также в виде строки:</a:t>
             </a:r>
           </a:p>
           <a:p>
@@ -8173,12 +7815,8 @@
               <a:t>M</a:t>
             </a:r>
             <a:r>
-              <a:rPr lang="ru-RU" dirty="0" smtClean="0"/>
-              <a:t>EDIA </a:t>
-            </a:r>
-            <a:r>
               <a:rPr lang="ru-RU" dirty="0"/>
-              <a:t>URL = '/media/'</a:t>
+              <a:t>EDIA URL = '/media/'</a:t>
             </a:r>
           </a:p>
         </p:txBody>
@@ -8508,64 +8146,39 @@
           <a:p>
             <a:r>
               <a:rPr lang="ru-RU" dirty="0"/>
-              <a:t>Далее нам нужно привязать заданную в переменной МEDIA RООТ папку к </a:t>
-            </a:r>
-            <a:r>
-              <a:rPr lang="ru-RU" dirty="0" smtClean="0"/>
-              <a:t>заданному</a:t>
-            </a:r>
-            <a:r>
-              <a:rPr lang="en-US" dirty="0" smtClean="0"/>
+              <a:t>Далее нам нужно привязать заданную в переменной МEDIA RООТ папку к заданному</a:t>
+            </a:r>
+            <a:r>
+              <a:rPr lang="en-US" dirty="0"/>
               <a:t> </a:t>
             </a:r>
             <a:r>
-              <a:rPr lang="ru-RU" dirty="0" smtClean="0"/>
-              <a:t>в </a:t>
-            </a:r>
-            <a:r>
               <a:rPr lang="ru-RU" dirty="0"/>
-              <a:t>переменной МEDIA URL префиксу интернет-адресов. </a:t>
-            </a:r>
-            <a:endParaRPr lang="en-US" dirty="0" smtClean="0"/>
-          </a:p>
-          <a:p>
-            <a:r>
-              <a:rPr lang="ru-RU" dirty="0" smtClean="0"/>
-              <a:t>Это </a:t>
-            </a:r>
+              <a:t>в переменной МEDIA URL префиксу интернет-адресов. </a:t>
+            </a:r>
+            <a:endParaRPr lang="en-US" dirty="0"/>
+          </a:p>
+          <a:p>
             <a:r>
               <a:rPr lang="ru-RU" dirty="0"/>
-              <a:t>нужно для того, </a:t>
-            </a:r>
-            <a:r>
-              <a:rPr lang="ru-RU" dirty="0" smtClean="0"/>
-              <a:t>чтобы</a:t>
-            </a:r>
-            <a:r>
-              <a:rPr lang="en-US" dirty="0" smtClean="0"/>
+              <a:t>Это нужно для того, чтобы</a:t>
+            </a:r>
+            <a:r>
+              <a:rPr lang="en-US" dirty="0"/>
               <a:t> </a:t>
             </a:r>
             <a:r>
-              <a:rPr lang="ru-RU" dirty="0" smtClean="0"/>
-              <a:t>встроенный </a:t>
-            </a:r>
-            <a:r>
               <a:rPr lang="ru-RU" dirty="0"/>
-              <a:t>отладочный WеЬ-сервер Django смог обработать запросы на </a:t>
-            </a:r>
-            <a:r>
-              <a:rPr lang="ru-RU" dirty="0" smtClean="0"/>
-              <a:t>загрузку</a:t>
-            </a:r>
-            <a:r>
-              <a:rPr lang="en-US" dirty="0" smtClean="0"/>
+              <a:t>встроенный отладочный WеЬ-сервер Django смог обработать запросы на загрузку</a:t>
+            </a:r>
+            <a:r>
+              <a:rPr lang="en-US" dirty="0"/>
               <a:t> </a:t>
             </a:r>
             <a:r>
-              <a:rPr lang="ru-RU" dirty="0" smtClean="0"/>
+              <a:rPr lang="ru-RU" dirty="0"/>
               <a:t>выгруженных файлов</a:t>
             </a:r>
-            <a:endParaRPr lang="ru-RU" dirty="0"/>
           </a:p>
         </p:txBody>
       </p:sp>
@@ -8640,7 +8253,7 @@
               <a:tabLst/>
             </a:pPr>
             <a:r>
-              <a:rPr kumimoji="0" lang="ru-RU" altLang="ru-RU" sz="2000" b="1" i="0" u="none" strike="noStrike" cap="none" normalizeH="0" baseline="0" dirty="0" smtClean="0">
+              <a:rPr kumimoji="0" lang="ru-RU" altLang="ru-RU" sz="2000" b="1" i="0" u="none" strike="noStrike" cap="none" normalizeH="0" baseline="0" dirty="0">
                 <a:ln>
                   <a:noFill/>
                 </a:ln>
@@ -8654,7 +8267,7 @@
               <a:t>from </a:t>
             </a:r>
             <a:r>
-              <a:rPr kumimoji="0" lang="ru-RU" altLang="ru-RU" sz="2000" b="0" i="0" u="none" strike="noStrike" cap="none" normalizeH="0" baseline="0" dirty="0" smtClean="0">
+              <a:rPr kumimoji="0" lang="ru-RU" altLang="ru-RU" sz="2000" b="0" i="0" u="none" strike="noStrike" cap="none" normalizeH="0" baseline="0" dirty="0">
                 <a:ln>
                   <a:noFill/>
                 </a:ln>
@@ -8668,7 +8281,7 @@
               <a:t>django.conf </a:t>
             </a:r>
             <a:r>
-              <a:rPr kumimoji="0" lang="ru-RU" altLang="ru-RU" sz="2000" b="1" i="0" u="none" strike="noStrike" cap="none" normalizeH="0" baseline="0" dirty="0" smtClean="0">
+              <a:rPr kumimoji="0" lang="ru-RU" altLang="ru-RU" sz="2000" b="1" i="0" u="none" strike="noStrike" cap="none" normalizeH="0" baseline="0" dirty="0">
                 <a:ln>
                   <a:noFill/>
                 </a:ln>
@@ -8682,7 +8295,7 @@
               <a:t>import </a:t>
             </a:r>
             <a:r>
-              <a:rPr kumimoji="0" lang="ru-RU" altLang="ru-RU" sz="2000" b="0" i="0" u="none" strike="noStrike" cap="none" normalizeH="0" baseline="0" dirty="0" smtClean="0">
+              <a:rPr kumimoji="0" lang="ru-RU" altLang="ru-RU" sz="2000" b="0" i="0" u="none" strike="noStrike" cap="none" normalizeH="0" baseline="0" dirty="0">
                 <a:ln>
                   <a:noFill/>
                 </a:ln>
@@ -8696,7 +8309,7 @@
               <a:t>settings</a:t>
             </a:r>
             <a:br>
-              <a:rPr kumimoji="0" lang="ru-RU" altLang="ru-RU" sz="2000" b="0" i="0" u="none" strike="noStrike" cap="none" normalizeH="0" baseline="0" dirty="0" smtClean="0">
+              <a:rPr kumimoji="0" lang="ru-RU" altLang="ru-RU" sz="2000" b="0" i="0" u="none" strike="noStrike" cap="none" normalizeH="0" baseline="0" dirty="0">
                 <a:ln>
                   <a:noFill/>
                 </a:ln>
@@ -8709,7 +8322,7 @@
               </a:rPr>
             </a:br>
             <a:r>
-              <a:rPr kumimoji="0" lang="ru-RU" altLang="ru-RU" sz="2000" b="1" i="0" u="none" strike="noStrike" cap="none" normalizeH="0" baseline="0" dirty="0" smtClean="0">
+              <a:rPr kumimoji="0" lang="ru-RU" altLang="ru-RU" sz="2000" b="1" i="0" u="none" strike="noStrike" cap="none" normalizeH="0" baseline="0" dirty="0">
                 <a:ln>
                   <a:noFill/>
                 </a:ln>
@@ -8723,7 +8336,7 @@
               <a:t>from </a:t>
             </a:r>
             <a:r>
-              <a:rPr kumimoji="0" lang="ru-RU" altLang="ru-RU" sz="2000" b="0" i="0" u="none" strike="noStrike" cap="none" normalizeH="0" baseline="0" dirty="0" smtClean="0">
+              <a:rPr kumimoji="0" lang="ru-RU" altLang="ru-RU" sz="2000" b="0" i="0" u="none" strike="noStrike" cap="none" normalizeH="0" baseline="0" dirty="0">
                 <a:ln>
                   <a:noFill/>
                 </a:ln>
@@ -8737,7 +8350,7 @@
               <a:t>django.conf.urls.static </a:t>
             </a:r>
             <a:r>
-              <a:rPr kumimoji="0" lang="ru-RU" altLang="ru-RU" sz="2000" b="1" i="0" u="none" strike="noStrike" cap="none" normalizeH="0" baseline="0" dirty="0" smtClean="0">
+              <a:rPr kumimoji="0" lang="ru-RU" altLang="ru-RU" sz="2000" b="1" i="0" u="none" strike="noStrike" cap="none" normalizeH="0" baseline="0" dirty="0">
                 <a:ln>
                   <a:noFill/>
                 </a:ln>
@@ -8751,7 +8364,7 @@
               <a:t>import </a:t>
             </a:r>
             <a:r>
-              <a:rPr kumimoji="0" lang="ru-RU" altLang="ru-RU" sz="2000" b="0" i="0" u="none" strike="noStrike" cap="none" normalizeH="0" baseline="0" dirty="0" smtClean="0">
+              <a:rPr kumimoji="0" lang="ru-RU" altLang="ru-RU" sz="2000" b="0" i="0" u="none" strike="noStrike" cap="none" normalizeH="0" baseline="0" dirty="0">
                 <a:ln>
                   <a:noFill/>
                 </a:ln>
@@ -8765,7 +8378,7 @@
               <a:t>static</a:t>
             </a:r>
             <a:br>
-              <a:rPr kumimoji="0" lang="ru-RU" altLang="ru-RU" sz="2000" b="0" i="0" u="none" strike="noStrike" cap="none" normalizeH="0" baseline="0" dirty="0" smtClean="0">
+              <a:rPr kumimoji="0" lang="ru-RU" altLang="ru-RU" sz="2000" b="0" i="0" u="none" strike="noStrike" cap="none" normalizeH="0" baseline="0" dirty="0">
                 <a:ln>
                   <a:noFill/>
                 </a:ln>
@@ -8777,22 +8390,8 @@
                 <a:cs typeface="Courier New" panose="02070309020205020404" pitchFamily="49" charset="0"/>
               </a:rPr>
             </a:br>
-            <a:r>
-              <a:rPr kumimoji="0" lang="ru-RU" altLang="ru-RU" sz="2000" b="0" i="0" u="none" strike="noStrike" cap="none" normalizeH="0" baseline="0" dirty="0" smtClean="0">
-                <a:ln>
-                  <a:noFill/>
-                </a:ln>
-                <a:solidFill>
-                  <a:srgbClr val="000000"/>
-                </a:solidFill>
-                <a:effectLst/>
-                <a:latin typeface="Courier New" panose="02070309020205020404" pitchFamily="49" charset="0"/>
-                <a:cs typeface="Courier New" panose="02070309020205020404" pitchFamily="49" charset="0"/>
-              </a:rPr>
-              <a:t/>
-            </a:r>
             <a:br>
-              <a:rPr kumimoji="0" lang="ru-RU" altLang="ru-RU" sz="2000" b="0" i="0" u="none" strike="noStrike" cap="none" normalizeH="0" baseline="0" dirty="0" smtClean="0">
+              <a:rPr kumimoji="0" lang="ru-RU" altLang="ru-RU" sz="2000" b="0" i="0" u="none" strike="noStrike" cap="none" normalizeH="0" baseline="0" dirty="0">
                 <a:ln>
                   <a:noFill/>
                 </a:ln>
@@ -8805,7 +8404,7 @@
               </a:rPr>
             </a:br>
             <a:r>
-              <a:rPr kumimoji="0" lang="ru-RU" altLang="ru-RU" sz="2000" b="0" i="0" u="none" strike="noStrike" cap="none" normalizeH="0" baseline="0" dirty="0" smtClean="0">
+              <a:rPr kumimoji="0" lang="ru-RU" altLang="ru-RU" sz="2000" b="0" i="0" u="none" strike="noStrike" cap="none" normalizeH="0" baseline="0" dirty="0">
                 <a:ln>
                   <a:noFill/>
                 </a:ln>
@@ -8837,7 +8436,7 @@
               <a:tabLst/>
             </a:pPr>
             <a:r>
-              <a:rPr lang="ru-RU" altLang="ru-RU" sz="2000" dirty="0" smtClean="0">
+              <a:rPr lang="ru-RU" altLang="ru-RU" sz="2000" dirty="0">
                 <a:solidFill>
                   <a:srgbClr val="000000"/>
                 </a:solidFill>
@@ -8846,22 +8445,8 @@
               </a:rPr>
               <a:t>    ...</a:t>
             </a:r>
-            <a:r>
-              <a:rPr kumimoji="0" lang="ru-RU" altLang="ru-RU" sz="2000" b="0" i="0" u="none" strike="noStrike" cap="none" normalizeH="0" baseline="0" dirty="0" smtClean="0">
-                <a:ln>
-                  <a:noFill/>
-                </a:ln>
-                <a:solidFill>
-                  <a:srgbClr val="000000"/>
-                </a:solidFill>
-                <a:effectLst/>
-                <a:latin typeface="Courier New" panose="02070309020205020404" pitchFamily="49" charset="0"/>
-                <a:cs typeface="Courier New" panose="02070309020205020404" pitchFamily="49" charset="0"/>
-              </a:rPr>
-              <a:t/>
-            </a:r>
             <a:br>
-              <a:rPr kumimoji="0" lang="ru-RU" altLang="ru-RU" sz="2000" b="0" i="0" u="none" strike="noStrike" cap="none" normalizeH="0" baseline="0" dirty="0" smtClean="0">
+              <a:rPr kumimoji="0" lang="ru-RU" altLang="ru-RU" sz="2000" b="0" i="0" u="none" strike="noStrike" cap="none" normalizeH="0" baseline="0" dirty="0">
                 <a:ln>
                   <a:noFill/>
                 </a:ln>
@@ -8874,7 +8459,7 @@
               </a:rPr>
             </a:br>
             <a:r>
-              <a:rPr kumimoji="0" lang="ru-RU" altLang="ru-RU" sz="2000" b="0" i="0" u="none" strike="noStrike" cap="none" normalizeH="0" baseline="0" dirty="0" smtClean="0">
+              <a:rPr kumimoji="0" lang="ru-RU" altLang="ru-RU" sz="2000" b="0" i="0" u="none" strike="noStrike" cap="none" normalizeH="0" baseline="0" dirty="0">
                 <a:ln>
                   <a:noFill/>
                 </a:ln>
@@ -8888,7 +8473,7 @@
               <a:t>    url(</a:t>
             </a:r>
             <a:r>
-              <a:rPr kumimoji="0" lang="ru-RU" altLang="ru-RU" sz="2000" b="1" i="0" u="none" strike="noStrike" cap="none" normalizeH="0" baseline="0" dirty="0" smtClean="0">
+              <a:rPr kumimoji="0" lang="ru-RU" altLang="ru-RU" sz="2000" b="1" i="0" u="none" strike="noStrike" cap="none" normalizeH="0" baseline="0" dirty="0">
                 <a:ln>
                   <a:noFill/>
                 </a:ln>
@@ -8902,7 +8487,7 @@
               <a:t>r'^logout/$'</a:t>
             </a:r>
             <a:r>
-              <a:rPr kumimoji="0" lang="ru-RU" altLang="ru-RU" sz="2000" b="0" i="0" u="none" strike="noStrike" cap="none" normalizeH="0" baseline="0" dirty="0" smtClean="0">
+              <a:rPr kumimoji="0" lang="ru-RU" altLang="ru-RU" sz="2000" b="0" i="0" u="none" strike="noStrike" cap="none" normalizeH="0" baseline="0" dirty="0">
                 <a:ln>
                   <a:noFill/>
                 </a:ln>
@@ -8916,7 +8501,7 @@
               <a:t>, views.logout, {</a:t>
             </a:r>
             <a:r>
-              <a:rPr kumimoji="0" lang="ru-RU" altLang="ru-RU" sz="2000" b="1" i="0" u="none" strike="noStrike" cap="none" normalizeH="0" baseline="0" dirty="0" smtClean="0">
+              <a:rPr kumimoji="0" lang="ru-RU" altLang="ru-RU" sz="2000" b="1" i="0" u="none" strike="noStrike" cap="none" normalizeH="0" baseline="0" dirty="0">
                 <a:ln>
                   <a:noFill/>
                 </a:ln>
@@ -8930,7 +8515,7 @@
               <a:t>'next_page'</a:t>
             </a:r>
             <a:r>
-              <a:rPr kumimoji="0" lang="ru-RU" altLang="ru-RU" sz="2000" b="0" i="0" u="none" strike="noStrike" cap="none" normalizeH="0" baseline="0" dirty="0" smtClean="0">
+              <a:rPr kumimoji="0" lang="ru-RU" altLang="ru-RU" sz="2000" b="0" i="0" u="none" strike="noStrike" cap="none" normalizeH="0" baseline="0" dirty="0">
                 <a:ln>
                   <a:noFill/>
                 </a:ln>
@@ -8944,7 +8529,7 @@
               <a:t>: </a:t>
             </a:r>
             <a:r>
-              <a:rPr kumimoji="0" lang="ru-RU" altLang="ru-RU" sz="2000" b="1" i="0" u="none" strike="noStrike" cap="none" normalizeH="0" baseline="0" dirty="0" smtClean="0">
+              <a:rPr kumimoji="0" lang="ru-RU" altLang="ru-RU" sz="2000" b="1" i="0" u="none" strike="noStrike" cap="none" normalizeH="0" baseline="0" dirty="0">
                 <a:ln>
                   <a:noFill/>
                 </a:ln>
@@ -8958,7 +8543,7 @@
               <a:t>"index"</a:t>
             </a:r>
             <a:r>
-              <a:rPr kumimoji="0" lang="ru-RU" altLang="ru-RU" sz="2000" b="0" i="0" u="none" strike="noStrike" cap="none" normalizeH="0" baseline="0" dirty="0" smtClean="0">
+              <a:rPr kumimoji="0" lang="ru-RU" altLang="ru-RU" sz="2000" b="0" i="0" u="none" strike="noStrike" cap="none" normalizeH="0" baseline="0" dirty="0">
                 <a:ln>
                   <a:noFill/>
                 </a:ln>
@@ -8972,7 +8557,7 @@
               <a:t>}, </a:t>
             </a:r>
             <a:r>
-              <a:rPr kumimoji="0" lang="ru-RU" altLang="ru-RU" sz="2000" b="0" i="0" u="none" strike="noStrike" cap="none" normalizeH="0" baseline="0" dirty="0" smtClean="0">
+              <a:rPr kumimoji="0" lang="ru-RU" altLang="ru-RU" sz="2000" b="0" i="0" u="none" strike="noStrike" cap="none" normalizeH="0" baseline="0" dirty="0">
                 <a:ln>
                   <a:noFill/>
                 </a:ln>
@@ -8986,7 +8571,7 @@
               <a:t>name</a:t>
             </a:r>
             <a:r>
-              <a:rPr kumimoji="0" lang="ru-RU" altLang="ru-RU" sz="2000" b="0" i="0" u="none" strike="noStrike" cap="none" normalizeH="0" baseline="0" dirty="0" smtClean="0">
+              <a:rPr kumimoji="0" lang="ru-RU" altLang="ru-RU" sz="2000" b="0" i="0" u="none" strike="noStrike" cap="none" normalizeH="0" baseline="0" dirty="0">
                 <a:ln>
                   <a:noFill/>
                 </a:ln>
@@ -9000,7 +8585,7 @@
               <a:t>=</a:t>
             </a:r>
             <a:r>
-              <a:rPr kumimoji="0" lang="ru-RU" altLang="ru-RU" sz="2000" b="1" i="0" u="none" strike="noStrike" cap="none" normalizeH="0" baseline="0" dirty="0" smtClean="0">
+              <a:rPr kumimoji="0" lang="ru-RU" altLang="ru-RU" sz="2000" b="1" i="0" u="none" strike="noStrike" cap="none" normalizeH="0" baseline="0" dirty="0">
                 <a:ln>
                   <a:noFill/>
                 </a:ln>
@@ -9014,7 +8599,7 @@
               <a:t>"blog_logout"</a:t>
             </a:r>
             <a:r>
-              <a:rPr kumimoji="0" lang="ru-RU" altLang="ru-RU" sz="2000" b="0" i="0" u="none" strike="noStrike" cap="none" normalizeH="0" baseline="0" dirty="0" smtClean="0">
+              <a:rPr kumimoji="0" lang="ru-RU" altLang="ru-RU" sz="2000" b="0" i="0" u="none" strike="noStrike" cap="none" normalizeH="0" baseline="0" dirty="0">
                 <a:ln>
                   <a:noFill/>
                 </a:ln>
@@ -9028,7 +8613,7 @@
               <a:t>),</a:t>
             </a:r>
             <a:br>
-              <a:rPr kumimoji="0" lang="ru-RU" altLang="ru-RU" sz="2000" b="0" i="0" u="none" strike="noStrike" cap="none" normalizeH="0" baseline="0" dirty="0" smtClean="0">
+              <a:rPr kumimoji="0" lang="ru-RU" altLang="ru-RU" sz="2000" b="0" i="0" u="none" strike="noStrike" cap="none" normalizeH="0" baseline="0" dirty="0">
                 <a:ln>
                   <a:noFill/>
                 </a:ln>
@@ -9041,7 +8626,7 @@
               </a:rPr>
             </a:br>
             <a:r>
-              <a:rPr kumimoji="0" lang="ru-RU" altLang="ru-RU" sz="2000" b="0" i="0" u="none" strike="noStrike" cap="none" normalizeH="0" baseline="0" dirty="0" smtClean="0">
+              <a:rPr kumimoji="0" lang="ru-RU" altLang="ru-RU" sz="2000" b="0" i="0" u="none" strike="noStrike" cap="none" normalizeH="0" baseline="0" dirty="0">
                 <a:ln>
                   <a:noFill/>
                 </a:ln>
@@ -9055,7 +8640,7 @@
               <a:t>] + static(settings.MEDIA_URL, </a:t>
             </a:r>
             <a:r>
-              <a:rPr kumimoji="0" lang="ru-RU" altLang="ru-RU" sz="2000" b="0" i="0" u="none" strike="noStrike" cap="none" normalizeH="0" baseline="0" dirty="0" smtClean="0">
+              <a:rPr kumimoji="0" lang="ru-RU" altLang="ru-RU" sz="2000" b="0" i="0" u="none" strike="noStrike" cap="none" normalizeH="0" baseline="0" dirty="0">
                 <a:ln>
                   <a:noFill/>
                 </a:ln>
@@ -9069,7 +8654,7 @@
               <a:t>document_root </a:t>
             </a:r>
             <a:r>
-              <a:rPr kumimoji="0" lang="ru-RU" altLang="ru-RU" sz="2000" b="0" i="0" u="none" strike="noStrike" cap="none" normalizeH="0" baseline="0" dirty="0" smtClean="0">
+              <a:rPr kumimoji="0" lang="ru-RU" altLang="ru-RU" sz="2000" b="0" i="0" u="none" strike="noStrike" cap="none" normalizeH="0" baseline="0" dirty="0">
                 <a:ln>
                   <a:noFill/>
                 </a:ln>
@@ -9082,7 +8667,7 @@
               </a:rPr>
               <a:t>= settings.MEDIA_ROOT)</a:t>
             </a:r>
-            <a:endParaRPr kumimoji="0" lang="ru-RU" altLang="ru-RU" sz="4400" b="0" i="0" u="none" strike="noStrike" cap="none" normalizeH="0" baseline="0" dirty="0" smtClean="0">
+            <a:endParaRPr kumimoji="0" lang="ru-RU" altLang="ru-RU" sz="4400" b="0" i="0" u="none" strike="noStrike" cap="none" normalizeH="0" baseline="0" dirty="0">
               <a:ln>
                 <a:noFill/>
               </a:ln>
@@ -9386,13 +8971,9 @@
           <a:p>
             <a:r>
               <a:rPr lang="ru-RU" dirty="0"/>
-              <a:t>Django предлагает нам хранить файлы прямо в модели</a:t>
-            </a:r>
-            <a:r>
-              <a:rPr lang="ru-RU" dirty="0" smtClean="0"/>
-              <a:t>.</a:t>
-            </a:r>
-            <a:endParaRPr lang="en-US" dirty="0" smtClean="0"/>
+              <a:t>Django предлагает нам хранить файлы прямо в модели.</a:t>
+            </a:r>
+            <a:endParaRPr lang="en-US" dirty="0"/>
           </a:p>
           <a:p>
             <a:r>
@@ -9403,79 +8984,46 @@
           <a:p>
             <a:pPr lvl="1"/>
             <a:r>
-              <a:rPr lang="ru-RU" dirty="0" smtClean="0"/>
-              <a:t>FileField </a:t>
-            </a:r>
-            <a:r>
               <a:rPr lang="ru-RU" dirty="0"/>
-              <a:t>- хранит файл любого типа;</a:t>
+              <a:t>FileField - хранит файл любого типа;</a:t>
             </a:r>
           </a:p>
           <a:p>
             <a:pPr lvl="1"/>
             <a:r>
-              <a:rPr lang="ru-RU" dirty="0" smtClean="0"/>
-              <a:t>ImageField </a:t>
-            </a:r>
-            <a:r>
               <a:rPr lang="ru-RU" dirty="0"/>
-              <a:t>- хранит графический файл</a:t>
-            </a:r>
-            <a:r>
-              <a:rPr lang="ru-RU" dirty="0" smtClean="0"/>
-              <a:t>.</a:t>
-            </a:r>
-            <a:endParaRPr lang="en-US" dirty="0" smtClean="0"/>
+              <a:t>ImageField - хранит графический файл.</a:t>
+            </a:r>
+            <a:endParaRPr lang="en-US" dirty="0"/>
           </a:p>
           <a:p>
             <a:r>
               <a:rPr lang="ru-RU" dirty="0"/>
-              <a:t>Конструкторы классов FileField и ImageField принимают обязательный </a:t>
-            </a:r>
-            <a:r>
-              <a:rPr lang="ru-RU" dirty="0" smtClean="0"/>
-              <a:t>именованный</a:t>
-            </a:r>
-            <a:r>
-              <a:rPr lang="en-US" dirty="0" smtClean="0"/>
+              <a:t>Конструкторы классов FileField и ImageField принимают обязательный именованный</a:t>
+            </a:r>
+            <a:r>
+              <a:rPr lang="en-US" dirty="0"/>
               <a:t> </a:t>
             </a:r>
             <a:r>
-              <a:rPr lang="ru-RU" dirty="0" smtClean="0"/>
-              <a:t>параметр </a:t>
-            </a:r>
-            <a:r>
               <a:rPr lang="ru-RU" dirty="0"/>
-              <a:t>upload_to. </a:t>
-            </a:r>
-            <a:endParaRPr lang="en-US" dirty="0" smtClean="0"/>
-          </a:p>
-          <a:p>
-            <a:r>
-              <a:rPr lang="ru-RU" dirty="0" smtClean="0"/>
-              <a:t>Он </a:t>
-            </a:r>
+              <a:t>параметр upload_to. </a:t>
+            </a:r>
+            <a:endParaRPr lang="en-US" dirty="0"/>
+          </a:p>
+          <a:p>
             <a:r>
               <a:rPr lang="ru-RU" dirty="0"/>
-              <a:t>задает папку, где физически размещаются </a:t>
-            </a:r>
-            <a:r>
-              <a:rPr lang="ru-RU" dirty="0" smtClean="0"/>
-              <a:t>хранящиеся</a:t>
-            </a:r>
-            <a:r>
-              <a:rPr lang="en-US" dirty="0" smtClean="0"/>
+              <a:t>Он задает папку, где физически размещаются хранящиеся</a:t>
+            </a:r>
+            <a:r>
+              <a:rPr lang="en-US" dirty="0"/>
               <a:t> </a:t>
             </a:r>
             <a:r>
-              <a:rPr lang="ru-RU" dirty="0" smtClean="0"/>
-              <a:t>в </a:t>
-            </a:r>
-            <a:r>
               <a:rPr lang="ru-RU" dirty="0"/>
-              <a:t>данном поле файлы</a:t>
-            </a:r>
-            <a:endParaRPr lang="ru-RU" dirty="0"/>
+              <a:t>в данном поле файлы</a:t>
+            </a:r>
           </a:p>
         </p:txBody>
       </p:sp>
@@ -9489,13 +9037,6 @@
   <p:clrMapOvr>
     <a:masterClrMapping/>
   </p:clrMapOvr>
-  <p:timing>
-    <p:tnLst>
-      <p:par>
-        <p:cTn id="1" dur="indefinite" restart="never" nodeType="tmRoot"/>
-      </p:par>
-    </p:tnLst>
-  </p:timing>
 </p:sld>
 </file>
 
@@ -9555,33 +9096,21 @@
           <a:p>
             <a:r>
               <a:rPr lang="ru-RU" dirty="0"/>
-              <a:t>Значение, хранящееся в полях классов FileField или ImageField, представляет </a:t>
-            </a:r>
-            <a:r>
-              <a:rPr lang="ru-RU" dirty="0" smtClean="0"/>
-              <a:t>собой</a:t>
-            </a:r>
-            <a:r>
-              <a:rPr lang="en-US" dirty="0" smtClean="0"/>
+              <a:t>Значение, хранящееся в полях классов FileField или ImageField, представляет собой</a:t>
+            </a:r>
+            <a:r>
+              <a:rPr lang="en-US" dirty="0"/>
               <a:t> </a:t>
             </a:r>
             <a:r>
-              <a:rPr lang="ru-RU" dirty="0" smtClean="0"/>
-              <a:t>объект класса </a:t>
-            </a:r>
-            <a:r>
               <a:rPr lang="ru-RU" dirty="0"/>
-              <a:t>FieldFile</a:t>
-            </a:r>
-            <a:r>
-              <a:rPr lang="ru-RU" dirty="0" smtClean="0"/>
-              <a:t>.</a:t>
-            </a:r>
-            <a:endParaRPr lang="en-US" dirty="0" smtClean="0"/>
-          </a:p>
-          <a:p>
-            <a:r>
-              <a:rPr lang="ru-RU" dirty="0" smtClean="0"/>
+              <a:t>объект класса FieldFile.</a:t>
+            </a:r>
+            <a:endParaRPr lang="en-US" dirty="0"/>
+          </a:p>
+          <a:p>
+            <a:r>
+              <a:rPr lang="ru-RU" dirty="0"/>
               <a:t>Атрибуты классов:</a:t>
             </a:r>
           </a:p>
@@ -9589,22 +9118,18 @@
             <a:pPr lvl="1"/>
             <a:r>
               <a:rPr lang="ru-RU" dirty="0"/>
-              <a:t>name - путь к файлу относительно папки, чей путь указан в </a:t>
-            </a:r>
-            <a:r>
-              <a:rPr lang="ru-RU" dirty="0" smtClean="0"/>
-              <a:t>переменной М</a:t>
+              <a:t>name - путь к файлу относительно папки, чей путь указан в переменной М</a:t>
             </a:r>
             <a:r>
               <a:rPr lang="en-US" dirty="0"/>
               <a:t>EDIA -ROOT </a:t>
             </a:r>
-            <a:endParaRPr lang="ru-RU" dirty="0" smtClean="0"/>
+            <a:endParaRPr lang="ru-RU" dirty="0"/>
           </a:p>
           <a:p>
             <a:pPr lvl="1"/>
             <a:r>
-              <a:rPr lang="en-US" dirty="0" smtClean="0"/>
+              <a:rPr lang="en-US" dirty="0"/>
               <a:t>size-pa</a:t>
             </a:r>
             <a:r>
@@ -9623,44 +9148,31 @@
           <a:p>
             <a:pPr lvl="1"/>
             <a:r>
-              <a:rPr lang="en-US" dirty="0" err="1" smtClean="0"/>
+              <a:rPr lang="en-US" dirty="0" err="1"/>
               <a:t>url</a:t>
             </a:r>
             <a:r>
-              <a:rPr lang="en-US" dirty="0" smtClean="0"/>
+              <a:rPr lang="en-US" dirty="0"/>
               <a:t>-</a:t>
             </a:r>
             <a:r>
               <a:rPr lang="ru-RU" dirty="0"/>
-              <a:t>интернет-адрес файла</a:t>
-            </a:r>
-            <a:r>
-              <a:rPr lang="ru-RU" dirty="0" smtClean="0"/>
-              <a:t>;</a:t>
+              <a:t>интернет-адрес файла;</a:t>
             </a:r>
           </a:p>
           <a:p>
             <a:pPr lvl="1"/>
             <a:r>
-              <a:rPr lang="ru-RU" dirty="0" smtClean="0"/>
-              <a:t>width </a:t>
-            </a:r>
-            <a:r>
               <a:rPr lang="ru-RU" dirty="0"/>
-              <a:t>- ширина графического изображения в пикселах;</a:t>
+              <a:t>width - ширина графического изображения в пикселах;</a:t>
             </a:r>
           </a:p>
           <a:p>
             <a:pPr lvl="1"/>
             <a:r>
-              <a:rPr lang="ru-RU" dirty="0" smtClean="0"/>
-              <a:t>height </a:t>
-            </a:r>
-            <a:r>
               <a:rPr lang="ru-RU" dirty="0"/>
-              <a:t>- высота графического изображения в пикселах.</a:t>
-            </a:r>
-            <a:endParaRPr lang="ru-RU" dirty="0"/>
+              <a:t>height - высота графического изображения в пикселах.</a:t>
+            </a:r>
           </a:p>
         </p:txBody>
       </p:sp>
@@ -9674,13 +9186,6 @@
   <p:clrMapOvr>
     <a:masterClrMapping/>
   </p:clrMapOvr>
-  <p:timing>
-    <p:tnLst>
-      <p:par>
-        <p:cTn id="1" dur="indefinite" restart="never" nodeType="tmRoot"/>
-      </p:par>
-    </p:tnLst>
-  </p:timing>
 </p:sld>
 </file>
 
@@ -9717,18 +9222,17 @@
           <a:lstStyle/>
           <a:p>
             <a:r>
-              <a:rPr lang="ru-RU" dirty="0" smtClean="0"/>
+              <a:rPr lang="ru-RU" dirty="0"/>
               <a:t>Создание модели</a:t>
             </a:r>
             <a:r>
-              <a:rPr lang="en-US" dirty="0" smtClean="0"/>
+              <a:rPr lang="en-US" dirty="0"/>
               <a:t> </a:t>
             </a:r>
             <a:r>
-              <a:rPr lang="ru-RU" dirty="0" smtClean="0"/>
+              <a:rPr lang="ru-RU" dirty="0"/>
               <a:t>и формы</a:t>
             </a:r>
-            <a:endParaRPr lang="ru-RU" dirty="0"/>
           </a:p>
         </p:txBody>
       </p:sp>
@@ -9753,7 +9257,7 @@
           <a:lstStyle/>
           <a:p>
             <a:r>
-              <a:rPr lang="ru-RU" dirty="0" smtClean="0"/>
+              <a:rPr lang="ru-RU" dirty="0"/>
               <a:t>Модель</a:t>
             </a:r>
           </a:p>
@@ -9761,14 +9265,13 @@
             <a:endParaRPr lang="ru-RU" dirty="0"/>
           </a:p>
           <a:p>
-            <a:endParaRPr lang="ru-RU" dirty="0" smtClean="0"/>
-          </a:p>
-          <a:p>
-            <a:r>
-              <a:rPr lang="ru-RU" dirty="0" smtClean="0"/>
+            <a:endParaRPr lang="ru-RU" dirty="0"/>
+          </a:p>
+          <a:p>
+            <a:r>
+              <a:rPr lang="ru-RU" dirty="0"/>
               <a:t>Форма</a:t>
             </a:r>
-            <a:endParaRPr lang="ru-RU" dirty="0"/>
           </a:p>
         </p:txBody>
       </p:sp>
@@ -9842,22 +9345,8 @@
               <a:buNone/>
               <a:tabLst/>
             </a:pPr>
-            <a:r>
-              <a:rPr kumimoji="0" lang="ru-RU" altLang="ru-RU" sz="2000" b="0" i="0" u="none" strike="noStrike" cap="none" normalizeH="0" baseline="0" dirty="0" smtClean="0">
-                <a:ln>
-                  <a:noFill/>
-                </a:ln>
-                <a:solidFill>
-                  <a:srgbClr val="000000"/>
-                </a:solidFill>
-                <a:effectLst/>
-                <a:latin typeface="Courier New" panose="02070309020205020404" pitchFamily="49" charset="0"/>
-                <a:cs typeface="Courier New" panose="02070309020205020404" pitchFamily="49" charset="0"/>
-              </a:rPr>
-              <a:t/>
-            </a:r>
             <a:br>
-              <a:rPr kumimoji="0" lang="ru-RU" altLang="ru-RU" sz="2000" b="0" i="0" u="none" strike="noStrike" cap="none" normalizeH="0" baseline="0" dirty="0" smtClean="0">
+              <a:rPr kumimoji="0" lang="ru-RU" altLang="ru-RU" sz="2000" b="0" i="0" u="none" strike="noStrike" cap="none" normalizeH="0" baseline="0" dirty="0">
                 <a:ln>
                   <a:noFill/>
                 </a:ln>
@@ -9870,7 +9359,7 @@
               </a:rPr>
             </a:br>
             <a:r>
-              <a:rPr kumimoji="0" lang="ru-RU" altLang="ru-RU" sz="2000" b="1" i="0" u="none" strike="noStrike" cap="none" normalizeH="0" baseline="0" dirty="0" smtClean="0">
+              <a:rPr kumimoji="0" lang="ru-RU" altLang="ru-RU" sz="2000" b="1" i="0" u="none" strike="noStrike" cap="none" normalizeH="0" baseline="0" dirty="0">
                 <a:ln>
                   <a:noFill/>
                 </a:ln>
@@ -9884,7 +9373,7 @@
               <a:t>class </a:t>
             </a:r>
             <a:r>
-              <a:rPr kumimoji="0" lang="ru-RU" altLang="ru-RU" sz="2000" b="0" i="0" u="none" strike="noStrike" cap="none" normalizeH="0" baseline="0" dirty="0" smtClean="0">
+              <a:rPr kumimoji="0" lang="ru-RU" altLang="ru-RU" sz="2000" b="0" i="0" u="none" strike="noStrike" cap="none" normalizeH="0" baseline="0" dirty="0">
                 <a:ln>
                   <a:noFill/>
                 </a:ln>
@@ -9898,7 +9387,7 @@
               <a:t>Photo(models.Model):</a:t>
             </a:r>
             <a:br>
-              <a:rPr kumimoji="0" lang="ru-RU" altLang="ru-RU" sz="2000" b="0" i="0" u="none" strike="noStrike" cap="none" normalizeH="0" baseline="0" dirty="0" smtClean="0">
+              <a:rPr kumimoji="0" lang="ru-RU" altLang="ru-RU" sz="2000" b="0" i="0" u="none" strike="noStrike" cap="none" normalizeH="0" baseline="0" dirty="0">
                 <a:ln>
                   <a:noFill/>
                 </a:ln>
@@ -9911,7 +9400,7 @@
               </a:rPr>
             </a:br>
             <a:r>
-              <a:rPr kumimoji="0" lang="ru-RU" altLang="ru-RU" sz="2000" b="0" i="0" u="none" strike="noStrike" cap="none" normalizeH="0" baseline="0" dirty="0" smtClean="0">
+              <a:rPr kumimoji="0" lang="ru-RU" altLang="ru-RU" sz="2000" b="0" i="0" u="none" strike="noStrike" cap="none" normalizeH="0" baseline="0" dirty="0">
                 <a:ln>
                   <a:noFill/>
                 </a:ln>
@@ -9925,7 +9414,7 @@
               <a:t>    image = models.ImageField(</a:t>
             </a:r>
             <a:r>
-              <a:rPr kumimoji="0" lang="ru-RU" altLang="ru-RU" sz="2000" b="0" i="0" u="none" strike="noStrike" cap="none" normalizeH="0" baseline="0" dirty="0" smtClean="0">
+              <a:rPr kumimoji="0" lang="ru-RU" altLang="ru-RU" sz="2000" b="0" i="0" u="none" strike="noStrike" cap="none" normalizeH="0" baseline="0" dirty="0">
                 <a:ln>
                   <a:noFill/>
                 </a:ln>
@@ -9939,7 +9428,7 @@
               <a:t>upload_to</a:t>
             </a:r>
             <a:r>
-              <a:rPr kumimoji="0" lang="ru-RU" altLang="ru-RU" sz="2000" b="0" i="0" u="none" strike="noStrike" cap="none" normalizeH="0" baseline="0" dirty="0" smtClean="0">
+              <a:rPr kumimoji="0" lang="ru-RU" altLang="ru-RU" sz="2000" b="0" i="0" u="none" strike="noStrike" cap="none" normalizeH="0" baseline="0" dirty="0">
                 <a:ln>
                   <a:noFill/>
                 </a:ln>
@@ -9953,7 +9442,7 @@
               <a:t>=</a:t>
             </a:r>
             <a:r>
-              <a:rPr kumimoji="0" lang="ru-RU" altLang="ru-RU" sz="2000" b="1" i="0" u="none" strike="noStrike" cap="none" normalizeH="0" baseline="0" dirty="0" smtClean="0">
+              <a:rPr kumimoji="0" lang="ru-RU" altLang="ru-RU" sz="2000" b="1" i="0" u="none" strike="noStrike" cap="none" normalizeH="0" baseline="0" dirty="0">
                 <a:ln>
                   <a:noFill/>
                 </a:ln>
@@ -9967,7 +9456,7 @@
               <a:t>"photos"</a:t>
             </a:r>
             <a:r>
-              <a:rPr kumimoji="0" lang="ru-RU" altLang="ru-RU" sz="2000" b="0" i="0" u="none" strike="noStrike" cap="none" normalizeH="0" baseline="0" dirty="0" smtClean="0">
+              <a:rPr kumimoji="0" lang="ru-RU" altLang="ru-RU" sz="2000" b="0" i="0" u="none" strike="noStrike" cap="none" normalizeH="0" baseline="0" dirty="0">
                 <a:ln>
                   <a:noFill/>
                 </a:ln>
@@ -9981,7 +9470,7 @@
               <a:t>)</a:t>
             </a:r>
             <a:br>
-              <a:rPr kumimoji="0" lang="ru-RU" altLang="ru-RU" sz="2000" b="0" i="0" u="none" strike="noStrike" cap="none" normalizeH="0" baseline="0" dirty="0" smtClean="0">
+              <a:rPr kumimoji="0" lang="ru-RU" altLang="ru-RU" sz="2000" b="0" i="0" u="none" strike="noStrike" cap="none" normalizeH="0" baseline="0" dirty="0">
                 <a:ln>
                   <a:noFill/>
                 </a:ln>
@@ -9993,7 +9482,7 @@
                 <a:cs typeface="Courier New" panose="02070309020205020404" pitchFamily="49" charset="0"/>
               </a:rPr>
             </a:br>
-            <a:endParaRPr kumimoji="0" lang="ru-RU" altLang="ru-RU" sz="4400" b="0" i="0" u="none" strike="noStrike" cap="none" normalizeH="0" baseline="0" dirty="0" smtClean="0">
+            <a:endParaRPr kumimoji="0" lang="ru-RU" altLang="ru-RU" sz="4400" b="0" i="0" u="none" strike="noStrike" cap="none" normalizeH="0" baseline="0" dirty="0">
               <a:ln>
                 <a:noFill/>
               </a:ln>
@@ -10077,7 +9566,7 @@
               <a:tabLst/>
             </a:pPr>
             <a:r>
-              <a:rPr kumimoji="0" lang="ru-RU" altLang="ru-RU" sz="2000" b="1" i="0" u="none" strike="noStrike" cap="none" normalizeH="0" baseline="0" dirty="0" smtClean="0">
+              <a:rPr kumimoji="0" lang="ru-RU" altLang="ru-RU" sz="2000" b="1" i="0" u="none" strike="noStrike" cap="none" normalizeH="0" baseline="0" dirty="0">
                 <a:ln>
                   <a:noFill/>
                 </a:ln>
@@ -10091,7 +9580,7 @@
               <a:t>class </a:t>
             </a:r>
             <a:r>
-              <a:rPr kumimoji="0" lang="ru-RU" altLang="ru-RU" sz="2000" b="0" i="0" u="none" strike="noStrike" cap="none" normalizeH="0" baseline="0" dirty="0" smtClean="0">
+              <a:rPr kumimoji="0" lang="ru-RU" altLang="ru-RU" sz="2000" b="0" i="0" u="none" strike="noStrike" cap="none" normalizeH="0" baseline="0" dirty="0">
                 <a:ln>
                   <a:noFill/>
                 </a:ln>
@@ -10105,7 +9594,7 @@
               <a:t>PhotoForm(forms.ModelForm):</a:t>
             </a:r>
             <a:br>
-              <a:rPr kumimoji="0" lang="ru-RU" altLang="ru-RU" sz="2000" b="0" i="0" u="none" strike="noStrike" cap="none" normalizeH="0" baseline="0" dirty="0" smtClean="0">
+              <a:rPr kumimoji="0" lang="ru-RU" altLang="ru-RU" sz="2000" b="0" i="0" u="none" strike="noStrike" cap="none" normalizeH="0" baseline="0" dirty="0">
                 <a:ln>
                   <a:noFill/>
                 </a:ln>
@@ -10117,22 +9606,8 @@
                 <a:cs typeface="Courier New" panose="02070309020205020404" pitchFamily="49" charset="0"/>
               </a:rPr>
             </a:br>
-            <a:r>
-              <a:rPr kumimoji="0" lang="ru-RU" altLang="ru-RU" sz="2000" b="0" i="0" u="none" strike="noStrike" cap="none" normalizeH="0" baseline="0" dirty="0" smtClean="0">
-                <a:ln>
-                  <a:noFill/>
-                </a:ln>
-                <a:solidFill>
-                  <a:srgbClr val="000000"/>
-                </a:solidFill>
-                <a:effectLst/>
-                <a:latin typeface="Courier New" panose="02070309020205020404" pitchFamily="49" charset="0"/>
-                <a:cs typeface="Courier New" panose="02070309020205020404" pitchFamily="49" charset="0"/>
-              </a:rPr>
-              <a:t/>
-            </a:r>
             <a:br>
-              <a:rPr kumimoji="0" lang="ru-RU" altLang="ru-RU" sz="2000" b="0" i="0" u="none" strike="noStrike" cap="none" normalizeH="0" baseline="0" dirty="0" smtClean="0">
+              <a:rPr kumimoji="0" lang="ru-RU" altLang="ru-RU" sz="2000" b="0" i="0" u="none" strike="noStrike" cap="none" normalizeH="0" baseline="0" dirty="0">
                 <a:ln>
                   <a:noFill/>
                 </a:ln>
@@ -10145,7 +9620,7 @@
               </a:rPr>
             </a:br>
             <a:r>
-              <a:rPr kumimoji="0" lang="ru-RU" altLang="ru-RU" sz="2000" b="0" i="0" u="none" strike="noStrike" cap="none" normalizeH="0" baseline="0" dirty="0" smtClean="0">
+              <a:rPr kumimoji="0" lang="ru-RU" altLang="ru-RU" sz="2000" b="0" i="0" u="none" strike="noStrike" cap="none" normalizeH="0" baseline="0" dirty="0">
                 <a:ln>
                   <a:noFill/>
                 </a:ln>
@@ -10159,7 +9634,7 @@
               <a:t>    image = forms.ImageField(</a:t>
             </a:r>
             <a:r>
-              <a:rPr kumimoji="0" lang="ru-RU" altLang="ru-RU" sz="2000" b="0" i="0" u="none" strike="noStrike" cap="none" normalizeH="0" baseline="0" dirty="0" smtClean="0">
+              <a:rPr kumimoji="0" lang="ru-RU" altLang="ru-RU" sz="2000" b="0" i="0" u="none" strike="noStrike" cap="none" normalizeH="0" baseline="0" dirty="0">
                 <a:ln>
                   <a:noFill/>
                 </a:ln>
@@ -10173,7 +9648,7 @@
               <a:t>label</a:t>
             </a:r>
             <a:r>
-              <a:rPr kumimoji="0" lang="ru-RU" altLang="ru-RU" sz="2000" b="0" i="0" u="none" strike="noStrike" cap="none" normalizeH="0" baseline="0" dirty="0" smtClean="0">
+              <a:rPr kumimoji="0" lang="ru-RU" altLang="ru-RU" sz="2000" b="0" i="0" u="none" strike="noStrike" cap="none" normalizeH="0" baseline="0" dirty="0">
                 <a:ln>
                   <a:noFill/>
                 </a:ln>
@@ -10187,7 +9662,7 @@
               <a:t>=</a:t>
             </a:r>
             <a:r>
-              <a:rPr kumimoji="0" lang="ru-RU" altLang="ru-RU" sz="2000" b="1" i="0" u="none" strike="noStrike" cap="none" normalizeH="0" baseline="0" dirty="0" smtClean="0">
+              <a:rPr kumimoji="0" lang="ru-RU" altLang="ru-RU" sz="2000" b="1" i="0" u="none" strike="noStrike" cap="none" normalizeH="0" baseline="0" dirty="0">
                 <a:ln>
                   <a:noFill/>
                 </a:ln>
@@ -10201,7 +9676,7 @@
               <a:t>"Photo"</a:t>
             </a:r>
             <a:r>
-              <a:rPr kumimoji="0" lang="ru-RU" altLang="ru-RU" sz="2000" b="0" i="0" u="none" strike="noStrike" cap="none" normalizeH="0" baseline="0" dirty="0" smtClean="0">
+              <a:rPr kumimoji="0" lang="ru-RU" altLang="ru-RU" sz="2000" b="0" i="0" u="none" strike="noStrike" cap="none" normalizeH="0" baseline="0" dirty="0">
                 <a:ln>
                   <a:noFill/>
                 </a:ln>
@@ -10215,7 +9690,7 @@
               <a:t>, </a:t>
             </a:r>
             <a:r>
-              <a:rPr kumimoji="0" lang="ru-RU" altLang="ru-RU" sz="2000" b="0" i="0" u="none" strike="noStrike" cap="none" normalizeH="0" baseline="0" dirty="0" smtClean="0">
+              <a:rPr kumimoji="0" lang="ru-RU" altLang="ru-RU" sz="2000" b="0" i="0" u="none" strike="noStrike" cap="none" normalizeH="0" baseline="0" dirty="0">
                 <a:ln>
                   <a:noFill/>
                 </a:ln>
@@ -10229,7 +9704,7 @@
               <a:t>error_messages</a:t>
             </a:r>
             <a:r>
-              <a:rPr kumimoji="0" lang="ru-RU" altLang="ru-RU" sz="2000" b="0" i="0" u="none" strike="noStrike" cap="none" normalizeH="0" baseline="0" dirty="0" smtClean="0">
+              <a:rPr kumimoji="0" lang="ru-RU" altLang="ru-RU" sz="2000" b="0" i="0" u="none" strike="noStrike" cap="none" normalizeH="0" baseline="0" dirty="0">
                 <a:ln>
                   <a:noFill/>
                 </a:ln>
@@ -10243,7 +9718,7 @@
               <a:t>={</a:t>
             </a:r>
             <a:br>
-              <a:rPr kumimoji="0" lang="ru-RU" altLang="ru-RU" sz="2000" b="0" i="0" u="none" strike="noStrike" cap="none" normalizeH="0" baseline="0" dirty="0" smtClean="0">
+              <a:rPr kumimoji="0" lang="ru-RU" altLang="ru-RU" sz="2000" b="0" i="0" u="none" strike="noStrike" cap="none" normalizeH="0" baseline="0" dirty="0">
                 <a:ln>
                   <a:noFill/>
                 </a:ln>
@@ -10256,7 +9731,7 @@
               </a:rPr>
             </a:br>
             <a:r>
-              <a:rPr kumimoji="0" lang="ru-RU" altLang="ru-RU" sz="2000" b="0" i="0" u="none" strike="noStrike" cap="none" normalizeH="0" baseline="0" dirty="0" smtClean="0">
+              <a:rPr kumimoji="0" lang="ru-RU" altLang="ru-RU" sz="2000" b="0" i="0" u="none" strike="noStrike" cap="none" normalizeH="0" baseline="0" dirty="0">
                 <a:ln>
                   <a:noFill/>
                 </a:ln>
@@ -10270,7 +9745,7 @@
               <a:t>        </a:t>
             </a:r>
             <a:r>
-              <a:rPr kumimoji="0" lang="ru-RU" altLang="ru-RU" sz="2000" b="1" i="0" u="none" strike="noStrike" cap="none" normalizeH="0" baseline="0" dirty="0" smtClean="0">
+              <a:rPr kumimoji="0" lang="ru-RU" altLang="ru-RU" sz="2000" b="1" i="0" u="none" strike="noStrike" cap="none" normalizeH="0" baseline="0" dirty="0">
                 <a:ln>
                   <a:noFill/>
                 </a:ln>
@@ -10284,7 +9759,7 @@
               <a:t>"required"</a:t>
             </a:r>
             <a:r>
-              <a:rPr kumimoji="0" lang="ru-RU" altLang="ru-RU" sz="2000" b="0" i="0" u="none" strike="noStrike" cap="none" normalizeH="0" baseline="0" dirty="0" smtClean="0">
+              <a:rPr kumimoji="0" lang="ru-RU" altLang="ru-RU" sz="2000" b="0" i="0" u="none" strike="noStrike" cap="none" normalizeH="0" baseline="0" dirty="0">
                 <a:ln>
                   <a:noFill/>
                 </a:ln>
@@ -10298,7 +9773,7 @@
               <a:t>: </a:t>
             </a:r>
             <a:r>
-              <a:rPr kumimoji="0" lang="ru-RU" altLang="ru-RU" sz="2000" b="1" i="0" u="none" strike="noStrike" cap="none" normalizeH="0" baseline="0" dirty="0" smtClean="0">
+              <a:rPr kumimoji="0" lang="ru-RU" altLang="ru-RU" sz="2000" b="1" i="0" u="none" strike="noStrike" cap="none" normalizeH="0" baseline="0" dirty="0">
                 <a:ln>
                   <a:noFill/>
                 </a:ln>
@@ -10312,7 +9787,7 @@
               <a:t>"It is required field"</a:t>
             </a:r>
             <a:r>
-              <a:rPr kumimoji="0" lang="ru-RU" altLang="ru-RU" sz="2000" b="0" i="0" u="none" strike="noStrike" cap="none" normalizeH="0" baseline="0" dirty="0" smtClean="0">
+              <a:rPr kumimoji="0" lang="ru-RU" altLang="ru-RU" sz="2000" b="0" i="0" u="none" strike="noStrike" cap="none" normalizeH="0" baseline="0" dirty="0">
                 <a:ln>
                   <a:noFill/>
                 </a:ln>
@@ -10326,7 +9801,7 @@
               <a:t>,</a:t>
             </a:r>
             <a:br>
-              <a:rPr kumimoji="0" lang="ru-RU" altLang="ru-RU" sz="2000" b="0" i="0" u="none" strike="noStrike" cap="none" normalizeH="0" baseline="0" dirty="0" smtClean="0">
+              <a:rPr kumimoji="0" lang="ru-RU" altLang="ru-RU" sz="2000" b="0" i="0" u="none" strike="noStrike" cap="none" normalizeH="0" baseline="0" dirty="0">
                 <a:ln>
                   <a:noFill/>
                 </a:ln>
@@ -10339,7 +9814,7 @@
               </a:rPr>
             </a:br>
             <a:r>
-              <a:rPr kumimoji="0" lang="ru-RU" altLang="ru-RU" sz="2000" b="0" i="0" u="none" strike="noStrike" cap="none" normalizeH="0" baseline="0" dirty="0" smtClean="0">
+              <a:rPr kumimoji="0" lang="ru-RU" altLang="ru-RU" sz="2000" b="0" i="0" u="none" strike="noStrike" cap="none" normalizeH="0" baseline="0" dirty="0">
                 <a:ln>
                   <a:noFill/>
                 </a:ln>
@@ -10353,7 +9828,7 @@
               <a:t>        </a:t>
             </a:r>
             <a:r>
-              <a:rPr kumimoji="0" lang="ru-RU" altLang="ru-RU" sz="2000" b="1" i="0" u="none" strike="noStrike" cap="none" normalizeH="0" baseline="0" dirty="0" smtClean="0">
+              <a:rPr kumimoji="0" lang="ru-RU" altLang="ru-RU" sz="2000" b="1" i="0" u="none" strike="noStrike" cap="none" normalizeH="0" baseline="0" dirty="0">
                 <a:ln>
                   <a:noFill/>
                 </a:ln>
@@ -10367,7 +9842,7 @@
               <a:t>"invalid_image"</a:t>
             </a:r>
             <a:r>
-              <a:rPr kumimoji="0" lang="ru-RU" altLang="ru-RU" sz="2000" b="0" i="0" u="none" strike="noStrike" cap="none" normalizeH="0" baseline="0" dirty="0" smtClean="0">
+              <a:rPr kumimoji="0" lang="ru-RU" altLang="ru-RU" sz="2000" b="0" i="0" u="none" strike="noStrike" cap="none" normalizeH="0" baseline="0" dirty="0">
                 <a:ln>
                   <a:noFill/>
                 </a:ln>
@@ -10381,7 +9856,7 @@
               <a:t>: </a:t>
             </a:r>
             <a:r>
-              <a:rPr kumimoji="0" lang="ru-RU" altLang="ru-RU" sz="2000" b="1" i="0" u="none" strike="noStrike" cap="none" normalizeH="0" baseline="0" dirty="0" smtClean="0">
+              <a:rPr kumimoji="0" lang="ru-RU" altLang="ru-RU" sz="2000" b="1" i="0" u="none" strike="noStrike" cap="none" normalizeH="0" baseline="0" dirty="0">
                 <a:ln>
                   <a:noFill/>
                 </a:ln>
@@ -10395,7 +9870,7 @@
               <a:t>"It is wrong image format"</a:t>
             </a:r>
             <a:br>
-              <a:rPr kumimoji="0" lang="ru-RU" altLang="ru-RU" sz="2000" b="1" i="0" u="none" strike="noStrike" cap="none" normalizeH="0" baseline="0" dirty="0" smtClean="0">
+              <a:rPr kumimoji="0" lang="ru-RU" altLang="ru-RU" sz="2000" b="1" i="0" u="none" strike="noStrike" cap="none" normalizeH="0" baseline="0" dirty="0">
                 <a:ln>
                   <a:noFill/>
                 </a:ln>
@@ -10408,7 +9883,7 @@
               </a:rPr>
             </a:br>
             <a:r>
-              <a:rPr kumimoji="0" lang="ru-RU" altLang="ru-RU" sz="2000" b="1" i="0" u="none" strike="noStrike" cap="none" normalizeH="0" baseline="0" dirty="0" smtClean="0">
+              <a:rPr kumimoji="0" lang="ru-RU" altLang="ru-RU" sz="2000" b="1" i="0" u="none" strike="noStrike" cap="none" normalizeH="0" baseline="0" dirty="0">
                 <a:ln>
                   <a:noFill/>
                 </a:ln>
@@ -10422,7 +9897,7 @@
               <a:t>    </a:t>
             </a:r>
             <a:r>
-              <a:rPr kumimoji="0" lang="ru-RU" altLang="ru-RU" sz="2000" b="0" i="0" u="none" strike="noStrike" cap="none" normalizeH="0" baseline="0" dirty="0" smtClean="0">
+              <a:rPr kumimoji="0" lang="ru-RU" altLang="ru-RU" sz="2000" b="0" i="0" u="none" strike="noStrike" cap="none" normalizeH="0" baseline="0" dirty="0">
                 <a:ln>
                   <a:noFill/>
                 </a:ln>
@@ -10436,7 +9911,7 @@
               <a:t>})</a:t>
             </a:r>
             <a:br>
-              <a:rPr kumimoji="0" lang="ru-RU" altLang="ru-RU" sz="2000" b="0" i="0" u="none" strike="noStrike" cap="none" normalizeH="0" baseline="0" dirty="0" smtClean="0">
+              <a:rPr kumimoji="0" lang="ru-RU" altLang="ru-RU" sz="2000" b="0" i="0" u="none" strike="noStrike" cap="none" normalizeH="0" baseline="0" dirty="0">
                 <a:ln>
                   <a:noFill/>
                 </a:ln>
@@ -10448,22 +9923,8 @@
                 <a:cs typeface="Courier New" panose="02070309020205020404" pitchFamily="49" charset="0"/>
               </a:rPr>
             </a:br>
-            <a:r>
-              <a:rPr kumimoji="0" lang="ru-RU" altLang="ru-RU" sz="2000" b="0" i="0" u="none" strike="noStrike" cap="none" normalizeH="0" baseline="0" dirty="0" smtClean="0">
-                <a:ln>
-                  <a:noFill/>
-                </a:ln>
-                <a:solidFill>
-                  <a:srgbClr val="000000"/>
-                </a:solidFill>
-                <a:effectLst/>
-                <a:latin typeface="Courier New" panose="02070309020205020404" pitchFamily="49" charset="0"/>
-                <a:cs typeface="Courier New" panose="02070309020205020404" pitchFamily="49" charset="0"/>
-              </a:rPr>
-              <a:t/>
-            </a:r>
             <a:br>
-              <a:rPr kumimoji="0" lang="ru-RU" altLang="ru-RU" sz="2000" b="0" i="0" u="none" strike="noStrike" cap="none" normalizeH="0" baseline="0" dirty="0" smtClean="0">
+              <a:rPr kumimoji="0" lang="ru-RU" altLang="ru-RU" sz="2000" b="0" i="0" u="none" strike="noStrike" cap="none" normalizeH="0" baseline="0" dirty="0">
                 <a:ln>
                   <a:noFill/>
                 </a:ln>
@@ -10476,7 +9937,7 @@
               </a:rPr>
             </a:br>
             <a:r>
-              <a:rPr kumimoji="0" lang="ru-RU" altLang="ru-RU" sz="2000" b="0" i="0" u="none" strike="noStrike" cap="none" normalizeH="0" baseline="0" dirty="0" smtClean="0">
+              <a:rPr kumimoji="0" lang="ru-RU" altLang="ru-RU" sz="2000" b="0" i="0" u="none" strike="noStrike" cap="none" normalizeH="0" baseline="0" dirty="0">
                 <a:ln>
                   <a:noFill/>
                 </a:ln>
@@ -10490,7 +9951,7 @@
               <a:t>    </a:t>
             </a:r>
             <a:r>
-              <a:rPr kumimoji="0" lang="ru-RU" altLang="ru-RU" sz="2000" b="1" i="0" u="none" strike="noStrike" cap="none" normalizeH="0" baseline="0" dirty="0" smtClean="0">
+              <a:rPr kumimoji="0" lang="ru-RU" altLang="ru-RU" sz="2000" b="1" i="0" u="none" strike="noStrike" cap="none" normalizeH="0" baseline="0" dirty="0">
                 <a:ln>
                   <a:noFill/>
                 </a:ln>
@@ -10504,7 +9965,7 @@
               <a:t>class </a:t>
             </a:r>
             <a:r>
-              <a:rPr kumimoji="0" lang="ru-RU" altLang="ru-RU" sz="2000" b="0" i="0" u="none" strike="noStrike" cap="none" normalizeH="0" baseline="0" dirty="0" smtClean="0">
+              <a:rPr kumimoji="0" lang="ru-RU" altLang="ru-RU" sz="2000" b="0" i="0" u="none" strike="noStrike" cap="none" normalizeH="0" baseline="0" dirty="0">
                 <a:ln>
                   <a:noFill/>
                 </a:ln>
@@ -10518,7 +9979,7 @@
               <a:t>Meta:</a:t>
             </a:r>
             <a:br>
-              <a:rPr kumimoji="0" lang="ru-RU" altLang="ru-RU" sz="2000" b="0" i="0" u="none" strike="noStrike" cap="none" normalizeH="0" baseline="0" dirty="0" smtClean="0">
+              <a:rPr kumimoji="0" lang="ru-RU" altLang="ru-RU" sz="2000" b="0" i="0" u="none" strike="noStrike" cap="none" normalizeH="0" baseline="0" dirty="0">
                 <a:ln>
                   <a:noFill/>
                 </a:ln>
@@ -10531,7 +9992,7 @@
               </a:rPr>
             </a:br>
             <a:r>
-              <a:rPr kumimoji="0" lang="ru-RU" altLang="ru-RU" sz="2000" b="0" i="0" u="none" strike="noStrike" cap="none" normalizeH="0" baseline="0" dirty="0" smtClean="0">
+              <a:rPr kumimoji="0" lang="ru-RU" altLang="ru-RU" sz="2000" b="0" i="0" u="none" strike="noStrike" cap="none" normalizeH="0" baseline="0" dirty="0">
                 <a:ln>
                   <a:noFill/>
                 </a:ln>
@@ -10545,7 +10006,7 @@
               <a:t>        model = Photo</a:t>
             </a:r>
             <a:br>
-              <a:rPr kumimoji="0" lang="ru-RU" altLang="ru-RU" sz="2000" b="0" i="0" u="none" strike="noStrike" cap="none" normalizeH="0" baseline="0" dirty="0" smtClean="0">
+              <a:rPr kumimoji="0" lang="ru-RU" altLang="ru-RU" sz="2000" b="0" i="0" u="none" strike="noStrike" cap="none" normalizeH="0" baseline="0" dirty="0">
                 <a:ln>
                   <a:noFill/>
                 </a:ln>
@@ -10558,7 +10019,7 @@
               </a:rPr>
             </a:br>
             <a:r>
-              <a:rPr kumimoji="0" lang="ru-RU" altLang="ru-RU" sz="2000" b="0" i="0" u="none" strike="noStrike" cap="none" normalizeH="0" baseline="0" dirty="0" smtClean="0">
+              <a:rPr kumimoji="0" lang="ru-RU" altLang="ru-RU" sz="2000" b="0" i="0" u="none" strike="noStrike" cap="none" normalizeH="0" baseline="0" dirty="0">
                 <a:ln>
                   <a:noFill/>
                 </a:ln>
@@ -10572,7 +10033,7 @@
               <a:t>        fields= [</a:t>
             </a:r>
             <a:r>
-              <a:rPr kumimoji="0" lang="ru-RU" altLang="ru-RU" sz="2000" b="1" i="0" u="none" strike="noStrike" cap="none" normalizeH="0" baseline="0" dirty="0" smtClean="0">
+              <a:rPr kumimoji="0" lang="ru-RU" altLang="ru-RU" sz="2000" b="1" i="0" u="none" strike="noStrike" cap="none" normalizeH="0" baseline="0" dirty="0">
                 <a:ln>
                   <a:noFill/>
                 </a:ln>
@@ -10586,7 +10047,7 @@
               <a:t>'image'</a:t>
             </a:r>
             <a:r>
-              <a:rPr kumimoji="0" lang="ru-RU" altLang="ru-RU" sz="2000" b="0" i="0" u="none" strike="noStrike" cap="none" normalizeH="0" baseline="0" dirty="0" smtClean="0">
+              <a:rPr kumimoji="0" lang="ru-RU" altLang="ru-RU" sz="2000" b="0" i="0" u="none" strike="noStrike" cap="none" normalizeH="0" baseline="0" dirty="0">
                 <a:ln>
                   <a:noFill/>
                 </a:ln>
@@ -10599,7 +10060,7 @@
               </a:rPr>
               <a:t>, ]</a:t>
             </a:r>
-            <a:endParaRPr kumimoji="0" lang="ru-RU" altLang="ru-RU" sz="4400" b="0" i="0" u="none" strike="noStrike" cap="none" normalizeH="0" baseline="0" dirty="0" smtClean="0">
+            <a:endParaRPr kumimoji="0" lang="ru-RU" altLang="ru-RU" sz="4400" b="0" i="0" u="none" strike="noStrike" cap="none" normalizeH="0" baseline="0" dirty="0">
               <a:ln>
                 <a:noFill/>
               </a:ln>
@@ -11000,39 +10461,23 @@
           <a:p>
             <a:r>
               <a:rPr lang="ru-RU" dirty="0"/>
-              <a:t>Чтобы форма могла успешно отправить файл, нам следует явно указать для нее </a:t>
-            </a:r>
-            <a:r>
-              <a:rPr lang="ru-RU" dirty="0" smtClean="0"/>
-              <a:t>метод</a:t>
-            </a:r>
-            <a:r>
-              <a:rPr lang="en-US" dirty="0" smtClean="0"/>
+              <a:t>Чтобы форма могла успешно отправить файл, нам следует явно указать для нее метод</a:t>
+            </a:r>
+            <a:r>
+              <a:rPr lang="en-US" dirty="0"/>
               <a:t> </a:t>
             </a:r>
             <a:r>
-              <a:rPr lang="ru-RU" dirty="0" smtClean="0"/>
-              <a:t>кодирования </a:t>
-            </a:r>
-            <a:r>
               <a:rPr lang="ru-RU" dirty="0"/>
-              <a:t>данных </a:t>
-            </a:r>
-            <a:r>
-              <a:rPr lang="ru-RU" dirty="0" smtClean="0"/>
-              <a:t>mul</a:t>
-            </a:r>
-            <a:r>
-              <a:rPr lang="en-US" dirty="0" err="1" smtClean="0"/>
+              <a:t>кодирования данных mul</a:t>
+            </a:r>
+            <a:r>
+              <a:rPr lang="en-US" dirty="0" err="1"/>
               <a:t>i</a:t>
             </a:r>
             <a:r>
-              <a:rPr lang="ru-RU" dirty="0" smtClean="0"/>
-              <a:t>tipart/form-data</a:t>
-            </a:r>
-            <a:r>
               <a:rPr lang="ru-RU" dirty="0"/>
-              <a:t>:</a:t>
+              <a:t>tipart/form-data:</a:t>
             </a:r>
           </a:p>
         </p:txBody>
@@ -11108,7 +10553,7 @@
               <a:tabLst/>
             </a:pPr>
             <a:r>
-              <a:rPr kumimoji="0" lang="ru-RU" altLang="ru-RU" sz="2000" b="0" i="0" u="none" strike="noStrike" cap="none" normalizeH="0" baseline="0" dirty="0" smtClean="0">
+              <a:rPr kumimoji="0" lang="ru-RU" altLang="ru-RU" sz="2000" b="0" i="0" u="none" strike="noStrike" cap="none" normalizeH="0" baseline="0" dirty="0">
                 <a:ln>
                   <a:noFill/>
                 </a:ln>
@@ -11122,7 +10567,7 @@
               <a:t>&lt;</a:t>
             </a:r>
             <a:r>
-              <a:rPr kumimoji="0" lang="ru-RU" altLang="ru-RU" sz="2000" b="1" i="0" u="none" strike="noStrike" cap="none" normalizeH="0" baseline="0" dirty="0" smtClean="0">
+              <a:rPr kumimoji="0" lang="ru-RU" altLang="ru-RU" sz="2000" b="1" i="0" u="none" strike="noStrike" cap="none" normalizeH="0" baseline="0" dirty="0">
                 <a:ln>
                   <a:noFill/>
                 </a:ln>
@@ -11136,7 +10581,7 @@
               <a:t>form </a:t>
             </a:r>
             <a:r>
-              <a:rPr kumimoji="0" lang="ru-RU" altLang="ru-RU" sz="2000" b="1" i="0" u="none" strike="noStrike" cap="none" normalizeH="0" baseline="0" dirty="0" smtClean="0">
+              <a:rPr kumimoji="0" lang="ru-RU" altLang="ru-RU" sz="2000" b="1" i="0" u="none" strike="noStrike" cap="none" normalizeH="0" baseline="0" dirty="0">
                 <a:ln>
                   <a:noFill/>
                 </a:ln>
@@ -11150,7 +10595,7 @@
               <a:t>enctype=</a:t>
             </a:r>
             <a:r>
-              <a:rPr kumimoji="0" lang="ru-RU" altLang="ru-RU" sz="2000" b="1" i="0" u="none" strike="noStrike" cap="none" normalizeH="0" baseline="0" dirty="0" smtClean="0">
+              <a:rPr kumimoji="0" lang="ru-RU" altLang="ru-RU" sz="2000" b="1" i="0" u="none" strike="noStrike" cap="none" normalizeH="0" baseline="0" dirty="0">
                 <a:ln>
                   <a:noFill/>
                 </a:ln>
@@ -11164,7 +10609,7 @@
               <a:t>"multipart/form-data" </a:t>
             </a:r>
             <a:r>
-              <a:rPr kumimoji="0" lang="ru-RU" altLang="ru-RU" sz="2000" b="1" i="0" u="none" strike="noStrike" cap="none" normalizeH="0" baseline="0" dirty="0" smtClean="0">
+              <a:rPr kumimoji="0" lang="ru-RU" altLang="ru-RU" sz="2000" b="1" i="0" u="none" strike="noStrike" cap="none" normalizeH="0" baseline="0" dirty="0">
                 <a:ln>
                   <a:noFill/>
                 </a:ln>
@@ -11178,7 +10623,7 @@
               <a:t>action=</a:t>
             </a:r>
             <a:r>
-              <a:rPr kumimoji="0" lang="ru-RU" altLang="ru-RU" sz="2000" b="1" i="0" u="none" strike="noStrike" cap="none" normalizeH="0" baseline="0" dirty="0" smtClean="0">
+              <a:rPr kumimoji="0" lang="ru-RU" altLang="ru-RU" sz="2000" b="1" i="0" u="none" strike="noStrike" cap="none" normalizeH="0" baseline="0" dirty="0">
                 <a:ln>
                   <a:noFill/>
                 </a:ln>
@@ -11192,7 +10637,7 @@
               <a:t>"</a:t>
             </a:r>
             <a:r>
-              <a:rPr kumimoji="0" lang="ru-RU" altLang="ru-RU" sz="2000" b="0" i="0" u="none" strike="noStrike" cap="none" normalizeH="0" baseline="0" dirty="0" smtClean="0">
+              <a:rPr kumimoji="0" lang="ru-RU" altLang="ru-RU" sz="2000" b="0" i="0" u="none" strike="noStrike" cap="none" normalizeH="0" baseline="0" dirty="0">
                 <a:ln>
                   <a:noFill/>
                 </a:ln>
@@ -11206,7 +10651,7 @@
               <a:t>{% </a:t>
             </a:r>
             <a:r>
-              <a:rPr kumimoji="0" lang="ru-RU" altLang="ru-RU" sz="2000" b="1" i="0" u="none" strike="noStrike" cap="none" normalizeH="0" baseline="0" dirty="0" smtClean="0">
+              <a:rPr kumimoji="0" lang="ru-RU" altLang="ru-RU" sz="2000" b="1" i="0" u="none" strike="noStrike" cap="none" normalizeH="0" baseline="0" dirty="0">
                 <a:ln>
                   <a:noFill/>
                 </a:ln>
@@ -11220,7 +10665,7 @@
               <a:t>url </a:t>
             </a:r>
             <a:r>
-              <a:rPr kumimoji="0" lang="ru-RU" altLang="ru-RU" sz="2000" b="1" i="0" u="none" strike="noStrike" cap="none" normalizeH="0" baseline="0" dirty="0" smtClean="0">
+              <a:rPr kumimoji="0" lang="ru-RU" altLang="ru-RU" sz="2000" b="1" i="0" u="none" strike="noStrike" cap="none" normalizeH="0" baseline="0" dirty="0">
                 <a:ln>
                   <a:noFill/>
                 </a:ln>
@@ -11234,7 +10679,7 @@
               <a:t>"gallery" </a:t>
             </a:r>
             <a:r>
-              <a:rPr kumimoji="0" lang="ru-RU" altLang="ru-RU" sz="2000" b="0" i="0" u="none" strike="noStrike" cap="none" normalizeH="0" baseline="0" dirty="0" smtClean="0">
+              <a:rPr kumimoji="0" lang="ru-RU" altLang="ru-RU" sz="2000" b="0" i="0" u="none" strike="noStrike" cap="none" normalizeH="0" baseline="0" dirty="0">
                 <a:ln>
                   <a:noFill/>
                 </a:ln>
@@ -11248,7 +10693,7 @@
               <a:t>%}</a:t>
             </a:r>
             <a:r>
-              <a:rPr kumimoji="0" lang="ru-RU" altLang="ru-RU" sz="2000" b="1" i="0" u="none" strike="noStrike" cap="none" normalizeH="0" baseline="0" dirty="0" smtClean="0">
+              <a:rPr kumimoji="0" lang="ru-RU" altLang="ru-RU" sz="2000" b="1" i="0" u="none" strike="noStrike" cap="none" normalizeH="0" baseline="0" dirty="0">
                 <a:ln>
                   <a:noFill/>
                 </a:ln>
@@ -11262,7 +10707,7 @@
               <a:t>" </a:t>
             </a:r>
             <a:r>
-              <a:rPr kumimoji="0" lang="en-US" altLang="ru-RU" sz="2000" b="1" i="0" u="none" strike="noStrike" cap="none" normalizeH="0" baseline="0" dirty="0" smtClean="0">
+              <a:rPr kumimoji="0" lang="en-US" altLang="ru-RU" sz="2000" b="1" i="0" u="none" strike="noStrike" cap="none" normalizeH="0" baseline="0" dirty="0">
                 <a:ln>
                   <a:noFill/>
                 </a:ln>
@@ -11276,7 +10721,7 @@
               <a:t>	</a:t>
             </a:r>
             <a:r>
-              <a:rPr kumimoji="0" lang="ru-RU" altLang="ru-RU" sz="2000" b="1" i="0" u="none" strike="noStrike" cap="none" normalizeH="0" baseline="0" dirty="0" smtClean="0">
+              <a:rPr kumimoji="0" lang="ru-RU" altLang="ru-RU" sz="2000" b="1" i="0" u="none" strike="noStrike" cap="none" normalizeH="0" baseline="0" dirty="0">
                 <a:ln>
                   <a:noFill/>
                 </a:ln>
@@ -11290,7 +10735,7 @@
               <a:t>method=</a:t>
             </a:r>
             <a:r>
-              <a:rPr kumimoji="0" lang="ru-RU" altLang="ru-RU" sz="2000" b="1" i="0" u="none" strike="noStrike" cap="none" normalizeH="0" baseline="0" dirty="0" smtClean="0">
+              <a:rPr kumimoji="0" lang="ru-RU" altLang="ru-RU" sz="2000" b="1" i="0" u="none" strike="noStrike" cap="none" normalizeH="0" baseline="0" dirty="0">
                 <a:ln>
                   <a:noFill/>
                 </a:ln>
@@ -11304,7 +10749,7 @@
               <a:t>"post"</a:t>
             </a:r>
             <a:r>
-              <a:rPr kumimoji="0" lang="ru-RU" altLang="ru-RU" sz="2000" b="0" i="0" u="none" strike="noStrike" cap="none" normalizeH="0" baseline="0" dirty="0" smtClean="0">
+              <a:rPr kumimoji="0" lang="ru-RU" altLang="ru-RU" sz="2000" b="0" i="0" u="none" strike="noStrike" cap="none" normalizeH="0" baseline="0" dirty="0">
                 <a:ln>
                   <a:noFill/>
                 </a:ln>
@@ -11318,7 +10763,7 @@
               <a:t>&gt;</a:t>
             </a:r>
             <a:br>
-              <a:rPr kumimoji="0" lang="ru-RU" altLang="ru-RU" sz="2000" b="0" i="0" u="none" strike="noStrike" cap="none" normalizeH="0" baseline="0" dirty="0" smtClean="0">
+              <a:rPr kumimoji="0" lang="ru-RU" altLang="ru-RU" sz="2000" b="0" i="0" u="none" strike="noStrike" cap="none" normalizeH="0" baseline="0" dirty="0">
                 <a:ln>
                   <a:noFill/>
                 </a:ln>
@@ -11331,7 +10776,7 @@
               </a:rPr>
             </a:br>
             <a:r>
-              <a:rPr kumimoji="0" lang="ru-RU" altLang="ru-RU" sz="2000" b="0" i="0" u="none" strike="noStrike" cap="none" normalizeH="0" baseline="0" dirty="0" smtClean="0">
+              <a:rPr kumimoji="0" lang="ru-RU" altLang="ru-RU" sz="2000" b="0" i="0" u="none" strike="noStrike" cap="none" normalizeH="0" baseline="0" dirty="0">
                 <a:ln>
                   <a:noFill/>
                 </a:ln>
@@ -11345,7 +10790,7 @@
               <a:t>    {% </a:t>
             </a:r>
             <a:r>
-              <a:rPr kumimoji="0" lang="ru-RU" altLang="ru-RU" sz="2000" b="1" i="0" u="none" strike="noStrike" cap="none" normalizeH="0" baseline="0" dirty="0" smtClean="0">
+              <a:rPr kumimoji="0" lang="ru-RU" altLang="ru-RU" sz="2000" b="1" i="0" u="none" strike="noStrike" cap="none" normalizeH="0" baseline="0" dirty="0">
                 <a:ln>
                   <a:noFill/>
                 </a:ln>
@@ -11359,7 +10804,7 @@
               <a:t>csrf_token </a:t>
             </a:r>
             <a:r>
-              <a:rPr kumimoji="0" lang="ru-RU" altLang="ru-RU" sz="2000" b="0" i="0" u="none" strike="noStrike" cap="none" normalizeH="0" baseline="0" dirty="0" smtClean="0">
+              <a:rPr kumimoji="0" lang="ru-RU" altLang="ru-RU" sz="2000" b="0" i="0" u="none" strike="noStrike" cap="none" normalizeH="0" baseline="0" dirty="0">
                 <a:ln>
                   <a:noFill/>
                 </a:ln>
@@ -11373,7 +10818,7 @@
               <a:t>%}</a:t>
             </a:r>
             <a:br>
-              <a:rPr kumimoji="0" lang="ru-RU" altLang="ru-RU" sz="2000" b="0" i="0" u="none" strike="noStrike" cap="none" normalizeH="0" baseline="0" dirty="0" smtClean="0">
+              <a:rPr kumimoji="0" lang="ru-RU" altLang="ru-RU" sz="2000" b="0" i="0" u="none" strike="noStrike" cap="none" normalizeH="0" baseline="0" dirty="0">
                 <a:ln>
                   <a:noFill/>
                 </a:ln>
@@ -11386,7 +10831,7 @@
               </a:rPr>
             </a:br>
             <a:r>
-              <a:rPr kumimoji="0" lang="ru-RU" altLang="ru-RU" sz="2000" b="0" i="0" u="none" strike="noStrike" cap="none" normalizeH="0" baseline="0" dirty="0" smtClean="0">
+              <a:rPr kumimoji="0" lang="ru-RU" altLang="ru-RU" sz="2000" b="0" i="0" u="none" strike="noStrike" cap="none" normalizeH="0" baseline="0" dirty="0">
                 <a:ln>
                   <a:noFill/>
                 </a:ln>
@@ -11400,7 +10845,7 @@
               <a:t>    {{ </a:t>
             </a:r>
             <a:r>
-              <a:rPr kumimoji="0" lang="ru-RU" altLang="ru-RU" sz="2000" b="1" i="0" u="none" strike="noStrike" cap="none" normalizeH="0" baseline="0" dirty="0" smtClean="0">
+              <a:rPr kumimoji="0" lang="ru-RU" altLang="ru-RU" sz="2000" b="1" i="0" u="none" strike="noStrike" cap="none" normalizeH="0" baseline="0" dirty="0">
                 <a:ln>
                   <a:noFill/>
                 </a:ln>
@@ -11414,7 +10859,7 @@
               <a:t>form</a:t>
             </a:r>
             <a:r>
-              <a:rPr kumimoji="0" lang="ru-RU" altLang="ru-RU" sz="2000" b="0" i="0" u="none" strike="noStrike" cap="none" normalizeH="0" baseline="0" dirty="0" smtClean="0">
+              <a:rPr kumimoji="0" lang="ru-RU" altLang="ru-RU" sz="2000" b="0" i="0" u="none" strike="noStrike" cap="none" normalizeH="0" baseline="0" dirty="0">
                 <a:ln>
                   <a:noFill/>
                 </a:ln>
@@ -11428,7 +10873,7 @@
               <a:t>|</a:t>
             </a:r>
             <a:r>
-              <a:rPr kumimoji="0" lang="ru-RU" altLang="ru-RU" sz="2000" b="1" i="0" u="none" strike="noStrike" cap="none" normalizeH="0" baseline="0" dirty="0" smtClean="0">
+              <a:rPr kumimoji="0" lang="ru-RU" altLang="ru-RU" sz="2000" b="1" i="0" u="none" strike="noStrike" cap="none" normalizeH="0" baseline="0" dirty="0">
                 <a:ln>
                   <a:noFill/>
                 </a:ln>
@@ -11442,7 +10887,7 @@
               <a:t>crispy </a:t>
             </a:r>
             <a:r>
-              <a:rPr kumimoji="0" lang="ru-RU" altLang="ru-RU" sz="2000" b="0" i="0" u="none" strike="noStrike" cap="none" normalizeH="0" baseline="0" dirty="0" smtClean="0">
+              <a:rPr kumimoji="0" lang="ru-RU" altLang="ru-RU" sz="2000" b="0" i="0" u="none" strike="noStrike" cap="none" normalizeH="0" baseline="0" dirty="0">
                 <a:ln>
                   <a:noFill/>
                 </a:ln>
@@ -11456,7 +10901,7 @@
               <a:t>}}</a:t>
             </a:r>
             <a:br>
-              <a:rPr kumimoji="0" lang="ru-RU" altLang="ru-RU" sz="2000" b="0" i="0" u="none" strike="noStrike" cap="none" normalizeH="0" baseline="0" dirty="0" smtClean="0">
+              <a:rPr kumimoji="0" lang="ru-RU" altLang="ru-RU" sz="2000" b="0" i="0" u="none" strike="noStrike" cap="none" normalizeH="0" baseline="0" dirty="0">
                 <a:ln>
                   <a:noFill/>
                 </a:ln>
@@ -11469,7 +10914,7 @@
               </a:rPr>
             </a:br>
             <a:r>
-              <a:rPr kumimoji="0" lang="ru-RU" altLang="ru-RU" sz="2000" b="0" i="0" u="none" strike="noStrike" cap="none" normalizeH="0" baseline="0" dirty="0" smtClean="0">
+              <a:rPr kumimoji="0" lang="ru-RU" altLang="ru-RU" sz="2000" b="0" i="0" u="none" strike="noStrike" cap="none" normalizeH="0" baseline="0" dirty="0">
                 <a:ln>
                   <a:noFill/>
                 </a:ln>
@@ -11483,7 +10928,7 @@
               <a:t>    &lt;</a:t>
             </a:r>
             <a:r>
-              <a:rPr kumimoji="0" lang="ru-RU" altLang="ru-RU" sz="2000" b="1" i="0" u="none" strike="noStrike" cap="none" normalizeH="0" baseline="0" dirty="0" smtClean="0">
+              <a:rPr kumimoji="0" lang="ru-RU" altLang="ru-RU" sz="2000" b="1" i="0" u="none" strike="noStrike" cap="none" normalizeH="0" baseline="0" dirty="0">
                 <a:ln>
                   <a:noFill/>
                 </a:ln>
@@ -11497,7 +10942,7 @@
               <a:t>input </a:t>
             </a:r>
             <a:r>
-              <a:rPr kumimoji="0" lang="ru-RU" altLang="ru-RU" sz="2000" b="1" i="0" u="none" strike="noStrike" cap="none" normalizeH="0" baseline="0" dirty="0" smtClean="0">
+              <a:rPr kumimoji="0" lang="ru-RU" altLang="ru-RU" sz="2000" b="1" i="0" u="none" strike="noStrike" cap="none" normalizeH="0" baseline="0" dirty="0">
                 <a:ln>
                   <a:noFill/>
                 </a:ln>
@@ -11511,7 +10956,7 @@
               <a:t>type=</a:t>
             </a:r>
             <a:r>
-              <a:rPr kumimoji="0" lang="ru-RU" altLang="ru-RU" sz="2000" b="1" i="0" u="none" strike="noStrike" cap="none" normalizeH="0" baseline="0" dirty="0" smtClean="0">
+              <a:rPr kumimoji="0" lang="ru-RU" altLang="ru-RU" sz="2000" b="1" i="0" u="none" strike="noStrike" cap="none" normalizeH="0" baseline="0" dirty="0">
                 <a:ln>
                   <a:noFill/>
                 </a:ln>
@@ -11525,7 +10970,7 @@
               <a:t>"submit" </a:t>
             </a:r>
             <a:r>
-              <a:rPr kumimoji="0" lang="ru-RU" altLang="ru-RU" sz="2000" b="1" i="0" u="none" strike="noStrike" cap="none" normalizeH="0" baseline="0" dirty="0" smtClean="0">
+              <a:rPr kumimoji="0" lang="ru-RU" altLang="ru-RU" sz="2000" b="1" i="0" u="none" strike="noStrike" cap="none" normalizeH="0" baseline="0" dirty="0">
                 <a:ln>
                   <a:noFill/>
                 </a:ln>
@@ -11539,7 +10984,7 @@
               <a:t>class=</a:t>
             </a:r>
             <a:r>
-              <a:rPr kumimoji="0" lang="ru-RU" altLang="ru-RU" sz="2000" b="1" i="0" u="none" strike="noStrike" cap="none" normalizeH="0" baseline="0" dirty="0" smtClean="0">
+              <a:rPr kumimoji="0" lang="ru-RU" altLang="ru-RU" sz="2000" b="1" i="0" u="none" strike="noStrike" cap="none" normalizeH="0" baseline="0" dirty="0">
                 <a:ln>
                   <a:noFill/>
                 </a:ln>
@@ -11553,7 +10998,7 @@
               <a:t>"btn btn-default"</a:t>
             </a:r>
             <a:r>
-              <a:rPr kumimoji="0" lang="ru-RU" altLang="ru-RU" sz="2000" b="0" i="0" u="none" strike="noStrike" cap="none" normalizeH="0" baseline="0" dirty="0" smtClean="0">
+              <a:rPr kumimoji="0" lang="ru-RU" altLang="ru-RU" sz="2000" b="0" i="0" u="none" strike="noStrike" cap="none" normalizeH="0" baseline="0" dirty="0">
                 <a:ln>
                   <a:noFill/>
                 </a:ln>
@@ -11567,7 +11012,7 @@
               <a:t>/&gt;</a:t>
             </a:r>
             <a:br>
-              <a:rPr kumimoji="0" lang="ru-RU" altLang="ru-RU" sz="2000" b="0" i="0" u="none" strike="noStrike" cap="none" normalizeH="0" baseline="0" dirty="0" smtClean="0">
+              <a:rPr kumimoji="0" lang="ru-RU" altLang="ru-RU" sz="2000" b="0" i="0" u="none" strike="noStrike" cap="none" normalizeH="0" baseline="0" dirty="0">
                 <a:ln>
                   <a:noFill/>
                 </a:ln>
@@ -11580,7 +11025,7 @@
               </a:rPr>
             </a:br>
             <a:r>
-              <a:rPr kumimoji="0" lang="ru-RU" altLang="ru-RU" sz="2000" b="0" i="0" u="none" strike="noStrike" cap="none" normalizeH="0" baseline="0" dirty="0" smtClean="0">
+              <a:rPr kumimoji="0" lang="ru-RU" altLang="ru-RU" sz="2000" b="0" i="0" u="none" strike="noStrike" cap="none" normalizeH="0" baseline="0" dirty="0">
                 <a:ln>
                   <a:noFill/>
                 </a:ln>
@@ -11594,7 +11039,7 @@
               <a:t>&lt;/</a:t>
             </a:r>
             <a:r>
-              <a:rPr kumimoji="0" lang="ru-RU" altLang="ru-RU" sz="2000" b="1" i="0" u="none" strike="noStrike" cap="none" normalizeH="0" baseline="0" dirty="0" smtClean="0">
+              <a:rPr kumimoji="0" lang="ru-RU" altLang="ru-RU" sz="2000" b="1" i="0" u="none" strike="noStrike" cap="none" normalizeH="0" baseline="0" dirty="0">
                 <a:ln>
                   <a:noFill/>
                 </a:ln>
@@ -11608,7 +11053,7 @@
               <a:t>form</a:t>
             </a:r>
             <a:r>
-              <a:rPr kumimoji="0" lang="ru-RU" altLang="ru-RU" sz="2000" b="0" i="0" u="none" strike="noStrike" cap="none" normalizeH="0" baseline="0" dirty="0" smtClean="0">
+              <a:rPr kumimoji="0" lang="ru-RU" altLang="ru-RU" sz="2000" b="0" i="0" u="none" strike="noStrike" cap="none" normalizeH="0" baseline="0" dirty="0">
                 <a:ln>
                   <a:noFill/>
                 </a:ln>
@@ -11621,7 +11066,7 @@
               </a:rPr>
               <a:t>&gt;</a:t>
             </a:r>
-            <a:endParaRPr kumimoji="0" lang="ru-RU" altLang="ru-RU" sz="4400" b="0" i="0" u="none" strike="noStrike" cap="none" normalizeH="0" baseline="0" dirty="0" smtClean="0">
+            <a:endParaRPr kumimoji="0" lang="ru-RU" altLang="ru-RU" sz="4400" b="0" i="0" u="none" strike="noStrike" cap="none" normalizeH="0" baseline="0" dirty="0">
               <a:ln>
                 <a:noFill/>
               </a:ln>
@@ -11853,10 +11298,9 @@
           <a:lstStyle/>
           <a:p>
             <a:r>
-              <a:rPr lang="ru-RU" dirty="0" smtClean="0"/>
+              <a:rPr lang="ru-RU" dirty="0"/>
               <a:t>Получение файлов в представлениях</a:t>
             </a:r>
-            <a:endParaRPr lang="ru-RU" dirty="0"/>
           </a:p>
         </p:txBody>
       </p:sp>
@@ -11931,7 +11375,7 @@
               <a:tabLst/>
             </a:pPr>
             <a:r>
-              <a:rPr kumimoji="0" lang="ru-RU" altLang="ru-RU" sz="2000" b="1" i="0" u="none" strike="noStrike" cap="none" normalizeH="0" baseline="0" dirty="0" smtClean="0">
+              <a:rPr kumimoji="0" lang="ru-RU" altLang="ru-RU" sz="2000" b="1" i="0" u="none" strike="noStrike" cap="none" normalizeH="0" baseline="0" dirty="0">
                 <a:ln>
                   <a:noFill/>
                 </a:ln>
@@ -11945,7 +11389,7 @@
               <a:t>def </a:t>
             </a:r>
             <a:r>
-              <a:rPr kumimoji="0" lang="ru-RU" altLang="ru-RU" sz="2000" b="0" i="0" u="none" strike="noStrike" cap="none" normalizeH="0" baseline="0" dirty="0" smtClean="0">
+              <a:rPr kumimoji="0" lang="ru-RU" altLang="ru-RU" sz="2000" b="0" i="0" u="none" strike="noStrike" cap="none" normalizeH="0" baseline="0" dirty="0">
                 <a:ln>
                   <a:noFill/>
                 </a:ln>
@@ -11959,7 +11403,7 @@
               <a:t>gallery(request):</a:t>
             </a:r>
             <a:br>
-              <a:rPr kumimoji="0" lang="ru-RU" altLang="ru-RU" sz="2000" b="0" i="0" u="none" strike="noStrike" cap="none" normalizeH="0" baseline="0" dirty="0" smtClean="0">
+              <a:rPr kumimoji="0" lang="ru-RU" altLang="ru-RU" sz="2000" b="0" i="0" u="none" strike="noStrike" cap="none" normalizeH="0" baseline="0" dirty="0">
                 <a:ln>
                   <a:noFill/>
                 </a:ln>
@@ -11972,7 +11416,7 @@
               </a:rPr>
             </a:br>
             <a:r>
-              <a:rPr kumimoji="0" lang="ru-RU" altLang="ru-RU" sz="2000" b="0" i="0" u="none" strike="noStrike" cap="none" normalizeH="0" baseline="0" dirty="0" smtClean="0">
+              <a:rPr kumimoji="0" lang="ru-RU" altLang="ru-RU" sz="2000" b="0" i="0" u="none" strike="noStrike" cap="none" normalizeH="0" baseline="0" dirty="0">
                 <a:ln>
                   <a:noFill/>
                 </a:ln>
@@ -11986,7 +11430,7 @@
               <a:t>    photos = Photo.objects.all()</a:t>
             </a:r>
             <a:br>
-              <a:rPr kumimoji="0" lang="ru-RU" altLang="ru-RU" sz="2000" b="0" i="0" u="none" strike="noStrike" cap="none" normalizeH="0" baseline="0" dirty="0" smtClean="0">
+              <a:rPr kumimoji="0" lang="ru-RU" altLang="ru-RU" sz="2000" b="0" i="0" u="none" strike="noStrike" cap="none" normalizeH="0" baseline="0" dirty="0">
                 <a:ln>
                   <a:noFill/>
                 </a:ln>
@@ -11999,7 +11443,7 @@
               </a:rPr>
             </a:br>
             <a:r>
-              <a:rPr kumimoji="0" lang="ru-RU" altLang="ru-RU" sz="2000" b="0" i="0" u="none" strike="noStrike" cap="none" normalizeH="0" baseline="0" dirty="0" smtClean="0">
+              <a:rPr kumimoji="0" lang="ru-RU" altLang="ru-RU" sz="2000" b="0" i="0" u="none" strike="noStrike" cap="none" normalizeH="0" baseline="0" dirty="0">
                 <a:ln>
                   <a:noFill/>
                 </a:ln>
@@ -12013,7 +11457,7 @@
               <a:t>    </a:t>
             </a:r>
             <a:r>
-              <a:rPr kumimoji="0" lang="ru-RU" altLang="ru-RU" sz="2000" b="1" i="0" u="none" strike="noStrike" cap="none" normalizeH="0" baseline="0" dirty="0" smtClean="0">
+              <a:rPr kumimoji="0" lang="ru-RU" altLang="ru-RU" sz="2000" b="1" i="0" u="none" strike="noStrike" cap="none" normalizeH="0" baseline="0" dirty="0">
                 <a:ln>
                   <a:noFill/>
                 </a:ln>
@@ -12027,7 +11471,7 @@
               <a:t>if </a:t>
             </a:r>
             <a:r>
-              <a:rPr kumimoji="0" lang="ru-RU" altLang="ru-RU" sz="2000" b="0" i="0" u="none" strike="noStrike" cap="none" normalizeH="0" baseline="0" dirty="0" smtClean="0">
+              <a:rPr kumimoji="0" lang="ru-RU" altLang="ru-RU" sz="2000" b="0" i="0" u="none" strike="noStrike" cap="none" normalizeH="0" baseline="0" dirty="0">
                 <a:ln>
                   <a:noFill/>
                 </a:ln>
@@ -12041,7 +11485,7 @@
               <a:t>request.method == </a:t>
             </a:r>
             <a:r>
-              <a:rPr kumimoji="0" lang="ru-RU" altLang="ru-RU" sz="2000" b="1" i="0" u="none" strike="noStrike" cap="none" normalizeH="0" baseline="0" dirty="0" smtClean="0">
+              <a:rPr kumimoji="0" lang="ru-RU" altLang="ru-RU" sz="2000" b="1" i="0" u="none" strike="noStrike" cap="none" normalizeH="0" baseline="0" dirty="0">
                 <a:ln>
                   <a:noFill/>
                 </a:ln>
@@ -12055,7 +11499,7 @@
               <a:t>'POST'</a:t>
             </a:r>
             <a:r>
-              <a:rPr kumimoji="0" lang="ru-RU" altLang="ru-RU" sz="2000" b="0" i="0" u="none" strike="noStrike" cap="none" normalizeH="0" baseline="0" dirty="0" smtClean="0">
+              <a:rPr kumimoji="0" lang="ru-RU" altLang="ru-RU" sz="2000" b="0" i="0" u="none" strike="noStrike" cap="none" normalizeH="0" baseline="0" dirty="0">
                 <a:ln>
                   <a:noFill/>
                 </a:ln>
@@ -12069,7 +11513,7 @@
               <a:t>:</a:t>
             </a:r>
             <a:br>
-              <a:rPr kumimoji="0" lang="ru-RU" altLang="ru-RU" sz="2000" b="0" i="0" u="none" strike="noStrike" cap="none" normalizeH="0" baseline="0" dirty="0" smtClean="0">
+              <a:rPr kumimoji="0" lang="ru-RU" altLang="ru-RU" sz="2000" b="0" i="0" u="none" strike="noStrike" cap="none" normalizeH="0" baseline="0" dirty="0">
                 <a:ln>
                   <a:noFill/>
                 </a:ln>
@@ -12082,7 +11526,7 @@
               </a:rPr>
             </a:br>
             <a:r>
-              <a:rPr kumimoji="0" lang="ru-RU" altLang="ru-RU" sz="2000" b="0" i="0" u="none" strike="noStrike" cap="none" normalizeH="0" baseline="0" dirty="0" smtClean="0">
+              <a:rPr kumimoji="0" lang="ru-RU" altLang="ru-RU" sz="2000" b="0" i="0" u="none" strike="noStrike" cap="none" normalizeH="0" baseline="0" dirty="0">
                 <a:ln>
                   <a:noFill/>
                 </a:ln>
@@ -12096,7 +11540,7 @@
               <a:t>        photo_form = PhotoForm(request.POST, request.FILES)</a:t>
             </a:r>
             <a:br>
-              <a:rPr kumimoji="0" lang="ru-RU" altLang="ru-RU" sz="2000" b="0" i="0" u="none" strike="noStrike" cap="none" normalizeH="0" baseline="0" dirty="0" smtClean="0">
+              <a:rPr kumimoji="0" lang="ru-RU" altLang="ru-RU" sz="2000" b="0" i="0" u="none" strike="noStrike" cap="none" normalizeH="0" baseline="0" dirty="0">
                 <a:ln>
                   <a:noFill/>
                 </a:ln>
@@ -12109,7 +11553,7 @@
               </a:rPr>
             </a:br>
             <a:r>
-              <a:rPr kumimoji="0" lang="ru-RU" altLang="ru-RU" sz="2000" b="0" i="0" u="none" strike="noStrike" cap="none" normalizeH="0" baseline="0" dirty="0" smtClean="0">
+              <a:rPr kumimoji="0" lang="ru-RU" altLang="ru-RU" sz="2000" b="0" i="0" u="none" strike="noStrike" cap="none" normalizeH="0" baseline="0" dirty="0">
                 <a:ln>
                   <a:noFill/>
                 </a:ln>
@@ -12123,7 +11567,7 @@
               <a:t>        </a:t>
             </a:r>
             <a:r>
-              <a:rPr kumimoji="0" lang="ru-RU" altLang="ru-RU" sz="2000" b="1" i="0" u="none" strike="noStrike" cap="none" normalizeH="0" baseline="0" dirty="0" smtClean="0">
+              <a:rPr kumimoji="0" lang="ru-RU" altLang="ru-RU" sz="2000" b="1" i="0" u="none" strike="noStrike" cap="none" normalizeH="0" baseline="0" dirty="0">
                 <a:ln>
                   <a:noFill/>
                 </a:ln>
@@ -12137,7 +11581,7 @@
               <a:t>if </a:t>
             </a:r>
             <a:r>
-              <a:rPr kumimoji="0" lang="ru-RU" altLang="ru-RU" sz="2000" b="0" i="0" u="none" strike="noStrike" cap="none" normalizeH="0" baseline="0" dirty="0" smtClean="0">
+              <a:rPr kumimoji="0" lang="ru-RU" altLang="ru-RU" sz="2000" b="0" i="0" u="none" strike="noStrike" cap="none" normalizeH="0" baseline="0" dirty="0">
                 <a:ln>
                   <a:noFill/>
                 </a:ln>
@@ -12151,7 +11595,7 @@
               <a:t>photo_form.is_valid():</a:t>
             </a:r>
             <a:br>
-              <a:rPr kumimoji="0" lang="ru-RU" altLang="ru-RU" sz="2000" b="0" i="0" u="none" strike="noStrike" cap="none" normalizeH="0" baseline="0" dirty="0" smtClean="0">
+              <a:rPr kumimoji="0" lang="ru-RU" altLang="ru-RU" sz="2000" b="0" i="0" u="none" strike="noStrike" cap="none" normalizeH="0" baseline="0" dirty="0">
                 <a:ln>
                   <a:noFill/>
                 </a:ln>
@@ -12164,7 +11608,7 @@
               </a:rPr>
             </a:br>
             <a:r>
-              <a:rPr kumimoji="0" lang="ru-RU" altLang="ru-RU" sz="2000" b="0" i="0" u="none" strike="noStrike" cap="none" normalizeH="0" baseline="0" dirty="0" smtClean="0">
+              <a:rPr kumimoji="0" lang="ru-RU" altLang="ru-RU" sz="2000" b="0" i="0" u="none" strike="noStrike" cap="none" normalizeH="0" baseline="0" dirty="0">
                 <a:ln>
                   <a:noFill/>
                 </a:ln>
@@ -12178,7 +11622,7 @@
               <a:t>            photo_form.save()</a:t>
             </a:r>
             <a:br>
-              <a:rPr kumimoji="0" lang="ru-RU" altLang="ru-RU" sz="2000" b="0" i="0" u="none" strike="noStrike" cap="none" normalizeH="0" baseline="0" dirty="0" smtClean="0">
+              <a:rPr kumimoji="0" lang="ru-RU" altLang="ru-RU" sz="2000" b="0" i="0" u="none" strike="noStrike" cap="none" normalizeH="0" baseline="0" dirty="0">
                 <a:ln>
                   <a:noFill/>
                 </a:ln>
@@ -12191,7 +11635,7 @@
               </a:rPr>
             </a:br>
             <a:r>
-              <a:rPr kumimoji="0" lang="ru-RU" altLang="ru-RU" sz="2000" b="0" i="0" u="none" strike="noStrike" cap="none" normalizeH="0" baseline="0" dirty="0" smtClean="0">
+              <a:rPr kumimoji="0" lang="ru-RU" altLang="ru-RU" sz="2000" b="0" i="0" u="none" strike="noStrike" cap="none" normalizeH="0" baseline="0" dirty="0">
                 <a:ln>
                   <a:noFill/>
                 </a:ln>
@@ -12205,7 +11649,7 @@
               <a:t>            </a:t>
             </a:r>
             <a:r>
-              <a:rPr kumimoji="0" lang="ru-RU" altLang="ru-RU" sz="2000" b="1" i="0" u="none" strike="noStrike" cap="none" normalizeH="0" baseline="0" dirty="0" smtClean="0">
+              <a:rPr kumimoji="0" lang="ru-RU" altLang="ru-RU" sz="2000" b="1" i="0" u="none" strike="noStrike" cap="none" normalizeH="0" baseline="0" dirty="0">
                 <a:ln>
                   <a:noFill/>
                 </a:ln>
@@ -12219,7 +11663,7 @@
               <a:t>return </a:t>
             </a:r>
             <a:r>
-              <a:rPr kumimoji="0" lang="ru-RU" altLang="ru-RU" sz="2000" b="0" i="0" u="none" strike="noStrike" cap="none" normalizeH="0" baseline="0" dirty="0" smtClean="0">
+              <a:rPr kumimoji="0" lang="ru-RU" altLang="ru-RU" sz="2000" b="0" i="0" u="none" strike="noStrike" cap="none" normalizeH="0" baseline="0" dirty="0">
                 <a:ln>
                   <a:noFill/>
                 </a:ln>
@@ -12233,7 +11677,7 @@
               <a:t>redirect(</a:t>
             </a:r>
             <a:r>
-              <a:rPr kumimoji="0" lang="ru-RU" altLang="ru-RU" sz="2000" b="1" i="0" u="none" strike="noStrike" cap="none" normalizeH="0" baseline="0" dirty="0" smtClean="0">
+              <a:rPr kumimoji="0" lang="ru-RU" altLang="ru-RU" sz="2000" b="1" i="0" u="none" strike="noStrike" cap="none" normalizeH="0" baseline="0" dirty="0">
                 <a:ln>
                   <a:noFill/>
                 </a:ln>
@@ -12247,7 +11691,7 @@
               <a:t>"gallery"</a:t>
             </a:r>
             <a:r>
-              <a:rPr kumimoji="0" lang="ru-RU" altLang="ru-RU" sz="2000" b="0" i="0" u="none" strike="noStrike" cap="none" normalizeH="0" baseline="0" dirty="0" smtClean="0">
+              <a:rPr kumimoji="0" lang="ru-RU" altLang="ru-RU" sz="2000" b="0" i="0" u="none" strike="noStrike" cap="none" normalizeH="0" baseline="0" dirty="0">
                 <a:ln>
                   <a:noFill/>
                 </a:ln>
@@ -12261,7 +11705,7 @@
               <a:t>)</a:t>
             </a:r>
             <a:br>
-              <a:rPr kumimoji="0" lang="ru-RU" altLang="ru-RU" sz="2000" b="0" i="0" u="none" strike="noStrike" cap="none" normalizeH="0" baseline="0" dirty="0" smtClean="0">
+              <a:rPr kumimoji="0" lang="ru-RU" altLang="ru-RU" sz="2000" b="0" i="0" u="none" strike="noStrike" cap="none" normalizeH="0" baseline="0" dirty="0">
                 <a:ln>
                   <a:noFill/>
                 </a:ln>
@@ -12274,7 +11718,7 @@
               </a:rPr>
             </a:br>
             <a:r>
-              <a:rPr kumimoji="0" lang="ru-RU" altLang="ru-RU" sz="2000" b="0" i="0" u="none" strike="noStrike" cap="none" normalizeH="0" baseline="0" dirty="0" smtClean="0">
+              <a:rPr kumimoji="0" lang="ru-RU" altLang="ru-RU" sz="2000" b="0" i="0" u="none" strike="noStrike" cap="none" normalizeH="0" baseline="0" dirty="0">
                 <a:ln>
                   <a:noFill/>
                 </a:ln>
@@ -12288,7 +11732,7 @@
               <a:t>    form = PhotoForm()</a:t>
             </a:r>
             <a:br>
-              <a:rPr kumimoji="0" lang="ru-RU" altLang="ru-RU" sz="2000" b="0" i="0" u="none" strike="noStrike" cap="none" normalizeH="0" baseline="0" dirty="0" smtClean="0">
+              <a:rPr kumimoji="0" lang="ru-RU" altLang="ru-RU" sz="2000" b="0" i="0" u="none" strike="noStrike" cap="none" normalizeH="0" baseline="0" dirty="0">
                 <a:ln>
                   <a:noFill/>
                 </a:ln>
@@ -12301,7 +11745,7 @@
               </a:rPr>
             </a:br>
             <a:r>
-              <a:rPr kumimoji="0" lang="ru-RU" altLang="ru-RU" sz="2000" b="0" i="0" u="none" strike="noStrike" cap="none" normalizeH="0" baseline="0" dirty="0" smtClean="0">
+              <a:rPr kumimoji="0" lang="ru-RU" altLang="ru-RU" sz="2000" b="0" i="0" u="none" strike="noStrike" cap="none" normalizeH="0" baseline="0" dirty="0">
                 <a:ln>
                   <a:noFill/>
                 </a:ln>
@@ -12315,7 +11759,7 @@
               <a:t>    </a:t>
             </a:r>
             <a:r>
-              <a:rPr kumimoji="0" lang="ru-RU" altLang="ru-RU" sz="2000" b="1" i="0" u="none" strike="noStrike" cap="none" normalizeH="0" baseline="0" dirty="0" smtClean="0">
+              <a:rPr kumimoji="0" lang="ru-RU" altLang="ru-RU" sz="2000" b="1" i="0" u="none" strike="noStrike" cap="none" normalizeH="0" baseline="0" dirty="0">
                 <a:ln>
                   <a:noFill/>
                 </a:ln>
@@ -12329,7 +11773,7 @@
               <a:t>return </a:t>
             </a:r>
             <a:r>
-              <a:rPr kumimoji="0" lang="ru-RU" altLang="ru-RU" sz="2000" b="0" i="0" u="none" strike="noStrike" cap="none" normalizeH="0" baseline="0" dirty="0" smtClean="0">
+              <a:rPr kumimoji="0" lang="ru-RU" altLang="ru-RU" sz="2000" b="0" i="0" u="none" strike="noStrike" cap="none" normalizeH="0" baseline="0" dirty="0">
                 <a:ln>
                   <a:noFill/>
                 </a:ln>
@@ -12343,7 +11787,7 @@
               <a:t>render(request, </a:t>
             </a:r>
             <a:r>
-              <a:rPr kumimoji="0" lang="ru-RU" altLang="ru-RU" sz="2000" b="1" i="0" u="none" strike="noStrike" cap="none" normalizeH="0" baseline="0" dirty="0" smtClean="0">
+              <a:rPr kumimoji="0" lang="ru-RU" altLang="ru-RU" sz="2000" b="1" i="0" u="none" strike="noStrike" cap="none" normalizeH="0" baseline="0" dirty="0">
                 <a:ln>
                   <a:noFill/>
                 </a:ln>
@@ -12356,7 +11800,7 @@
               </a:rPr>
               <a:t>"blog/gallery.html“</a:t>
             </a:r>
-            <a:endParaRPr kumimoji="0" lang="en-US" altLang="ru-RU" sz="2000" b="1" i="0" u="none" strike="noStrike" cap="none" normalizeH="0" baseline="0" dirty="0" smtClean="0">
+            <a:endParaRPr kumimoji="0" lang="en-US" altLang="ru-RU" sz="2000" b="1" i="0" u="none" strike="noStrike" cap="none" normalizeH="0" baseline="0" dirty="0">
               <a:ln>
                 <a:noFill/>
               </a:ln>
@@ -12393,34 +11837,52 @@
                 <a:latin typeface="Courier New" panose="02070309020205020404" pitchFamily="49" charset="0"/>
                 <a:cs typeface="Courier New" panose="02070309020205020404" pitchFamily="49" charset="0"/>
               </a:rPr>
-              <a:t>	</a:t>
-            </a:r>
-            <a:r>
-              <a:rPr lang="en-US" altLang="ru-RU" sz="2000" b="1" dirty="0" smtClean="0">
+              <a:t>				 </a:t>
+            </a:r>
+            <a:r>
+              <a:rPr kumimoji="0" lang="ru-RU" altLang="ru-RU" sz="2000" b="0" i="0" u="none" strike="noStrike" cap="none" normalizeH="0" baseline="0" dirty="0">
+                <a:ln>
+                  <a:noFill/>
+                </a:ln>
+                <a:solidFill>
+                  <a:srgbClr val="000000"/>
+                </a:solidFill>
+                <a:effectLst/>
+                <a:latin typeface="Courier New" panose="02070309020205020404" pitchFamily="49" charset="0"/>
+                <a:cs typeface="Courier New" panose="02070309020205020404" pitchFamily="49" charset="0"/>
+              </a:rPr>
+              <a:t>, {</a:t>
+            </a:r>
+            <a:r>
+              <a:rPr kumimoji="0" lang="ru-RU" altLang="ru-RU" sz="2000" b="1" i="0" u="none" strike="noStrike" cap="none" normalizeH="0" baseline="0" dirty="0">
+                <a:ln>
+                  <a:noFill/>
+                </a:ln>
                 <a:solidFill>
                   <a:srgbClr val="008080"/>
                 </a:solidFill>
-                <a:latin typeface="Courier New" panose="02070309020205020404" pitchFamily="49" charset="0"/>
-                <a:cs typeface="Courier New" panose="02070309020205020404" pitchFamily="49" charset="0"/>
-              </a:rPr>
-              <a:t>			 </a:t>
-            </a:r>
-            <a:r>
-              <a:rPr kumimoji="0" lang="ru-RU" altLang="ru-RU" sz="2000" b="0" i="0" u="none" strike="noStrike" cap="none" normalizeH="0" baseline="0" dirty="0" smtClean="0">
-                <a:ln>
-                  <a:noFill/>
-                </a:ln>
-                <a:solidFill>
-                  <a:srgbClr val="000000"/>
-                </a:solidFill>
-                <a:effectLst/>
-                <a:latin typeface="Courier New" panose="02070309020205020404" pitchFamily="49" charset="0"/>
-                <a:cs typeface="Courier New" panose="02070309020205020404" pitchFamily="49" charset="0"/>
-              </a:rPr>
-              <a:t>, {</a:t>
-            </a:r>
-            <a:r>
-              <a:rPr kumimoji="0" lang="ru-RU" altLang="ru-RU" sz="2000" b="1" i="0" u="none" strike="noStrike" cap="none" normalizeH="0" baseline="0" dirty="0" smtClean="0">
+                <a:effectLst/>
+                <a:latin typeface="Courier New" panose="02070309020205020404" pitchFamily="49" charset="0"/>
+                <a:cs typeface="Courier New" panose="02070309020205020404" pitchFamily="49" charset="0"/>
+              </a:rPr>
+              <a:t>"form"</a:t>
+            </a:r>
+            <a:r>
+              <a:rPr kumimoji="0" lang="ru-RU" altLang="ru-RU" sz="2000" b="0" i="0" u="none" strike="noStrike" cap="none" normalizeH="0" baseline="0" dirty="0">
+                <a:ln>
+                  <a:noFill/>
+                </a:ln>
+                <a:solidFill>
+                  <a:srgbClr val="000000"/>
+                </a:solidFill>
+                <a:effectLst/>
+                <a:latin typeface="Courier New" panose="02070309020205020404" pitchFamily="49" charset="0"/>
+                <a:cs typeface="Courier New" panose="02070309020205020404" pitchFamily="49" charset="0"/>
+              </a:rPr>
+              <a:t>: form, </a:t>
+            </a:r>
+            <a:r>
+              <a:rPr kumimoji="0" lang="ru-RU" altLang="ru-RU" sz="2000" b="1" i="0" u="none" strike="noStrike" cap="none" normalizeH="0" baseline="0" dirty="0">
                 <a:ln>
                   <a:noFill/>
                 </a:ln>
@@ -12431,38 +11893,10 @@
                 <a:latin typeface="Courier New" panose="02070309020205020404" pitchFamily="49" charset="0"/>
                 <a:cs typeface="Courier New" panose="02070309020205020404" pitchFamily="49" charset="0"/>
               </a:rPr>
-              <a:t>"form"</a:t>
-            </a:r>
-            <a:r>
-              <a:rPr kumimoji="0" lang="ru-RU" altLang="ru-RU" sz="2000" b="0" i="0" u="none" strike="noStrike" cap="none" normalizeH="0" baseline="0" dirty="0" smtClean="0">
-                <a:ln>
-                  <a:noFill/>
-                </a:ln>
-                <a:solidFill>
-                  <a:srgbClr val="000000"/>
-                </a:solidFill>
-                <a:effectLst/>
-                <a:latin typeface="Courier New" panose="02070309020205020404" pitchFamily="49" charset="0"/>
-                <a:cs typeface="Courier New" panose="02070309020205020404" pitchFamily="49" charset="0"/>
-              </a:rPr>
-              <a:t>: form, </a:t>
-            </a:r>
-            <a:r>
-              <a:rPr kumimoji="0" lang="ru-RU" altLang="ru-RU" sz="2000" b="1" i="0" u="none" strike="noStrike" cap="none" normalizeH="0" baseline="0" dirty="0" smtClean="0">
-                <a:ln>
-                  <a:noFill/>
-                </a:ln>
-                <a:solidFill>
-                  <a:srgbClr val="008080"/>
-                </a:solidFill>
-                <a:effectLst/>
-                <a:latin typeface="Courier New" panose="02070309020205020404" pitchFamily="49" charset="0"/>
-                <a:cs typeface="Courier New" panose="02070309020205020404" pitchFamily="49" charset="0"/>
-              </a:rPr>
               <a:t>"photos"</a:t>
             </a:r>
             <a:r>
-              <a:rPr kumimoji="0" lang="ru-RU" altLang="ru-RU" sz="2000" b="0" i="0" u="none" strike="noStrike" cap="none" normalizeH="0" baseline="0" dirty="0" smtClean="0">
+              <a:rPr kumimoji="0" lang="ru-RU" altLang="ru-RU" sz="2000" b="0" i="0" u="none" strike="noStrike" cap="none" normalizeH="0" baseline="0" dirty="0">
                 <a:ln>
                   <a:noFill/>
                 </a:ln>
@@ -12475,7 +11909,7 @@
               </a:rPr>
               <a:t>: photos})</a:t>
             </a:r>
-            <a:endParaRPr kumimoji="0" lang="ru-RU" altLang="ru-RU" sz="4400" b="0" i="0" u="none" strike="noStrike" cap="none" normalizeH="0" baseline="0" dirty="0" smtClean="0">
+            <a:endParaRPr kumimoji="0" lang="ru-RU" altLang="ru-RU" sz="4400" b="0" i="0" u="none" strike="noStrike" cap="none" normalizeH="0" baseline="0" dirty="0">
               <a:ln>
                 <a:noFill/>
               </a:ln>
@@ -12750,10 +12184,9 @@
           <a:lstStyle/>
           <a:p>
             <a:r>
-              <a:rPr lang="ru-RU" dirty="0" smtClean="0"/>
+              <a:rPr lang="ru-RU" dirty="0"/>
               <a:t>Создание галереи изображений</a:t>
             </a:r>
-            <a:endParaRPr lang="ru-RU" dirty="0"/>
           </a:p>
         </p:txBody>
       </p:sp>
@@ -12767,13 +12200,6 @@
   <p:clrMapOvr>
     <a:masterClrMapping/>
   </p:clrMapOvr>
-  <p:timing>
-    <p:tnLst>
-      <p:par>
-        <p:cTn id="1" dur="indefinite" restart="never" nodeType="tmRoot"/>
-      </p:par>
-    </p:tnLst>
-  </p:timing>
 </p:sld>
 </file>
 
@@ -12838,80 +12264,30 @@
           <a:p>
             <a:r>
               <a:rPr lang="ru-RU" dirty="0"/>
-              <a:t>Б</a:t>
-            </a:r>
-            <a:r>
-              <a:rPr lang="ru-RU" dirty="0" smtClean="0"/>
-              <a:t>иблиотека </a:t>
-            </a:r>
+              <a:t>Библиотека easy-thumbnails позволяет создавать на основе графических изображений миниатюры. </a:t>
+            </a:r>
+          </a:p>
+          <a:p>
             <a:r>
               <a:rPr lang="ru-RU" dirty="0"/>
-              <a:t>easy-thumbnails позволяет создавать </a:t>
-            </a:r>
-            <a:r>
-              <a:rPr lang="ru-RU" dirty="0" smtClean="0"/>
-              <a:t>на основе </a:t>
-            </a:r>
+              <a:t>Эти миниатюры сохраняются ( кэшируются) в особой папке, чтобы исключить их повторное создание при следующем запросе.</a:t>
+            </a:r>
+          </a:p>
+          <a:p>
             <a:r>
               <a:rPr lang="ru-RU" dirty="0"/>
-              <a:t>графических изображений миниатюры. </a:t>
-            </a:r>
-            <a:endParaRPr lang="ru-RU" dirty="0" smtClean="0"/>
-          </a:p>
-          <a:p>
-            <a:r>
-              <a:rPr lang="ru-RU" dirty="0" smtClean="0"/>
-              <a:t>Эти </a:t>
-            </a:r>
-            <a:r>
-              <a:rPr lang="ru-RU" dirty="0"/>
-              <a:t>миниатюры </a:t>
-            </a:r>
-            <a:r>
-              <a:rPr lang="ru-RU" dirty="0" smtClean="0"/>
-              <a:t>сохраняются ( </a:t>
-            </a:r>
-            <a:r>
-              <a:rPr lang="ru-RU" dirty="0"/>
-              <a:t>кэшируются) в особой папке, чтобы исключить их повторное создание при </a:t>
-            </a:r>
-            <a:r>
-              <a:rPr lang="ru-RU" dirty="0" smtClean="0"/>
-              <a:t>следующем запросе.</a:t>
-            </a:r>
-          </a:p>
-          <a:p>
-            <a:r>
-              <a:rPr lang="ru-RU" dirty="0" smtClean="0"/>
-              <a:t>Библиотека </a:t>
-            </a:r>
-            <a:r>
-              <a:rPr lang="ru-RU" dirty="0"/>
-              <a:t>easy-thumbnails доступна по интернет-адресу </a:t>
-            </a:r>
-            <a:r>
-              <a:rPr lang="ru-RU" dirty="0" smtClean="0">
-                <a:hlinkClick r:id="rId2"/>
-              </a:rPr>
-              <a:t>https</a:t>
+              <a:t>Библиотека easy-thumbnails доступна по интернет-адресу </a:t>
             </a:r>
             <a:r>
               <a:rPr lang="ru-RU" dirty="0">
                 <a:hlinkClick r:id="rId2"/>
               </a:rPr>
-              <a:t>://</a:t>
-            </a:r>
-            <a:r>
-              <a:rPr lang="ru-RU" dirty="0" smtClean="0">
-                <a:hlinkClick r:id="rId2"/>
-              </a:rPr>
-              <a:t>gitbub.com/SmileyCbris/easy-tbumbnails</a:t>
-            </a:r>
-            <a:r>
-              <a:rPr lang="ru-RU" dirty="0" smtClean="0"/>
+              <a:t>https://gitbub.com/SmileyCbris/easy-tbumbnails</a:t>
+            </a:r>
+            <a:r>
+              <a:rPr lang="ru-RU" dirty="0"/>
               <a:t> </a:t>
             </a:r>
-            <a:endParaRPr lang="ru-RU" dirty="0"/>
           </a:p>
         </p:txBody>
       </p:sp>
@@ -12925,13 +12301,6 @@
   <p:clrMapOvr>
     <a:masterClrMapping/>
   </p:clrMapOvr>
-  <p:timing>
-    <p:tnLst>
-      <p:par>
-        <p:cTn id="1" dur="indefinite" restart="never" nodeType="tmRoot"/>
-      </p:par>
-    </p:tnLst>
-  </p:timing>
 </p:sld>
 </file>
 
@@ -12990,11 +12359,11 @@
           <a:lstStyle/>
           <a:p>
             <a:r>
-              <a:rPr lang="ru-RU" dirty="0" smtClean="0"/>
+              <a:rPr lang="ru-RU" dirty="0"/>
               <a:t>Добавляем в список приложений (файл </a:t>
             </a:r>
             <a:r>
-              <a:rPr lang="en-US" dirty="0" smtClean="0"/>
+              <a:rPr lang="en-US" dirty="0"/>
               <a:t>settings.py)</a:t>
             </a:r>
           </a:p>
@@ -13074,7 +12443,7 @@
               <a:tabLst/>
             </a:pPr>
             <a:r>
-              <a:rPr kumimoji="0" lang="ru-RU" altLang="ru-RU" sz="2400" b="0" i="0" u="none" strike="noStrike" cap="none" normalizeH="0" baseline="0" dirty="0" smtClean="0">
+              <a:rPr kumimoji="0" lang="ru-RU" altLang="ru-RU" sz="2400" b="0" i="0" u="none" strike="noStrike" cap="none" normalizeH="0" baseline="0" dirty="0">
                 <a:ln>
                   <a:noFill/>
                 </a:ln>
@@ -13088,7 +12457,7 @@
               <a:t>INSTALLED_APPS = [</a:t>
             </a:r>
             <a:br>
-              <a:rPr kumimoji="0" lang="ru-RU" altLang="ru-RU" sz="2400" b="0" i="0" u="none" strike="noStrike" cap="none" normalizeH="0" baseline="0" dirty="0" smtClean="0">
+              <a:rPr kumimoji="0" lang="ru-RU" altLang="ru-RU" sz="2400" b="0" i="0" u="none" strike="noStrike" cap="none" normalizeH="0" baseline="0" dirty="0">
                 <a:ln>
                   <a:noFill/>
                 </a:ln>
@@ -13101,7 +12470,7 @@
               </a:rPr>
             </a:br>
             <a:r>
-              <a:rPr kumimoji="0" lang="ru-RU" altLang="ru-RU" sz="2400" b="0" i="0" u="none" strike="noStrike" cap="none" normalizeH="0" baseline="0" dirty="0" smtClean="0">
+              <a:rPr kumimoji="0" lang="ru-RU" altLang="ru-RU" sz="2400" b="0" i="0" u="none" strike="noStrike" cap="none" normalizeH="0" baseline="0" dirty="0">
                 <a:ln>
                   <a:noFill/>
                 </a:ln>
@@ -13115,7 +12484,7 @@
               <a:t>    </a:t>
             </a:r>
             <a:r>
-              <a:rPr kumimoji="0" lang="ru-RU" altLang="ru-RU" sz="2400" b="1" i="0" u="none" strike="noStrike" cap="none" normalizeH="0" baseline="0" dirty="0" smtClean="0">
+              <a:rPr kumimoji="0" lang="ru-RU" altLang="ru-RU" sz="2400" b="1" i="0" u="none" strike="noStrike" cap="none" normalizeH="0" baseline="0" dirty="0">
                 <a:ln>
                   <a:noFill/>
                 </a:ln>
@@ -13129,7 +12498,7 @@
               <a:t>'django.contrib.admin'</a:t>
             </a:r>
             <a:r>
-              <a:rPr kumimoji="0" lang="ru-RU" altLang="ru-RU" sz="2400" b="0" i="0" u="none" strike="noStrike" cap="none" normalizeH="0" baseline="0" dirty="0" smtClean="0">
+              <a:rPr kumimoji="0" lang="ru-RU" altLang="ru-RU" sz="2400" b="0" i="0" u="none" strike="noStrike" cap="none" normalizeH="0" baseline="0" dirty="0">
                 <a:ln>
                   <a:noFill/>
                 </a:ln>
@@ -13143,7 +12512,7 @@
               <a:t>,</a:t>
             </a:r>
             <a:br>
-              <a:rPr kumimoji="0" lang="ru-RU" altLang="ru-RU" sz="2400" b="0" i="0" u="none" strike="noStrike" cap="none" normalizeH="0" baseline="0" dirty="0" smtClean="0">
+              <a:rPr kumimoji="0" lang="ru-RU" altLang="ru-RU" sz="2400" b="0" i="0" u="none" strike="noStrike" cap="none" normalizeH="0" baseline="0" dirty="0">
                 <a:ln>
                   <a:noFill/>
                 </a:ln>
@@ -13156,7 +12525,7 @@
               </a:rPr>
             </a:br>
             <a:r>
-              <a:rPr kumimoji="0" lang="ru-RU" altLang="ru-RU" sz="2400" b="0" i="0" u="none" strike="noStrike" cap="none" normalizeH="0" baseline="0" dirty="0" smtClean="0">
+              <a:rPr kumimoji="0" lang="ru-RU" altLang="ru-RU" sz="2400" b="0" i="0" u="none" strike="noStrike" cap="none" normalizeH="0" baseline="0" dirty="0">
                 <a:ln>
                   <a:noFill/>
                 </a:ln>
@@ -13170,7 +12539,7 @@
               <a:t>    </a:t>
             </a:r>
             <a:r>
-              <a:rPr kumimoji="0" lang="ru-RU" altLang="ru-RU" sz="2400" b="1" i="0" u="none" strike="noStrike" cap="none" normalizeH="0" baseline="0" dirty="0" smtClean="0">
+              <a:rPr kumimoji="0" lang="ru-RU" altLang="ru-RU" sz="2400" b="1" i="0" u="none" strike="noStrike" cap="none" normalizeH="0" baseline="0" dirty="0">
                 <a:ln>
                   <a:noFill/>
                 </a:ln>
@@ -13184,7 +12553,7 @@
               <a:t>'django.contrib.auth'</a:t>
             </a:r>
             <a:r>
-              <a:rPr kumimoji="0" lang="ru-RU" altLang="ru-RU" sz="2400" b="0" i="0" u="none" strike="noStrike" cap="none" normalizeH="0" baseline="0" dirty="0" smtClean="0">
+              <a:rPr kumimoji="0" lang="ru-RU" altLang="ru-RU" sz="2400" b="0" i="0" u="none" strike="noStrike" cap="none" normalizeH="0" baseline="0" dirty="0">
                 <a:ln>
                   <a:noFill/>
                 </a:ln>
@@ -13198,7 +12567,7 @@
               <a:t>,</a:t>
             </a:r>
             <a:br>
-              <a:rPr kumimoji="0" lang="ru-RU" altLang="ru-RU" sz="2400" b="0" i="0" u="none" strike="noStrike" cap="none" normalizeH="0" baseline="0" dirty="0" smtClean="0">
+              <a:rPr kumimoji="0" lang="ru-RU" altLang="ru-RU" sz="2400" b="0" i="0" u="none" strike="noStrike" cap="none" normalizeH="0" baseline="0" dirty="0">
                 <a:ln>
                   <a:noFill/>
                 </a:ln>
@@ -13211,7 +12580,7 @@
               </a:rPr>
             </a:br>
             <a:r>
-              <a:rPr kumimoji="0" lang="ru-RU" altLang="ru-RU" sz="2400" b="0" i="0" u="none" strike="noStrike" cap="none" normalizeH="0" baseline="0" dirty="0" smtClean="0">
+              <a:rPr kumimoji="0" lang="ru-RU" altLang="ru-RU" sz="2400" b="0" i="0" u="none" strike="noStrike" cap="none" normalizeH="0" baseline="0" dirty="0">
                 <a:ln>
                   <a:noFill/>
                 </a:ln>
@@ -13225,7 +12594,7 @@
               <a:t>    </a:t>
             </a:r>
             <a:r>
-              <a:rPr kumimoji="0" lang="ru-RU" altLang="ru-RU" sz="2400" b="1" i="0" u="none" strike="noStrike" cap="none" normalizeH="0" baseline="0" dirty="0" smtClean="0">
+              <a:rPr kumimoji="0" lang="ru-RU" altLang="ru-RU" sz="2400" b="1" i="0" u="none" strike="noStrike" cap="none" normalizeH="0" baseline="0" dirty="0">
                 <a:ln>
                   <a:noFill/>
                 </a:ln>
@@ -13239,7 +12608,7 @@
               <a:t>'django.contrib.contenttypes'</a:t>
             </a:r>
             <a:r>
-              <a:rPr kumimoji="0" lang="ru-RU" altLang="ru-RU" sz="2400" b="0" i="0" u="none" strike="noStrike" cap="none" normalizeH="0" baseline="0" dirty="0" smtClean="0">
+              <a:rPr kumimoji="0" lang="ru-RU" altLang="ru-RU" sz="2400" b="0" i="0" u="none" strike="noStrike" cap="none" normalizeH="0" baseline="0" dirty="0">
                 <a:ln>
                   <a:noFill/>
                 </a:ln>
@@ -13253,7 +12622,7 @@
               <a:t>,</a:t>
             </a:r>
             <a:br>
-              <a:rPr kumimoji="0" lang="ru-RU" altLang="ru-RU" sz="2400" b="0" i="0" u="none" strike="noStrike" cap="none" normalizeH="0" baseline="0" dirty="0" smtClean="0">
+              <a:rPr kumimoji="0" lang="ru-RU" altLang="ru-RU" sz="2400" b="0" i="0" u="none" strike="noStrike" cap="none" normalizeH="0" baseline="0" dirty="0">
                 <a:ln>
                   <a:noFill/>
                 </a:ln>
@@ -13266,7 +12635,7 @@
               </a:rPr>
             </a:br>
             <a:r>
-              <a:rPr kumimoji="0" lang="ru-RU" altLang="ru-RU" sz="2400" b="0" i="0" u="none" strike="noStrike" cap="none" normalizeH="0" baseline="0" dirty="0" smtClean="0">
+              <a:rPr kumimoji="0" lang="ru-RU" altLang="ru-RU" sz="2400" b="0" i="0" u="none" strike="noStrike" cap="none" normalizeH="0" baseline="0" dirty="0">
                 <a:ln>
                   <a:noFill/>
                 </a:ln>
@@ -13280,7 +12649,7 @@
               <a:t>    </a:t>
             </a:r>
             <a:r>
-              <a:rPr kumimoji="0" lang="ru-RU" altLang="ru-RU" sz="2400" b="1" i="0" u="none" strike="noStrike" cap="none" normalizeH="0" baseline="0" dirty="0" smtClean="0">
+              <a:rPr kumimoji="0" lang="ru-RU" altLang="ru-RU" sz="2400" b="1" i="0" u="none" strike="noStrike" cap="none" normalizeH="0" baseline="0" dirty="0">
                 <a:ln>
                   <a:noFill/>
                 </a:ln>
@@ -13294,7 +12663,7 @@
               <a:t>'django.contrib.sessions'</a:t>
             </a:r>
             <a:r>
-              <a:rPr kumimoji="0" lang="ru-RU" altLang="ru-RU" sz="2400" b="0" i="0" u="none" strike="noStrike" cap="none" normalizeH="0" baseline="0" dirty="0" smtClean="0">
+              <a:rPr kumimoji="0" lang="ru-RU" altLang="ru-RU" sz="2400" b="0" i="0" u="none" strike="noStrike" cap="none" normalizeH="0" baseline="0" dirty="0">
                 <a:ln>
                   <a:noFill/>
                 </a:ln>
@@ -13308,7 +12677,7 @@
               <a:t>,</a:t>
             </a:r>
             <a:br>
-              <a:rPr kumimoji="0" lang="ru-RU" altLang="ru-RU" sz="2400" b="0" i="0" u="none" strike="noStrike" cap="none" normalizeH="0" baseline="0" dirty="0" smtClean="0">
+              <a:rPr kumimoji="0" lang="ru-RU" altLang="ru-RU" sz="2400" b="0" i="0" u="none" strike="noStrike" cap="none" normalizeH="0" baseline="0" dirty="0">
                 <a:ln>
                   <a:noFill/>
                 </a:ln>
@@ -13321,7 +12690,7 @@
               </a:rPr>
             </a:br>
             <a:r>
-              <a:rPr kumimoji="0" lang="ru-RU" altLang="ru-RU" sz="2400" b="0" i="0" u="none" strike="noStrike" cap="none" normalizeH="0" baseline="0" dirty="0" smtClean="0">
+              <a:rPr kumimoji="0" lang="ru-RU" altLang="ru-RU" sz="2400" b="0" i="0" u="none" strike="noStrike" cap="none" normalizeH="0" baseline="0" dirty="0">
                 <a:ln>
                   <a:noFill/>
                 </a:ln>
@@ -13335,7 +12704,7 @@
               <a:t>    </a:t>
             </a:r>
             <a:r>
-              <a:rPr kumimoji="0" lang="ru-RU" altLang="ru-RU" sz="2400" b="1" i="0" u="none" strike="noStrike" cap="none" normalizeH="0" baseline="0" dirty="0" smtClean="0">
+              <a:rPr kumimoji="0" lang="ru-RU" altLang="ru-RU" sz="2400" b="1" i="0" u="none" strike="noStrike" cap="none" normalizeH="0" baseline="0" dirty="0">
                 <a:ln>
                   <a:noFill/>
                 </a:ln>
@@ -13349,7 +12718,7 @@
               <a:t>'django.contrib.messages'</a:t>
             </a:r>
             <a:r>
-              <a:rPr kumimoji="0" lang="ru-RU" altLang="ru-RU" sz="2400" b="0" i="0" u="none" strike="noStrike" cap="none" normalizeH="0" baseline="0" dirty="0" smtClean="0">
+              <a:rPr kumimoji="0" lang="ru-RU" altLang="ru-RU" sz="2400" b="0" i="0" u="none" strike="noStrike" cap="none" normalizeH="0" baseline="0" dirty="0">
                 <a:ln>
                   <a:noFill/>
                 </a:ln>
@@ -13363,7 +12732,7 @@
               <a:t>,</a:t>
             </a:r>
             <a:br>
-              <a:rPr kumimoji="0" lang="ru-RU" altLang="ru-RU" sz="2400" b="0" i="0" u="none" strike="noStrike" cap="none" normalizeH="0" baseline="0" dirty="0" smtClean="0">
+              <a:rPr kumimoji="0" lang="ru-RU" altLang="ru-RU" sz="2400" b="0" i="0" u="none" strike="noStrike" cap="none" normalizeH="0" baseline="0" dirty="0">
                 <a:ln>
                   <a:noFill/>
                 </a:ln>
@@ -13376,7 +12745,7 @@
               </a:rPr>
             </a:br>
             <a:r>
-              <a:rPr kumimoji="0" lang="ru-RU" altLang="ru-RU" sz="2400" b="0" i="0" u="none" strike="noStrike" cap="none" normalizeH="0" baseline="0" dirty="0" smtClean="0">
+              <a:rPr kumimoji="0" lang="ru-RU" altLang="ru-RU" sz="2400" b="0" i="0" u="none" strike="noStrike" cap="none" normalizeH="0" baseline="0" dirty="0">
                 <a:ln>
                   <a:noFill/>
                 </a:ln>
@@ -13390,7 +12759,7 @@
               <a:t>    </a:t>
             </a:r>
             <a:r>
-              <a:rPr kumimoji="0" lang="ru-RU" altLang="ru-RU" sz="2400" b="1" i="0" u="none" strike="noStrike" cap="none" normalizeH="0" baseline="0" dirty="0" smtClean="0">
+              <a:rPr kumimoji="0" lang="ru-RU" altLang="ru-RU" sz="2400" b="1" i="0" u="none" strike="noStrike" cap="none" normalizeH="0" baseline="0" dirty="0">
                 <a:ln>
                   <a:noFill/>
                 </a:ln>
@@ -13404,7 +12773,7 @@
               <a:t>'django.contrib.staticfiles'</a:t>
             </a:r>
             <a:r>
-              <a:rPr kumimoji="0" lang="ru-RU" altLang="ru-RU" sz="2400" b="0" i="0" u="none" strike="noStrike" cap="none" normalizeH="0" baseline="0" dirty="0" smtClean="0">
+              <a:rPr kumimoji="0" lang="ru-RU" altLang="ru-RU" sz="2400" b="0" i="0" u="none" strike="noStrike" cap="none" normalizeH="0" baseline="0" dirty="0">
                 <a:ln>
                   <a:noFill/>
                 </a:ln>
@@ -13418,7 +12787,7 @@
               <a:t>,</a:t>
             </a:r>
             <a:br>
-              <a:rPr kumimoji="0" lang="ru-RU" altLang="ru-RU" sz="2400" b="0" i="0" u="none" strike="noStrike" cap="none" normalizeH="0" baseline="0" dirty="0" smtClean="0">
+              <a:rPr kumimoji="0" lang="ru-RU" altLang="ru-RU" sz="2400" b="0" i="0" u="none" strike="noStrike" cap="none" normalizeH="0" baseline="0" dirty="0">
                 <a:ln>
                   <a:noFill/>
                 </a:ln>
@@ -13431,7 +12800,7 @@
               </a:rPr>
             </a:br>
             <a:r>
-              <a:rPr kumimoji="0" lang="ru-RU" altLang="ru-RU" sz="2400" b="0" i="0" u="none" strike="noStrike" cap="none" normalizeH="0" baseline="0" dirty="0" smtClean="0">
+              <a:rPr kumimoji="0" lang="ru-RU" altLang="ru-RU" sz="2400" b="0" i="0" u="none" strike="noStrike" cap="none" normalizeH="0" baseline="0" dirty="0">
                 <a:ln>
                   <a:noFill/>
                 </a:ln>
@@ -13445,7 +12814,7 @@
               <a:t>    </a:t>
             </a:r>
             <a:r>
-              <a:rPr kumimoji="0" lang="ru-RU" altLang="ru-RU" sz="2400" b="1" i="0" u="none" strike="noStrike" cap="none" normalizeH="0" baseline="0" dirty="0" smtClean="0">
+              <a:rPr kumimoji="0" lang="ru-RU" altLang="ru-RU" sz="2400" b="1" i="0" u="none" strike="noStrike" cap="none" normalizeH="0" baseline="0" dirty="0">
                 <a:ln>
                   <a:noFill/>
                 </a:ln>
@@ -13459,7 +12828,7 @@
               <a:t>'blog'</a:t>
             </a:r>
             <a:r>
-              <a:rPr kumimoji="0" lang="ru-RU" altLang="ru-RU" sz="2400" b="0" i="0" u="none" strike="noStrike" cap="none" normalizeH="0" baseline="0" dirty="0" smtClean="0">
+              <a:rPr kumimoji="0" lang="ru-RU" altLang="ru-RU" sz="2400" b="0" i="0" u="none" strike="noStrike" cap="none" normalizeH="0" baseline="0" dirty="0">
                 <a:ln>
                   <a:noFill/>
                 </a:ln>
@@ -13473,7 +12842,7 @@
               <a:t>,</a:t>
             </a:r>
             <a:br>
-              <a:rPr kumimoji="0" lang="ru-RU" altLang="ru-RU" sz="2400" b="0" i="0" u="none" strike="noStrike" cap="none" normalizeH="0" baseline="0" dirty="0" smtClean="0">
+              <a:rPr kumimoji="0" lang="ru-RU" altLang="ru-RU" sz="2400" b="0" i="0" u="none" strike="noStrike" cap="none" normalizeH="0" baseline="0" dirty="0">
                 <a:ln>
                   <a:noFill/>
                 </a:ln>
@@ -13486,7 +12855,7 @@
               </a:rPr>
             </a:br>
             <a:r>
-              <a:rPr kumimoji="0" lang="ru-RU" altLang="ru-RU" sz="2400" b="0" i="0" u="none" strike="noStrike" cap="none" normalizeH="0" baseline="0" dirty="0" smtClean="0">
+              <a:rPr kumimoji="0" lang="ru-RU" altLang="ru-RU" sz="2400" b="0" i="0" u="none" strike="noStrike" cap="none" normalizeH="0" baseline="0" dirty="0">
                 <a:ln>
                   <a:noFill/>
                 </a:ln>
@@ -13500,7 +12869,7 @@
               <a:t>    </a:t>
             </a:r>
             <a:r>
-              <a:rPr kumimoji="0" lang="ru-RU" altLang="ru-RU" sz="2400" b="1" i="0" u="none" strike="noStrike" cap="none" normalizeH="0" baseline="0" dirty="0" smtClean="0">
+              <a:rPr kumimoji="0" lang="ru-RU" altLang="ru-RU" sz="2400" b="1" i="0" u="none" strike="noStrike" cap="none" normalizeH="0" baseline="0" dirty="0">
                 <a:ln>
                   <a:noFill/>
                 </a:ln>
@@ -13514,7 +12883,7 @@
               <a:t>'crispy_forms'</a:t>
             </a:r>
             <a:r>
-              <a:rPr kumimoji="0" lang="ru-RU" altLang="ru-RU" sz="2400" b="0" i="0" u="none" strike="noStrike" cap="none" normalizeH="0" baseline="0" dirty="0" smtClean="0">
+              <a:rPr kumimoji="0" lang="ru-RU" altLang="ru-RU" sz="2400" b="0" i="0" u="none" strike="noStrike" cap="none" normalizeH="0" baseline="0" dirty="0">
                 <a:ln>
                   <a:noFill/>
                 </a:ln>
@@ -13528,7 +12897,7 @@
               <a:t>,</a:t>
             </a:r>
             <a:br>
-              <a:rPr kumimoji="0" lang="ru-RU" altLang="ru-RU" sz="2400" b="0" i="0" u="none" strike="noStrike" cap="none" normalizeH="0" baseline="0" dirty="0" smtClean="0">
+              <a:rPr kumimoji="0" lang="ru-RU" altLang="ru-RU" sz="2400" b="0" i="0" u="none" strike="noStrike" cap="none" normalizeH="0" baseline="0" dirty="0">
                 <a:ln>
                   <a:noFill/>
                 </a:ln>
@@ -13541,7 +12910,7 @@
               </a:rPr>
             </a:br>
             <a:r>
-              <a:rPr kumimoji="0" lang="ru-RU" altLang="ru-RU" sz="2400" b="0" i="0" u="none" strike="noStrike" cap="none" normalizeH="0" baseline="0" dirty="0" smtClean="0">
+              <a:rPr kumimoji="0" lang="ru-RU" altLang="ru-RU" sz="2400" b="0" i="0" u="none" strike="noStrike" cap="none" normalizeH="0" baseline="0" dirty="0">
                 <a:ln>
                   <a:noFill/>
                 </a:ln>
@@ -13555,7 +12924,7 @@
               <a:t>    </a:t>
             </a:r>
             <a:r>
-              <a:rPr kumimoji="0" lang="ru-RU" altLang="ru-RU" sz="2400" b="1" i="0" u="none" strike="noStrike" cap="none" normalizeH="0" baseline="0" dirty="0" smtClean="0">
+              <a:rPr kumimoji="0" lang="ru-RU" altLang="ru-RU" sz="2400" b="1" i="0" u="none" strike="noStrike" cap="none" normalizeH="0" baseline="0" dirty="0">
                 <a:ln>
                   <a:noFill/>
                 </a:ln>
@@ -13569,7 +12938,7 @@
               <a:t>'easy_thumbnails'</a:t>
             </a:r>
             <a:br>
-              <a:rPr kumimoji="0" lang="ru-RU" altLang="ru-RU" sz="2400" b="1" i="0" u="none" strike="noStrike" cap="none" normalizeH="0" baseline="0" dirty="0" smtClean="0">
+              <a:rPr kumimoji="0" lang="ru-RU" altLang="ru-RU" sz="2400" b="1" i="0" u="none" strike="noStrike" cap="none" normalizeH="0" baseline="0" dirty="0">
                 <a:ln>
                   <a:noFill/>
                 </a:ln>
@@ -13582,7 +12951,7 @@
               </a:rPr>
             </a:br>
             <a:r>
-              <a:rPr kumimoji="0" lang="ru-RU" altLang="ru-RU" sz="2400" b="0" i="0" u="none" strike="noStrike" cap="none" normalizeH="0" baseline="0" dirty="0" smtClean="0">
+              <a:rPr kumimoji="0" lang="ru-RU" altLang="ru-RU" sz="2400" b="0" i="0" u="none" strike="noStrike" cap="none" normalizeH="0" baseline="0" dirty="0">
                 <a:ln>
                   <a:noFill/>
                 </a:ln>
@@ -13595,7 +12964,7 @@
               </a:rPr>
               <a:t>]</a:t>
             </a:r>
-            <a:endParaRPr kumimoji="0" lang="ru-RU" altLang="ru-RU" sz="4800" b="0" i="0" u="none" strike="noStrike" cap="none" normalizeH="0" baseline="0" dirty="0" smtClean="0">
+            <a:endParaRPr kumimoji="0" lang="ru-RU" altLang="ru-RU" sz="4800" b="0" i="0" u="none" strike="noStrike" cap="none" normalizeH="0" baseline="0" dirty="0">
               <a:ln>
                 <a:noFill/>
               </a:ln>
@@ -13870,10 +13239,9 @@
           <a:lstStyle/>
           <a:p>
             <a:r>
-              <a:rPr lang="ru-RU" dirty="0" smtClean="0"/>
+              <a:rPr lang="ru-RU" dirty="0"/>
               <a:t>Аутентификация</a:t>
             </a:r>
-            <a:endParaRPr lang="ru-RU" dirty="0"/>
           </a:p>
         </p:txBody>
       </p:sp>
@@ -13893,64 +13261,30 @@
           <a:lstStyle/>
           <a:p>
             <a:r>
-              <a:rPr lang="ru-RU" dirty="0" smtClean="0"/>
-              <a:t>Django </a:t>
-            </a:r>
-            <a:r>
               <a:rPr lang="ru-RU" dirty="0"/>
-              <a:t>отвечает за </a:t>
-            </a:r>
-            <a:r>
-              <a:rPr lang="ru-RU" dirty="0" smtClean="0"/>
-              <a:t>аутентификацию </a:t>
+              <a:t>Django отвечает за аутентификацию и авторизацию. </a:t>
+            </a:r>
+            <a:endParaRPr lang="en-US" dirty="0"/>
+          </a:p>
+          <a:p>
+            <a:r>
+              <a:rPr lang="ru-RU" b="1" dirty="0"/>
+              <a:t>Аутентификация</a:t>
             </a:r>
             <a:r>
               <a:rPr lang="ru-RU" dirty="0"/>
-              <a:t>и авторизацию. </a:t>
-            </a:r>
-            <a:endParaRPr lang="en-US" dirty="0" smtClean="0"/>
+              <a:t> проверяет пользователя</a:t>
+            </a:r>
           </a:p>
           <a:p>
             <a:r>
               <a:rPr lang="ru-RU" b="1" dirty="0"/>
-              <a:t>А</a:t>
-            </a:r>
-            <a:r>
-              <a:rPr lang="ru-RU" b="1" dirty="0" smtClean="0"/>
-              <a:t>утентификация</a:t>
-            </a:r>
-            <a:r>
-              <a:rPr lang="ru-RU" dirty="0" smtClean="0"/>
-              <a:t> </a:t>
+              <a:t>Авторизация</a:t>
             </a:r>
             <a:r>
               <a:rPr lang="ru-RU" dirty="0"/>
-              <a:t>проверяет </a:t>
-            </a:r>
-            <a:r>
-              <a:rPr lang="ru-RU" dirty="0" smtClean="0"/>
-              <a:t>пользователя</a:t>
-            </a:r>
-            <a:endParaRPr lang="ru-RU" dirty="0"/>
-          </a:p>
-          <a:p>
-            <a:r>
-              <a:rPr lang="ru-RU" b="1" dirty="0" smtClean="0"/>
-              <a:t>Авторизация</a:t>
-            </a:r>
-            <a:r>
-              <a:rPr lang="ru-RU" dirty="0" smtClean="0"/>
-              <a:t> </a:t>
-            </a:r>
-            <a:r>
-              <a:rPr lang="ru-RU" dirty="0"/>
-              <a:t>определяет, что аутентифицированный пользователь может </a:t>
-            </a:r>
-            <a:r>
-              <a:rPr lang="ru-RU" dirty="0" smtClean="0"/>
-              <a:t>делать</a:t>
-            </a:r>
-            <a:endParaRPr lang="ru-RU" dirty="0" smtClean="0"/>
+              <a:t> определяет, что аутентифицированный пользователь может делать</a:t>
+            </a:r>
           </a:p>
         </p:txBody>
       </p:sp>
@@ -14200,35 +13534,31 @@
           <a:p>
             <a:r>
               <a:rPr lang="ru-RU" dirty="0"/>
-              <a:t>Перед тем как использовать их в коде шаблонов, нам следует загрузить </a:t>
-            </a:r>
-            <a:r>
-              <a:rPr lang="ru-RU" dirty="0" smtClean="0"/>
-              <a:t>модуль</a:t>
-            </a:r>
-            <a:r>
-              <a:rPr lang="en-US" dirty="0" smtClean="0"/>
+              <a:t>Перед тем как использовать их в коде шаблонов, нам следует загрузить модуль</a:t>
+            </a:r>
+            <a:r>
+              <a:rPr lang="en-US" dirty="0"/>
               <a:t> </a:t>
             </a:r>
             <a:r>
-              <a:rPr lang="ru-RU" dirty="0" smtClean="0"/>
+              <a:rPr lang="ru-RU" dirty="0"/>
               <a:t>thumЬnail шаблонизатора</a:t>
             </a:r>
-            <a:endParaRPr lang="en-US" dirty="0" smtClean="0"/>
-          </a:p>
-          <a:p>
             <a:endParaRPr lang="en-US" dirty="0"/>
           </a:p>
           <a:p>
-            <a:endParaRPr lang="en-US" dirty="0" smtClean="0"/>
-          </a:p>
-          <a:p>
-            <a:r>
-              <a:rPr lang="ru-RU" dirty="0" smtClean="0"/>
+            <a:endParaRPr lang="en-US" dirty="0"/>
+          </a:p>
+          <a:p>
+            <a:endParaRPr lang="en-US" dirty="0"/>
+          </a:p>
+          <a:p>
+            <a:r>
+              <a:rPr lang="ru-RU" dirty="0"/>
               <a:t>После этого можно выводить миниатюры используя тег </a:t>
             </a:r>
             <a:r>
-              <a:rPr lang="en-US" dirty="0" smtClean="0"/>
+              <a:rPr lang="en-US" dirty="0"/>
               <a:t>thumbnail:</a:t>
             </a:r>
             <a:endParaRPr lang="ru-RU" dirty="0"/>
@@ -14306,7 +13636,7 @@
               <a:tabLst/>
             </a:pPr>
             <a:r>
-              <a:rPr kumimoji="0" lang="ru-RU" altLang="ru-RU" sz="2000" b="0" i="0" u="none" strike="noStrike" cap="none" normalizeH="0" baseline="0" dirty="0" smtClean="0">
+              <a:rPr kumimoji="0" lang="ru-RU" altLang="ru-RU" sz="2000" b="0" i="0" u="none" strike="noStrike" cap="none" normalizeH="0" baseline="0" dirty="0">
                 <a:ln>
                   <a:noFill/>
                 </a:ln>
@@ -14320,7 +13650,7 @@
               <a:t>{% </a:t>
             </a:r>
             <a:r>
-              <a:rPr kumimoji="0" lang="ru-RU" altLang="ru-RU" sz="2000" b="1" i="0" u="none" strike="noStrike" cap="none" normalizeH="0" baseline="0" dirty="0" smtClean="0">
+              <a:rPr kumimoji="0" lang="ru-RU" altLang="ru-RU" sz="2000" b="1" i="0" u="none" strike="noStrike" cap="none" normalizeH="0" baseline="0" dirty="0">
                 <a:ln>
                   <a:noFill/>
                 </a:ln>
@@ -14334,7 +13664,7 @@
               <a:t>load </a:t>
             </a:r>
             <a:r>
-              <a:rPr kumimoji="0" lang="ru-RU" altLang="ru-RU" sz="2000" b="1" i="0" u="none" strike="noStrike" cap="none" normalizeH="0" baseline="0" dirty="0" smtClean="0">
+              <a:rPr kumimoji="0" lang="ru-RU" altLang="ru-RU" sz="2000" b="1" i="0" u="none" strike="noStrike" cap="none" normalizeH="0" baseline="0" dirty="0">
                 <a:ln>
                   <a:noFill/>
                 </a:ln>
@@ -14348,7 +13678,7 @@
               <a:t>thumbnail </a:t>
             </a:r>
             <a:r>
-              <a:rPr kumimoji="0" lang="ru-RU" altLang="ru-RU" sz="2000" b="0" i="0" u="none" strike="noStrike" cap="none" normalizeH="0" baseline="0" dirty="0" smtClean="0">
+              <a:rPr kumimoji="0" lang="ru-RU" altLang="ru-RU" sz="2000" b="0" i="0" u="none" strike="noStrike" cap="none" normalizeH="0" baseline="0" dirty="0">
                 <a:ln>
                   <a:noFill/>
                 </a:ln>
@@ -14361,7 +13691,7 @@
               </a:rPr>
               <a:t>%}</a:t>
             </a:r>
-            <a:endParaRPr kumimoji="0" lang="ru-RU" altLang="ru-RU" sz="4400" b="0" i="0" u="none" strike="noStrike" cap="none" normalizeH="0" baseline="0" dirty="0" smtClean="0">
+            <a:endParaRPr kumimoji="0" lang="ru-RU" altLang="ru-RU" sz="4400" b="0" i="0" u="none" strike="noStrike" cap="none" normalizeH="0" baseline="0" dirty="0">
               <a:ln>
                 <a:noFill/>
               </a:ln>
@@ -14445,7 +13775,7 @@
               <a:tabLst/>
             </a:pPr>
             <a:r>
-              <a:rPr kumimoji="0" lang="ru-RU" altLang="ru-RU" sz="2000" b="0" i="0" u="none" strike="noStrike" cap="none" normalizeH="0" baseline="0" dirty="0" smtClean="0">
+              <a:rPr kumimoji="0" lang="ru-RU" altLang="ru-RU" sz="2000" b="0" i="0" u="none" strike="noStrike" cap="none" normalizeH="0" baseline="0" dirty="0">
                 <a:ln>
                   <a:noFill/>
                 </a:ln>
@@ -14459,7 +13789,7 @@
               <a:t>&lt;</a:t>
             </a:r>
             <a:r>
-              <a:rPr kumimoji="0" lang="ru-RU" altLang="ru-RU" sz="2000" b="1" i="0" u="none" strike="noStrike" cap="none" normalizeH="0" baseline="0" dirty="0" smtClean="0">
+              <a:rPr kumimoji="0" lang="ru-RU" altLang="ru-RU" sz="2000" b="1" i="0" u="none" strike="noStrike" cap="none" normalizeH="0" baseline="0" dirty="0">
                 <a:ln>
                   <a:noFill/>
                 </a:ln>
@@ -14473,7 +13803,7 @@
               <a:t>img </a:t>
             </a:r>
             <a:r>
-              <a:rPr kumimoji="0" lang="en-US" altLang="ru-RU" sz="2000" b="1" i="0" u="none" strike="noStrike" cap="none" normalizeH="0" baseline="0" dirty="0" smtClean="0">
+              <a:rPr kumimoji="0" lang="en-US" altLang="ru-RU" sz="2000" b="1" i="0" u="none" strike="noStrike" cap="none" normalizeH="0" baseline="0" dirty="0">
                 <a:ln>
                   <a:noFill/>
                 </a:ln>
@@ -14487,7 +13817,7 @@
               <a:t> </a:t>
             </a:r>
             <a:r>
-              <a:rPr kumimoji="0" lang="ru-RU" altLang="ru-RU" sz="2000" b="1" i="0" u="none" strike="noStrike" cap="none" normalizeH="0" baseline="0" dirty="0" smtClean="0">
+              <a:rPr kumimoji="0" lang="ru-RU" altLang="ru-RU" sz="2000" b="1" i="0" u="none" strike="noStrike" cap="none" normalizeH="0" baseline="0" dirty="0">
                 <a:ln>
                   <a:noFill/>
                 </a:ln>
@@ -14501,7 +13831,7 @@
               <a:t>class=</a:t>
             </a:r>
             <a:r>
-              <a:rPr kumimoji="0" lang="ru-RU" altLang="ru-RU" sz="2000" b="1" i="0" u="none" strike="noStrike" cap="none" normalizeH="0" baseline="0" dirty="0" smtClean="0">
+              <a:rPr kumimoji="0" lang="ru-RU" altLang="ru-RU" sz="2000" b="1" i="0" u="none" strike="noStrike" cap="none" normalizeH="0" baseline="0" dirty="0">
                 <a:ln>
                   <a:noFill/>
                 </a:ln>
@@ -14514,7 +13844,7 @@
               </a:rPr>
               <a:t>"img-responsive" </a:t>
             </a:r>
-            <a:endParaRPr kumimoji="0" lang="en-US" altLang="ru-RU" sz="2000" b="1" i="0" u="none" strike="noStrike" cap="none" normalizeH="0" baseline="0" dirty="0" smtClean="0">
+            <a:endParaRPr kumimoji="0" lang="en-US" altLang="ru-RU" sz="2000" b="1" i="0" u="none" strike="noStrike" cap="none" normalizeH="0" baseline="0" dirty="0">
               <a:ln>
                 <a:noFill/>
               </a:ln>
@@ -14554,7 +13884,7 @@
               <a:t>	</a:t>
             </a:r>
             <a:r>
-              <a:rPr kumimoji="0" lang="ru-RU" altLang="ru-RU" sz="2000" b="1" i="0" u="none" strike="noStrike" cap="none" normalizeH="0" baseline="0" dirty="0" smtClean="0">
+              <a:rPr kumimoji="0" lang="ru-RU" altLang="ru-RU" sz="2000" b="1" i="0" u="none" strike="noStrike" cap="none" normalizeH="0" baseline="0" dirty="0">
                 <a:ln>
                   <a:noFill/>
                 </a:ln>
@@ -14568,7 +13898,7 @@
               <a:t>src=</a:t>
             </a:r>
             <a:r>
-              <a:rPr kumimoji="0" lang="ru-RU" altLang="ru-RU" sz="2000" b="1" i="0" u="none" strike="noStrike" cap="none" normalizeH="0" baseline="0" dirty="0" smtClean="0">
+              <a:rPr kumimoji="0" lang="ru-RU" altLang="ru-RU" sz="2000" b="1" i="0" u="none" strike="noStrike" cap="none" normalizeH="0" baseline="0" dirty="0">
                 <a:ln>
                   <a:noFill/>
                 </a:ln>
@@ -14582,7 +13912,7 @@
               <a:t>"</a:t>
             </a:r>
             <a:r>
-              <a:rPr kumimoji="0" lang="ru-RU" altLang="ru-RU" sz="2000" b="0" i="0" u="none" strike="noStrike" cap="none" normalizeH="0" baseline="0" dirty="0" smtClean="0">
+              <a:rPr kumimoji="0" lang="ru-RU" altLang="ru-RU" sz="2000" b="0" i="0" u="none" strike="noStrike" cap="none" normalizeH="0" baseline="0" dirty="0">
                 <a:ln>
                   <a:noFill/>
                 </a:ln>
@@ -14596,7 +13926,7 @@
               <a:t>{%  </a:t>
             </a:r>
             <a:r>
-              <a:rPr kumimoji="0" lang="ru-RU" altLang="ru-RU" sz="2000" b="1" i="0" u="none" strike="noStrike" cap="none" normalizeH="0" baseline="0" dirty="0" smtClean="0">
+              <a:rPr kumimoji="0" lang="ru-RU" altLang="ru-RU" sz="2000" b="1" i="0" u="none" strike="noStrike" cap="none" normalizeH="0" baseline="0" dirty="0">
                 <a:ln>
                   <a:noFill/>
                 </a:ln>
@@ -14610,7 +13940,7 @@
               <a:t>thumbnail </a:t>
             </a:r>
             <a:r>
-              <a:rPr kumimoji="0" lang="ru-RU" altLang="ru-RU" sz="2000" b="1" i="0" u="none" strike="noStrike" cap="none" normalizeH="0" baseline="0" dirty="0" smtClean="0">
+              <a:rPr kumimoji="0" lang="ru-RU" altLang="ru-RU" sz="2000" b="1" i="0" u="none" strike="noStrike" cap="none" normalizeH="0" baseline="0" dirty="0">
                 <a:ln>
                   <a:noFill/>
                 </a:ln>
@@ -14624,7 +13954,7 @@
               <a:t>photo</a:t>
             </a:r>
             <a:r>
-              <a:rPr kumimoji="0" lang="ru-RU" altLang="ru-RU" sz="2000" b="0" i="0" u="none" strike="noStrike" cap="none" normalizeH="0" baseline="0" dirty="0" smtClean="0">
+              <a:rPr kumimoji="0" lang="ru-RU" altLang="ru-RU" sz="2000" b="0" i="0" u="none" strike="noStrike" cap="none" normalizeH="0" baseline="0" dirty="0">
                 <a:ln>
                   <a:noFill/>
                 </a:ln>
@@ -14638,7 +13968,7 @@
               <a:t>.</a:t>
             </a:r>
             <a:r>
-              <a:rPr kumimoji="0" lang="ru-RU" altLang="ru-RU" sz="2000" b="1" i="0" u="none" strike="noStrike" cap="none" normalizeH="0" baseline="0" dirty="0" smtClean="0">
+              <a:rPr kumimoji="0" lang="ru-RU" altLang="ru-RU" sz="2000" b="1" i="0" u="none" strike="noStrike" cap="none" normalizeH="0" baseline="0" dirty="0">
                 <a:ln>
                   <a:noFill/>
                 </a:ln>
@@ -14652,7 +13982,7 @@
               <a:t>image 400x300 </a:t>
             </a:r>
             <a:r>
-              <a:rPr kumimoji="0" lang="ru-RU" altLang="ru-RU" sz="2000" b="0" i="0" u="none" strike="noStrike" cap="none" normalizeH="0" baseline="0" dirty="0" smtClean="0">
+              <a:rPr kumimoji="0" lang="ru-RU" altLang="ru-RU" sz="2000" b="0" i="0" u="none" strike="noStrike" cap="none" normalizeH="0" baseline="0" dirty="0">
                 <a:ln>
                   <a:noFill/>
                 </a:ln>
@@ -14666,7 +13996,7 @@
               <a:t>%}</a:t>
             </a:r>
             <a:r>
-              <a:rPr kumimoji="0" lang="ru-RU" altLang="ru-RU" sz="2000" b="1" i="0" u="none" strike="noStrike" cap="none" normalizeH="0" baseline="0" dirty="0" smtClean="0">
+              <a:rPr kumimoji="0" lang="ru-RU" altLang="ru-RU" sz="2000" b="1" i="0" u="none" strike="noStrike" cap="none" normalizeH="0" baseline="0" dirty="0">
                 <a:ln>
                   <a:noFill/>
                 </a:ln>
@@ -14680,7 +14010,7 @@
               <a:t>" </a:t>
             </a:r>
             <a:r>
-              <a:rPr kumimoji="0" lang="ru-RU" altLang="ru-RU" sz="2000" b="1" i="0" u="none" strike="noStrike" cap="none" normalizeH="0" baseline="0" dirty="0" smtClean="0">
+              <a:rPr kumimoji="0" lang="ru-RU" altLang="ru-RU" sz="2000" b="1" i="0" u="none" strike="noStrike" cap="none" normalizeH="0" baseline="0" dirty="0">
                 <a:ln>
                   <a:noFill/>
                 </a:ln>
@@ -14694,7 +14024,7 @@
               <a:t>alt=</a:t>
             </a:r>
             <a:r>
-              <a:rPr kumimoji="0" lang="ru-RU" altLang="ru-RU" sz="2000" b="1" i="0" u="none" strike="noStrike" cap="none" normalizeH="0" baseline="0" dirty="0" smtClean="0">
+              <a:rPr kumimoji="0" lang="ru-RU" altLang="ru-RU" sz="2000" b="1" i="0" u="none" strike="noStrike" cap="none" normalizeH="0" baseline="0" dirty="0">
                 <a:ln>
                   <a:noFill/>
                 </a:ln>
@@ -14708,7 +14038,7 @@
               <a:t>“</a:t>
             </a:r>
             <a:r>
-              <a:rPr kumimoji="0" lang="en-US" altLang="ru-RU" sz="2000" b="1" i="0" u="none" strike="noStrike" cap="none" normalizeH="0" baseline="0" smtClean="0">
+              <a:rPr kumimoji="0" lang="en-US" altLang="ru-RU" sz="2000" b="1" i="0" u="none" strike="noStrike" cap="none" normalizeH="0" baseline="0">
                 <a:ln>
                   <a:noFill/>
                 </a:ln>
@@ -14722,7 +14052,7 @@
               <a:t>photo</a:t>
             </a:r>
             <a:r>
-              <a:rPr kumimoji="0" lang="ru-RU" altLang="ru-RU" sz="2000" b="1" i="0" u="none" strike="noStrike" cap="none" normalizeH="0" baseline="0" smtClean="0">
+              <a:rPr kumimoji="0" lang="ru-RU" altLang="ru-RU" sz="2000" b="1" i="0" u="none" strike="noStrike" cap="none" normalizeH="0" baseline="0">
                 <a:ln>
                   <a:noFill/>
                 </a:ln>
@@ -14736,7 +14066,7 @@
               <a:t>"</a:t>
             </a:r>
             <a:r>
-              <a:rPr kumimoji="0" lang="ru-RU" altLang="ru-RU" sz="2000" b="0" i="0" u="none" strike="noStrike" cap="none" normalizeH="0" baseline="0" smtClean="0">
+              <a:rPr kumimoji="0" lang="ru-RU" altLang="ru-RU" sz="2000" b="0" i="0" u="none" strike="noStrike" cap="none" normalizeH="0" baseline="0">
                 <a:ln>
                   <a:noFill/>
                 </a:ln>
@@ -14749,7 +14079,7 @@
               </a:rPr>
               <a:t>&gt;</a:t>
             </a:r>
-            <a:endParaRPr kumimoji="0" lang="ru-RU" altLang="ru-RU" sz="4400" b="0" i="0" u="none" strike="noStrike" cap="none" normalizeH="0" baseline="0" dirty="0" smtClean="0">
+            <a:endParaRPr kumimoji="0" lang="ru-RU" altLang="ru-RU" sz="4400" b="0" i="0" u="none" strike="noStrike" cap="none" normalizeH="0" baseline="0" dirty="0">
               <a:ln>
                 <a:noFill/>
               </a:ln>
@@ -14772,13 +14102,6 @@
   <p:clrMapOvr>
     <a:masterClrMapping/>
   </p:clrMapOvr>
-  <p:timing>
-    <p:tnLst>
-      <p:par>
-        <p:cTn id="1" dur="indefinite" restart="never" nodeType="tmRoot"/>
-      </p:par>
-    </p:tnLst>
-  </p:timing>
 </p:sld>
 </file>
 
@@ -14853,30 +14176,14 @@
               <a:rPr lang="ru-RU" dirty="0"/>
               <a:t> - основа системы аутентификации. </a:t>
             </a:r>
-            <a:endParaRPr lang="en-US" dirty="0" smtClean="0"/>
-          </a:p>
-          <a:p>
-            <a:r>
-              <a:rPr lang="ru-RU" dirty="0" smtClean="0"/>
-              <a:t>Они </a:t>
-            </a:r>
+            <a:endParaRPr lang="en-US" dirty="0"/>
+          </a:p>
+          <a:p>
             <a:r>
               <a:rPr lang="ru-RU" dirty="0"/>
-              <a:t>представляют пользователей сайта и используются для проверки прав доступа, регистрации пользователей, </a:t>
-            </a:r>
-            <a:r>
-              <a:rPr lang="ru-RU" dirty="0" smtClean="0"/>
-              <a:t>ассоциации </a:t>
-            </a:r>
-            <a:r>
-              <a:rPr lang="ru-RU" dirty="0"/>
-              <a:t>данных с пользователями</a:t>
-            </a:r>
-            <a:r>
-              <a:rPr lang="ru-RU" dirty="0" smtClean="0"/>
-              <a:t>.</a:t>
-            </a:r>
-            <a:endParaRPr lang="en-US" dirty="0" smtClean="0"/>
+              <a:t>Они представляют пользователей сайта и используются для проверки прав доступа, регистрации пользователей, ассоциации данных с пользователями.</a:t>
+            </a:r>
+            <a:endParaRPr lang="en-US" dirty="0"/>
           </a:p>
           <a:p>
             <a:r>
@@ -14887,7 +14194,7 @@
           <a:p>
             <a:pPr lvl="1"/>
             <a:r>
-              <a:rPr lang="ru-RU" dirty="0" smtClean="0"/>
+              <a:rPr lang="ru-RU" dirty="0"/>
               <a:t>    </a:t>
             </a:r>
             <a:r>
@@ -15338,12 +14645,8 @@
           <a:lstStyle/>
           <a:p>
             <a:r>
-              <a:rPr lang="ru-RU" dirty="0" smtClean="0"/>
-              <a:t>Самый </a:t>
-            </a:r>
-            <a:r>
               <a:rPr lang="ru-RU" dirty="0"/>
-              <a:t>простой способ создать пользователя – использовать метод create_user():</a:t>
+              <a:t>Самый простой способ создать пользователя – использовать метод create_user():</a:t>
             </a:r>
           </a:p>
         </p:txBody>
@@ -15686,26 +14989,22 @@
           <a:p>
             <a:r>
               <a:rPr lang="ru-RU" dirty="0"/>
-              <a:t>Django не хранит пароль в открытом виде, хранится только хеш (смотрите раздел о работе с паролями). </a:t>
-            </a:r>
-            <a:endParaRPr lang="en-US" dirty="0" smtClean="0"/>
-          </a:p>
-          <a:p>
-            <a:r>
-              <a:rPr lang="ru-RU" dirty="0" smtClean="0"/>
-              <a:t>Именно </a:t>
+              <a:t>Django не хранит пароль в открытом виде, хранится только </a:t>
+            </a:r>
+            <a:r>
+              <a:rPr lang="ru-RU" dirty="0" err="1"/>
+              <a:t>хеш</a:t>
             </a:r>
             <a:r>
               <a:rPr lang="ru-RU" dirty="0"/>
-              <a:t>по этой причине </a:t>
-            </a:r>
-            <a:r>
-              <a:rPr lang="ru-RU" dirty="0" smtClean="0"/>
-              <a:t>пароль меняется через </a:t>
-            </a:r>
+              <a:t>. </a:t>
+            </a:r>
+            <a:endParaRPr lang="en-US" dirty="0"/>
+          </a:p>
+          <a:p>
             <a:r>
               <a:rPr lang="ru-RU" dirty="0"/>
-              <a:t>специальную функцию.</a:t>
+              <a:t>Именно по этой причине пароль меняется через специальную функцию.</a:t>
             </a:r>
           </a:p>
         </p:txBody>
@@ -16021,18 +15320,26 @@
           <a:p>
             <a:r>
               <a:rPr lang="ru-RU" dirty="0"/>
-              <a:t>Поддержка аутентификации скомпонована в виде модуля в django.contrib.auth. </a:t>
-            </a:r>
-            <a:endParaRPr lang="en-US" dirty="0" smtClean="0"/>
-          </a:p>
-          <a:p>
-            <a:r>
-              <a:rPr lang="ru-RU" dirty="0" smtClean="0"/>
-              <a:t>По </a:t>
+              <a:t>Поддержка аутентификации скомпонована в виде модуля в </a:t>
+            </a:r>
+            <a:r>
+              <a:rPr lang="ru-RU" b="1" dirty="0"/>
+              <a:t>django.contrib.auth</a:t>
             </a:r>
             <a:r>
               <a:rPr lang="ru-RU" dirty="0"/>
-              <a:t>умолчанию, требуемые настройки уже включены в settings.py</a:t>
+              <a:t>. </a:t>
+            </a:r>
+            <a:endParaRPr lang="en-US" dirty="0"/>
+          </a:p>
+          <a:p>
+            <a:r>
+              <a:rPr lang="ru-RU" dirty="0"/>
+              <a:t>По умолчанию, требуемые настройки уже включены в </a:t>
+            </a:r>
+            <a:r>
+              <a:rPr lang="ru-RU" b="1" dirty="0"/>
+              <a:t>settings.py</a:t>
             </a:r>
           </a:p>
         </p:txBody>
@@ -16234,21 +15541,9 @@
           <a:p>
             <a:r>
               <a:rPr lang="ru-RU" dirty="0"/>
-              <a:t>Django предоставляет несколько представлений, с помощью </a:t>
-            </a:r>
-            <a:r>
-              <a:rPr lang="ru-RU" dirty="0" smtClean="0"/>
-              <a:t>которых можно </a:t>
-            </a:r>
-            <a:r>
-              <a:rPr lang="ru-RU" dirty="0"/>
-              <a:t>осуществлять управление авторизацией пользователей и их паролями</a:t>
-            </a:r>
-            <a:r>
-              <a:rPr lang="ru-RU" dirty="0" smtClean="0"/>
-              <a:t>.</a:t>
-            </a:r>
-            <a:endParaRPr lang="en-US" dirty="0" smtClean="0"/>
+              <a:t>Django предоставляет несколько представлений, с помощью которых можно осуществлять управление авторизацией пользователей и их паролями.</a:t>
+            </a:r>
+            <a:endParaRPr lang="en-US" dirty="0"/>
           </a:p>
           <a:p>
             <a:r>
@@ -16263,22 +15558,12 @@
               <a:rPr lang="ru-RU" dirty="0"/>
               <a:t> предоставляет стандартного шаблона для представлений аутентификации. </a:t>
             </a:r>
-            <a:endParaRPr lang="ru-RU" dirty="0" smtClean="0"/>
-          </a:p>
-          <a:p>
-            <a:r>
-              <a:rPr lang="ru-RU" dirty="0" smtClean="0"/>
-              <a:t>Необходимо </a:t>
-            </a:r>
+          </a:p>
+          <a:p>
             <a:r>
               <a:rPr lang="ru-RU" dirty="0"/>
-              <a:t>создать свой собственный шаблон для </a:t>
-            </a:r>
-            <a:r>
-              <a:rPr lang="ru-RU" dirty="0" smtClean="0"/>
-              <a:t>представлений аутентификации</a:t>
-            </a:r>
-            <a:endParaRPr lang="ru-RU" dirty="0"/>
+              <a:t>Необходимо создать свой собственный шаблон для представлений аутентификации</a:t>
+            </a:r>
           </a:p>
         </p:txBody>
       </p:sp>
@@ -16530,20 +15815,8 @@
               <a:buNone/>
             </a:pPr>
             <a:r>
-              <a:rPr lang="ru-RU" dirty="0" smtClean="0"/>
-              <a:t>Специальное </a:t>
-            </a:r>
-            <a:r>
               <a:rPr lang="ru-RU" dirty="0"/>
-              <a:t>представление в </a:t>
-            </a:r>
-            <a:r>
-              <a:rPr lang="ru-RU" dirty="0" smtClean="0"/>
-              <a:t>схеме </a:t>
-            </a:r>
-            <a:r>
-              <a:rPr lang="ru-RU" dirty="0"/>
-              <a:t>URL:</a:t>
+              <a:t>Специальное представление в схеме URL:</a:t>
             </a:r>
           </a:p>
         </p:txBody>
@@ -16619,7 +15892,7 @@
               <a:tabLst/>
             </a:pPr>
             <a:r>
-              <a:rPr kumimoji="0" lang="ru-RU" altLang="ru-RU" sz="2000" b="1" i="0" u="none" strike="noStrike" cap="none" normalizeH="0" baseline="0" dirty="0" smtClean="0">
+              <a:rPr kumimoji="0" lang="ru-RU" altLang="ru-RU" sz="2000" b="1" i="0" u="none" strike="noStrike" cap="none" normalizeH="0" baseline="0" dirty="0">
                 <a:ln>
                   <a:noFill/>
                 </a:ln>
@@ -16633,7 +15906,7 @@
               <a:t>from </a:t>
             </a:r>
             <a:r>
-              <a:rPr kumimoji="0" lang="ru-RU" altLang="ru-RU" sz="2000" b="0" i="0" u="none" strike="noStrike" cap="none" normalizeH="0" baseline="0" dirty="0" smtClean="0">
+              <a:rPr kumimoji="0" lang="ru-RU" altLang="ru-RU" sz="2000" b="0" i="0" u="none" strike="noStrike" cap="none" normalizeH="0" baseline="0" dirty="0">
                 <a:ln>
                   <a:noFill/>
                 </a:ln>
@@ -16647,7 +15920,7 @@
               <a:t>django.conf.urls </a:t>
             </a:r>
             <a:r>
-              <a:rPr kumimoji="0" lang="ru-RU" altLang="ru-RU" sz="2000" b="1" i="0" u="none" strike="noStrike" cap="none" normalizeH="0" baseline="0" dirty="0" smtClean="0">
+              <a:rPr kumimoji="0" lang="ru-RU" altLang="ru-RU" sz="2000" b="1" i="0" u="none" strike="noStrike" cap="none" normalizeH="0" baseline="0" dirty="0">
                 <a:ln>
                   <a:noFill/>
                 </a:ln>
@@ -16661,7 +15934,7 @@
               <a:t>import </a:t>
             </a:r>
             <a:r>
-              <a:rPr kumimoji="0" lang="ru-RU" altLang="ru-RU" sz="2000" b="0" i="0" u="none" strike="noStrike" cap="none" normalizeH="0" baseline="0" dirty="0" smtClean="0">
+              <a:rPr kumimoji="0" lang="ru-RU" altLang="ru-RU" sz="2000" b="0" i="0" u="none" strike="noStrike" cap="none" normalizeH="0" baseline="0" dirty="0">
                 <a:ln>
                   <a:noFill/>
                 </a:ln>
@@ -16675,7 +15948,7 @@
               <a:t>url, include</a:t>
             </a:r>
             <a:br>
-              <a:rPr kumimoji="0" lang="ru-RU" altLang="ru-RU" sz="2000" b="0" i="0" u="none" strike="noStrike" cap="none" normalizeH="0" baseline="0" dirty="0" smtClean="0">
+              <a:rPr kumimoji="0" lang="ru-RU" altLang="ru-RU" sz="2000" b="0" i="0" u="none" strike="noStrike" cap="none" normalizeH="0" baseline="0" dirty="0">
                 <a:ln>
                   <a:noFill/>
                 </a:ln>
@@ -16688,7 +15961,7 @@
               </a:rPr>
             </a:br>
             <a:r>
-              <a:rPr kumimoji="0" lang="ru-RU" altLang="ru-RU" sz="2000" b="1" i="0" u="none" strike="noStrike" cap="none" normalizeH="0" baseline="0" dirty="0" smtClean="0">
+              <a:rPr kumimoji="0" lang="ru-RU" altLang="ru-RU" sz="2000" b="1" i="0" u="none" strike="noStrike" cap="none" normalizeH="0" baseline="0" dirty="0">
                 <a:ln>
                   <a:noFill/>
                 </a:ln>
@@ -16702,7 +15975,7 @@
               <a:t>from </a:t>
             </a:r>
             <a:r>
-              <a:rPr kumimoji="0" lang="ru-RU" altLang="ru-RU" sz="2000" b="0" i="0" u="none" strike="noStrike" cap="none" normalizeH="0" baseline="0" dirty="0" smtClean="0">
+              <a:rPr kumimoji="0" lang="ru-RU" altLang="ru-RU" sz="2000" b="0" i="0" u="none" strike="noStrike" cap="none" normalizeH="0" baseline="0" dirty="0">
                 <a:ln>
                   <a:noFill/>
                 </a:ln>
@@ -16716,7 +15989,7 @@
               <a:t>django.contrib </a:t>
             </a:r>
             <a:r>
-              <a:rPr kumimoji="0" lang="ru-RU" altLang="ru-RU" sz="2000" b="1" i="0" u="none" strike="noStrike" cap="none" normalizeH="0" baseline="0" dirty="0" smtClean="0">
+              <a:rPr kumimoji="0" lang="ru-RU" altLang="ru-RU" sz="2000" b="1" i="0" u="none" strike="noStrike" cap="none" normalizeH="0" baseline="0" dirty="0">
                 <a:ln>
                   <a:noFill/>
                 </a:ln>
@@ -16730,7 +16003,7 @@
               <a:t>import </a:t>
             </a:r>
             <a:r>
-              <a:rPr kumimoji="0" lang="ru-RU" altLang="ru-RU" sz="2000" b="0" i="0" u="none" strike="noStrike" cap="none" normalizeH="0" baseline="0" dirty="0" smtClean="0">
+              <a:rPr kumimoji="0" lang="ru-RU" altLang="ru-RU" sz="2000" b="0" i="0" u="none" strike="noStrike" cap="none" normalizeH="0" baseline="0" dirty="0">
                 <a:ln>
                   <a:noFill/>
                 </a:ln>
@@ -16744,7 +16017,7 @@
               <a:t>admin</a:t>
             </a:r>
             <a:br>
-              <a:rPr kumimoji="0" lang="ru-RU" altLang="ru-RU" sz="2000" b="0" i="0" u="none" strike="noStrike" cap="none" normalizeH="0" baseline="0" dirty="0" smtClean="0">
+              <a:rPr kumimoji="0" lang="ru-RU" altLang="ru-RU" sz="2000" b="0" i="0" u="none" strike="noStrike" cap="none" normalizeH="0" baseline="0" dirty="0">
                 <a:ln>
                   <a:noFill/>
                 </a:ln>
@@ -16757,7 +16030,7 @@
               </a:rPr>
             </a:br>
             <a:r>
-              <a:rPr kumimoji="0" lang="ru-RU" altLang="ru-RU" sz="2000" b="1" i="0" u="none" strike="noStrike" cap="none" normalizeH="0" baseline="0" dirty="0" smtClean="0">
+              <a:rPr kumimoji="0" lang="ru-RU" altLang="ru-RU" sz="2000" b="1" i="0" u="none" strike="noStrike" cap="none" normalizeH="0" baseline="0" dirty="0">
                 <a:ln>
                   <a:noFill/>
                 </a:ln>
@@ -16771,7 +16044,7 @@
               <a:t>from </a:t>
             </a:r>
             <a:r>
-              <a:rPr kumimoji="0" lang="ru-RU" altLang="ru-RU" sz="2000" b="0" i="0" u="none" strike="noStrike" cap="none" normalizeH="0" baseline="0" dirty="0" smtClean="0">
+              <a:rPr kumimoji="0" lang="ru-RU" altLang="ru-RU" sz="2000" b="0" i="0" u="none" strike="noStrike" cap="none" normalizeH="0" baseline="0" dirty="0">
                 <a:ln>
                   <a:noFill/>
                 </a:ln>
@@ -16785,7 +16058,7 @@
               <a:t>django.contrib.auth </a:t>
             </a:r>
             <a:r>
-              <a:rPr kumimoji="0" lang="ru-RU" altLang="ru-RU" sz="2000" b="1" i="0" u="none" strike="noStrike" cap="none" normalizeH="0" baseline="0" dirty="0" smtClean="0">
+              <a:rPr kumimoji="0" lang="ru-RU" altLang="ru-RU" sz="2000" b="1" i="0" u="none" strike="noStrike" cap="none" normalizeH="0" baseline="0" dirty="0">
                 <a:ln>
                   <a:noFill/>
                 </a:ln>
@@ -16799,7 +16072,7 @@
               <a:t>import </a:t>
             </a:r>
             <a:r>
-              <a:rPr kumimoji="0" lang="ru-RU" altLang="ru-RU" sz="2000" b="0" i="0" u="none" strike="noStrike" cap="none" normalizeH="0" baseline="0" dirty="0" smtClean="0">
+              <a:rPr kumimoji="0" lang="ru-RU" altLang="ru-RU" sz="2000" b="0" i="0" u="none" strike="noStrike" cap="none" normalizeH="0" baseline="0" dirty="0">
                 <a:ln>
                   <a:noFill/>
                 </a:ln>
@@ -16813,7 +16086,7 @@
               <a:t>views</a:t>
             </a:r>
             <a:br>
-              <a:rPr kumimoji="0" lang="ru-RU" altLang="ru-RU" sz="2000" b="0" i="0" u="none" strike="noStrike" cap="none" normalizeH="0" baseline="0" dirty="0" smtClean="0">
+              <a:rPr kumimoji="0" lang="ru-RU" altLang="ru-RU" sz="2000" b="0" i="0" u="none" strike="noStrike" cap="none" normalizeH="0" baseline="0" dirty="0">
                 <a:ln>
                   <a:noFill/>
                 </a:ln>
@@ -16826,7 +16099,7 @@
               </a:rPr>
             </a:br>
             <a:r>
-              <a:rPr kumimoji="0" lang="ru-RU" altLang="ru-RU" sz="2000" b="1" i="0" u="none" strike="noStrike" cap="none" normalizeH="0" baseline="0" dirty="0" smtClean="0">
+              <a:rPr kumimoji="0" lang="ru-RU" altLang="ru-RU" sz="2000" b="1" i="0" u="none" strike="noStrike" cap="none" normalizeH="0" baseline="0" dirty="0">
                 <a:ln>
                   <a:noFill/>
                 </a:ln>
@@ -16840,7 +16113,7 @@
               <a:t>from </a:t>
             </a:r>
             <a:r>
-              <a:rPr kumimoji="0" lang="ru-RU" altLang="ru-RU" sz="2000" b="0" i="0" u="none" strike="noStrike" cap="none" normalizeH="0" baseline="0" dirty="0" smtClean="0">
+              <a:rPr kumimoji="0" lang="ru-RU" altLang="ru-RU" sz="2000" b="0" i="0" u="none" strike="noStrike" cap="none" normalizeH="0" baseline="0" dirty="0">
                 <a:ln>
                   <a:noFill/>
                 </a:ln>
@@ -16854,7 +16127,7 @@
               <a:t>blog.views </a:t>
             </a:r>
             <a:r>
-              <a:rPr kumimoji="0" lang="ru-RU" altLang="ru-RU" sz="2000" b="1" i="0" u="none" strike="noStrike" cap="none" normalizeH="0" baseline="0" dirty="0" smtClean="0">
+              <a:rPr kumimoji="0" lang="ru-RU" altLang="ru-RU" sz="2000" b="1" i="0" u="none" strike="noStrike" cap="none" normalizeH="0" baseline="0" dirty="0">
                 <a:ln>
                   <a:noFill/>
                 </a:ln>
@@ -16868,7 +16141,7 @@
               <a:t>import </a:t>
             </a:r>
             <a:r>
-              <a:rPr kumimoji="0" lang="ru-RU" altLang="ru-RU" sz="2000" b="0" i="0" u="none" strike="noStrike" cap="none" normalizeH="0" baseline="0" dirty="0" smtClean="0">
+              <a:rPr kumimoji="0" lang="ru-RU" altLang="ru-RU" sz="2000" b="0" i="0" u="none" strike="noStrike" cap="none" normalizeH="0" baseline="0" dirty="0">
                 <a:ln>
                   <a:noFill/>
                 </a:ln>
@@ -16882,7 +16155,7 @@
               <a:t>index</a:t>
             </a:r>
             <a:br>
-              <a:rPr kumimoji="0" lang="ru-RU" altLang="ru-RU" sz="2000" b="0" i="0" u="none" strike="noStrike" cap="none" normalizeH="0" baseline="0" dirty="0" smtClean="0">
+              <a:rPr kumimoji="0" lang="ru-RU" altLang="ru-RU" sz="2000" b="0" i="0" u="none" strike="noStrike" cap="none" normalizeH="0" baseline="0" dirty="0">
                 <a:ln>
                   <a:noFill/>
                 </a:ln>
@@ -16894,22 +16167,8 @@
                 <a:cs typeface="Courier New" panose="02070309020205020404" pitchFamily="49" charset="0"/>
               </a:rPr>
             </a:br>
-            <a:r>
-              <a:rPr kumimoji="0" lang="ru-RU" altLang="ru-RU" sz="2000" b="0" i="0" u="none" strike="noStrike" cap="none" normalizeH="0" baseline="0" dirty="0" smtClean="0">
-                <a:ln>
-                  <a:noFill/>
-                </a:ln>
-                <a:solidFill>
-                  <a:srgbClr val="000000"/>
-                </a:solidFill>
-                <a:effectLst/>
-                <a:latin typeface="Courier New" panose="02070309020205020404" pitchFamily="49" charset="0"/>
-                <a:cs typeface="Courier New" panose="02070309020205020404" pitchFamily="49" charset="0"/>
-              </a:rPr>
-              <a:t/>
-            </a:r>
             <a:br>
-              <a:rPr kumimoji="0" lang="ru-RU" altLang="ru-RU" sz="2000" b="0" i="0" u="none" strike="noStrike" cap="none" normalizeH="0" baseline="0" dirty="0" smtClean="0">
+              <a:rPr kumimoji="0" lang="ru-RU" altLang="ru-RU" sz="2000" b="0" i="0" u="none" strike="noStrike" cap="none" normalizeH="0" baseline="0" dirty="0">
                 <a:ln>
                   <a:noFill/>
                 </a:ln>
@@ -16922,7 +16181,7 @@
               </a:rPr>
             </a:br>
             <a:r>
-              <a:rPr kumimoji="0" lang="ru-RU" altLang="ru-RU" sz="2000" b="0" i="0" u="none" strike="noStrike" cap="none" normalizeH="0" baseline="0" dirty="0" smtClean="0">
+              <a:rPr kumimoji="0" lang="ru-RU" altLang="ru-RU" sz="2000" b="0" i="0" u="none" strike="noStrike" cap="none" normalizeH="0" baseline="0" dirty="0">
                 <a:ln>
                   <a:noFill/>
                 </a:ln>
@@ -16936,7 +16195,7 @@
               <a:t>urlpatterns = [</a:t>
             </a:r>
             <a:br>
-              <a:rPr kumimoji="0" lang="ru-RU" altLang="ru-RU" sz="2000" b="0" i="0" u="none" strike="noStrike" cap="none" normalizeH="0" baseline="0" dirty="0" smtClean="0">
+              <a:rPr kumimoji="0" lang="ru-RU" altLang="ru-RU" sz="2000" b="0" i="0" u="none" strike="noStrike" cap="none" normalizeH="0" baseline="0" dirty="0">
                 <a:ln>
                   <a:noFill/>
                 </a:ln>
@@ -16949,7 +16208,7 @@
               </a:rPr>
             </a:br>
             <a:r>
-              <a:rPr kumimoji="0" lang="ru-RU" altLang="ru-RU" sz="2000" b="0" i="0" u="none" strike="noStrike" cap="none" normalizeH="0" baseline="0" dirty="0" smtClean="0">
+              <a:rPr kumimoji="0" lang="ru-RU" altLang="ru-RU" sz="2000" b="0" i="0" u="none" strike="noStrike" cap="none" normalizeH="0" baseline="0" dirty="0">
                 <a:ln>
                   <a:noFill/>
                 </a:ln>
@@ -16963,7 +16222,7 @@
               <a:t>    url(</a:t>
             </a:r>
             <a:r>
-              <a:rPr kumimoji="0" lang="ru-RU" altLang="ru-RU" sz="2000" b="1" i="0" u="none" strike="noStrike" cap="none" normalizeH="0" baseline="0" dirty="0" smtClean="0">
+              <a:rPr kumimoji="0" lang="ru-RU" altLang="ru-RU" sz="2000" b="1" i="0" u="none" strike="noStrike" cap="none" normalizeH="0" baseline="0" dirty="0">
                 <a:ln>
                   <a:noFill/>
                 </a:ln>
@@ -16977,7 +16236,7 @@
               <a:t>r'^admin/'</a:t>
             </a:r>
             <a:r>
-              <a:rPr kumimoji="0" lang="ru-RU" altLang="ru-RU" sz="2000" b="0" i="0" u="none" strike="noStrike" cap="none" normalizeH="0" baseline="0" dirty="0" smtClean="0">
+              <a:rPr kumimoji="0" lang="ru-RU" altLang="ru-RU" sz="2000" b="0" i="0" u="none" strike="noStrike" cap="none" normalizeH="0" baseline="0" dirty="0">
                 <a:ln>
                   <a:noFill/>
                 </a:ln>
@@ -16991,7 +16250,7 @@
               <a:t>, admin.site.urls),</a:t>
             </a:r>
             <a:br>
-              <a:rPr kumimoji="0" lang="ru-RU" altLang="ru-RU" sz="2000" b="0" i="0" u="none" strike="noStrike" cap="none" normalizeH="0" baseline="0" dirty="0" smtClean="0">
+              <a:rPr kumimoji="0" lang="ru-RU" altLang="ru-RU" sz="2000" b="0" i="0" u="none" strike="noStrike" cap="none" normalizeH="0" baseline="0" dirty="0">
                 <a:ln>
                   <a:noFill/>
                 </a:ln>
@@ -17004,7 +16263,7 @@
               </a:rPr>
             </a:br>
             <a:r>
-              <a:rPr kumimoji="0" lang="ru-RU" altLang="ru-RU" sz="2000" b="0" i="0" u="none" strike="noStrike" cap="none" normalizeH="0" baseline="0" dirty="0" smtClean="0">
+              <a:rPr kumimoji="0" lang="ru-RU" altLang="ru-RU" sz="2000" b="0" i="0" u="none" strike="noStrike" cap="none" normalizeH="0" baseline="0" dirty="0">
                 <a:ln>
                   <a:noFill/>
                 </a:ln>
@@ -17018,7 +16277,7 @@
               <a:t>    url(</a:t>
             </a:r>
             <a:r>
-              <a:rPr kumimoji="0" lang="ru-RU" altLang="ru-RU" sz="2000" b="1" i="0" u="none" strike="noStrike" cap="none" normalizeH="0" baseline="0" dirty="0" smtClean="0">
+              <a:rPr kumimoji="0" lang="ru-RU" altLang="ru-RU" sz="2000" b="1" i="0" u="none" strike="noStrike" cap="none" normalizeH="0" baseline="0" dirty="0">
                 <a:ln>
                   <a:noFill/>
                 </a:ln>
@@ -17032,7 +16291,7 @@
               <a:t>'^$'</a:t>
             </a:r>
             <a:r>
-              <a:rPr kumimoji="0" lang="ru-RU" altLang="ru-RU" sz="2000" b="0" i="0" u="none" strike="noStrike" cap="none" normalizeH="0" baseline="0" dirty="0" smtClean="0">
+              <a:rPr kumimoji="0" lang="ru-RU" altLang="ru-RU" sz="2000" b="0" i="0" u="none" strike="noStrike" cap="none" normalizeH="0" baseline="0" dirty="0">
                 <a:ln>
                   <a:noFill/>
                 </a:ln>
@@ -17046,7 +16305,7 @@
               <a:t>, index, </a:t>
             </a:r>
             <a:r>
-              <a:rPr kumimoji="0" lang="ru-RU" altLang="ru-RU" sz="2000" b="0" i="0" u="none" strike="noStrike" cap="none" normalizeH="0" baseline="0" dirty="0" smtClean="0">
+              <a:rPr kumimoji="0" lang="ru-RU" altLang="ru-RU" sz="2000" b="0" i="0" u="none" strike="noStrike" cap="none" normalizeH="0" baseline="0" dirty="0">
                 <a:ln>
                   <a:noFill/>
                 </a:ln>
@@ -17060,7 +16319,7 @@
               <a:t>name</a:t>
             </a:r>
             <a:r>
-              <a:rPr kumimoji="0" lang="ru-RU" altLang="ru-RU" sz="2000" b="0" i="0" u="none" strike="noStrike" cap="none" normalizeH="0" baseline="0" dirty="0" smtClean="0">
+              <a:rPr kumimoji="0" lang="ru-RU" altLang="ru-RU" sz="2000" b="0" i="0" u="none" strike="noStrike" cap="none" normalizeH="0" baseline="0" dirty="0">
                 <a:ln>
                   <a:noFill/>
                 </a:ln>
@@ -17074,7 +16333,7 @@
               <a:t>=</a:t>
             </a:r>
             <a:r>
-              <a:rPr kumimoji="0" lang="ru-RU" altLang="ru-RU" sz="2000" b="1" i="0" u="none" strike="noStrike" cap="none" normalizeH="0" baseline="0" dirty="0" smtClean="0">
+              <a:rPr kumimoji="0" lang="ru-RU" altLang="ru-RU" sz="2000" b="1" i="0" u="none" strike="noStrike" cap="none" normalizeH="0" baseline="0" dirty="0">
                 <a:ln>
                   <a:noFill/>
                 </a:ln>
@@ -17088,7 +16347,7 @@
               <a:t>'index'</a:t>
             </a:r>
             <a:r>
-              <a:rPr kumimoji="0" lang="ru-RU" altLang="ru-RU" sz="2000" b="0" i="0" u="none" strike="noStrike" cap="none" normalizeH="0" baseline="0" dirty="0" smtClean="0">
+              <a:rPr kumimoji="0" lang="ru-RU" altLang="ru-RU" sz="2000" b="0" i="0" u="none" strike="noStrike" cap="none" normalizeH="0" baseline="0" dirty="0">
                 <a:ln>
                   <a:noFill/>
                 </a:ln>
@@ -17102,7 +16361,7 @@
               <a:t>),</a:t>
             </a:r>
             <a:br>
-              <a:rPr kumimoji="0" lang="ru-RU" altLang="ru-RU" sz="2000" b="0" i="0" u="none" strike="noStrike" cap="none" normalizeH="0" baseline="0" dirty="0" smtClean="0">
+              <a:rPr kumimoji="0" lang="ru-RU" altLang="ru-RU" sz="2000" b="0" i="0" u="none" strike="noStrike" cap="none" normalizeH="0" baseline="0" dirty="0">
                 <a:ln>
                   <a:noFill/>
                 </a:ln>
@@ -17115,7 +16374,7 @@
               </a:rPr>
             </a:br>
             <a:r>
-              <a:rPr kumimoji="0" lang="ru-RU" altLang="ru-RU" sz="2000" b="0" i="0" u="none" strike="noStrike" cap="none" normalizeH="0" baseline="0" dirty="0" smtClean="0">
+              <a:rPr kumimoji="0" lang="ru-RU" altLang="ru-RU" sz="2000" b="0" i="0" u="none" strike="noStrike" cap="none" normalizeH="0" baseline="0" dirty="0">
                 <a:ln>
                   <a:noFill/>
                 </a:ln>
@@ -17129,7 +16388,7 @@
               <a:t>    url(</a:t>
             </a:r>
             <a:r>
-              <a:rPr kumimoji="0" lang="ru-RU" altLang="ru-RU" sz="2000" b="1" i="0" u="none" strike="noStrike" cap="none" normalizeH="0" baseline="0" dirty="0" smtClean="0">
+              <a:rPr kumimoji="0" lang="ru-RU" altLang="ru-RU" sz="2000" b="1" i="0" u="none" strike="noStrike" cap="none" normalizeH="0" baseline="0" dirty="0">
                 <a:ln>
                   <a:noFill/>
                 </a:ln>
@@ -17143,7 +16402,7 @@
               <a:t>r'^'</a:t>
             </a:r>
             <a:r>
-              <a:rPr kumimoji="0" lang="ru-RU" altLang="ru-RU" sz="2000" b="0" i="0" u="none" strike="noStrike" cap="none" normalizeH="0" baseline="0" dirty="0" smtClean="0">
+              <a:rPr kumimoji="0" lang="ru-RU" altLang="ru-RU" sz="2000" b="0" i="0" u="none" strike="noStrike" cap="none" normalizeH="0" baseline="0" dirty="0">
                 <a:ln>
                   <a:noFill/>
                 </a:ln>
@@ -17157,7 +16416,7 @@
               <a:t>, include(</a:t>
             </a:r>
             <a:r>
-              <a:rPr kumimoji="0" lang="ru-RU" altLang="ru-RU" sz="2000" b="1" i="0" u="none" strike="noStrike" cap="none" normalizeH="0" baseline="0" dirty="0" smtClean="0">
+              <a:rPr kumimoji="0" lang="ru-RU" altLang="ru-RU" sz="2000" b="1" i="0" u="none" strike="noStrike" cap="none" normalizeH="0" baseline="0" dirty="0">
                 <a:ln>
                   <a:noFill/>
                 </a:ln>
@@ -17171,7 +16430,7 @@
               <a:t>'blog.urls'</a:t>
             </a:r>
             <a:r>
-              <a:rPr kumimoji="0" lang="ru-RU" altLang="ru-RU" sz="2000" b="0" i="0" u="none" strike="noStrike" cap="none" normalizeH="0" baseline="0" dirty="0" smtClean="0">
+              <a:rPr kumimoji="0" lang="ru-RU" altLang="ru-RU" sz="2000" b="0" i="0" u="none" strike="noStrike" cap="none" normalizeH="0" baseline="0" dirty="0">
                 <a:ln>
                   <a:noFill/>
                 </a:ln>
@@ -17185,7 +16444,7 @@
               <a:t>)),</a:t>
             </a:r>
             <a:br>
-              <a:rPr kumimoji="0" lang="ru-RU" altLang="ru-RU" sz="2000" b="0" i="0" u="none" strike="noStrike" cap="none" normalizeH="0" baseline="0" dirty="0" smtClean="0">
+              <a:rPr kumimoji="0" lang="ru-RU" altLang="ru-RU" sz="2000" b="0" i="0" u="none" strike="noStrike" cap="none" normalizeH="0" baseline="0" dirty="0">
                 <a:ln>
                   <a:noFill/>
                 </a:ln>
@@ -17198,7 +16457,7 @@
               </a:rPr>
             </a:br>
             <a:r>
-              <a:rPr kumimoji="0" lang="ru-RU" altLang="ru-RU" sz="2000" b="0" i="0" u="none" strike="noStrike" cap="none" normalizeH="0" baseline="0" dirty="0" smtClean="0">
+              <a:rPr kumimoji="0" lang="ru-RU" altLang="ru-RU" sz="2000" b="0" i="0" u="none" strike="noStrike" cap="none" normalizeH="0" baseline="0" dirty="0">
                 <a:ln>
                   <a:noFill/>
                 </a:ln>
@@ -17212,7 +16471,7 @@
               <a:t>    url(</a:t>
             </a:r>
             <a:r>
-              <a:rPr kumimoji="0" lang="ru-RU" altLang="ru-RU" sz="2000" b="1" i="0" u="none" strike="noStrike" cap="none" normalizeH="0" baseline="0" dirty="0" smtClean="0">
+              <a:rPr kumimoji="0" lang="ru-RU" altLang="ru-RU" sz="2000" b="1" i="0" u="none" strike="noStrike" cap="none" normalizeH="0" baseline="0" dirty="0">
                 <a:ln>
                   <a:noFill/>
                 </a:ln>
@@ -17226,7 +16485,7 @@
               <a:t>r'^login/$'</a:t>
             </a:r>
             <a:r>
-              <a:rPr kumimoji="0" lang="ru-RU" altLang="ru-RU" sz="2000" b="0" i="0" u="none" strike="noStrike" cap="none" normalizeH="0" baseline="0" dirty="0" smtClean="0">
+              <a:rPr kumimoji="0" lang="ru-RU" altLang="ru-RU" sz="2000" b="0" i="0" u="none" strike="noStrike" cap="none" normalizeH="0" baseline="0" dirty="0">
                 <a:ln>
                   <a:noFill/>
                 </a:ln>
@@ -17240,7 +16499,7 @@
               <a:t>, views.login, </a:t>
             </a:r>
             <a:r>
-              <a:rPr kumimoji="0" lang="ru-RU" altLang="ru-RU" sz="2000" b="0" i="0" u="none" strike="noStrike" cap="none" normalizeH="0" baseline="0" dirty="0" smtClean="0">
+              <a:rPr kumimoji="0" lang="ru-RU" altLang="ru-RU" sz="2000" b="0" i="0" u="none" strike="noStrike" cap="none" normalizeH="0" baseline="0" dirty="0">
                 <a:ln>
                   <a:noFill/>
                 </a:ln>
@@ -17254,7 +16513,7 @@
               <a:t>name</a:t>
             </a:r>
             <a:r>
-              <a:rPr kumimoji="0" lang="ru-RU" altLang="ru-RU" sz="2000" b="0" i="0" u="none" strike="noStrike" cap="none" normalizeH="0" baseline="0" dirty="0" smtClean="0">
+              <a:rPr kumimoji="0" lang="ru-RU" altLang="ru-RU" sz="2000" b="0" i="0" u="none" strike="noStrike" cap="none" normalizeH="0" baseline="0" dirty="0">
                 <a:ln>
                   <a:noFill/>
                 </a:ln>
@@ -17268,7 +16527,7 @@
               <a:t>=</a:t>
             </a:r>
             <a:r>
-              <a:rPr kumimoji="0" lang="ru-RU" altLang="ru-RU" sz="2000" b="1" i="0" u="none" strike="noStrike" cap="none" normalizeH="0" baseline="0" dirty="0" smtClean="0">
+              <a:rPr kumimoji="0" lang="ru-RU" altLang="ru-RU" sz="2000" b="1" i="0" u="none" strike="noStrike" cap="none" normalizeH="0" baseline="0" dirty="0">
                 <a:ln>
                   <a:noFill/>
                 </a:ln>
@@ -17279,24 +16538,10 @@
                 <a:latin typeface="Courier New" panose="02070309020205020404" pitchFamily="49" charset="0"/>
                 <a:cs typeface="Courier New" panose="02070309020205020404" pitchFamily="49" charset="0"/>
               </a:rPr>
-              <a:t>"blog_login</a:t>
-            </a:r>
-            <a:r>
-              <a:rPr kumimoji="0" lang="ru-RU" altLang="ru-RU" sz="2000" b="1" i="0" u="none" strike="noStrike" cap="none" normalizeH="0" baseline="0" dirty="0" smtClean="0">
-                <a:ln>
-                  <a:noFill/>
-                </a:ln>
-                <a:solidFill>
-                  <a:srgbClr val="008080"/>
-                </a:solidFill>
-                <a:effectLst/>
-                <a:latin typeface="Courier New" panose="02070309020205020404" pitchFamily="49" charset="0"/>
-                <a:cs typeface="Courier New" panose="02070309020205020404" pitchFamily="49" charset="0"/>
-              </a:rPr>
-              <a:t>"</a:t>
-            </a:r>
-            <a:r>
-              <a:rPr kumimoji="0" lang="ru-RU" altLang="ru-RU" sz="2000" b="0" i="0" u="none" strike="noStrike" cap="none" normalizeH="0" baseline="0" dirty="0" smtClean="0">
+              <a:t>"blog_login"</a:t>
+            </a:r>
+            <a:r>
+              <a:rPr kumimoji="0" lang="ru-RU" altLang="ru-RU" sz="2000" b="0" i="0" u="none" strike="noStrike" cap="none" normalizeH="0" baseline="0" dirty="0">
                 <a:ln>
                   <a:noFill/>
                 </a:ln>
@@ -17309,22 +16554,8 @@
               </a:rPr>
               <a:t>)</a:t>
             </a:r>
-            <a:r>
-              <a:rPr kumimoji="0" lang="ru-RU" altLang="ru-RU" sz="2000" b="0" i="0" u="none" strike="noStrike" cap="none" normalizeH="0" baseline="0" dirty="0" smtClean="0">
-                <a:ln>
-                  <a:noFill/>
-                </a:ln>
-                <a:solidFill>
-                  <a:srgbClr val="000000"/>
-                </a:solidFill>
-                <a:effectLst/>
-                <a:latin typeface="Courier New" panose="02070309020205020404" pitchFamily="49" charset="0"/>
-                <a:cs typeface="Courier New" panose="02070309020205020404" pitchFamily="49" charset="0"/>
-              </a:rPr>
-              <a:t/>
-            </a:r>
             <a:br>
-              <a:rPr kumimoji="0" lang="ru-RU" altLang="ru-RU" sz="2000" b="0" i="0" u="none" strike="noStrike" cap="none" normalizeH="0" baseline="0" dirty="0" smtClean="0">
+              <a:rPr kumimoji="0" lang="ru-RU" altLang="ru-RU" sz="2000" b="0" i="0" u="none" strike="noStrike" cap="none" normalizeH="0" baseline="0" dirty="0">
                 <a:ln>
                   <a:noFill/>
                 </a:ln>
@@ -17336,7 +16567,7 @@
                 <a:cs typeface="Courier New" panose="02070309020205020404" pitchFamily="49" charset="0"/>
               </a:rPr>
             </a:br>
-            <a:endParaRPr kumimoji="0" lang="en-US" altLang="ru-RU" sz="2000" b="0" i="0" u="none" strike="noStrike" cap="none" normalizeH="0" baseline="0" dirty="0" smtClean="0">
+            <a:endParaRPr kumimoji="0" lang="en-US" altLang="ru-RU" sz="2000" b="0" i="0" u="none" strike="noStrike" cap="none" normalizeH="0" baseline="0" dirty="0">
               <a:ln>
                 <a:noFill/>
               </a:ln>
@@ -17391,7 +16622,7 @@
               <a:tabLst/>
             </a:pPr>
             <a:r>
-              <a:rPr kumimoji="0" lang="ru-RU" altLang="ru-RU" sz="2000" b="0" i="0" u="none" strike="noStrike" cap="none" normalizeH="0" baseline="0" dirty="0" smtClean="0">
+              <a:rPr kumimoji="0" lang="ru-RU" altLang="ru-RU" sz="2000" b="0" i="0" u="none" strike="noStrike" cap="none" normalizeH="0" baseline="0" dirty="0">
                 <a:ln>
                   <a:noFill/>
                 </a:ln>
@@ -17404,7 +16635,7 @@
               </a:rPr>
               <a:t>]</a:t>
             </a:r>
-            <a:endParaRPr kumimoji="0" lang="ru-RU" altLang="ru-RU" sz="4400" b="0" i="0" u="none" strike="noStrike" cap="none" normalizeH="0" baseline="0" dirty="0" smtClean="0">
+            <a:endParaRPr kumimoji="0" lang="ru-RU" altLang="ru-RU" sz="4400" b="0" i="0" u="none" strike="noStrike" cap="none" normalizeH="0" baseline="0" dirty="0">
               <a:ln>
                 <a:noFill/>
               </a:ln>
@@ -17580,7 +16811,7 @@
               <a:tabLst/>
             </a:pPr>
             <a:r>
-              <a:rPr kumimoji="0" lang="ru-RU" altLang="ru-RU" sz="2000" b="0" i="0" u="none" strike="noStrike" cap="none" normalizeH="0" baseline="0" dirty="0" smtClean="0">
+              <a:rPr kumimoji="0" lang="ru-RU" altLang="ru-RU" sz="2000" b="0" i="0" u="none" strike="noStrike" cap="none" normalizeH="0" baseline="0" dirty="0">
                 <a:ln>
                   <a:noFill/>
                 </a:ln>
@@ -17594,7 +16825,7 @@
               <a:t>url(</a:t>
             </a:r>
             <a:r>
-              <a:rPr kumimoji="0" lang="ru-RU" altLang="ru-RU" sz="2000" b="1" i="0" u="none" strike="noStrike" cap="none" normalizeH="0" baseline="0" dirty="0" smtClean="0">
+              <a:rPr kumimoji="0" lang="ru-RU" altLang="ru-RU" sz="2000" b="1" i="0" u="none" strike="noStrike" cap="none" normalizeH="0" baseline="0" dirty="0">
                 <a:ln>
                   <a:noFill/>
                 </a:ln>
@@ -17608,7 +16839,7 @@
               <a:t>r'^logout/$'</a:t>
             </a:r>
             <a:r>
-              <a:rPr kumimoji="0" lang="ru-RU" altLang="ru-RU" sz="2000" b="0" i="0" u="none" strike="noStrike" cap="none" normalizeH="0" baseline="0" dirty="0" smtClean="0">
+              <a:rPr kumimoji="0" lang="ru-RU" altLang="ru-RU" sz="2000" b="0" i="0" u="none" strike="noStrike" cap="none" normalizeH="0" baseline="0" dirty="0">
                 <a:ln>
                   <a:noFill/>
                 </a:ln>
@@ -17622,7 +16853,7 @@
               <a:t>, views.logout, {</a:t>
             </a:r>
             <a:r>
-              <a:rPr kumimoji="0" lang="ru-RU" altLang="ru-RU" sz="2000" b="1" i="0" u="none" strike="noStrike" cap="none" normalizeH="0" baseline="0" dirty="0" smtClean="0">
+              <a:rPr kumimoji="0" lang="ru-RU" altLang="ru-RU" sz="2000" b="1" i="0" u="none" strike="noStrike" cap="none" normalizeH="0" baseline="0" dirty="0">
                 <a:ln>
                   <a:noFill/>
                 </a:ln>
@@ -17636,7 +16867,7 @@
               <a:t>'next_page'</a:t>
             </a:r>
             <a:r>
-              <a:rPr kumimoji="0" lang="ru-RU" altLang="ru-RU" sz="2000" b="0" i="0" u="none" strike="noStrike" cap="none" normalizeH="0" baseline="0" dirty="0" smtClean="0">
+              <a:rPr kumimoji="0" lang="ru-RU" altLang="ru-RU" sz="2000" b="0" i="0" u="none" strike="noStrike" cap="none" normalizeH="0" baseline="0" dirty="0">
                 <a:ln>
                   <a:noFill/>
                 </a:ln>
@@ -17650,7 +16881,7 @@
               <a:t>: </a:t>
             </a:r>
             <a:r>
-              <a:rPr kumimoji="0" lang="ru-RU" altLang="ru-RU" sz="2000" b="1" i="0" u="none" strike="noStrike" cap="none" normalizeH="0" baseline="0" dirty="0" smtClean="0">
+              <a:rPr kumimoji="0" lang="ru-RU" altLang="ru-RU" sz="2000" b="1" i="0" u="none" strike="noStrike" cap="none" normalizeH="0" baseline="0" dirty="0">
                 <a:ln>
                   <a:noFill/>
                 </a:ln>
@@ -17664,7 +16895,7 @@
               <a:t>"index"</a:t>
             </a:r>
             <a:r>
-              <a:rPr kumimoji="0" lang="ru-RU" altLang="ru-RU" sz="2000" b="0" i="0" u="none" strike="noStrike" cap="none" normalizeH="0" baseline="0" dirty="0" smtClean="0">
+              <a:rPr kumimoji="0" lang="ru-RU" altLang="ru-RU" sz="2000" b="0" i="0" u="none" strike="noStrike" cap="none" normalizeH="0" baseline="0" dirty="0">
                 <a:ln>
                   <a:noFill/>
                 </a:ln>
@@ -17678,7 +16909,7 @@
               <a:t>}, </a:t>
             </a:r>
             <a:r>
-              <a:rPr kumimoji="0" lang="ru-RU" altLang="ru-RU" sz="2000" b="0" i="0" u="none" strike="noStrike" cap="none" normalizeH="0" baseline="0" dirty="0" smtClean="0">
+              <a:rPr kumimoji="0" lang="ru-RU" altLang="ru-RU" sz="2000" b="0" i="0" u="none" strike="noStrike" cap="none" normalizeH="0" baseline="0" dirty="0">
                 <a:ln>
                   <a:noFill/>
                 </a:ln>
@@ -17692,7 +16923,7 @@
               <a:t>name</a:t>
             </a:r>
             <a:r>
-              <a:rPr kumimoji="0" lang="ru-RU" altLang="ru-RU" sz="2000" b="0" i="0" u="none" strike="noStrike" cap="none" normalizeH="0" baseline="0" dirty="0" smtClean="0">
+              <a:rPr kumimoji="0" lang="ru-RU" altLang="ru-RU" sz="2000" b="0" i="0" u="none" strike="noStrike" cap="none" normalizeH="0" baseline="0" dirty="0">
                 <a:ln>
                   <a:noFill/>
                 </a:ln>
@@ -17706,7 +16937,7 @@
               <a:t>=</a:t>
             </a:r>
             <a:r>
-              <a:rPr kumimoji="0" lang="ru-RU" altLang="ru-RU" sz="2000" b="1" i="0" u="none" strike="noStrike" cap="none" normalizeH="0" baseline="0" dirty="0" smtClean="0">
+              <a:rPr kumimoji="0" lang="ru-RU" altLang="ru-RU" sz="2000" b="1" i="0" u="none" strike="noStrike" cap="none" normalizeH="0" baseline="0" dirty="0">
                 <a:ln>
                   <a:noFill/>
                 </a:ln>
@@ -17720,7 +16951,7 @@
               <a:t>"blog_logout"</a:t>
             </a:r>
             <a:r>
-              <a:rPr kumimoji="0" lang="ru-RU" altLang="ru-RU" sz="2000" b="0" i="0" u="none" strike="noStrike" cap="none" normalizeH="0" baseline="0" dirty="0" smtClean="0">
+              <a:rPr kumimoji="0" lang="ru-RU" altLang="ru-RU" sz="2000" b="0" i="0" u="none" strike="noStrike" cap="none" normalizeH="0" baseline="0" dirty="0">
                 <a:ln>
                   <a:noFill/>
                 </a:ln>
@@ -17733,7 +16964,7 @@
               </a:rPr>
               <a:t>)</a:t>
             </a:r>
-            <a:endParaRPr kumimoji="0" lang="ru-RU" altLang="ru-RU" sz="2000" b="0" i="0" u="none" strike="noStrike" cap="none" normalizeH="0" baseline="0" dirty="0" smtClean="0">
+            <a:endParaRPr kumimoji="0" lang="ru-RU" altLang="ru-RU" sz="2000" b="0" i="0" u="none" strike="noStrike" cap="none" normalizeH="0" baseline="0" dirty="0">
               <a:ln>
                 <a:noFill/>
               </a:ln>
@@ -18962,15 +18193,6 @@
 </file>
 
 <file path=customXml/item2.xml><?xml version="1.0" encoding="utf-8"?>
-<?mso-contentType ?>
-<FormTemplates xmlns="http://schemas.microsoft.com/sharepoint/v3/contenttype/forms">
-  <Display>DocumentLibraryForm</Display>
-  <Edit>DocumentLibraryForm</Edit>
-  <New>DocumentLibraryForm</New>
-</FormTemplates>
-</file>
-
-<file path=customXml/item3.xml><?xml version="1.0" encoding="utf-8"?>
 <ct:contentTypeSchema xmlns:ct="http://schemas.microsoft.com/office/2006/metadata/contentType" xmlns:ma="http://schemas.microsoft.com/office/2006/metadata/properties/metaAttributes" ct:_="" ma:_="" ma:contentTypeName="Document" ma:contentTypeID="0x010100496889825850D44592AC5D2F43187AE4" ma:contentTypeVersion="5" ma:contentTypeDescription="Create a new document." ma:contentTypeScope="" ma:versionID="fde90edb5a63ba841bca516fd2abaf95">
   <xsd:schema xmlns:xsd="http://www.w3.org/2001/XMLSchema" xmlns:xs="http://www.w3.org/2001/XMLSchema" xmlns:p="http://schemas.microsoft.com/office/2006/metadata/properties" xmlns:ns1="http://schemas.microsoft.com/sharepoint/v3" xmlns:ns2="230e9df3-be65-4c73-a93b-d1236ebd677e" xmlns:ns3="27aa9422-7f1f-4c84-9cdf-302b1a67e513" targetNamespace="http://schemas.microsoft.com/office/2006/metadata/properties" ma:root="true" ma:fieldsID="5e7808ae941cc340dbe51a3031959734" ns1:_="" ns2:_="" ns3:_="">
     <xsd:import namespace="http://schemas.microsoft.com/sharepoint/v3"/>
@@ -19152,6 +18374,15 @@
 </ct:contentTypeSchema>
 </file>
 
+<file path=customXml/item3.xml><?xml version="1.0" encoding="utf-8"?>
+<?mso-contentType ?>
+<FormTemplates xmlns="http://schemas.microsoft.com/sharepoint/v3/contenttype/forms">
+  <Display>DocumentLibraryForm</Display>
+  <Edit>DocumentLibraryForm</Edit>
+  <New>DocumentLibraryForm</New>
+</FormTemplates>
+</file>
+
 <file path=customXml/itemProps1.xml><?xml version="1.0" encoding="utf-8"?>
 <ds:datastoreItem xmlns:ds="http://schemas.openxmlformats.org/officeDocument/2006/customXml" ds:itemID="{7025FDD9-4C58-4084-9F89-0E6ADD6FFF55}">
   <ds:schemaRefs>
@@ -19171,14 +18402,6 @@
 </file>
 
 <file path=customXml/itemProps2.xml><?xml version="1.0" encoding="utf-8"?>
-<ds:datastoreItem xmlns:ds="http://schemas.openxmlformats.org/officeDocument/2006/customXml" ds:itemID="{B0CA13EC-1D3C-4D6F-8D1C-E8A452CFC79A}">
-  <ds:schemaRefs>
-    <ds:schemaRef ds:uri="http://schemas.microsoft.com/sharepoint/v3/contenttype/forms"/>
-  </ds:schemaRefs>
-</ds:datastoreItem>
-</file>
-
-<file path=customXml/itemProps3.xml><?xml version="1.0" encoding="utf-8"?>
 <ds:datastoreItem xmlns:ds="http://schemas.openxmlformats.org/officeDocument/2006/customXml" ds:itemID="{3253B29C-1CCD-4FE8-A1C4-023A0910DF96}">
   <ds:schemaRefs>
     <ds:schemaRef ds:uri="http://schemas.microsoft.com/office/2006/metadata/contentType"/>
@@ -19196,4 +18419,12 @@
     <ds:schemaRef ds:uri="http://schemas.microsoft.com/internal/obd"/>
   </ds:schemaRefs>
 </ds:datastoreItem>
+</file>
+
+<file path=customXml/itemProps3.xml><?xml version="1.0" encoding="utf-8"?>
+<ds:datastoreItem xmlns:ds="http://schemas.openxmlformats.org/officeDocument/2006/customXml" ds:itemID="{B0CA13EC-1D3C-4D6F-8D1C-E8A452CFC79A}">
+  <ds:schemaRefs>
+    <ds:schemaRef ds:uri="http://schemas.microsoft.com/sharepoint/v3/contenttype/forms"/>
+  </ds:schemaRefs>
+</ds:datastoreItem>
 </file>